--- a/PPT/答辩.pptx
+++ b/PPT/答辩.pptx
@@ -1,14 +1,15 @@
 
 <file path=ppt/presentation.xml><?xml version="1.0" encoding="utf-8"?>
-<p:presentation xmlns:a="http://schemas.openxmlformats.org/drawingml/2006/main" xmlns:r="http://schemas.openxmlformats.org/officeDocument/2006/relationships" xmlns:p="http://schemas.openxmlformats.org/presentationml/2006/main" xmlns:m="http://schemas.openxmlformats.org/officeDocument/2006/math" xmlns:a14="http://schemas.microsoft.com/office/drawing/2010/main">
+<p:presentation xmlns:a="http://schemas.openxmlformats.org/drawingml/2006/main" xmlns:r="http://schemas.openxmlformats.org/officeDocument/2006/relationships" xmlns:p="http://schemas.openxmlformats.org/presentationml/2006/main">
   <p:sldMasterIdLst>
-    <p:sldMasterId id="2147483648" r:id="rId5"/>
+    <p:sldMasterId id="2147483648" r:id="rId1"/>
   </p:sldMasterIdLst>
   <p:notesMasterIdLst>
-    <p:notesMasterId r:id="rId7"/>
+    <p:notesMasterId r:id="rId4"/>
   </p:notesMasterIdLst>
   <p:sldIdLst>
-    <p:sldId id="256" r:id="rId8"/>
+    <p:sldId id="256" r:id="rId2"/>
+    <p:sldId id="272" r:id="rId3"/>
   </p:sldIdLst>
   <p:sldSz cx="12192000" cy="6858000"/>
   <p:notesSz cx="6858000" cy="9144000"/>
@@ -28,7 +29,7 @@
       <a:buFontTx/>
       <a:buNone/>
       <a:tabLst/>
-      <a:defRPr b="0" baseline="0" cap="none" i="0" spc="0" strike="noStrike" sz="1800" u="none" kumimoji="0" normalizeH="0">
+      <a:defRPr kumimoji="0" sz="1800" b="0" i="0" u="none" strike="noStrike" cap="none" spc="0" normalizeH="0" baseline="0">
         <a:ln>
           <a:noFill/>
         </a:ln>
@@ -54,7 +55,7 @@
       <a:buFontTx/>
       <a:buNone/>
       <a:tabLst/>
-      <a:defRPr b="0" baseline="0" cap="none" i="0" spc="0" strike="noStrike" sz="1800" u="none" kumimoji="0" normalizeH="0">
+      <a:defRPr kumimoji="0" sz="1800" b="0" i="0" u="none" strike="noStrike" cap="none" spc="0" normalizeH="0" baseline="0">
         <a:ln>
           <a:noFill/>
         </a:ln>
@@ -84,7 +85,7 @@
       <a:buFontTx/>
       <a:buNone/>
       <a:tabLst/>
-      <a:defRPr b="0" baseline="0" cap="none" i="0" spc="0" strike="noStrike" sz="1800" u="none" kumimoji="0" normalizeH="0">
+      <a:defRPr kumimoji="0" sz="1800" b="0" i="0" u="none" strike="noStrike" cap="none" spc="0" normalizeH="0" baseline="0">
         <a:ln>
           <a:noFill/>
         </a:ln>
@@ -114,7 +115,7 @@
       <a:buFontTx/>
       <a:buNone/>
       <a:tabLst/>
-      <a:defRPr b="0" baseline="0" cap="none" i="0" spc="0" strike="noStrike" sz="1800" u="none" kumimoji="0" normalizeH="0">
+      <a:defRPr kumimoji="0" sz="1800" b="0" i="0" u="none" strike="noStrike" cap="none" spc="0" normalizeH="0" baseline="0">
         <a:ln>
           <a:noFill/>
         </a:ln>
@@ -144,7 +145,7 @@
       <a:buFontTx/>
       <a:buNone/>
       <a:tabLst/>
-      <a:defRPr b="0" baseline="0" cap="none" i="0" spc="0" strike="noStrike" sz="1800" u="none" kumimoji="0" normalizeH="0">
+      <a:defRPr kumimoji="0" sz="1800" b="0" i="0" u="none" strike="noStrike" cap="none" spc="0" normalizeH="0" baseline="0">
         <a:ln>
           <a:noFill/>
         </a:ln>
@@ -174,7 +175,7 @@
       <a:buFontTx/>
       <a:buNone/>
       <a:tabLst/>
-      <a:defRPr b="0" baseline="0" cap="none" i="0" spc="0" strike="noStrike" sz="1800" u="none" kumimoji="0" normalizeH="0">
+      <a:defRPr kumimoji="0" sz="1800" b="0" i="0" u="none" strike="noStrike" cap="none" spc="0" normalizeH="0" baseline="0">
         <a:ln>
           <a:noFill/>
         </a:ln>
@@ -204,7 +205,7 @@
       <a:buFontTx/>
       <a:buNone/>
       <a:tabLst/>
-      <a:defRPr b="0" baseline="0" cap="none" i="0" spc="0" strike="noStrike" sz="1800" u="none" kumimoji="0" normalizeH="0">
+      <a:defRPr kumimoji="0" sz="1800" b="0" i="0" u="none" strike="noStrike" cap="none" spc="0" normalizeH="0" baseline="0">
         <a:ln>
           <a:noFill/>
         </a:ln>
@@ -234,7 +235,7 @@
       <a:buFontTx/>
       <a:buNone/>
       <a:tabLst/>
-      <a:defRPr b="0" baseline="0" cap="none" i="0" spc="0" strike="noStrike" sz="1800" u="none" kumimoji="0" normalizeH="0">
+      <a:defRPr kumimoji="0" sz="1800" b="0" i="0" u="none" strike="noStrike" cap="none" spc="0" normalizeH="0" baseline="0">
         <a:ln>
           <a:noFill/>
         </a:ln>
@@ -264,7 +265,7 @@
       <a:buFontTx/>
       <a:buNone/>
       <a:tabLst/>
-      <a:defRPr b="0" baseline="0" cap="none" i="0" spc="0" strike="noStrike" sz="1800" u="none" kumimoji="0" normalizeH="0">
+      <a:defRPr kumimoji="0" sz="1800" b="0" i="0" u="none" strike="noStrike" cap="none" spc="0" normalizeH="0" baseline="0">
         <a:ln>
           <a:noFill/>
         </a:ln>
@@ -294,7 +295,7 @@
       <a:buFontTx/>
       <a:buNone/>
       <a:tabLst/>
-      <a:defRPr b="0" baseline="0" cap="none" i="0" spc="0" strike="noStrike" sz="1800" u="none" kumimoji="0" normalizeH="0">
+      <a:defRPr kumimoji="0" sz="1800" b="0" i="0" u="none" strike="noStrike" cap="none" spc="0" normalizeH="0" baseline="0">
         <a:ln>
           <a:noFill/>
         </a:ln>
@@ -313,13 +314,14 @@
 </p:presentation>
 </file>
 
-<file path=ppt/commentAuthors.xml><?xml version="1.0" encoding="utf-8"?>
-<p:cmAuthorLst xmlns:a="http://schemas.openxmlformats.org/drawingml/2006/main" xmlns:r="http://schemas.openxmlformats.org/officeDocument/2006/relationships" xmlns:p="http://schemas.openxmlformats.org/presentationml/2006/main" xmlns:m="http://schemas.openxmlformats.org/officeDocument/2006/math" xmlns:a14="http://schemas.microsoft.com/office/drawing/2010/main"/>
-</file>
-
 <file path=ppt/notesMasters/notesMaster1.xml><?xml version="1.0" encoding="utf-8"?>
-<p:notesMaster xmlns:a="http://schemas.openxmlformats.org/drawingml/2006/main" xmlns:r="http://schemas.openxmlformats.org/officeDocument/2006/relationships" xmlns:p="http://schemas.openxmlformats.org/presentationml/2006/main" xmlns:m="http://schemas.openxmlformats.org/officeDocument/2006/math" xmlns:a14="http://schemas.microsoft.com/office/drawing/2010/main">
+<p:notesMaster xmlns:a="http://schemas.openxmlformats.org/drawingml/2006/main" xmlns:r="http://schemas.openxmlformats.org/officeDocument/2006/relationships" xmlns:p="http://schemas.openxmlformats.org/presentationml/2006/main">
   <p:cSld>
+    <p:bg>
+      <p:bgRef idx="1001">
+        <a:schemeClr val="bg1"/>
+      </p:bgRef>
+    </p:bg>
     <p:spTree>
       <p:nvGrpSpPr>
         <p:cNvPr id="1" name=""/>
@@ -337,7 +339,9 @@
       <p:sp>
         <p:nvSpPr>
           <p:cNvPr id="118" name="Shape 118"/>
-          <p:cNvSpPr/>
+          <p:cNvSpPr>
+            <a:spLocks noGrp="1" noRot="1" noChangeAspect="1"/>
+          </p:cNvSpPr>
           <p:nvPr>
             <p:ph type="sldImg"/>
           </p:nvPr>
@@ -355,14 +359,16 @@
           <a:bodyPr/>
           <a:lstStyle/>
           <a:p>
-            <a:pPr/>
+            <a:endParaRPr/>
           </a:p>
         </p:txBody>
       </p:sp>
       <p:sp>
         <p:nvSpPr>
           <p:cNvPr id="119" name="Shape 119"/>
-          <p:cNvSpPr/>
+          <p:cNvSpPr>
+            <a:spLocks noGrp="1"/>
+          </p:cNvSpPr>
           <p:nvPr>
             <p:ph type="body" sz="quarter" idx="1"/>
           </p:nvPr>
@@ -380,7 +386,7 @@
           <a:bodyPr/>
           <a:lstStyle/>
           <a:p>
-            <a:pPr/>
+            <a:endParaRPr/>
           </a:p>
         </p:txBody>
       </p:sp>
@@ -465,7 +471,7 @@
 </file>
 
 <file path=ppt/slideLayouts/slideLayout1.xml><?xml version="1.0" encoding="utf-8"?>
-<p:sldLayout xmlns:a="http://schemas.openxmlformats.org/drawingml/2006/main" xmlns:r="http://schemas.openxmlformats.org/officeDocument/2006/relationships" xmlns:p="http://schemas.openxmlformats.org/presentationml/2006/main" xmlns:m="http://schemas.openxmlformats.org/officeDocument/2006/math" xmlns:a14="http://schemas.microsoft.com/office/drawing/2010/main" type="title" showMasterSp="1" showMasterPhAnim="1">
+<p:sldLayout xmlns:a="http://schemas.openxmlformats.org/drawingml/2006/main" xmlns:r="http://schemas.openxmlformats.org/officeDocument/2006/relationships" xmlns:p="http://schemas.openxmlformats.org/presentationml/2006/main" type="title">
   <p:cSld name="标题幻灯片">
     <p:spTree>
       <p:nvGrpSpPr>
@@ -484,7 +490,9 @@
       <p:sp>
         <p:nvSpPr>
           <p:cNvPr id="11" name="标题文本"/>
-          <p:cNvSpPr txBox="1"/>
+          <p:cNvSpPr txBox="1">
+            <a:spLocks noGrp="1"/>
+          </p:cNvSpPr>
           <p:nvPr>
             <p:ph type="title"/>
           </p:nvPr>
@@ -506,7 +514,6 @@
             </a:lvl1pPr>
           </a:lstStyle>
           <a:p>
-            <a:pPr/>
             <a:r>
               <a:t>标题文本</a:t>
             </a:r>
@@ -516,7 +523,9 @@
       <p:sp>
         <p:nvSpPr>
           <p:cNvPr id="12" name="正文级别 1…"/>
-          <p:cNvSpPr txBox="1"/>
+          <p:cNvSpPr txBox="1">
+            <a:spLocks noGrp="1"/>
+          </p:cNvSpPr>
           <p:nvPr>
             <p:ph type="body" sz="quarter" idx="1"/>
           </p:nvPr>
@@ -565,7 +574,6 @@
             </a:lvl5pPr>
           </a:lstStyle>
           <a:p>
-            <a:pPr/>
             <a:r>
               <a:t>正文级别 1</a:t>
             </a:r>
@@ -599,7 +607,9 @@
       <p:sp>
         <p:nvSpPr>
           <p:cNvPr id="13" name="幻灯片编号"/>
-          <p:cNvSpPr txBox="1"/>
+          <p:cNvSpPr txBox="1">
+            <a:spLocks noGrp="1"/>
+          </p:cNvSpPr>
           <p:nvPr>
             <p:ph type="sldNum" sz="quarter" idx="2"/>
           </p:nvPr>
@@ -613,8 +623,10 @@
           <a:bodyPr/>
           <a:lstStyle/>
           <a:p>
-            <a:pPr/>
-            <a:fld id="{86CB4B4D-7CA3-9044-876B-883B54F8677D}" type="slidenum"/>
+            <a:fld id="{86CB4B4D-7CA3-9044-876B-883B54F8677D}" type="slidenum">
+              <a:t>‹#›</a:t>
+            </a:fld>
+            <a:endParaRPr/>
           </a:p>
         </p:txBody>
       </p:sp>
@@ -623,12 +635,12 @@
   <p:clrMapOvr>
     <a:masterClrMapping/>
   </p:clrMapOvr>
-  <p:transition xmlns:p14="http://schemas.microsoft.com/office/powerpoint/2010/main" spd="med" advClick="1"/>
+  <p:transition spd="med"/>
 </p:sldLayout>
 </file>
 
 <file path=ppt/slideLayouts/slideLayout10.xml><?xml version="1.0" encoding="utf-8"?>
-<p:sldLayout xmlns:a="http://schemas.openxmlformats.org/drawingml/2006/main" xmlns:r="http://schemas.openxmlformats.org/officeDocument/2006/relationships" xmlns:p="http://schemas.openxmlformats.org/presentationml/2006/main" xmlns:m="http://schemas.openxmlformats.org/officeDocument/2006/math" xmlns:a14="http://schemas.microsoft.com/office/drawing/2010/main" type="tx" showMasterSp="1" showMasterPhAnim="1">
+<p:sldLayout xmlns:a="http://schemas.openxmlformats.org/drawingml/2006/main" xmlns:r="http://schemas.openxmlformats.org/officeDocument/2006/relationships" xmlns:p="http://schemas.openxmlformats.org/presentationml/2006/main" type="tx">
   <p:cSld name="图片与标题">
     <p:spTree>
       <p:nvGrpSpPr>
@@ -647,7 +659,9 @@
       <p:sp>
         <p:nvSpPr>
           <p:cNvPr id="91" name="标题文本"/>
-          <p:cNvSpPr txBox="1"/>
+          <p:cNvSpPr txBox="1">
+            <a:spLocks noGrp="1"/>
+          </p:cNvSpPr>
           <p:nvPr>
             <p:ph type="title"/>
           </p:nvPr>
@@ -669,7 +683,6 @@
             </a:lvl1pPr>
           </a:lstStyle>
           <a:p>
-            <a:pPr/>
             <a:r>
               <a:t>标题文本</a:t>
             </a:r>
@@ -679,7 +692,9 @@
       <p:sp>
         <p:nvSpPr>
           <p:cNvPr id="92" name="图片占位符 2"/>
-          <p:cNvSpPr/>
+          <p:cNvSpPr>
+            <a:spLocks noGrp="1"/>
+          </p:cNvSpPr>
           <p:nvPr>
             <p:ph type="pic" sz="half" idx="21"/>
           </p:nvPr>
@@ -699,14 +714,16 @@
           </a:bodyPr>
           <a:lstStyle/>
           <a:p>
-            <a:pPr/>
+            <a:endParaRPr/>
           </a:p>
         </p:txBody>
       </p:sp>
       <p:sp>
         <p:nvSpPr>
           <p:cNvPr id="93" name="正文级别 1…"/>
-          <p:cNvSpPr txBox="1"/>
+          <p:cNvSpPr txBox="1">
+            <a:spLocks noGrp="1"/>
+          </p:cNvSpPr>
           <p:nvPr>
             <p:ph type="body" sz="quarter" idx="1"/>
           </p:nvPr>
@@ -755,7 +772,6 @@
             </a:lvl5pPr>
           </a:lstStyle>
           <a:p>
-            <a:pPr/>
             <a:r>
               <a:t>正文级别 1</a:t>
             </a:r>
@@ -789,7 +805,9 @@
       <p:sp>
         <p:nvSpPr>
           <p:cNvPr id="94" name="幻灯片编号"/>
-          <p:cNvSpPr txBox="1"/>
+          <p:cNvSpPr txBox="1">
+            <a:spLocks noGrp="1"/>
+          </p:cNvSpPr>
           <p:nvPr>
             <p:ph type="sldNum" sz="quarter" idx="2"/>
           </p:nvPr>
@@ -803,8 +821,10 @@
           <a:bodyPr/>
           <a:lstStyle/>
           <a:p>
-            <a:pPr/>
-            <a:fld id="{86CB4B4D-7CA3-9044-876B-883B54F8677D}" type="slidenum"/>
+            <a:fld id="{86CB4B4D-7CA3-9044-876B-883B54F8677D}" type="slidenum">
+              <a:t>‹#›</a:t>
+            </a:fld>
+            <a:endParaRPr/>
           </a:p>
         </p:txBody>
       </p:sp>
@@ -813,12 +833,12 @@
   <p:clrMapOvr>
     <a:masterClrMapping/>
   </p:clrMapOvr>
-  <p:transition xmlns:p14="http://schemas.microsoft.com/office/powerpoint/2010/main" spd="med" advClick="1"/>
+  <p:transition spd="med"/>
 </p:sldLayout>
 </file>
 
 <file path=ppt/slideLayouts/slideLayout11.xml><?xml version="1.0" encoding="utf-8"?>
-<p:sldLayout xmlns:a="http://schemas.openxmlformats.org/drawingml/2006/main" xmlns:r="http://schemas.openxmlformats.org/officeDocument/2006/relationships" xmlns:p="http://schemas.openxmlformats.org/presentationml/2006/main" xmlns:m="http://schemas.openxmlformats.org/officeDocument/2006/math" xmlns:a14="http://schemas.microsoft.com/office/drawing/2010/main" type="tx" showMasterSp="1" showMasterPhAnim="1">
+<p:sldLayout xmlns:a="http://schemas.openxmlformats.org/drawingml/2006/main" xmlns:r="http://schemas.openxmlformats.org/officeDocument/2006/relationships" xmlns:p="http://schemas.openxmlformats.org/presentationml/2006/main" type="tx">
   <p:cSld name="标题和竖排文字">
     <p:spTree>
       <p:nvGrpSpPr>
@@ -837,7 +857,9 @@
       <p:sp>
         <p:nvSpPr>
           <p:cNvPr id="101" name="标题文本"/>
-          <p:cNvSpPr txBox="1"/>
+          <p:cNvSpPr txBox="1">
+            <a:spLocks noGrp="1"/>
+          </p:cNvSpPr>
           <p:nvPr>
             <p:ph type="title"/>
           </p:nvPr>
@@ -851,7 +873,6 @@
           <a:bodyPr/>
           <a:lstStyle/>
           <a:p>
-            <a:pPr/>
             <a:r>
               <a:t>标题文本</a:t>
             </a:r>
@@ -861,7 +882,9 @@
       <p:sp>
         <p:nvSpPr>
           <p:cNvPr id="102" name="正文级别 1…"/>
-          <p:cNvSpPr txBox="1"/>
+          <p:cNvSpPr txBox="1">
+            <a:spLocks noGrp="1"/>
+          </p:cNvSpPr>
           <p:nvPr>
             <p:ph type="body" idx="1"/>
           </p:nvPr>
@@ -875,7 +898,6 @@
           <a:bodyPr vert="eaVert"/>
           <a:lstStyle/>
           <a:p>
-            <a:pPr/>
             <a:r>
               <a:t>正文级别 1</a:t>
             </a:r>
@@ -909,7 +931,9 @@
       <p:sp>
         <p:nvSpPr>
           <p:cNvPr id="103" name="幻灯片编号"/>
-          <p:cNvSpPr txBox="1"/>
+          <p:cNvSpPr txBox="1">
+            <a:spLocks noGrp="1"/>
+          </p:cNvSpPr>
           <p:nvPr>
             <p:ph type="sldNum" sz="quarter" idx="2"/>
           </p:nvPr>
@@ -923,8 +947,10 @@
           <a:bodyPr/>
           <a:lstStyle/>
           <a:p>
-            <a:pPr/>
-            <a:fld id="{86CB4B4D-7CA3-9044-876B-883B54F8677D}" type="slidenum"/>
+            <a:fld id="{86CB4B4D-7CA3-9044-876B-883B54F8677D}" type="slidenum">
+              <a:t>‹#›</a:t>
+            </a:fld>
+            <a:endParaRPr/>
           </a:p>
         </p:txBody>
       </p:sp>
@@ -933,12 +959,12 @@
   <p:clrMapOvr>
     <a:masterClrMapping/>
   </p:clrMapOvr>
-  <p:transition xmlns:p14="http://schemas.microsoft.com/office/powerpoint/2010/main" spd="med" advClick="1"/>
+  <p:transition spd="med"/>
 </p:sldLayout>
 </file>
 
 <file path=ppt/slideLayouts/slideLayout12.xml><?xml version="1.0" encoding="utf-8"?>
-<p:sldLayout xmlns:a="http://schemas.openxmlformats.org/drawingml/2006/main" xmlns:r="http://schemas.openxmlformats.org/officeDocument/2006/relationships" xmlns:p="http://schemas.openxmlformats.org/presentationml/2006/main" xmlns:m="http://schemas.openxmlformats.org/officeDocument/2006/math" xmlns:a14="http://schemas.microsoft.com/office/drawing/2010/main" type="tx" showMasterSp="1" showMasterPhAnim="1">
+<p:sldLayout xmlns:a="http://schemas.openxmlformats.org/drawingml/2006/main" xmlns:r="http://schemas.openxmlformats.org/officeDocument/2006/relationships" xmlns:p="http://schemas.openxmlformats.org/presentationml/2006/main" type="tx">
   <p:cSld name="竖排标题与文本">
     <p:spTree>
       <p:nvGrpSpPr>
@@ -957,7 +983,9 @@
       <p:sp>
         <p:nvSpPr>
           <p:cNvPr id="110" name="标题文本"/>
-          <p:cNvSpPr txBox="1"/>
+          <p:cNvSpPr txBox="1">
+            <a:spLocks noGrp="1"/>
+          </p:cNvSpPr>
           <p:nvPr>
             <p:ph type="title"/>
           </p:nvPr>
@@ -975,7 +1003,6 @@
           <a:bodyPr vert="eaVert"/>
           <a:lstStyle/>
           <a:p>
-            <a:pPr/>
             <a:r>
               <a:t>标题文本</a:t>
             </a:r>
@@ -985,7 +1012,9 @@
       <p:sp>
         <p:nvSpPr>
           <p:cNvPr id="111" name="正文级别 1…"/>
-          <p:cNvSpPr txBox="1"/>
+          <p:cNvSpPr txBox="1">
+            <a:spLocks noGrp="1"/>
+          </p:cNvSpPr>
           <p:nvPr>
             <p:ph type="body" idx="1"/>
           </p:nvPr>
@@ -1003,7 +1032,6 @@
           <a:bodyPr vert="eaVert"/>
           <a:lstStyle/>
           <a:p>
-            <a:pPr/>
             <a:r>
               <a:t>正文级别 1</a:t>
             </a:r>
@@ -1037,7 +1065,9 @@
       <p:sp>
         <p:nvSpPr>
           <p:cNvPr id="112" name="幻灯片编号"/>
-          <p:cNvSpPr txBox="1"/>
+          <p:cNvSpPr txBox="1">
+            <a:spLocks noGrp="1"/>
+          </p:cNvSpPr>
           <p:nvPr>
             <p:ph type="sldNum" sz="quarter" idx="2"/>
           </p:nvPr>
@@ -1051,8 +1081,10 @@
           <a:bodyPr/>
           <a:lstStyle/>
           <a:p>
-            <a:pPr/>
-            <a:fld id="{86CB4B4D-7CA3-9044-876B-883B54F8677D}" type="slidenum"/>
+            <a:fld id="{86CB4B4D-7CA3-9044-876B-883B54F8677D}" type="slidenum">
+              <a:t>‹#›</a:t>
+            </a:fld>
+            <a:endParaRPr/>
           </a:p>
         </p:txBody>
       </p:sp>
@@ -1061,12 +1093,12 @@
   <p:clrMapOvr>
     <a:masterClrMapping/>
   </p:clrMapOvr>
-  <p:transition xmlns:p14="http://schemas.microsoft.com/office/powerpoint/2010/main" spd="med" advClick="1"/>
+  <p:transition spd="med"/>
 </p:sldLayout>
 </file>
 
 <file path=ppt/slideLayouts/slideLayout2.xml><?xml version="1.0" encoding="utf-8"?>
-<p:sldLayout xmlns:a="http://schemas.openxmlformats.org/drawingml/2006/main" xmlns:r="http://schemas.openxmlformats.org/officeDocument/2006/relationships" xmlns:p="http://schemas.openxmlformats.org/presentationml/2006/main" xmlns:m="http://schemas.openxmlformats.org/officeDocument/2006/math" xmlns:a14="http://schemas.microsoft.com/office/drawing/2010/main" type="tx" showMasterSp="1" showMasterPhAnim="1">
+<p:sldLayout xmlns:a="http://schemas.openxmlformats.org/drawingml/2006/main" xmlns:r="http://schemas.openxmlformats.org/officeDocument/2006/relationships" xmlns:p="http://schemas.openxmlformats.org/presentationml/2006/main" type="tx">
   <p:cSld name="标题和内容">
     <p:spTree>
       <p:nvGrpSpPr>
@@ -1085,7 +1117,9 @@
       <p:sp>
         <p:nvSpPr>
           <p:cNvPr id="20" name="标题文本"/>
-          <p:cNvSpPr txBox="1"/>
+          <p:cNvSpPr txBox="1">
+            <a:spLocks noGrp="1"/>
+          </p:cNvSpPr>
           <p:nvPr>
             <p:ph type="title"/>
           </p:nvPr>
@@ -1099,7 +1133,6 @@
           <a:bodyPr/>
           <a:lstStyle/>
           <a:p>
-            <a:pPr/>
             <a:r>
               <a:t>标题文本</a:t>
             </a:r>
@@ -1109,7 +1142,9 @@
       <p:sp>
         <p:nvSpPr>
           <p:cNvPr id="21" name="正文级别 1…"/>
-          <p:cNvSpPr txBox="1"/>
+          <p:cNvSpPr txBox="1">
+            <a:spLocks noGrp="1"/>
+          </p:cNvSpPr>
           <p:nvPr>
             <p:ph type="body" idx="1"/>
           </p:nvPr>
@@ -1123,7 +1158,6 @@
           <a:bodyPr/>
           <a:lstStyle/>
           <a:p>
-            <a:pPr/>
             <a:r>
               <a:t>正文级别 1</a:t>
             </a:r>
@@ -1157,7 +1191,9 @@
       <p:sp>
         <p:nvSpPr>
           <p:cNvPr id="22" name="幻灯片编号"/>
-          <p:cNvSpPr txBox="1"/>
+          <p:cNvSpPr txBox="1">
+            <a:spLocks noGrp="1"/>
+          </p:cNvSpPr>
           <p:nvPr>
             <p:ph type="sldNum" sz="quarter" idx="2"/>
           </p:nvPr>
@@ -1171,8 +1207,10 @@
           <a:bodyPr/>
           <a:lstStyle/>
           <a:p>
-            <a:pPr/>
-            <a:fld id="{86CB4B4D-7CA3-9044-876B-883B54F8677D}" type="slidenum"/>
+            <a:fld id="{86CB4B4D-7CA3-9044-876B-883B54F8677D}" type="slidenum">
+              <a:t>‹#›</a:t>
+            </a:fld>
+            <a:endParaRPr/>
           </a:p>
         </p:txBody>
       </p:sp>
@@ -1181,12 +1219,12 @@
   <p:clrMapOvr>
     <a:masterClrMapping/>
   </p:clrMapOvr>
-  <p:transition xmlns:p14="http://schemas.microsoft.com/office/powerpoint/2010/main" spd="med" advClick="1"/>
+  <p:transition spd="med"/>
 </p:sldLayout>
 </file>
 
 <file path=ppt/slideLayouts/slideLayout3.xml><?xml version="1.0" encoding="utf-8"?>
-<p:sldLayout xmlns:a="http://schemas.openxmlformats.org/drawingml/2006/main" xmlns:r="http://schemas.openxmlformats.org/officeDocument/2006/relationships" xmlns:p="http://schemas.openxmlformats.org/presentationml/2006/main" xmlns:m="http://schemas.openxmlformats.org/officeDocument/2006/math" xmlns:a14="http://schemas.microsoft.com/office/drawing/2010/main" type="tx" showMasterSp="1" showMasterPhAnim="1">
+<p:sldLayout xmlns:a="http://schemas.openxmlformats.org/drawingml/2006/main" xmlns:r="http://schemas.openxmlformats.org/officeDocument/2006/relationships" xmlns:p="http://schemas.openxmlformats.org/presentationml/2006/main" type="tx">
   <p:cSld name="标题和内容 0">
     <p:spTree>
       <p:nvGrpSpPr>
@@ -1205,7 +1243,9 @@
       <p:sp>
         <p:nvSpPr>
           <p:cNvPr id="29" name="标题文本"/>
-          <p:cNvSpPr txBox="1"/>
+          <p:cNvSpPr txBox="1">
+            <a:spLocks noGrp="1"/>
+          </p:cNvSpPr>
           <p:nvPr>
             <p:ph type="title"/>
           </p:nvPr>
@@ -1219,7 +1259,6 @@
           <a:bodyPr/>
           <a:lstStyle/>
           <a:p>
-            <a:pPr/>
             <a:r>
               <a:t>标题文本</a:t>
             </a:r>
@@ -1229,7 +1268,9 @@
       <p:sp>
         <p:nvSpPr>
           <p:cNvPr id="30" name="正文级别 1…"/>
-          <p:cNvSpPr txBox="1"/>
+          <p:cNvSpPr txBox="1">
+            <a:spLocks noGrp="1"/>
+          </p:cNvSpPr>
           <p:nvPr>
             <p:ph type="body" idx="1"/>
           </p:nvPr>
@@ -1243,7 +1284,6 @@
           <a:bodyPr/>
           <a:lstStyle/>
           <a:p>
-            <a:pPr/>
             <a:r>
               <a:t>正文级别 1</a:t>
             </a:r>
@@ -1277,7 +1317,9 @@
       <p:sp>
         <p:nvSpPr>
           <p:cNvPr id="31" name="幻灯片编号"/>
-          <p:cNvSpPr txBox="1"/>
+          <p:cNvSpPr txBox="1">
+            <a:spLocks noGrp="1"/>
+          </p:cNvSpPr>
           <p:nvPr>
             <p:ph type="sldNum" sz="quarter" idx="2"/>
           </p:nvPr>
@@ -1291,8 +1333,10 @@
           <a:bodyPr/>
           <a:lstStyle/>
           <a:p>
-            <a:pPr/>
-            <a:fld id="{86CB4B4D-7CA3-9044-876B-883B54F8677D}" type="slidenum"/>
+            <a:fld id="{86CB4B4D-7CA3-9044-876B-883B54F8677D}" type="slidenum">
+              <a:t>‹#›</a:t>
+            </a:fld>
+            <a:endParaRPr/>
           </a:p>
         </p:txBody>
       </p:sp>
@@ -1301,12 +1345,12 @@
   <p:clrMapOvr>
     <a:masterClrMapping/>
   </p:clrMapOvr>
-  <p:transition xmlns:p14="http://schemas.microsoft.com/office/powerpoint/2010/main" spd="med" advClick="1"/>
+  <p:transition spd="med"/>
 </p:sldLayout>
 </file>
 
 <file path=ppt/slideLayouts/slideLayout4.xml><?xml version="1.0" encoding="utf-8"?>
-<p:sldLayout xmlns:a="http://schemas.openxmlformats.org/drawingml/2006/main" xmlns:r="http://schemas.openxmlformats.org/officeDocument/2006/relationships" xmlns:p="http://schemas.openxmlformats.org/presentationml/2006/main" xmlns:m="http://schemas.openxmlformats.org/officeDocument/2006/math" xmlns:a14="http://schemas.microsoft.com/office/drawing/2010/main" type="tx" showMasterSp="1" showMasterPhAnim="1">
+<p:sldLayout xmlns:a="http://schemas.openxmlformats.org/drawingml/2006/main" xmlns:r="http://schemas.openxmlformats.org/officeDocument/2006/relationships" xmlns:p="http://schemas.openxmlformats.org/presentationml/2006/main" type="tx">
   <p:cSld name="节标题">
     <p:spTree>
       <p:nvGrpSpPr>
@@ -1325,7 +1369,9 @@
       <p:sp>
         <p:nvSpPr>
           <p:cNvPr id="38" name="标题文本"/>
-          <p:cNvSpPr txBox="1"/>
+          <p:cNvSpPr txBox="1">
+            <a:spLocks noGrp="1"/>
+          </p:cNvSpPr>
           <p:nvPr>
             <p:ph type="title"/>
           </p:nvPr>
@@ -1347,7 +1393,6 @@
             </a:lvl1pPr>
           </a:lstStyle>
           <a:p>
-            <a:pPr/>
             <a:r>
               <a:t>标题文本</a:t>
             </a:r>
@@ -1357,7 +1402,9 @@
       <p:sp>
         <p:nvSpPr>
           <p:cNvPr id="39" name="正文级别 1…"/>
-          <p:cNvSpPr txBox="1"/>
+          <p:cNvSpPr txBox="1">
+            <a:spLocks noGrp="1"/>
+          </p:cNvSpPr>
           <p:nvPr>
             <p:ph type="body" sz="quarter" idx="1"/>
           </p:nvPr>
@@ -1426,7 +1473,6 @@
             </a:lvl5pPr>
           </a:lstStyle>
           <a:p>
-            <a:pPr/>
             <a:r>
               <a:t>正文级别 1</a:t>
             </a:r>
@@ -1460,7 +1506,9 @@
       <p:sp>
         <p:nvSpPr>
           <p:cNvPr id="40" name="幻灯片编号"/>
-          <p:cNvSpPr txBox="1"/>
+          <p:cNvSpPr txBox="1">
+            <a:spLocks noGrp="1"/>
+          </p:cNvSpPr>
           <p:nvPr>
             <p:ph type="sldNum" sz="quarter" idx="2"/>
           </p:nvPr>
@@ -1474,8 +1522,10 @@
           <a:bodyPr/>
           <a:lstStyle/>
           <a:p>
-            <a:pPr/>
-            <a:fld id="{86CB4B4D-7CA3-9044-876B-883B54F8677D}" type="slidenum"/>
+            <a:fld id="{86CB4B4D-7CA3-9044-876B-883B54F8677D}" type="slidenum">
+              <a:t>‹#›</a:t>
+            </a:fld>
+            <a:endParaRPr/>
           </a:p>
         </p:txBody>
       </p:sp>
@@ -1484,12 +1534,12 @@
   <p:clrMapOvr>
     <a:masterClrMapping/>
   </p:clrMapOvr>
-  <p:transition xmlns:p14="http://schemas.microsoft.com/office/powerpoint/2010/main" spd="med" advClick="1"/>
+  <p:transition spd="med"/>
 </p:sldLayout>
 </file>
 
 <file path=ppt/slideLayouts/slideLayout5.xml><?xml version="1.0" encoding="utf-8"?>
-<p:sldLayout xmlns:a="http://schemas.openxmlformats.org/drawingml/2006/main" xmlns:r="http://schemas.openxmlformats.org/officeDocument/2006/relationships" xmlns:p="http://schemas.openxmlformats.org/presentationml/2006/main" xmlns:m="http://schemas.openxmlformats.org/officeDocument/2006/math" xmlns:a14="http://schemas.microsoft.com/office/drawing/2010/main" type="tx" showMasterSp="1" showMasterPhAnim="1">
+<p:sldLayout xmlns:a="http://schemas.openxmlformats.org/drawingml/2006/main" xmlns:r="http://schemas.openxmlformats.org/officeDocument/2006/relationships" xmlns:p="http://schemas.openxmlformats.org/presentationml/2006/main" type="tx">
   <p:cSld name="两栏内容">
     <p:spTree>
       <p:nvGrpSpPr>
@@ -1508,7 +1558,9 @@
       <p:sp>
         <p:nvSpPr>
           <p:cNvPr id="47" name="标题文本"/>
-          <p:cNvSpPr txBox="1"/>
+          <p:cNvSpPr txBox="1">
+            <a:spLocks noGrp="1"/>
+          </p:cNvSpPr>
           <p:nvPr>
             <p:ph type="title"/>
           </p:nvPr>
@@ -1522,7 +1574,6 @@
           <a:bodyPr/>
           <a:lstStyle/>
           <a:p>
-            <a:pPr/>
             <a:r>
               <a:t>标题文本</a:t>
             </a:r>
@@ -1532,7 +1583,9 @@
       <p:sp>
         <p:nvSpPr>
           <p:cNvPr id="48" name="正文级别 1…"/>
-          <p:cNvSpPr txBox="1"/>
+          <p:cNvSpPr txBox="1">
+            <a:spLocks noGrp="1"/>
+          </p:cNvSpPr>
           <p:nvPr>
             <p:ph type="body" sz="half" idx="1"/>
           </p:nvPr>
@@ -1550,7 +1603,6 @@
           <a:bodyPr/>
           <a:lstStyle/>
           <a:p>
-            <a:pPr/>
             <a:r>
               <a:t>正文级别 1</a:t>
             </a:r>
@@ -1584,7 +1636,9 @@
       <p:sp>
         <p:nvSpPr>
           <p:cNvPr id="49" name="幻灯片编号"/>
-          <p:cNvSpPr txBox="1"/>
+          <p:cNvSpPr txBox="1">
+            <a:spLocks noGrp="1"/>
+          </p:cNvSpPr>
           <p:nvPr>
             <p:ph type="sldNum" sz="quarter" idx="2"/>
           </p:nvPr>
@@ -1598,8 +1652,10 @@
           <a:bodyPr/>
           <a:lstStyle/>
           <a:p>
-            <a:pPr/>
-            <a:fld id="{86CB4B4D-7CA3-9044-876B-883B54F8677D}" type="slidenum"/>
+            <a:fld id="{86CB4B4D-7CA3-9044-876B-883B54F8677D}" type="slidenum">
+              <a:t>‹#›</a:t>
+            </a:fld>
+            <a:endParaRPr/>
           </a:p>
         </p:txBody>
       </p:sp>
@@ -1608,12 +1664,12 @@
   <p:clrMapOvr>
     <a:masterClrMapping/>
   </p:clrMapOvr>
-  <p:transition xmlns:p14="http://schemas.microsoft.com/office/powerpoint/2010/main" spd="med" advClick="1"/>
+  <p:transition spd="med"/>
 </p:sldLayout>
 </file>
 
 <file path=ppt/slideLayouts/slideLayout6.xml><?xml version="1.0" encoding="utf-8"?>
-<p:sldLayout xmlns:a="http://schemas.openxmlformats.org/drawingml/2006/main" xmlns:r="http://schemas.openxmlformats.org/officeDocument/2006/relationships" xmlns:p="http://schemas.openxmlformats.org/presentationml/2006/main" xmlns:m="http://schemas.openxmlformats.org/officeDocument/2006/math" xmlns:a14="http://schemas.microsoft.com/office/drawing/2010/main" type="tx" showMasterSp="1" showMasterPhAnim="1">
+<p:sldLayout xmlns:a="http://schemas.openxmlformats.org/drawingml/2006/main" xmlns:r="http://schemas.openxmlformats.org/officeDocument/2006/relationships" xmlns:p="http://schemas.openxmlformats.org/presentationml/2006/main" type="tx">
   <p:cSld name="比较">
     <p:spTree>
       <p:nvGrpSpPr>
@@ -1632,7 +1688,9 @@
       <p:sp>
         <p:nvSpPr>
           <p:cNvPr id="56" name="标题文本"/>
-          <p:cNvSpPr txBox="1"/>
+          <p:cNvSpPr txBox="1">
+            <a:spLocks noGrp="1"/>
+          </p:cNvSpPr>
           <p:nvPr>
             <p:ph type="title"/>
           </p:nvPr>
@@ -1650,7 +1708,6 @@
           <a:bodyPr/>
           <a:lstStyle/>
           <a:p>
-            <a:pPr/>
             <a:r>
               <a:t>标题文本</a:t>
             </a:r>
@@ -1660,7 +1717,9 @@
       <p:sp>
         <p:nvSpPr>
           <p:cNvPr id="57" name="正文级别 1…"/>
-          <p:cNvSpPr txBox="1"/>
+          <p:cNvSpPr txBox="1">
+            <a:spLocks noGrp="1"/>
+          </p:cNvSpPr>
           <p:nvPr>
             <p:ph type="body" sz="quarter" idx="1"/>
           </p:nvPr>
@@ -1681,35 +1740,34 @@
               <a:buSzTx/>
               <a:buFontTx/>
               <a:buNone/>
-              <a:defRPr b="1" sz="2400"/>
+              <a:defRPr sz="2400" b="1"/>
             </a:lvl1pPr>
             <a:lvl2pPr marL="0" indent="457200">
               <a:buSzTx/>
               <a:buFontTx/>
               <a:buNone/>
-              <a:defRPr b="1" sz="2400"/>
+              <a:defRPr sz="2400" b="1"/>
             </a:lvl2pPr>
             <a:lvl3pPr marL="0" indent="914400">
               <a:buSzTx/>
               <a:buFontTx/>
               <a:buNone/>
-              <a:defRPr b="1" sz="2400"/>
+              <a:defRPr sz="2400" b="1"/>
             </a:lvl3pPr>
             <a:lvl4pPr marL="0" indent="1371600">
               <a:buSzTx/>
               <a:buFontTx/>
               <a:buNone/>
-              <a:defRPr b="1" sz="2400"/>
+              <a:defRPr sz="2400" b="1"/>
             </a:lvl4pPr>
             <a:lvl5pPr marL="0" indent="1828800">
               <a:buSzTx/>
               <a:buFontTx/>
               <a:buNone/>
-              <a:defRPr b="1" sz="2400"/>
+              <a:defRPr sz="2400" b="1"/>
             </a:lvl5pPr>
           </a:lstStyle>
           <a:p>
-            <a:pPr/>
             <a:r>
               <a:t>正文级别 1</a:t>
             </a:r>
@@ -1743,7 +1801,9 @@
       <p:sp>
         <p:nvSpPr>
           <p:cNvPr id="58" name="文本占位符 4"/>
-          <p:cNvSpPr/>
+          <p:cNvSpPr>
+            <a:spLocks noGrp="1"/>
+          </p:cNvSpPr>
           <p:nvPr>
             <p:ph type="body" sz="quarter" idx="21"/>
           </p:nvPr>
@@ -1765,19 +1825,22 @@
               <a:buSzTx/>
               <a:buFontTx/>
               <a:buNone/>
-              <a:defRPr b="1" sz="2400">
+              <a:defRPr sz="2400" b="1">
                 <a:solidFill>
                   <a:srgbClr val="FFFFFF"/>
                 </a:solidFill>
               </a:defRPr>
             </a:pPr>
+            <a:endParaRPr/>
           </a:p>
         </p:txBody>
       </p:sp>
       <p:sp>
         <p:nvSpPr>
           <p:cNvPr id="59" name="幻灯片编号"/>
-          <p:cNvSpPr txBox="1"/>
+          <p:cNvSpPr txBox="1">
+            <a:spLocks noGrp="1"/>
+          </p:cNvSpPr>
           <p:nvPr>
             <p:ph type="sldNum" sz="quarter" idx="2"/>
           </p:nvPr>
@@ -1791,8 +1854,10 @@
           <a:bodyPr/>
           <a:lstStyle/>
           <a:p>
-            <a:pPr/>
-            <a:fld id="{86CB4B4D-7CA3-9044-876B-883B54F8677D}" type="slidenum"/>
+            <a:fld id="{86CB4B4D-7CA3-9044-876B-883B54F8677D}" type="slidenum">
+              <a:t>‹#›</a:t>
+            </a:fld>
+            <a:endParaRPr/>
           </a:p>
         </p:txBody>
       </p:sp>
@@ -1801,12 +1866,12 @@
   <p:clrMapOvr>
     <a:masterClrMapping/>
   </p:clrMapOvr>
-  <p:transition xmlns:p14="http://schemas.microsoft.com/office/powerpoint/2010/main" spd="med" advClick="1"/>
+  <p:transition spd="med"/>
 </p:sldLayout>
 </file>
 
 <file path=ppt/slideLayouts/slideLayout7.xml><?xml version="1.0" encoding="utf-8"?>
-<p:sldLayout xmlns:a="http://schemas.openxmlformats.org/drawingml/2006/main" xmlns:r="http://schemas.openxmlformats.org/officeDocument/2006/relationships" xmlns:p="http://schemas.openxmlformats.org/presentationml/2006/main" xmlns:m="http://schemas.openxmlformats.org/officeDocument/2006/math" xmlns:a14="http://schemas.microsoft.com/office/drawing/2010/main" type="tx" showMasterSp="1" showMasterPhAnim="1">
+<p:sldLayout xmlns:a="http://schemas.openxmlformats.org/drawingml/2006/main" xmlns:r="http://schemas.openxmlformats.org/officeDocument/2006/relationships" xmlns:p="http://schemas.openxmlformats.org/presentationml/2006/main" type="tx">
   <p:cSld name="仅标题">
     <p:spTree>
       <p:nvGrpSpPr>
@@ -1825,7 +1890,9 @@
       <p:sp>
         <p:nvSpPr>
           <p:cNvPr id="66" name="标题文本"/>
-          <p:cNvSpPr txBox="1"/>
+          <p:cNvSpPr txBox="1">
+            <a:spLocks noGrp="1"/>
+          </p:cNvSpPr>
           <p:nvPr>
             <p:ph type="title"/>
           </p:nvPr>
@@ -1839,7 +1906,6 @@
           <a:bodyPr/>
           <a:lstStyle/>
           <a:p>
-            <a:pPr/>
             <a:r>
               <a:t>标题文本</a:t>
             </a:r>
@@ -1849,7 +1915,9 @@
       <p:sp>
         <p:nvSpPr>
           <p:cNvPr id="67" name="幻灯片编号"/>
-          <p:cNvSpPr txBox="1"/>
+          <p:cNvSpPr txBox="1">
+            <a:spLocks noGrp="1"/>
+          </p:cNvSpPr>
           <p:nvPr>
             <p:ph type="sldNum" sz="quarter" idx="2"/>
           </p:nvPr>
@@ -1863,8 +1931,10 @@
           <a:bodyPr/>
           <a:lstStyle/>
           <a:p>
-            <a:pPr/>
-            <a:fld id="{86CB4B4D-7CA3-9044-876B-883B54F8677D}" type="slidenum"/>
+            <a:fld id="{86CB4B4D-7CA3-9044-876B-883B54F8677D}" type="slidenum">
+              <a:t>‹#›</a:t>
+            </a:fld>
+            <a:endParaRPr/>
           </a:p>
         </p:txBody>
       </p:sp>
@@ -1873,12 +1943,12 @@
   <p:clrMapOvr>
     <a:masterClrMapping/>
   </p:clrMapOvr>
-  <p:transition xmlns:p14="http://schemas.microsoft.com/office/powerpoint/2010/main" spd="med" advClick="1"/>
+  <p:transition spd="med"/>
 </p:sldLayout>
 </file>
 
 <file path=ppt/slideLayouts/slideLayout8.xml><?xml version="1.0" encoding="utf-8"?>
-<p:sldLayout xmlns:a="http://schemas.openxmlformats.org/drawingml/2006/main" xmlns:r="http://schemas.openxmlformats.org/officeDocument/2006/relationships" xmlns:p="http://schemas.openxmlformats.org/presentationml/2006/main" xmlns:m="http://schemas.openxmlformats.org/officeDocument/2006/math" xmlns:a14="http://schemas.microsoft.com/office/drawing/2010/main" type="tx" showMasterSp="1" showMasterPhAnim="1">
+<p:sldLayout xmlns:a="http://schemas.openxmlformats.org/drawingml/2006/main" xmlns:r="http://schemas.openxmlformats.org/officeDocument/2006/relationships" xmlns:p="http://schemas.openxmlformats.org/presentationml/2006/main" type="tx">
   <p:cSld name="空白">
     <p:spTree>
       <p:nvGrpSpPr>
@@ -1897,7 +1967,9 @@
       <p:sp>
         <p:nvSpPr>
           <p:cNvPr id="74" name="幻灯片编号"/>
-          <p:cNvSpPr txBox="1"/>
+          <p:cNvSpPr txBox="1">
+            <a:spLocks noGrp="1"/>
+          </p:cNvSpPr>
           <p:nvPr>
             <p:ph type="sldNum" sz="quarter" idx="2"/>
           </p:nvPr>
@@ -1911,8 +1983,10 @@
           <a:bodyPr/>
           <a:lstStyle/>
           <a:p>
-            <a:pPr/>
-            <a:fld id="{86CB4B4D-7CA3-9044-876B-883B54F8677D}" type="slidenum"/>
+            <a:fld id="{86CB4B4D-7CA3-9044-876B-883B54F8677D}" type="slidenum">
+              <a:t>‹#›</a:t>
+            </a:fld>
+            <a:endParaRPr/>
           </a:p>
         </p:txBody>
       </p:sp>
@@ -1921,12 +1995,12 @@
   <p:clrMapOvr>
     <a:masterClrMapping/>
   </p:clrMapOvr>
-  <p:transition xmlns:p14="http://schemas.microsoft.com/office/powerpoint/2010/main" spd="med" advClick="1"/>
+  <p:transition spd="med"/>
 </p:sldLayout>
 </file>
 
 <file path=ppt/slideLayouts/slideLayout9.xml><?xml version="1.0" encoding="utf-8"?>
-<p:sldLayout xmlns:a="http://schemas.openxmlformats.org/drawingml/2006/main" xmlns:r="http://schemas.openxmlformats.org/officeDocument/2006/relationships" xmlns:p="http://schemas.openxmlformats.org/presentationml/2006/main" xmlns:m="http://schemas.openxmlformats.org/officeDocument/2006/math" xmlns:a14="http://schemas.microsoft.com/office/drawing/2010/main" type="tx" showMasterSp="1" showMasterPhAnim="1">
+<p:sldLayout xmlns:a="http://schemas.openxmlformats.org/drawingml/2006/main" xmlns:r="http://schemas.openxmlformats.org/officeDocument/2006/relationships" xmlns:p="http://schemas.openxmlformats.org/presentationml/2006/main" type="tx">
   <p:cSld name="内容与标题">
     <p:spTree>
       <p:nvGrpSpPr>
@@ -1945,7 +2019,9 @@
       <p:sp>
         <p:nvSpPr>
           <p:cNvPr id="81" name="标题文本"/>
-          <p:cNvSpPr txBox="1"/>
+          <p:cNvSpPr txBox="1">
+            <a:spLocks noGrp="1"/>
+          </p:cNvSpPr>
           <p:nvPr>
             <p:ph type="title"/>
           </p:nvPr>
@@ -1967,7 +2043,6 @@
             </a:lvl1pPr>
           </a:lstStyle>
           <a:p>
-            <a:pPr/>
             <a:r>
               <a:t>标题文本</a:t>
             </a:r>
@@ -1977,7 +2052,9 @@
       <p:sp>
         <p:nvSpPr>
           <p:cNvPr id="82" name="正文级别 1…"/>
-          <p:cNvSpPr txBox="1"/>
+          <p:cNvSpPr txBox="1">
+            <a:spLocks noGrp="1"/>
+          </p:cNvSpPr>
           <p:nvPr>
             <p:ph type="body" sz="half" idx="1"/>
           </p:nvPr>
@@ -2011,7 +2088,6 @@
             </a:lvl5pPr>
           </a:lstStyle>
           <a:p>
-            <a:pPr/>
             <a:r>
               <a:t>正文级别 1</a:t>
             </a:r>
@@ -2045,7 +2121,9 @@
       <p:sp>
         <p:nvSpPr>
           <p:cNvPr id="83" name="文本占位符 3"/>
-          <p:cNvSpPr/>
+          <p:cNvSpPr>
+            <a:spLocks noGrp="1"/>
+          </p:cNvSpPr>
           <p:nvPr>
             <p:ph type="body" sz="quarter" idx="21"/>
           </p:nvPr>
@@ -2077,13 +2155,16 @@
                 <a:sym typeface="SimSun"/>
               </a:defRPr>
             </a:pPr>
+            <a:endParaRPr/>
           </a:p>
         </p:txBody>
       </p:sp>
       <p:sp>
         <p:nvSpPr>
           <p:cNvPr id="84" name="幻灯片编号"/>
-          <p:cNvSpPr txBox="1"/>
+          <p:cNvSpPr txBox="1">
+            <a:spLocks noGrp="1"/>
+          </p:cNvSpPr>
           <p:nvPr>
             <p:ph type="sldNum" sz="quarter" idx="2"/>
           </p:nvPr>
@@ -2097,8 +2178,10 @@
           <a:bodyPr/>
           <a:lstStyle/>
           <a:p>
-            <a:pPr/>
-            <a:fld id="{86CB4B4D-7CA3-9044-876B-883B54F8677D}" type="slidenum"/>
+            <a:fld id="{86CB4B4D-7CA3-9044-876B-883B54F8677D}" type="slidenum">
+              <a:t>‹#›</a:t>
+            </a:fld>
+            <a:endParaRPr/>
           </a:p>
         </p:txBody>
       </p:sp>
@@ -2107,18 +2190,19 @@
   <p:clrMapOvr>
     <a:masterClrMapping/>
   </p:clrMapOvr>
-  <p:transition xmlns:p14="http://schemas.microsoft.com/office/powerpoint/2010/main" spd="med" advClick="1"/>
+  <p:transition spd="med"/>
 </p:sldLayout>
 </file>
 
 <file path=ppt/slideMasters/slideMaster1.xml><?xml version="1.0" encoding="utf-8"?>
-<p:sldMaster xmlns:a="http://schemas.openxmlformats.org/drawingml/2006/main" xmlns:r="http://schemas.openxmlformats.org/officeDocument/2006/relationships" xmlns:p="http://schemas.openxmlformats.org/presentationml/2006/main" xmlns:m="http://schemas.openxmlformats.org/officeDocument/2006/math" xmlns:a14="http://schemas.microsoft.com/office/drawing/2010/main">
+<p:sldMaster xmlns:a="http://schemas.openxmlformats.org/drawingml/2006/main" xmlns:r="http://schemas.openxmlformats.org/officeDocument/2006/relationships" xmlns:p="http://schemas.openxmlformats.org/presentationml/2006/main">
   <p:cSld>
     <p:bg>
       <p:bgPr>
         <a:solidFill>
           <a:srgbClr val="FFFFFF"/>
         </a:solidFill>
+        <a:effectLst/>
       </p:bgPr>
     </p:bg>
     <p:spTree>
@@ -2138,7 +2222,9 @@
       <p:sp>
         <p:nvSpPr>
           <p:cNvPr id="2" name="标题文本"/>
-          <p:cNvSpPr txBox="1"/>
+          <p:cNvSpPr txBox="1">
+            <a:spLocks noGrp="1"/>
+          </p:cNvSpPr>
           <p:nvPr>
             <p:ph type="title"/>
           </p:nvPr>
@@ -2156,17 +2242,16 @@
           </a:ln>
           <a:extLst>
             <a:ext uri="{C572A759-6A51-4108-AA02-DFA0A04FC94B}">
-              <ma14:wrappingTextBoxFlag xmlns:ma14="http://schemas.microsoft.com/office/mac/drawingml/2011/main" val="1"/>
+              <ma14:wrappingTextBoxFlag xmlns:ma14="http://schemas.microsoft.com/office/mac/drawingml/2011/main" xmlns:a14="http://schemas.microsoft.com/office/drawing/2010/main" xmlns:m="http://schemas.openxmlformats.org/officeDocument/2006/math" xmlns="" val="1"/>
             </a:ext>
           </a:extLst>
         </p:spPr>
         <p:txBody>
           <a:bodyPr lIns="45719" rIns="45719" anchor="ctr">
-            <a:normAutofit fontScale="100000" lnSpcReduction="0"/>
+            <a:normAutofit/>
           </a:bodyPr>
           <a:lstStyle/>
           <a:p>
-            <a:pPr/>
             <a:r>
               <a:t>标题文本</a:t>
             </a:r>
@@ -2176,7 +2261,9 @@
       <p:sp>
         <p:nvSpPr>
           <p:cNvPr id="3" name="正文级别 1…"/>
-          <p:cNvSpPr txBox="1"/>
+          <p:cNvSpPr txBox="1">
+            <a:spLocks noGrp="1"/>
+          </p:cNvSpPr>
           <p:nvPr>
             <p:ph type="body" idx="1"/>
           </p:nvPr>
@@ -2194,17 +2281,16 @@
           </a:ln>
           <a:extLst>
             <a:ext uri="{C572A759-6A51-4108-AA02-DFA0A04FC94B}">
-              <ma14:wrappingTextBoxFlag xmlns:ma14="http://schemas.microsoft.com/office/mac/drawingml/2011/main" val="1"/>
+              <ma14:wrappingTextBoxFlag xmlns:ma14="http://schemas.microsoft.com/office/mac/drawingml/2011/main" xmlns:a14="http://schemas.microsoft.com/office/drawing/2010/main" xmlns:m="http://schemas.openxmlformats.org/officeDocument/2006/math" xmlns="" val="1"/>
             </a:ext>
           </a:extLst>
         </p:spPr>
         <p:txBody>
           <a:bodyPr lIns="45719" rIns="45719">
-            <a:normAutofit fontScale="100000" lnSpcReduction="0"/>
+            <a:normAutofit/>
           </a:bodyPr>
           <a:lstStyle/>
           <a:p>
-            <a:pPr/>
             <a:r>
               <a:t>正文级别 1</a:t>
             </a:r>
@@ -2238,7 +2324,9 @@
       <p:sp>
         <p:nvSpPr>
           <p:cNvPr id="4" name="幻灯片编号"/>
-          <p:cNvSpPr txBox="1"/>
+          <p:cNvSpPr txBox="1">
+            <a:spLocks noGrp="1"/>
+          </p:cNvSpPr>
           <p:nvPr>
             <p:ph type="sldNum" sz="quarter" idx="2"/>
           </p:nvPr>
@@ -2269,8 +2357,10 @@
             </a:lvl1pPr>
           </a:lstStyle>
           <a:p>
-            <a:pPr/>
-            <a:fld id="{86CB4B4D-7CA3-9044-876B-883B54F8677D}" type="slidenum"/>
+            <a:fld id="{86CB4B4D-7CA3-9044-876B-883B54F8677D}" type="slidenum">
+              <a:t>‹#›</a:t>
+            </a:fld>
+            <a:endParaRPr/>
           </a:p>
         </p:txBody>
       </p:sp>
@@ -2278,20 +2368,20 @@
   </p:cSld>
   <p:clrMap bg1="lt1" tx1="dk1" bg2="lt2" tx2="dk2" accent1="accent1" accent2="accent2" accent3="accent3" accent4="accent4" accent5="accent5" accent6="accent6" hlink="hlink" folHlink="folHlink"/>
   <p:sldLayoutIdLst>
-    <p:sldLayoutId id="2147483649" r:id="rId2"/>
-    <p:sldLayoutId id="2147483650" r:id="rId3"/>
-    <p:sldLayoutId id="2147483651" r:id="rId4"/>
-    <p:sldLayoutId id="2147483652" r:id="rId5"/>
-    <p:sldLayoutId id="2147483653" r:id="rId6"/>
-    <p:sldLayoutId id="2147483654" r:id="rId7"/>
-    <p:sldLayoutId id="2147483655" r:id="rId8"/>
-    <p:sldLayoutId id="2147483656" r:id="rId9"/>
-    <p:sldLayoutId id="2147483657" r:id="rId10"/>
-    <p:sldLayoutId id="2147483658" r:id="rId11"/>
-    <p:sldLayoutId id="2147483659" r:id="rId12"/>
-    <p:sldLayoutId id="2147483660" r:id="rId13"/>
+    <p:sldLayoutId id="2147483649" r:id="rId1"/>
+    <p:sldLayoutId id="2147483650" r:id="rId2"/>
+    <p:sldLayoutId id="2147483651" r:id="rId3"/>
+    <p:sldLayoutId id="2147483652" r:id="rId4"/>
+    <p:sldLayoutId id="2147483653" r:id="rId5"/>
+    <p:sldLayoutId id="2147483654" r:id="rId6"/>
+    <p:sldLayoutId id="2147483655" r:id="rId7"/>
+    <p:sldLayoutId id="2147483656" r:id="rId8"/>
+    <p:sldLayoutId id="2147483657" r:id="rId9"/>
+    <p:sldLayoutId id="2147483658" r:id="rId10"/>
+    <p:sldLayoutId id="2147483659" r:id="rId11"/>
+    <p:sldLayoutId id="2147483660" r:id="rId12"/>
   </p:sldLayoutIdLst>
-  <p:transition xmlns:p14="http://schemas.microsoft.com/office/powerpoint/2010/main" spd="med" advClick="1"/>
+  <p:transition spd="med"/>
   <p:txStyles>
     <p:titleStyle>
       <a:lvl1pPr marL="0" marR="0" indent="0" algn="l" defTabSz="914400" rtl="0" latinLnBrk="0">
@@ -2309,7 +2399,7 @@
         <a:buFontTx/>
         <a:buNone/>
         <a:tabLst/>
-        <a:defRPr b="0" baseline="0" cap="none" i="0" spc="0" strike="noStrike" sz="4400" u="none">
+        <a:defRPr sz="4400" b="0" i="0" u="none" strike="noStrike" cap="none" spc="0" baseline="0">
           <a:solidFill>
             <a:srgbClr val="000000"/>
           </a:solidFill>
@@ -2335,7 +2425,7 @@
         <a:buFontTx/>
         <a:buNone/>
         <a:tabLst/>
-        <a:defRPr b="0" baseline="0" cap="none" i="0" spc="0" strike="noStrike" sz="4400" u="none">
+        <a:defRPr sz="4400" b="0" i="0" u="none" strike="noStrike" cap="none" spc="0" baseline="0">
           <a:solidFill>
             <a:srgbClr val="000000"/>
           </a:solidFill>
@@ -2361,7 +2451,7 @@
         <a:buFontTx/>
         <a:buNone/>
         <a:tabLst/>
-        <a:defRPr b="0" baseline="0" cap="none" i="0" spc="0" strike="noStrike" sz="4400" u="none">
+        <a:defRPr sz="4400" b="0" i="0" u="none" strike="noStrike" cap="none" spc="0" baseline="0">
           <a:solidFill>
             <a:srgbClr val="000000"/>
           </a:solidFill>
@@ -2387,7 +2477,7 @@
         <a:buFontTx/>
         <a:buNone/>
         <a:tabLst/>
-        <a:defRPr b="0" baseline="0" cap="none" i="0" spc="0" strike="noStrike" sz="4400" u="none">
+        <a:defRPr sz="4400" b="0" i="0" u="none" strike="noStrike" cap="none" spc="0" baseline="0">
           <a:solidFill>
             <a:srgbClr val="000000"/>
           </a:solidFill>
@@ -2413,7 +2503,7 @@
         <a:buFontTx/>
         <a:buNone/>
         <a:tabLst/>
-        <a:defRPr b="0" baseline="0" cap="none" i="0" spc="0" strike="noStrike" sz="4400" u="none">
+        <a:defRPr sz="4400" b="0" i="0" u="none" strike="noStrike" cap="none" spc="0" baseline="0">
           <a:solidFill>
             <a:srgbClr val="000000"/>
           </a:solidFill>
@@ -2439,7 +2529,7 @@
         <a:buFontTx/>
         <a:buNone/>
         <a:tabLst/>
-        <a:defRPr b="0" baseline="0" cap="none" i="0" spc="0" strike="noStrike" sz="4400" u="none">
+        <a:defRPr sz="4400" b="0" i="0" u="none" strike="noStrike" cap="none" spc="0" baseline="0">
           <a:solidFill>
             <a:srgbClr val="000000"/>
           </a:solidFill>
@@ -2465,7 +2555,7 @@
         <a:buFontTx/>
         <a:buNone/>
         <a:tabLst/>
-        <a:defRPr b="0" baseline="0" cap="none" i="0" spc="0" strike="noStrike" sz="4400" u="none">
+        <a:defRPr sz="4400" b="0" i="0" u="none" strike="noStrike" cap="none" spc="0" baseline="0">
           <a:solidFill>
             <a:srgbClr val="000000"/>
           </a:solidFill>
@@ -2491,7 +2581,7 @@
         <a:buFontTx/>
         <a:buNone/>
         <a:tabLst/>
-        <a:defRPr b="0" baseline="0" cap="none" i="0" spc="0" strike="noStrike" sz="4400" u="none">
+        <a:defRPr sz="4400" b="0" i="0" u="none" strike="noStrike" cap="none" spc="0" baseline="0">
           <a:solidFill>
             <a:srgbClr val="000000"/>
           </a:solidFill>
@@ -2517,7 +2607,7 @@
         <a:buFontTx/>
         <a:buNone/>
         <a:tabLst/>
-        <a:defRPr b="0" baseline="0" cap="none" i="0" spc="0" strike="noStrike" sz="4400" u="none">
+        <a:defRPr sz="4400" b="0" i="0" u="none" strike="noStrike" cap="none" spc="0" baseline="0">
           <a:solidFill>
             <a:srgbClr val="000000"/>
           </a:solidFill>
@@ -2545,7 +2635,7 @@
         <a:buFont typeface="Arial"/>
         <a:buChar char="•"/>
         <a:tabLst/>
-        <a:defRPr b="0" baseline="0" cap="none" i="0" spc="0" strike="noStrike" sz="2800" u="none">
+        <a:defRPr sz="2800" b="0" i="0" u="none" strike="noStrike" cap="none" spc="0" baseline="0">
           <a:solidFill>
             <a:srgbClr val="000000"/>
           </a:solidFill>
@@ -2571,7 +2661,7 @@
         <a:buFont typeface="Arial"/>
         <a:buChar char="•"/>
         <a:tabLst/>
-        <a:defRPr b="0" baseline="0" cap="none" i="0" spc="0" strike="noStrike" sz="2800" u="none">
+        <a:defRPr sz="2800" b="0" i="0" u="none" strike="noStrike" cap="none" spc="0" baseline="0">
           <a:solidFill>
             <a:srgbClr val="000000"/>
           </a:solidFill>
@@ -2597,7 +2687,7 @@
         <a:buFont typeface="Arial"/>
         <a:buChar char="•"/>
         <a:tabLst/>
-        <a:defRPr b="0" baseline="0" cap="none" i="0" spc="0" strike="noStrike" sz="2800" u="none">
+        <a:defRPr sz="2800" b="0" i="0" u="none" strike="noStrike" cap="none" spc="0" baseline="0">
           <a:solidFill>
             <a:srgbClr val="000000"/>
           </a:solidFill>
@@ -2623,7 +2713,7 @@
         <a:buFont typeface="Arial"/>
         <a:buChar char="•"/>
         <a:tabLst/>
-        <a:defRPr b="0" baseline="0" cap="none" i="0" spc="0" strike="noStrike" sz="2800" u="none">
+        <a:defRPr sz="2800" b="0" i="0" u="none" strike="noStrike" cap="none" spc="0" baseline="0">
           <a:solidFill>
             <a:srgbClr val="000000"/>
           </a:solidFill>
@@ -2649,7 +2739,7 @@
         <a:buFont typeface="Arial"/>
         <a:buChar char="•"/>
         <a:tabLst/>
-        <a:defRPr b="0" baseline="0" cap="none" i="0" spc="0" strike="noStrike" sz="2800" u="none">
+        <a:defRPr sz="2800" b="0" i="0" u="none" strike="noStrike" cap="none" spc="0" baseline="0">
           <a:solidFill>
             <a:srgbClr val="000000"/>
           </a:solidFill>
@@ -2675,7 +2765,7 @@
         <a:buFont typeface="Arial"/>
         <a:buChar char="•"/>
         <a:tabLst/>
-        <a:defRPr b="0" baseline="0" cap="none" i="0" spc="0" strike="noStrike" sz="2800" u="none">
+        <a:defRPr sz="2800" b="0" i="0" u="none" strike="noStrike" cap="none" spc="0" baseline="0">
           <a:solidFill>
             <a:srgbClr val="000000"/>
           </a:solidFill>
@@ -2701,7 +2791,7 @@
         <a:buFont typeface="Arial"/>
         <a:buChar char="•"/>
         <a:tabLst/>
-        <a:defRPr b="0" baseline="0" cap="none" i="0" spc="0" strike="noStrike" sz="2800" u="none">
+        <a:defRPr sz="2800" b="0" i="0" u="none" strike="noStrike" cap="none" spc="0" baseline="0">
           <a:solidFill>
             <a:srgbClr val="000000"/>
           </a:solidFill>
@@ -2727,7 +2817,7 @@
         <a:buFont typeface="Arial"/>
         <a:buChar char="•"/>
         <a:tabLst/>
-        <a:defRPr b="0" baseline="0" cap="none" i="0" spc="0" strike="noStrike" sz="2800" u="none">
+        <a:defRPr sz="2800" b="0" i="0" u="none" strike="noStrike" cap="none" spc="0" baseline="0">
           <a:solidFill>
             <a:srgbClr val="000000"/>
           </a:solidFill>
@@ -2753,7 +2843,7 @@
         <a:buFont typeface="Arial"/>
         <a:buChar char="•"/>
         <a:tabLst/>
-        <a:defRPr b="0" baseline="0" cap="none" i="0" spc="0" strike="noStrike" sz="2800" u="none">
+        <a:defRPr sz="2800" b="0" i="0" u="none" strike="noStrike" cap="none" spc="0" baseline="0">
           <a:solidFill>
             <a:srgbClr val="000000"/>
           </a:solidFill>
@@ -2781,7 +2871,7 @@
         <a:buFontTx/>
         <a:buNone/>
         <a:tabLst/>
-        <a:defRPr b="0" baseline="0" cap="none" i="0" spc="0" strike="noStrike" sz="1200" u="none">
+        <a:defRPr sz="1200" b="0" i="0" u="none" strike="noStrike" cap="none" spc="0" baseline="0">
           <a:solidFill>
             <a:schemeClr val="tx1"/>
           </a:solidFill>
@@ -2807,7 +2897,7 @@
         <a:buFontTx/>
         <a:buNone/>
         <a:tabLst/>
-        <a:defRPr b="0" baseline="0" cap="none" i="0" spc="0" strike="noStrike" sz="1200" u="none">
+        <a:defRPr sz="1200" b="0" i="0" u="none" strike="noStrike" cap="none" spc="0" baseline="0">
           <a:solidFill>
             <a:schemeClr val="tx1"/>
           </a:solidFill>
@@ -2833,7 +2923,7 @@
         <a:buFontTx/>
         <a:buNone/>
         <a:tabLst/>
-        <a:defRPr b="0" baseline="0" cap="none" i="0" spc="0" strike="noStrike" sz="1200" u="none">
+        <a:defRPr sz="1200" b="0" i="0" u="none" strike="noStrike" cap="none" spc="0" baseline="0">
           <a:solidFill>
             <a:schemeClr val="tx1"/>
           </a:solidFill>
@@ -2859,7 +2949,7 @@
         <a:buFontTx/>
         <a:buNone/>
         <a:tabLst/>
-        <a:defRPr b="0" baseline="0" cap="none" i="0" spc="0" strike="noStrike" sz="1200" u="none">
+        <a:defRPr sz="1200" b="0" i="0" u="none" strike="noStrike" cap="none" spc="0" baseline="0">
           <a:solidFill>
             <a:schemeClr val="tx1"/>
           </a:solidFill>
@@ -2885,7 +2975,7 @@
         <a:buFontTx/>
         <a:buNone/>
         <a:tabLst/>
-        <a:defRPr b="0" baseline="0" cap="none" i="0" spc="0" strike="noStrike" sz="1200" u="none">
+        <a:defRPr sz="1200" b="0" i="0" u="none" strike="noStrike" cap="none" spc="0" baseline="0">
           <a:solidFill>
             <a:schemeClr val="tx1"/>
           </a:solidFill>
@@ -2911,7 +3001,7 @@
         <a:buFontTx/>
         <a:buNone/>
         <a:tabLst/>
-        <a:defRPr b="0" baseline="0" cap="none" i="0" spc="0" strike="noStrike" sz="1200" u="none">
+        <a:defRPr sz="1200" b="0" i="0" u="none" strike="noStrike" cap="none" spc="0" baseline="0">
           <a:solidFill>
             <a:schemeClr val="tx1"/>
           </a:solidFill>
@@ -2937,7 +3027,7 @@
         <a:buFontTx/>
         <a:buNone/>
         <a:tabLst/>
-        <a:defRPr b="0" baseline="0" cap="none" i="0" spc="0" strike="noStrike" sz="1200" u="none">
+        <a:defRPr sz="1200" b="0" i="0" u="none" strike="noStrike" cap="none" spc="0" baseline="0">
           <a:solidFill>
             <a:schemeClr val="tx1"/>
           </a:solidFill>
@@ -2963,7 +3053,7 @@
         <a:buFontTx/>
         <a:buNone/>
         <a:tabLst/>
-        <a:defRPr b="0" baseline="0" cap="none" i="0" spc="0" strike="noStrike" sz="1200" u="none">
+        <a:defRPr sz="1200" b="0" i="0" u="none" strike="noStrike" cap="none" spc="0" baseline="0">
           <a:solidFill>
             <a:schemeClr val="tx1"/>
           </a:solidFill>
@@ -2989,7 +3079,7 @@
         <a:buFontTx/>
         <a:buNone/>
         <a:tabLst/>
-        <a:defRPr b="0" baseline="0" cap="none" i="0" spc="0" strike="noStrike" sz="1200" u="none">
+        <a:defRPr sz="1200" b="0" i="0" u="none" strike="noStrike" cap="none" spc="0" baseline="0">
           <a:solidFill>
             <a:schemeClr val="tx1"/>
           </a:solidFill>
@@ -3006,7 +3096,7 @@
 </file>
 
 <file path=ppt/slides/slide1.xml><?xml version="1.0" encoding="utf-8"?>
-<p:sld xmlns:a="http://schemas.openxmlformats.org/drawingml/2006/main" xmlns:r="http://schemas.openxmlformats.org/officeDocument/2006/relationships" xmlns:p="http://schemas.openxmlformats.org/presentationml/2006/main" xmlns:m="http://schemas.openxmlformats.org/officeDocument/2006/math" xmlns:a14="http://schemas.microsoft.com/office/drawing/2010/main" showMasterSp="1" showMasterPhAnim="1">
+<p:sld xmlns:a="http://schemas.openxmlformats.org/drawingml/2006/main" xmlns:r="http://schemas.openxmlformats.org/officeDocument/2006/relationships" xmlns:p="http://schemas.openxmlformats.org/presentationml/2006/main">
   <p:cSld>
     <p:spTree>
       <p:nvGrpSpPr>
@@ -3090,6 +3180,7 @@
                     <a:sym typeface="SimSun"/>
                   </a:defRPr>
                 </a:pPr>
+                <a:endParaRPr/>
               </a:p>
             </p:txBody>
           </p:sp>
@@ -3115,7 +3206,7 @@
               <a:effectLst/>
               <a:extLst>
                 <a:ext uri="{C572A759-6A51-4108-AA02-DFA0A04FC94B}">
-                  <ma14:wrappingTextBoxFlag xmlns:ma14="http://schemas.microsoft.com/office/mac/drawingml/2011/main" val="1"/>
+                  <ma14:wrappingTextBoxFlag xmlns:ma14="http://schemas.microsoft.com/office/mac/drawingml/2011/main" xmlns:a14="http://schemas.microsoft.com/office/drawing/2010/main" xmlns:m="http://schemas.openxmlformats.org/officeDocument/2006/math" xmlns="" val="1"/>
                 </a:ext>
               </a:extLst>
             </p:spPr>
@@ -3161,9 +3252,7 @@
             <p:nvPr/>
           </p:nvPicPr>
           <p:blipFill>
-            <a:blip r:embed="rId2">
-              <a:extLst/>
-            </a:blip>
+            <a:blip r:embed="rId2"/>
             <a:stretch>
               <a:fillRect/>
             </a:stretch>
@@ -3192,9 +3281,7 @@
             <p:nvPr/>
           </p:nvPicPr>
           <p:blipFill>
-            <a:blip r:embed="rId3">
-              <a:extLst/>
-            </a:blip>
+            <a:blip r:embed="rId3"/>
             <a:stretch>
               <a:fillRect/>
             </a:stretch>
@@ -3254,6 +3341,7 @@
                   <a:sym typeface="SimSun"/>
                 </a:defRPr>
               </a:pPr>
+              <a:endParaRPr/>
             </a:p>
           </p:txBody>
         </p:sp>
@@ -3290,6 +3378,7 @@
                 </a:solidFill>
               </a:defRPr>
             </a:pPr>
+            <a:endParaRPr/>
           </a:p>
         </p:txBody>
       </p:sp>
@@ -3347,7 +3436,7 @@
               <a:effectLst/>
               <a:extLst>
                 <a:ext uri="{C572A759-6A51-4108-AA02-DFA0A04FC94B}">
-                  <ma14:wrappingTextBoxFlag xmlns:ma14="http://schemas.microsoft.com/office/mac/drawingml/2011/main" val="1"/>
+                  <ma14:wrappingTextBoxFlag xmlns:ma14="http://schemas.microsoft.com/office/mac/drawingml/2011/main" xmlns:a14="http://schemas.microsoft.com/office/drawing/2010/main" xmlns:m="http://schemas.openxmlformats.org/officeDocument/2006/math" xmlns="" val="1"/>
                 </a:ext>
               </a:extLst>
             </p:spPr>
@@ -3366,7 +3455,6 @@
                 </a:lvl1pPr>
               </a:lstStyle>
               <a:p>
-                <a:pPr/>
                 <a:r>
                   <a:t>3. 使用半正矢公式计算得每段子轨迹的长度再累加得总轨迹长度</a:t>
                 </a:r>
@@ -3382,9 +3470,7 @@
               <p:nvPr/>
             </p:nvPicPr>
             <p:blipFill>
-              <a:blip r:embed="rId4">
-                <a:extLst/>
-              </a:blip>
+              <a:blip r:embed="rId4"/>
               <a:stretch>
                 <a:fillRect/>
               </a:stretch>
@@ -3429,7 +3515,7 @@
             <a:effectLst/>
             <a:extLst>
               <a:ext uri="{C572A759-6A51-4108-AA02-DFA0A04FC94B}">
-                <ma14:wrappingTextBoxFlag xmlns:ma14="http://schemas.microsoft.com/office/mac/drawingml/2011/main" val="1"/>
+                <ma14:wrappingTextBoxFlag xmlns:ma14="http://schemas.microsoft.com/office/mac/drawingml/2011/main" xmlns:a14="http://schemas.microsoft.com/office/drawing/2010/main" xmlns:m="http://schemas.openxmlformats.org/officeDocument/2006/math" xmlns="" val="1"/>
               </a:ext>
             </a:extLst>
           </p:spPr>
@@ -3504,7 +3590,7 @@
               <a:effectLst/>
               <a:extLst>
                 <a:ext uri="{C572A759-6A51-4108-AA02-DFA0A04FC94B}">
-                  <ma14:wrappingTextBoxFlag xmlns:ma14="http://schemas.microsoft.com/office/mac/drawingml/2011/main" val="1"/>
+                  <ma14:wrappingTextBoxFlag xmlns:ma14="http://schemas.microsoft.com/office/mac/drawingml/2011/main" xmlns:a14="http://schemas.microsoft.com/office/drawing/2010/main" xmlns:m="http://schemas.openxmlformats.org/officeDocument/2006/math" xmlns="" val="1"/>
                 </a:ext>
               </a:extLst>
             </p:spPr>
@@ -3523,7 +3609,6 @@
                 </a:lvl1pPr>
               </a:lstStyle>
               <a:p>
-                <a:pPr/>
                 <a:r>
                   <a:t>2.有序骑行轨迹（List）： n 个点组成的列表（经过预处理）</a:t>
                 </a:r>
@@ -3539,9 +3624,7 @@
               <p:nvPr/>
             </p:nvPicPr>
             <p:blipFill>
-              <a:blip r:embed="rId5">
-                <a:extLst/>
-              </a:blip>
+              <a:blip r:embed="rId5"/>
               <a:stretch>
                 <a:fillRect/>
               </a:stretch>
@@ -3587,7 +3670,7 @@
           </a:ln>
           <a:extLst>
             <a:ext uri="{C572A759-6A51-4108-AA02-DFA0A04FC94B}">
-              <ma14:wrappingTextBoxFlag xmlns:ma14="http://schemas.microsoft.com/office/mac/drawingml/2011/main" val="1"/>
+              <ma14:wrappingTextBoxFlag xmlns:ma14="http://schemas.microsoft.com/office/mac/drawingml/2011/main" xmlns:a14="http://schemas.microsoft.com/office/drawing/2010/main" xmlns:m="http://schemas.openxmlformats.org/officeDocument/2006/math" xmlns="" val="1"/>
             </a:ext>
           </a:extLst>
         </p:spPr>
@@ -3604,7 +3687,6 @@
             </a:lvl1pPr>
           </a:lstStyle>
           <a:p>
-            <a:pPr/>
             <a:r>
               <a:t>3.最后将每个小时的订单数量除以当前工作日的总订单数量，得到每个小时的订单占比</a:t>
             </a:r>
@@ -3633,7 +3715,7 @@
           </a:ln>
           <a:extLst>
             <a:ext uri="{C572A759-6A51-4108-AA02-DFA0A04FC94B}">
-              <ma14:wrappingTextBoxFlag xmlns:ma14="http://schemas.microsoft.com/office/mac/drawingml/2011/main" val="1"/>
+              <ma14:wrappingTextBoxFlag xmlns:ma14="http://schemas.microsoft.com/office/mac/drawingml/2011/main" xmlns:a14="http://schemas.microsoft.com/office/drawing/2010/main" xmlns:m="http://schemas.openxmlformats.org/officeDocument/2006/math" xmlns="" val="1"/>
             </a:ext>
           </a:extLst>
         </p:spPr>
@@ -3650,7 +3732,6 @@
             </a:lvl1pPr>
           </a:lstStyle>
           <a:p>
-            <a:pPr/>
             <a:r>
               <a:t>2.再对每一个工作日按二十四小时统计每一个小时内的订单数量</a:t>
             </a:r>
@@ -3679,7 +3760,7 @@
           </a:ln>
           <a:extLst>
             <a:ext uri="{C572A759-6A51-4108-AA02-DFA0A04FC94B}">
-              <ma14:wrappingTextBoxFlag xmlns:ma14="http://schemas.microsoft.com/office/mac/drawingml/2011/main" val="1"/>
+              <ma14:wrappingTextBoxFlag xmlns:ma14="http://schemas.microsoft.com/office/mac/drawingml/2011/main" xmlns:a14="http://schemas.microsoft.com/office/drawing/2010/main" xmlns:m="http://schemas.openxmlformats.org/officeDocument/2006/math" xmlns="" val="1"/>
             </a:ext>
           </a:extLst>
         </p:spPr>
@@ -3696,7 +3777,6 @@
             </a:lvl1pPr>
           </a:lstStyle>
           <a:p>
-            <a:pPr/>
             <a:r>
               <a:t>1.首先将骑行数据的开始时间按照工作日分组汇总</a:t>
             </a:r>
@@ -3712,9 +3792,7 @@
           <p:nvPr/>
         </p:nvPicPr>
         <p:blipFill>
-          <a:blip r:embed="rId6">
-            <a:extLst/>
-          </a:blip>
+          <a:blip r:embed="rId6"/>
           <a:stretch>
             <a:fillRect/>
           </a:stretch>
@@ -3741,9 +3819,7 @@
           <p:nvPr/>
         </p:nvPicPr>
         <p:blipFill>
-          <a:blip r:embed="rId7">
-            <a:extLst/>
-          </a:blip>
+          <a:blip r:embed="rId7"/>
           <a:stretch>
             <a:fillRect/>
           </a:stretch>
@@ -3770,9 +3846,7 @@
           <p:nvPr/>
         </p:nvPicPr>
         <p:blipFill>
-          <a:blip r:embed="rId8">
-            <a:extLst/>
-          </a:blip>
+          <a:blip r:embed="rId8"/>
           <a:stretch>
             <a:fillRect/>
           </a:stretch>
@@ -3795,12 +3869,680 @@
   <p:clrMapOvr>
     <a:masterClrMapping/>
   </p:clrMapOvr>
-  <p:transition xmlns:p14="http://schemas.microsoft.com/office/powerpoint/2010/main" spd="med" advClick="1"/>
+  <p:transition spd="med"/>
+</p:sld>
+</file>
+
+<file path=ppt/slides/slide2.xml><?xml version="1.0" encoding="utf-8"?>
+<p:sld xmlns:a="http://schemas.openxmlformats.org/drawingml/2006/main" xmlns:r="http://schemas.openxmlformats.org/officeDocument/2006/relationships" xmlns:p="http://schemas.openxmlformats.org/presentationml/2006/main">
+  <p:cSld>
+    <p:spTree>
+      <p:nvGrpSpPr>
+        <p:cNvPr id="1" name=""/>
+        <p:cNvGrpSpPr/>
+        <p:nvPr/>
+      </p:nvGrpSpPr>
+      <p:grpSpPr>
+        <a:xfrm>
+          <a:off x="0" y="0"/>
+          <a:ext cx="0" cy="0"/>
+          <a:chOff x="0" y="0"/>
+          <a:chExt cx="0" cy="0"/>
+        </a:xfrm>
+      </p:grpSpPr>
+      <p:grpSp>
+        <p:nvGrpSpPr>
+          <p:cNvPr id="127" name="组合 3"/>
+          <p:cNvGrpSpPr/>
+          <p:nvPr/>
+        </p:nvGrpSpPr>
+        <p:grpSpPr>
+          <a:xfrm>
+            <a:off x="-12700" y="3"/>
+            <a:ext cx="12204700" cy="533400"/>
+            <a:chOff x="-12700" y="2"/>
+            <a:chExt cx="12204700" cy="533399"/>
+          </a:xfrm>
+        </p:grpSpPr>
+        <p:grpSp>
+          <p:nvGrpSpPr>
+            <p:cNvPr id="123" name="矩形 4"/>
+            <p:cNvGrpSpPr/>
+            <p:nvPr/>
+          </p:nvGrpSpPr>
+          <p:grpSpPr>
+            <a:xfrm>
+              <a:off x="-12700" y="2"/>
+              <a:ext cx="12192000" cy="496189"/>
+              <a:chOff x="0" y="1"/>
+              <a:chExt cx="12192000" cy="496187"/>
+            </a:xfrm>
+          </p:grpSpPr>
+          <p:sp>
+            <p:nvSpPr>
+              <p:cNvPr id="121" name="矩形"/>
+              <p:cNvSpPr/>
+              <p:nvPr/>
+            </p:nvSpPr>
+            <p:spPr>
+              <a:xfrm>
+                <a:off x="0" y="1"/>
+                <a:ext cx="12192000" cy="496187"/>
+              </a:xfrm>
+              <a:prstGeom prst="rect">
+                <a:avLst/>
+              </a:prstGeom>
+              <a:solidFill>
+                <a:srgbClr val="087DCE"/>
+              </a:solidFill>
+              <a:ln w="12700" cap="flat">
+                <a:noFill/>
+                <a:miter lim="400000"/>
+              </a:ln>
+              <a:effectLst/>
+            </p:spPr>
+            <p:txBody>
+              <a:bodyPr wrap="square" lIns="45719" tIns="45719" rIns="45719" bIns="45719" numCol="1" anchor="ctr">
+                <a:noAutofit/>
+              </a:bodyPr>
+              <a:lstStyle/>
+              <a:p>
+                <a:pPr algn="ctr">
+                  <a:defRPr>
+                    <a:solidFill>
+                      <a:srgbClr val="FFFFFF"/>
+                    </a:solidFill>
+                    <a:latin typeface="SimSun"/>
+                    <a:ea typeface="SimSun"/>
+                    <a:cs typeface="SimSun"/>
+                    <a:sym typeface="SimSun"/>
+                  </a:defRPr>
+                </a:pPr>
+                <a:endParaRPr/>
+              </a:p>
+            </p:txBody>
+          </p:sp>
+          <p:sp>
+            <p:nvSpPr>
+              <p:cNvPr id="122" name="3 .2 数据分析框架-时间时距模式分析"/>
+              <p:cNvSpPr txBox="1"/>
+              <p:nvPr/>
+            </p:nvSpPr>
+            <p:spPr>
+              <a:xfrm>
+                <a:off x="45719" y="63430"/>
+                <a:ext cx="12100561" cy="369328"/>
+              </a:xfrm>
+              <a:prstGeom prst="rect">
+                <a:avLst/>
+              </a:prstGeom>
+              <a:noFill/>
+              <a:ln w="12700" cap="flat">
+                <a:noFill/>
+                <a:miter lim="400000"/>
+              </a:ln>
+              <a:effectLst/>
+              <a:extLst>
+                <a:ext uri="{C572A759-6A51-4108-AA02-DFA0A04FC94B}">
+                  <ma14:wrappingTextBoxFlag xmlns:ma14="http://schemas.microsoft.com/office/mac/drawingml/2011/main" xmlns:a14="http://schemas.microsoft.com/office/drawing/2010/main" xmlns:m="http://schemas.openxmlformats.org/officeDocument/2006/math" xmlns="" val="1"/>
+                </a:ext>
+              </a:extLst>
+            </p:spPr>
+            <p:txBody>
+              <a:bodyPr wrap="square" lIns="45719" tIns="45719" rIns="45719" bIns="45719" numCol="1" anchor="ctr">
+                <a:spAutoFit/>
+              </a:bodyPr>
+              <a:lstStyle/>
+              <a:p>
+                <a:pPr algn="ctr">
+                  <a:defRPr>
+                    <a:solidFill>
+                      <a:srgbClr val="FFFFFF"/>
+                    </a:solidFill>
+                    <a:latin typeface="Times New Roman"/>
+                    <a:ea typeface="Times New Roman"/>
+                    <a:cs typeface="Times New Roman"/>
+                    <a:sym typeface="Times New Roman"/>
+                  </a:defRPr>
+                </a:pPr>
+                <a:r>
+                  <a:rPr dirty="0"/>
+                  <a:t>3 .2</a:t>
+                </a:r>
+                <a:r>
+                  <a:rPr dirty="0">
+                    <a:latin typeface="SimSun"/>
+                    <a:ea typeface="SimSun"/>
+                    <a:cs typeface="SimSun"/>
+                    <a:sym typeface="SimSun"/>
+                  </a:rPr>
+                  <a:t> </a:t>
+                </a:r>
+                <a:r>
+                  <a:rPr dirty="0" err="1">
+                    <a:latin typeface="SimSun"/>
+                    <a:ea typeface="SimSun"/>
+                    <a:cs typeface="SimSun"/>
+                    <a:sym typeface="SimSun"/>
+                  </a:rPr>
+                  <a:t>数据分析框架-时间</a:t>
+                </a:r>
+                <a:r>
+                  <a:rPr lang="zh-CN" altLang="en-US" dirty="0">
+                    <a:latin typeface="SimSun"/>
+                    <a:ea typeface="SimSun"/>
+                    <a:cs typeface="SimSun"/>
+                    <a:sym typeface="SimSun"/>
+                  </a:rPr>
+                  <a:t>通勤模式分析框架</a:t>
+                </a:r>
+                <a:endParaRPr dirty="0">
+                  <a:latin typeface="SimSun"/>
+                  <a:ea typeface="SimSun"/>
+                  <a:cs typeface="SimSun"/>
+                  <a:sym typeface="SimSun"/>
+                </a:endParaRPr>
+              </a:p>
+            </p:txBody>
+          </p:sp>
+        </p:grpSp>
+        <p:pic>
+          <p:nvPicPr>
+            <p:cNvPr id="124" name="Picture 2" descr="Picture 2"/>
+            <p:cNvPicPr>
+              <a:picLocks noChangeAspect="1"/>
+            </p:cNvPicPr>
+            <p:nvPr/>
+          </p:nvPicPr>
+          <p:blipFill>
+            <a:blip r:embed="rId2"/>
+            <a:stretch>
+              <a:fillRect/>
+            </a:stretch>
+          </p:blipFill>
+          <p:spPr>
+            <a:xfrm>
+              <a:off x="179293" y="68226"/>
+              <a:ext cx="2294965" cy="359737"/>
+            </a:xfrm>
+            <a:prstGeom prst="rect">
+              <a:avLst/>
+            </a:prstGeom>
+            <a:ln w="12700" cap="flat">
+              <a:noFill/>
+              <a:miter lim="400000"/>
+            </a:ln>
+            <a:effectLst/>
+          </p:spPr>
+        </p:pic>
+        <p:pic>
+          <p:nvPicPr>
+            <p:cNvPr id="125" name="Picture 4" descr="Picture 4"/>
+            <p:cNvPicPr>
+              <a:picLocks noChangeAspect="1"/>
+            </p:cNvPicPr>
+            <p:nvPr/>
+          </p:nvPicPr>
+          <p:blipFill>
+            <a:blip r:embed="rId3"/>
+            <a:stretch>
+              <a:fillRect/>
+            </a:stretch>
+          </p:blipFill>
+          <p:spPr>
+            <a:xfrm>
+              <a:off x="9464488" y="68226"/>
+              <a:ext cx="2548219" cy="271915"/>
+            </a:xfrm>
+            <a:prstGeom prst="rect">
+              <a:avLst/>
+            </a:prstGeom>
+            <a:ln w="12700" cap="flat">
+              <a:noFill/>
+              <a:miter lim="400000"/>
+            </a:ln>
+            <a:effectLst/>
+          </p:spPr>
+        </p:pic>
+        <p:sp>
+          <p:nvSpPr>
+            <p:cNvPr id="126" name="矩形 7"/>
+            <p:cNvSpPr/>
+            <p:nvPr/>
+          </p:nvSpPr>
+          <p:spPr>
+            <a:xfrm>
+              <a:off x="0" y="496187"/>
+              <a:ext cx="12192000" cy="37214"/>
+            </a:xfrm>
+            <a:prstGeom prst="rect">
+              <a:avLst/>
+            </a:prstGeom>
+            <a:solidFill>
+              <a:srgbClr val="084A9E"/>
+            </a:solidFill>
+            <a:ln w="12700" cap="flat">
+              <a:noFill/>
+              <a:miter lim="400000"/>
+            </a:ln>
+            <a:effectLst/>
+          </p:spPr>
+          <p:txBody>
+            <a:bodyPr wrap="square" lIns="45719" tIns="45719" rIns="45719" bIns="45719" numCol="1" anchor="ctr">
+              <a:noAutofit/>
+            </a:bodyPr>
+            <a:lstStyle/>
+            <a:p>
+              <a:pPr algn="ctr">
+                <a:defRPr>
+                  <a:solidFill>
+                    <a:srgbClr val="FFFFFF"/>
+                  </a:solidFill>
+                  <a:latin typeface="SimSun"/>
+                  <a:ea typeface="SimSun"/>
+                  <a:cs typeface="SimSun"/>
+                  <a:sym typeface="SimSun"/>
+                </a:defRPr>
+              </a:pPr>
+              <a:endParaRPr/>
+            </a:p>
+          </p:txBody>
+        </p:sp>
+      </p:grpSp>
+      <p:sp>
+        <p:nvSpPr>
+          <p:cNvPr id="7" name="矩形 6">
+            <a:extLst>
+              <a:ext uri="{FF2B5EF4-FFF2-40B4-BE49-F238E27FC236}">
+                <a16:creationId xmlns:a16="http://schemas.microsoft.com/office/drawing/2014/main" id="{B87EF63D-18EB-BAF4-F3A0-6BBAA22C1EEE}"/>
+              </a:ext>
+            </a:extLst>
+          </p:cNvPr>
+          <p:cNvSpPr/>
+          <p:nvPr/>
+        </p:nvSpPr>
+        <p:spPr>
+          <a:xfrm>
+            <a:off x="7835291" y="634043"/>
+            <a:ext cx="4298289" cy="6081301"/>
+          </a:xfrm>
+          <a:prstGeom prst="rect">
+            <a:avLst/>
+          </a:prstGeom>
+          <a:solidFill>
+            <a:srgbClr val="2E75B6">
+              <a:alpha val="60000"/>
+            </a:srgbClr>
+          </a:solidFill>
+          <a:ln>
+            <a:noFill/>
+          </a:ln>
+        </p:spPr>
+        <p:style>
+          <a:lnRef idx="2">
+            <a:schemeClr val="accent1">
+              <a:shade val="15000"/>
+            </a:schemeClr>
+          </a:lnRef>
+          <a:fillRef idx="1">
+            <a:schemeClr val="accent1"/>
+          </a:fillRef>
+          <a:effectRef idx="0">
+            <a:schemeClr val="accent1"/>
+          </a:effectRef>
+          <a:fontRef idx="minor">
+            <a:schemeClr val="lt1"/>
+          </a:fontRef>
+        </p:style>
+        <p:txBody>
+          <a:bodyPr rtlCol="0" anchor="ctr"/>
+          <a:lstStyle/>
+          <a:p>
+            <a:endParaRPr lang="zh-CN" altLang="en-US" sz="2400" dirty="0">
+              <a:solidFill>
+                <a:schemeClr val="tx1"/>
+              </a:solidFill>
+            </a:endParaRPr>
+          </a:p>
+        </p:txBody>
+      </p:sp>
+      <p:sp>
+        <p:nvSpPr>
+          <p:cNvPr id="8" name="矩形 7">
+            <a:extLst>
+              <a:ext uri="{FF2B5EF4-FFF2-40B4-BE49-F238E27FC236}">
+                <a16:creationId xmlns:a16="http://schemas.microsoft.com/office/drawing/2014/main" id="{C554CC91-C76A-22A0-3E47-BAB169251352}"/>
+              </a:ext>
+            </a:extLst>
+          </p:cNvPr>
+          <p:cNvSpPr/>
+          <p:nvPr/>
+        </p:nvSpPr>
+        <p:spPr>
+          <a:xfrm>
+            <a:off x="3802071" y="3014294"/>
+            <a:ext cx="3919530" cy="3701051"/>
+          </a:xfrm>
+          <a:prstGeom prst="rect">
+            <a:avLst/>
+          </a:prstGeom>
+          <a:solidFill>
+            <a:schemeClr val="accent5">
+              <a:lumMod val="60000"/>
+              <a:lumOff val="40000"/>
+            </a:schemeClr>
+          </a:solidFill>
+          <a:ln>
+            <a:noFill/>
+          </a:ln>
+        </p:spPr>
+        <p:style>
+          <a:lnRef idx="2">
+            <a:schemeClr val="accent1">
+              <a:shade val="15000"/>
+            </a:schemeClr>
+          </a:lnRef>
+          <a:fillRef idx="1">
+            <a:schemeClr val="accent1"/>
+          </a:fillRef>
+          <a:effectRef idx="0">
+            <a:schemeClr val="accent1"/>
+          </a:effectRef>
+          <a:fontRef idx="minor">
+            <a:schemeClr val="lt1"/>
+          </a:fontRef>
+        </p:style>
+        <p:txBody>
+          <a:bodyPr rtlCol="0" anchor="ctr"/>
+          <a:lstStyle/>
+          <a:p>
+            <a:endParaRPr lang="zh-CN" altLang="en-US" sz="2400" dirty="0">
+              <a:solidFill>
+                <a:schemeClr val="tx1"/>
+              </a:solidFill>
+            </a:endParaRPr>
+          </a:p>
+        </p:txBody>
+      </p:sp>
+      <p:sp>
+        <p:nvSpPr>
+          <p:cNvPr id="9" name="矩形 8">
+            <a:extLst>
+              <a:ext uri="{FF2B5EF4-FFF2-40B4-BE49-F238E27FC236}">
+                <a16:creationId xmlns:a16="http://schemas.microsoft.com/office/drawing/2014/main" id="{E5C1C2D6-E66A-0196-BC42-459B87057A35}"/>
+              </a:ext>
+            </a:extLst>
+          </p:cNvPr>
+          <p:cNvSpPr/>
+          <p:nvPr/>
+        </p:nvSpPr>
+        <p:spPr>
+          <a:xfrm>
+            <a:off x="73043" y="634044"/>
+            <a:ext cx="3565507" cy="6081301"/>
+          </a:xfrm>
+          <a:prstGeom prst="rect">
+            <a:avLst/>
+          </a:prstGeom>
+          <a:solidFill>
+            <a:schemeClr val="accent5">
+              <a:lumMod val="40000"/>
+              <a:lumOff val="60000"/>
+            </a:schemeClr>
+          </a:solidFill>
+          <a:ln>
+            <a:noFill/>
+          </a:ln>
+        </p:spPr>
+        <p:style>
+          <a:lnRef idx="2">
+            <a:schemeClr val="accent1">
+              <a:shade val="15000"/>
+            </a:schemeClr>
+          </a:lnRef>
+          <a:fillRef idx="1">
+            <a:schemeClr val="accent1"/>
+          </a:fillRef>
+          <a:effectRef idx="0">
+            <a:schemeClr val="accent1"/>
+          </a:effectRef>
+          <a:fontRef idx="minor">
+            <a:schemeClr val="lt1"/>
+          </a:fontRef>
+        </p:style>
+        <p:txBody>
+          <a:bodyPr rtlCol="0" anchor="ctr"/>
+          <a:lstStyle/>
+          <a:p>
+            <a:endParaRPr lang="zh-CN" altLang="en-US" sz="2400" dirty="0">
+              <a:solidFill>
+                <a:schemeClr val="tx1"/>
+              </a:solidFill>
+            </a:endParaRPr>
+          </a:p>
+        </p:txBody>
+      </p:sp>
+      <p:pic>
+        <p:nvPicPr>
+          <p:cNvPr id="2054" name="Picture 6">
+            <a:extLst>
+              <a:ext uri="{FF2B5EF4-FFF2-40B4-BE49-F238E27FC236}">
+                <a16:creationId xmlns:a16="http://schemas.microsoft.com/office/drawing/2014/main" id="{E7EB9252-B85E-29AF-044C-325A8D4AE181}"/>
+              </a:ext>
+            </a:extLst>
+          </p:cNvPr>
+          <p:cNvPicPr>
+            <a:picLocks noChangeAspect="1" noChangeArrowheads="1"/>
+          </p:cNvPicPr>
+          <p:nvPr/>
+        </p:nvPicPr>
+        <p:blipFill>
+          <a:blip r:embed="rId4" cstate="print">
+            <a:extLst>
+              <a:ext uri="{28A0092B-C50C-407E-A947-70E740481C1C}">
+                <a14:useLocalDpi xmlns:a14="http://schemas.microsoft.com/office/drawing/2010/main" val="0"/>
+              </a:ext>
+            </a:extLst>
+          </a:blip>
+          <a:srcRect/>
+          <a:stretch>
+            <a:fillRect/>
+          </a:stretch>
+        </p:blipFill>
+        <p:spPr bwMode="auto">
+          <a:xfrm>
+            <a:off x="3737617" y="514796"/>
+            <a:ext cx="3919530" cy="2563903"/>
+          </a:xfrm>
+          <a:prstGeom prst="rect">
+            <a:avLst/>
+          </a:prstGeom>
+          <a:noFill/>
+          <a:extLst>
+            <a:ext uri="{909E8E84-426E-40DD-AFC4-6F175D3DCCD1}">
+              <a14:hiddenFill xmlns:a14="http://schemas.microsoft.com/office/drawing/2010/main">
+                <a:solidFill>
+                  <a:srgbClr val="FFFFFF"/>
+                </a:solidFill>
+              </a14:hiddenFill>
+            </a:ext>
+          </a:extLst>
+        </p:spPr>
+      </p:pic>
+      <p:sp>
+        <p:nvSpPr>
+          <p:cNvPr id="11" name="3.最后将每个小时的订单数量除以当前工作日的总订单数量，得到每个小时的订单占比">
+            <a:extLst>
+              <a:ext uri="{FF2B5EF4-FFF2-40B4-BE49-F238E27FC236}">
+                <a16:creationId xmlns:a16="http://schemas.microsoft.com/office/drawing/2014/main" id="{319D1B2C-9506-7D3B-724A-30CBF64A3C54}"/>
+              </a:ext>
+            </a:extLst>
+          </p:cNvPr>
+          <p:cNvSpPr/>
+          <p:nvPr/>
+        </p:nvSpPr>
+        <p:spPr>
+          <a:xfrm>
+            <a:off x="7935994" y="2941433"/>
+            <a:ext cx="4067636" cy="1197313"/>
+          </a:xfrm>
+          <a:prstGeom prst="rect">
+            <a:avLst/>
+          </a:prstGeom>
+          <a:solidFill>
+            <a:srgbClr val="2E75B6">
+              <a:alpha val="60000"/>
+            </a:srgbClr>
+          </a:solidFill>
+          <a:ln w="12700">
+            <a:miter lim="400000"/>
+          </a:ln>
+          <a:extLst>
+            <a:ext uri="{C572A759-6A51-4108-AA02-DFA0A04FC94B}">
+              <ma14:wrappingTextBoxFlag xmlns:ma14="http://schemas.microsoft.com/office/mac/drawingml/2011/main" xmlns:a14="http://schemas.microsoft.com/office/drawing/2010/main" xmlns:m="http://schemas.openxmlformats.org/officeDocument/2006/math" xmlns="" val="1"/>
+            </a:ext>
+          </a:extLst>
+        </p:spPr>
+        <p:txBody>
+          <a:bodyPr lIns="45719" rIns="45719"/>
+          <a:lstStyle>
+            <a:lvl1pPr>
+              <a:defRPr sz="2400">
+                <a:latin typeface="SimSun"/>
+                <a:ea typeface="SimSun"/>
+                <a:cs typeface="SimSun"/>
+                <a:sym typeface="SimSun"/>
+              </a:defRPr>
+            </a:lvl1pPr>
+          </a:lstStyle>
+          <a:p>
+            <a:r>
+              <a:rPr dirty="0"/>
+              <a:t>3.最后将每个小时的订单数量除以当前工作日的总订单数量，得到每个小时的订单占比</a:t>
+            </a:r>
+          </a:p>
+        </p:txBody>
+      </p:sp>
+      <p:sp>
+        <p:nvSpPr>
+          <p:cNvPr id="12" name="2.再对每一个工作日按二十四小时统计每一个小时内的订单数量">
+            <a:extLst>
+              <a:ext uri="{FF2B5EF4-FFF2-40B4-BE49-F238E27FC236}">
+                <a16:creationId xmlns:a16="http://schemas.microsoft.com/office/drawing/2014/main" id="{D04C8B22-C736-A7EE-0F96-5E3622A9543B}"/>
+              </a:ext>
+            </a:extLst>
+          </p:cNvPr>
+          <p:cNvSpPr/>
+          <p:nvPr/>
+        </p:nvSpPr>
+        <p:spPr>
+          <a:xfrm>
+            <a:off x="7945071" y="1644025"/>
+            <a:ext cx="4067636" cy="1186318"/>
+          </a:xfrm>
+          <a:prstGeom prst="rect">
+            <a:avLst/>
+          </a:prstGeom>
+          <a:solidFill>
+            <a:srgbClr val="9DC3E6"/>
+          </a:solidFill>
+          <a:ln w="12700">
+            <a:miter lim="400000"/>
+          </a:ln>
+          <a:extLst>
+            <a:ext uri="{C572A759-6A51-4108-AA02-DFA0A04FC94B}">
+              <ma14:wrappingTextBoxFlag xmlns:ma14="http://schemas.microsoft.com/office/mac/drawingml/2011/main" xmlns:a14="http://schemas.microsoft.com/office/drawing/2010/main" xmlns:m="http://schemas.openxmlformats.org/officeDocument/2006/math" xmlns="" val="1"/>
+            </a:ext>
+          </a:extLst>
+        </p:spPr>
+        <p:txBody>
+          <a:bodyPr lIns="45719" rIns="45719"/>
+          <a:lstStyle>
+            <a:lvl1pPr>
+              <a:defRPr sz="2400">
+                <a:latin typeface="SimSun"/>
+                <a:ea typeface="SimSun"/>
+                <a:cs typeface="SimSun"/>
+                <a:sym typeface="SimSun"/>
+              </a:defRPr>
+            </a:lvl1pPr>
+          </a:lstStyle>
+          <a:p>
+            <a:r>
+              <a:rPr dirty="0"/>
+              <a:t>2.再对每一个工作日按二十四小时统计每一个小时内的订单数量</a:t>
+            </a:r>
+          </a:p>
+        </p:txBody>
+      </p:sp>
+      <p:sp>
+        <p:nvSpPr>
+          <p:cNvPr id="13" name="1.首先将骑行数据的开始时间按照工作日分组汇总">
+            <a:extLst>
+              <a:ext uri="{FF2B5EF4-FFF2-40B4-BE49-F238E27FC236}">
+                <a16:creationId xmlns:a16="http://schemas.microsoft.com/office/drawing/2014/main" id="{C327D883-92CF-DD1E-12B7-CBDE01ADD193}"/>
+              </a:ext>
+            </a:extLst>
+          </p:cNvPr>
+          <p:cNvSpPr/>
+          <p:nvPr/>
+        </p:nvSpPr>
+        <p:spPr>
+          <a:xfrm>
+            <a:off x="7945071" y="730518"/>
+            <a:ext cx="4067636" cy="802417"/>
+          </a:xfrm>
+          <a:prstGeom prst="rect">
+            <a:avLst/>
+          </a:prstGeom>
+          <a:solidFill>
+            <a:srgbClr val="C2D6EC"/>
+          </a:solidFill>
+          <a:ln w="12700">
+            <a:miter lim="400000"/>
+          </a:ln>
+          <a:extLst>
+            <a:ext uri="{C572A759-6A51-4108-AA02-DFA0A04FC94B}">
+              <ma14:wrappingTextBoxFlag xmlns:ma14="http://schemas.microsoft.com/office/mac/drawingml/2011/main" xmlns:a14="http://schemas.microsoft.com/office/drawing/2010/main" xmlns:m="http://schemas.openxmlformats.org/officeDocument/2006/math" xmlns="" val="1"/>
+            </a:ext>
+          </a:extLst>
+        </p:spPr>
+        <p:txBody>
+          <a:bodyPr lIns="45719" rIns="45719"/>
+          <a:lstStyle>
+            <a:lvl1pPr>
+              <a:defRPr sz="2400">
+                <a:latin typeface="SimSun"/>
+                <a:ea typeface="SimSun"/>
+                <a:cs typeface="SimSun"/>
+                <a:sym typeface="SimSun"/>
+              </a:defRPr>
+            </a:lvl1pPr>
+          </a:lstStyle>
+          <a:p>
+            <a:r>
+              <a:rPr dirty="0"/>
+              <a:t>1.首先将骑行数据的开始时间按照工作日分组汇总</a:t>
+            </a:r>
+          </a:p>
+        </p:txBody>
+      </p:sp>
+    </p:spTree>
+    <p:extLst>
+      <p:ext uri="{BB962C8B-B14F-4D97-AF65-F5344CB8AC3E}">
+        <p14:creationId xmlns:p14="http://schemas.microsoft.com/office/powerpoint/2010/main" val="1425685900"/>
+      </p:ext>
+    </p:extLst>
+  </p:cSld>
+  <p:clrMapOvr>
+    <a:masterClrMapping/>
+  </p:clrMapOvr>
+  <p:transition spd="med"/>
 </p:sld>
 </file>
 
 <file path=ppt/theme/theme1.xml><?xml version="1.0" encoding="utf-8"?>
-<a:theme xmlns:a="http://schemas.openxmlformats.org/drawingml/2006/main" xmlns:r="http://schemas.openxmlformats.org/officeDocument/2006/relationships" name="Office 主题​​">
+<a:theme xmlns:a="http://schemas.openxmlformats.org/drawingml/2006/main" name="Office 主题​​">
   <a:themeElements>
     <a:clrScheme name="Office 主题​​">
       <a:dk1>
@@ -4002,7 +4744,7 @@
         <a:effectLst/>
         <a:sp3d/>
       </a:spPr>
-      <a:bodyPr rot="0" spcFirstLastPara="1" vertOverflow="overflow" horzOverflow="overflow" vert="horz" wrap="square" lIns="45719" tIns="45719" rIns="45719" bIns="45719" numCol="1" spcCol="38100" rtlCol="0" anchor="ctr" upright="0">
+      <a:bodyPr rot="0" spcFirstLastPara="1" vertOverflow="overflow" horzOverflow="overflow" vert="horz" wrap="square" lIns="45719" tIns="45719" rIns="45719" bIns="45719" numCol="1" spcCol="38100" rtlCol="0" anchor="ctr">
         <a:spAutoFit/>
       </a:bodyPr>
       <a:lstStyle>
@@ -4021,7 +4763,7 @@
           <a:buFontTx/>
           <a:buNone/>
           <a:tabLst/>
-          <a:defRPr b="0" baseline="0" cap="none" i="0" spc="0" strike="noStrike" sz="1800" u="none" kumimoji="0" normalizeH="0">
+          <a:defRPr kumimoji="0" sz="1800" b="0" i="0" u="none" strike="noStrike" cap="none" spc="0" normalizeH="0" baseline="0">
             <a:ln>
               <a:noFill/>
             </a:ln>
@@ -4051,7 +4793,7 @@
           <a:buFontTx/>
           <a:buNone/>
           <a:tabLst/>
-          <a:defRPr b="0" baseline="0" cap="none" i="0" spc="0" strike="noStrike" sz="1800" u="none" kumimoji="0" normalizeH="0">
+          <a:defRPr kumimoji="0" sz="1800" b="0" i="0" u="none" strike="noStrike" cap="none" spc="0" normalizeH="0" baseline="0">
             <a:ln>
               <a:noFill/>
             </a:ln>
@@ -4077,7 +4819,7 @@
           <a:buFontTx/>
           <a:buNone/>
           <a:tabLst/>
-          <a:defRPr b="0" baseline="0" cap="none" i="0" spc="0" strike="noStrike" sz="1800" u="none" kumimoji="0" normalizeH="0">
+          <a:defRPr kumimoji="0" sz="1800" b="0" i="0" u="none" strike="noStrike" cap="none" spc="0" normalizeH="0" baseline="0">
             <a:ln>
               <a:noFill/>
             </a:ln>
@@ -4103,7 +4845,7 @@
           <a:buFontTx/>
           <a:buNone/>
           <a:tabLst/>
-          <a:defRPr b="0" baseline="0" cap="none" i="0" spc="0" strike="noStrike" sz="1800" u="none" kumimoji="0" normalizeH="0">
+          <a:defRPr kumimoji="0" sz="1800" b="0" i="0" u="none" strike="noStrike" cap="none" spc="0" normalizeH="0" baseline="0">
             <a:ln>
               <a:noFill/>
             </a:ln>
@@ -4129,7 +4871,7 @@
           <a:buFontTx/>
           <a:buNone/>
           <a:tabLst/>
-          <a:defRPr b="0" baseline="0" cap="none" i="0" spc="0" strike="noStrike" sz="1800" u="none" kumimoji="0" normalizeH="0">
+          <a:defRPr kumimoji="0" sz="1800" b="0" i="0" u="none" strike="noStrike" cap="none" spc="0" normalizeH="0" baseline="0">
             <a:ln>
               <a:noFill/>
             </a:ln>
@@ -4155,7 +4897,7 @@
           <a:buFontTx/>
           <a:buNone/>
           <a:tabLst/>
-          <a:defRPr b="0" baseline="0" cap="none" i="0" spc="0" strike="noStrike" sz="1800" u="none" kumimoji="0" normalizeH="0">
+          <a:defRPr kumimoji="0" sz="1800" b="0" i="0" u="none" strike="noStrike" cap="none" spc="0" normalizeH="0" baseline="0">
             <a:ln>
               <a:noFill/>
             </a:ln>
@@ -4181,7 +4923,7 @@
           <a:buFontTx/>
           <a:buNone/>
           <a:tabLst/>
-          <a:defRPr b="0" baseline="0" cap="none" i="0" spc="0" strike="noStrike" sz="1800" u="none" kumimoji="0" normalizeH="0">
+          <a:defRPr kumimoji="0" sz="1800" b="0" i="0" u="none" strike="noStrike" cap="none" spc="0" normalizeH="0" baseline="0">
             <a:ln>
               <a:noFill/>
             </a:ln>
@@ -4207,7 +4949,7 @@
           <a:buFontTx/>
           <a:buNone/>
           <a:tabLst/>
-          <a:defRPr b="0" baseline="0" cap="none" i="0" spc="0" strike="noStrike" sz="1800" u="none" kumimoji="0" normalizeH="0">
+          <a:defRPr kumimoji="0" sz="1800" b="0" i="0" u="none" strike="noStrike" cap="none" spc="0" normalizeH="0" baseline="0">
             <a:ln>
               <a:noFill/>
             </a:ln>
@@ -4233,7 +4975,7 @@
           <a:buFontTx/>
           <a:buNone/>
           <a:tabLst/>
-          <a:defRPr b="0" baseline="0" cap="none" i="0" spc="0" strike="noStrike" sz="1800" u="none" kumimoji="0" normalizeH="0">
+          <a:defRPr kumimoji="0" sz="1800" b="0" i="0" u="none" strike="noStrike" cap="none" spc="0" normalizeH="0" baseline="0">
             <a:ln>
               <a:noFill/>
             </a:ln>
@@ -4259,7 +5001,7 @@
           <a:buFontTx/>
           <a:buNone/>
           <a:tabLst/>
-          <a:defRPr b="0" baseline="0" cap="none" i="0" spc="0" strike="noStrike" sz="1800" u="none" kumimoji="0" normalizeH="0">
+          <a:defRPr kumimoji="0" sz="1800" b="0" i="0" u="none" strike="noStrike" cap="none" spc="0" normalizeH="0" baseline="0">
             <a:ln>
               <a:noFill/>
             </a:ln>
@@ -4272,9 +5014,15 @@
         </a:lvl9pPr>
       </a:lstStyle>
       <a:style>
-        <a:lnRef idx="0"/>
-        <a:fillRef idx="0"/>
-        <a:effectRef idx="0"/>
+        <a:lnRef idx="0">
+          <a:scrgbClr r="0" g="0" b="0"/>
+        </a:lnRef>
+        <a:fillRef idx="0">
+          <a:scrgbClr r="0" g="0" b="0"/>
+        </a:fillRef>
+        <a:effectRef idx="0">
+          <a:scrgbClr r="0" g="0" b="0"/>
+        </a:effectRef>
         <a:fontRef idx="none"/>
       </a:style>
     </a:spDef>
@@ -4291,7 +5039,7 @@
         <a:effectLst/>
         <a:sp3d/>
       </a:spPr>
-      <a:bodyPr rot="0" spcFirstLastPara="1" vertOverflow="overflow" horzOverflow="overflow" vert="horz" wrap="square" lIns="91439" tIns="45719" rIns="91439" bIns="45719" numCol="1" spcCol="38100" rtlCol="0" anchor="t" upright="0">
+      <a:bodyPr rot="0" spcFirstLastPara="1" vertOverflow="overflow" horzOverflow="overflow" vert="horz" wrap="square" lIns="91439" tIns="45719" rIns="91439" bIns="45719" numCol="1" spcCol="38100" rtlCol="0" anchor="t">
         <a:noAutofit/>
       </a:bodyPr>
       <a:lstStyle>
@@ -4310,7 +5058,7 @@
           <a:buFontTx/>
           <a:buNone/>
           <a:tabLst/>
-          <a:defRPr b="0" baseline="0" cap="none" i="0" spc="0" strike="noStrike" sz="1800" u="none" kumimoji="0" normalizeH="0">
+          <a:defRPr kumimoji="0" sz="1800" b="0" i="0" u="none" strike="noStrike" cap="none" spc="0" normalizeH="0" baseline="0">
             <a:ln>
               <a:noFill/>
             </a:ln>
@@ -4336,7 +5084,7 @@
           <a:buFontTx/>
           <a:buNone/>
           <a:tabLst/>
-          <a:defRPr b="0" baseline="0" cap="none" i="0" spc="0" strike="noStrike" sz="1800" u="none" kumimoji="0" normalizeH="0">
+          <a:defRPr kumimoji="0" sz="1800" b="0" i="0" u="none" strike="noStrike" cap="none" spc="0" normalizeH="0" baseline="0">
             <a:ln>
               <a:noFill/>
             </a:ln>
@@ -4362,7 +5110,7 @@
           <a:buFontTx/>
           <a:buNone/>
           <a:tabLst/>
-          <a:defRPr b="0" baseline="0" cap="none" i="0" spc="0" strike="noStrike" sz="1800" u="none" kumimoji="0" normalizeH="0">
+          <a:defRPr kumimoji="0" sz="1800" b="0" i="0" u="none" strike="noStrike" cap="none" spc="0" normalizeH="0" baseline="0">
             <a:ln>
               <a:noFill/>
             </a:ln>
@@ -4388,7 +5136,7 @@
           <a:buFontTx/>
           <a:buNone/>
           <a:tabLst/>
-          <a:defRPr b="0" baseline="0" cap="none" i="0" spc="0" strike="noStrike" sz="1800" u="none" kumimoji="0" normalizeH="0">
+          <a:defRPr kumimoji="0" sz="1800" b="0" i="0" u="none" strike="noStrike" cap="none" spc="0" normalizeH="0" baseline="0">
             <a:ln>
               <a:noFill/>
             </a:ln>
@@ -4414,7 +5162,7 @@
           <a:buFontTx/>
           <a:buNone/>
           <a:tabLst/>
-          <a:defRPr b="0" baseline="0" cap="none" i="0" spc="0" strike="noStrike" sz="1800" u="none" kumimoji="0" normalizeH="0">
+          <a:defRPr kumimoji="0" sz="1800" b="0" i="0" u="none" strike="noStrike" cap="none" spc="0" normalizeH="0" baseline="0">
             <a:ln>
               <a:noFill/>
             </a:ln>
@@ -4440,7 +5188,7 @@
           <a:buFontTx/>
           <a:buNone/>
           <a:tabLst/>
-          <a:defRPr b="0" baseline="0" cap="none" i="0" spc="0" strike="noStrike" sz="1800" u="none" kumimoji="0" normalizeH="0">
+          <a:defRPr kumimoji="0" sz="1800" b="0" i="0" u="none" strike="noStrike" cap="none" spc="0" normalizeH="0" baseline="0">
             <a:ln>
               <a:noFill/>
             </a:ln>
@@ -4466,7 +5214,7 @@
           <a:buFontTx/>
           <a:buNone/>
           <a:tabLst/>
-          <a:defRPr b="0" baseline="0" cap="none" i="0" spc="0" strike="noStrike" sz="1800" u="none" kumimoji="0" normalizeH="0">
+          <a:defRPr kumimoji="0" sz="1800" b="0" i="0" u="none" strike="noStrike" cap="none" spc="0" normalizeH="0" baseline="0">
             <a:ln>
               <a:noFill/>
             </a:ln>
@@ -4492,7 +5240,7 @@
           <a:buFontTx/>
           <a:buNone/>
           <a:tabLst/>
-          <a:defRPr b="0" baseline="0" cap="none" i="0" spc="0" strike="noStrike" sz="1800" u="none" kumimoji="0" normalizeH="0">
+          <a:defRPr kumimoji="0" sz="1800" b="0" i="0" u="none" strike="noStrike" cap="none" spc="0" normalizeH="0" baseline="0">
             <a:ln>
               <a:noFill/>
             </a:ln>
@@ -4518,7 +5266,7 @@
           <a:buFontTx/>
           <a:buNone/>
           <a:tabLst/>
-          <a:defRPr b="0" baseline="0" cap="none" i="0" spc="0" strike="noStrike" sz="1800" u="none" kumimoji="0" normalizeH="0">
+          <a:defRPr kumimoji="0" sz="1800" b="0" i="0" u="none" strike="noStrike" cap="none" spc="0" normalizeH="0" baseline="0">
             <a:ln>
               <a:noFill/>
             </a:ln>
@@ -4544,7 +5292,7 @@
           <a:buFontTx/>
           <a:buNone/>
           <a:tabLst/>
-          <a:defRPr b="0" baseline="0" cap="none" i="0" spc="0" strike="noStrike" sz="1800" u="none" kumimoji="0" normalizeH="0">
+          <a:defRPr kumimoji="0" sz="1800" b="0" i="0" u="none" strike="noStrike" cap="none" spc="0" normalizeH="0" baseline="0">
             <a:ln>
               <a:noFill/>
             </a:ln>
@@ -4557,9 +5305,15 @@
         </a:lvl9pPr>
       </a:lstStyle>
       <a:style>
-        <a:lnRef idx="0"/>
-        <a:fillRef idx="0"/>
-        <a:effectRef idx="0"/>
+        <a:lnRef idx="0">
+          <a:scrgbClr r="0" g="0" b="0"/>
+        </a:lnRef>
+        <a:fillRef idx="0">
+          <a:scrgbClr r="0" g="0" b="0"/>
+        </a:fillRef>
+        <a:effectRef idx="0">
+          <a:scrgbClr r="0" g="0" b="0"/>
+        </a:effectRef>
         <a:fontRef idx="none"/>
       </a:style>
     </a:lnDef>
@@ -4573,7 +5327,7 @@
         <a:effectLst/>
         <a:sp3d/>
       </a:spPr>
-      <a:bodyPr rot="0" spcFirstLastPara="1" vertOverflow="overflow" horzOverflow="overflow" vert="horz" wrap="square" lIns="45719" tIns="45719" rIns="45719" bIns="45719" numCol="1" spcCol="38100" rtlCol="0" anchor="t" upright="0">
+      <a:bodyPr rot="0" spcFirstLastPara="1" vertOverflow="overflow" horzOverflow="overflow" vert="horz" wrap="square" lIns="45719" tIns="45719" rIns="45719" bIns="45719" numCol="1" spcCol="38100" rtlCol="0" anchor="t">
         <a:spAutoFit/>
       </a:bodyPr>
       <a:lstStyle>
@@ -4592,7 +5346,7 @@
           <a:buFontTx/>
           <a:buNone/>
           <a:tabLst/>
-          <a:defRPr b="0" baseline="0" cap="none" i="0" spc="0" strike="noStrike" sz="1800" u="none" kumimoji="0" normalizeH="0">
+          <a:defRPr kumimoji="0" sz="1800" b="0" i="0" u="none" strike="noStrike" cap="none" spc="0" normalizeH="0" baseline="0">
             <a:ln>
               <a:noFill/>
             </a:ln>
@@ -4622,7 +5376,7 @@
           <a:buFontTx/>
           <a:buNone/>
           <a:tabLst/>
-          <a:defRPr b="0" baseline="0" cap="none" i="0" spc="0" strike="noStrike" sz="1800" u="none" kumimoji="0" normalizeH="0">
+          <a:defRPr kumimoji="0" sz="1800" b="0" i="0" u="none" strike="noStrike" cap="none" spc="0" normalizeH="0" baseline="0">
             <a:ln>
               <a:noFill/>
             </a:ln>
@@ -4648,7 +5402,7 @@
           <a:buFontTx/>
           <a:buNone/>
           <a:tabLst/>
-          <a:defRPr b="0" baseline="0" cap="none" i="0" spc="0" strike="noStrike" sz="1800" u="none" kumimoji="0" normalizeH="0">
+          <a:defRPr kumimoji="0" sz="1800" b="0" i="0" u="none" strike="noStrike" cap="none" spc="0" normalizeH="0" baseline="0">
             <a:ln>
               <a:noFill/>
             </a:ln>
@@ -4674,7 +5428,7 @@
           <a:buFontTx/>
           <a:buNone/>
           <a:tabLst/>
-          <a:defRPr b="0" baseline="0" cap="none" i="0" spc="0" strike="noStrike" sz="1800" u="none" kumimoji="0" normalizeH="0">
+          <a:defRPr kumimoji="0" sz="1800" b="0" i="0" u="none" strike="noStrike" cap="none" spc="0" normalizeH="0" baseline="0">
             <a:ln>
               <a:noFill/>
             </a:ln>
@@ -4700,7 +5454,7 @@
           <a:buFontTx/>
           <a:buNone/>
           <a:tabLst/>
-          <a:defRPr b="0" baseline="0" cap="none" i="0" spc="0" strike="noStrike" sz="1800" u="none" kumimoji="0" normalizeH="0">
+          <a:defRPr kumimoji="0" sz="1800" b="0" i="0" u="none" strike="noStrike" cap="none" spc="0" normalizeH="0" baseline="0">
             <a:ln>
               <a:noFill/>
             </a:ln>
@@ -4726,7 +5480,7 @@
           <a:buFontTx/>
           <a:buNone/>
           <a:tabLst/>
-          <a:defRPr b="0" baseline="0" cap="none" i="0" spc="0" strike="noStrike" sz="1800" u="none" kumimoji="0" normalizeH="0">
+          <a:defRPr kumimoji="0" sz="1800" b="0" i="0" u="none" strike="noStrike" cap="none" spc="0" normalizeH="0" baseline="0">
             <a:ln>
               <a:noFill/>
             </a:ln>
@@ -4752,7 +5506,7 @@
           <a:buFontTx/>
           <a:buNone/>
           <a:tabLst/>
-          <a:defRPr b="0" baseline="0" cap="none" i="0" spc="0" strike="noStrike" sz="1800" u="none" kumimoji="0" normalizeH="0">
+          <a:defRPr kumimoji="0" sz="1800" b="0" i="0" u="none" strike="noStrike" cap="none" spc="0" normalizeH="0" baseline="0">
             <a:ln>
               <a:noFill/>
             </a:ln>
@@ -4778,7 +5532,7 @@
           <a:buFontTx/>
           <a:buNone/>
           <a:tabLst/>
-          <a:defRPr b="0" baseline="0" cap="none" i="0" spc="0" strike="noStrike" sz="1800" u="none" kumimoji="0" normalizeH="0">
+          <a:defRPr kumimoji="0" sz="1800" b="0" i="0" u="none" strike="noStrike" cap="none" spc="0" normalizeH="0" baseline="0">
             <a:ln>
               <a:noFill/>
             </a:ln>
@@ -4804,7 +5558,7 @@
           <a:buFontTx/>
           <a:buNone/>
           <a:tabLst/>
-          <a:defRPr b="0" baseline="0" cap="none" i="0" spc="0" strike="noStrike" sz="1800" u="none" kumimoji="0" normalizeH="0">
+          <a:defRPr kumimoji="0" sz="1800" b="0" i="0" u="none" strike="noStrike" cap="none" spc="0" normalizeH="0" baseline="0">
             <a:ln>
               <a:noFill/>
             </a:ln>
@@ -4830,7 +5584,7 @@
           <a:buFontTx/>
           <a:buNone/>
           <a:tabLst/>
-          <a:defRPr b="0" baseline="0" cap="none" i="0" spc="0" strike="noStrike" sz="1800" u="none" kumimoji="0" normalizeH="0">
+          <a:defRPr kumimoji="0" sz="1800" b="0" i="0" u="none" strike="noStrike" cap="none" spc="0" normalizeH="0" baseline="0">
             <a:ln>
               <a:noFill/>
             </a:ln>
@@ -4843,18 +5597,25 @@
         </a:lvl9pPr>
       </a:lstStyle>
       <a:style>
-        <a:lnRef idx="0"/>
-        <a:fillRef idx="0"/>
-        <a:effectRef idx="0"/>
+        <a:lnRef idx="0">
+          <a:scrgbClr r="0" g="0" b="0"/>
+        </a:lnRef>
+        <a:fillRef idx="0">
+          <a:scrgbClr r="0" g="0" b="0"/>
+        </a:fillRef>
+        <a:effectRef idx="0">
+          <a:scrgbClr r="0" g="0" b="0"/>
+        </a:effectRef>
         <a:fontRef idx="none"/>
       </a:style>
     </a:txDef>
   </a:objectDefaults>
+  <a:extraClrSchemeLst/>
 </a:theme>
 </file>
 
 <file path=ppt/theme/theme2.xml><?xml version="1.0" encoding="utf-8"?>
-<a:theme xmlns:a="http://schemas.openxmlformats.org/drawingml/2006/main" xmlns:r="http://schemas.openxmlformats.org/officeDocument/2006/relationships" name="Office 主题​​">
+<a:theme xmlns:a="http://schemas.openxmlformats.org/drawingml/2006/main" name="Office 主题​​">
   <a:themeElements>
     <a:clrScheme name="Office 主题​​">
       <a:dk1>
@@ -5056,7 +5817,7 @@
         <a:effectLst/>
         <a:sp3d/>
       </a:spPr>
-      <a:bodyPr rot="0" spcFirstLastPara="1" vertOverflow="overflow" horzOverflow="overflow" vert="horz" wrap="square" lIns="45719" tIns="45719" rIns="45719" bIns="45719" numCol="1" spcCol="38100" rtlCol="0" anchor="ctr" upright="0">
+      <a:bodyPr rot="0" spcFirstLastPara="1" vertOverflow="overflow" horzOverflow="overflow" vert="horz" wrap="square" lIns="45719" tIns="45719" rIns="45719" bIns="45719" numCol="1" spcCol="38100" rtlCol="0" anchor="ctr">
         <a:spAutoFit/>
       </a:bodyPr>
       <a:lstStyle>
@@ -5075,7 +5836,7 @@
           <a:buFontTx/>
           <a:buNone/>
           <a:tabLst/>
-          <a:defRPr b="0" baseline="0" cap="none" i="0" spc="0" strike="noStrike" sz="1800" u="none" kumimoji="0" normalizeH="0">
+          <a:defRPr kumimoji="0" sz="1800" b="0" i="0" u="none" strike="noStrike" cap="none" spc="0" normalizeH="0" baseline="0">
             <a:ln>
               <a:noFill/>
             </a:ln>
@@ -5105,7 +5866,7 @@
           <a:buFontTx/>
           <a:buNone/>
           <a:tabLst/>
-          <a:defRPr b="0" baseline="0" cap="none" i="0" spc="0" strike="noStrike" sz="1800" u="none" kumimoji="0" normalizeH="0">
+          <a:defRPr kumimoji="0" sz="1800" b="0" i="0" u="none" strike="noStrike" cap="none" spc="0" normalizeH="0" baseline="0">
             <a:ln>
               <a:noFill/>
             </a:ln>
@@ -5131,7 +5892,7 @@
           <a:buFontTx/>
           <a:buNone/>
           <a:tabLst/>
-          <a:defRPr b="0" baseline="0" cap="none" i="0" spc="0" strike="noStrike" sz="1800" u="none" kumimoji="0" normalizeH="0">
+          <a:defRPr kumimoji="0" sz="1800" b="0" i="0" u="none" strike="noStrike" cap="none" spc="0" normalizeH="0" baseline="0">
             <a:ln>
               <a:noFill/>
             </a:ln>
@@ -5157,7 +5918,7 @@
           <a:buFontTx/>
           <a:buNone/>
           <a:tabLst/>
-          <a:defRPr b="0" baseline="0" cap="none" i="0" spc="0" strike="noStrike" sz="1800" u="none" kumimoji="0" normalizeH="0">
+          <a:defRPr kumimoji="0" sz="1800" b="0" i="0" u="none" strike="noStrike" cap="none" spc="0" normalizeH="0" baseline="0">
             <a:ln>
               <a:noFill/>
             </a:ln>
@@ -5183,7 +5944,7 @@
           <a:buFontTx/>
           <a:buNone/>
           <a:tabLst/>
-          <a:defRPr b="0" baseline="0" cap="none" i="0" spc="0" strike="noStrike" sz="1800" u="none" kumimoji="0" normalizeH="0">
+          <a:defRPr kumimoji="0" sz="1800" b="0" i="0" u="none" strike="noStrike" cap="none" spc="0" normalizeH="0" baseline="0">
             <a:ln>
               <a:noFill/>
             </a:ln>
@@ -5209,7 +5970,7 @@
           <a:buFontTx/>
           <a:buNone/>
           <a:tabLst/>
-          <a:defRPr b="0" baseline="0" cap="none" i="0" spc="0" strike="noStrike" sz="1800" u="none" kumimoji="0" normalizeH="0">
+          <a:defRPr kumimoji="0" sz="1800" b="0" i="0" u="none" strike="noStrike" cap="none" spc="0" normalizeH="0" baseline="0">
             <a:ln>
               <a:noFill/>
             </a:ln>
@@ -5235,7 +5996,7 @@
           <a:buFontTx/>
           <a:buNone/>
           <a:tabLst/>
-          <a:defRPr b="0" baseline="0" cap="none" i="0" spc="0" strike="noStrike" sz="1800" u="none" kumimoji="0" normalizeH="0">
+          <a:defRPr kumimoji="0" sz="1800" b="0" i="0" u="none" strike="noStrike" cap="none" spc="0" normalizeH="0" baseline="0">
             <a:ln>
               <a:noFill/>
             </a:ln>
@@ -5261,7 +6022,7 @@
           <a:buFontTx/>
           <a:buNone/>
           <a:tabLst/>
-          <a:defRPr b="0" baseline="0" cap="none" i="0" spc="0" strike="noStrike" sz="1800" u="none" kumimoji="0" normalizeH="0">
+          <a:defRPr kumimoji="0" sz="1800" b="0" i="0" u="none" strike="noStrike" cap="none" spc="0" normalizeH="0" baseline="0">
             <a:ln>
               <a:noFill/>
             </a:ln>
@@ -5287,7 +6048,7 @@
           <a:buFontTx/>
           <a:buNone/>
           <a:tabLst/>
-          <a:defRPr b="0" baseline="0" cap="none" i="0" spc="0" strike="noStrike" sz="1800" u="none" kumimoji="0" normalizeH="0">
+          <a:defRPr kumimoji="0" sz="1800" b="0" i="0" u="none" strike="noStrike" cap="none" spc="0" normalizeH="0" baseline="0">
             <a:ln>
               <a:noFill/>
             </a:ln>
@@ -5313,7 +6074,7 @@
           <a:buFontTx/>
           <a:buNone/>
           <a:tabLst/>
-          <a:defRPr b="0" baseline="0" cap="none" i="0" spc="0" strike="noStrike" sz="1800" u="none" kumimoji="0" normalizeH="0">
+          <a:defRPr kumimoji="0" sz="1800" b="0" i="0" u="none" strike="noStrike" cap="none" spc="0" normalizeH="0" baseline="0">
             <a:ln>
               <a:noFill/>
             </a:ln>
@@ -5326,9 +6087,15 @@
         </a:lvl9pPr>
       </a:lstStyle>
       <a:style>
-        <a:lnRef idx="0"/>
-        <a:fillRef idx="0"/>
-        <a:effectRef idx="0"/>
+        <a:lnRef idx="0">
+          <a:scrgbClr r="0" g="0" b="0"/>
+        </a:lnRef>
+        <a:fillRef idx="0">
+          <a:scrgbClr r="0" g="0" b="0"/>
+        </a:fillRef>
+        <a:effectRef idx="0">
+          <a:scrgbClr r="0" g="0" b="0"/>
+        </a:effectRef>
         <a:fontRef idx="none"/>
       </a:style>
     </a:spDef>
@@ -5345,7 +6112,7 @@
         <a:effectLst/>
         <a:sp3d/>
       </a:spPr>
-      <a:bodyPr rot="0" spcFirstLastPara="1" vertOverflow="overflow" horzOverflow="overflow" vert="horz" wrap="square" lIns="91439" tIns="45719" rIns="91439" bIns="45719" numCol="1" spcCol="38100" rtlCol="0" anchor="t" upright="0">
+      <a:bodyPr rot="0" spcFirstLastPara="1" vertOverflow="overflow" horzOverflow="overflow" vert="horz" wrap="square" lIns="91439" tIns="45719" rIns="91439" bIns="45719" numCol="1" spcCol="38100" rtlCol="0" anchor="t">
         <a:noAutofit/>
       </a:bodyPr>
       <a:lstStyle>
@@ -5364,7 +6131,7 @@
           <a:buFontTx/>
           <a:buNone/>
           <a:tabLst/>
-          <a:defRPr b="0" baseline="0" cap="none" i="0" spc="0" strike="noStrike" sz="1800" u="none" kumimoji="0" normalizeH="0">
+          <a:defRPr kumimoji="0" sz="1800" b="0" i="0" u="none" strike="noStrike" cap="none" spc="0" normalizeH="0" baseline="0">
             <a:ln>
               <a:noFill/>
             </a:ln>
@@ -5390,7 +6157,7 @@
           <a:buFontTx/>
           <a:buNone/>
           <a:tabLst/>
-          <a:defRPr b="0" baseline="0" cap="none" i="0" spc="0" strike="noStrike" sz="1800" u="none" kumimoji="0" normalizeH="0">
+          <a:defRPr kumimoji="0" sz="1800" b="0" i="0" u="none" strike="noStrike" cap="none" spc="0" normalizeH="0" baseline="0">
             <a:ln>
               <a:noFill/>
             </a:ln>
@@ -5416,7 +6183,7 @@
           <a:buFontTx/>
           <a:buNone/>
           <a:tabLst/>
-          <a:defRPr b="0" baseline="0" cap="none" i="0" spc="0" strike="noStrike" sz="1800" u="none" kumimoji="0" normalizeH="0">
+          <a:defRPr kumimoji="0" sz="1800" b="0" i="0" u="none" strike="noStrike" cap="none" spc="0" normalizeH="0" baseline="0">
             <a:ln>
               <a:noFill/>
             </a:ln>
@@ -5442,7 +6209,7 @@
           <a:buFontTx/>
           <a:buNone/>
           <a:tabLst/>
-          <a:defRPr b="0" baseline="0" cap="none" i="0" spc="0" strike="noStrike" sz="1800" u="none" kumimoji="0" normalizeH="0">
+          <a:defRPr kumimoji="0" sz="1800" b="0" i="0" u="none" strike="noStrike" cap="none" spc="0" normalizeH="0" baseline="0">
             <a:ln>
               <a:noFill/>
             </a:ln>
@@ -5468,7 +6235,7 @@
           <a:buFontTx/>
           <a:buNone/>
           <a:tabLst/>
-          <a:defRPr b="0" baseline="0" cap="none" i="0" spc="0" strike="noStrike" sz="1800" u="none" kumimoji="0" normalizeH="0">
+          <a:defRPr kumimoji="0" sz="1800" b="0" i="0" u="none" strike="noStrike" cap="none" spc="0" normalizeH="0" baseline="0">
             <a:ln>
               <a:noFill/>
             </a:ln>
@@ -5494,7 +6261,7 @@
           <a:buFontTx/>
           <a:buNone/>
           <a:tabLst/>
-          <a:defRPr b="0" baseline="0" cap="none" i="0" spc="0" strike="noStrike" sz="1800" u="none" kumimoji="0" normalizeH="0">
+          <a:defRPr kumimoji="0" sz="1800" b="0" i="0" u="none" strike="noStrike" cap="none" spc="0" normalizeH="0" baseline="0">
             <a:ln>
               <a:noFill/>
             </a:ln>
@@ -5520,7 +6287,7 @@
           <a:buFontTx/>
           <a:buNone/>
           <a:tabLst/>
-          <a:defRPr b="0" baseline="0" cap="none" i="0" spc="0" strike="noStrike" sz="1800" u="none" kumimoji="0" normalizeH="0">
+          <a:defRPr kumimoji="0" sz="1800" b="0" i="0" u="none" strike="noStrike" cap="none" spc="0" normalizeH="0" baseline="0">
             <a:ln>
               <a:noFill/>
             </a:ln>
@@ -5546,7 +6313,7 @@
           <a:buFontTx/>
           <a:buNone/>
           <a:tabLst/>
-          <a:defRPr b="0" baseline="0" cap="none" i="0" spc="0" strike="noStrike" sz="1800" u="none" kumimoji="0" normalizeH="0">
+          <a:defRPr kumimoji="0" sz="1800" b="0" i="0" u="none" strike="noStrike" cap="none" spc="0" normalizeH="0" baseline="0">
             <a:ln>
               <a:noFill/>
             </a:ln>
@@ -5572,7 +6339,7 @@
           <a:buFontTx/>
           <a:buNone/>
           <a:tabLst/>
-          <a:defRPr b="0" baseline="0" cap="none" i="0" spc="0" strike="noStrike" sz="1800" u="none" kumimoji="0" normalizeH="0">
+          <a:defRPr kumimoji="0" sz="1800" b="0" i="0" u="none" strike="noStrike" cap="none" spc="0" normalizeH="0" baseline="0">
             <a:ln>
               <a:noFill/>
             </a:ln>
@@ -5598,7 +6365,7 @@
           <a:buFontTx/>
           <a:buNone/>
           <a:tabLst/>
-          <a:defRPr b="0" baseline="0" cap="none" i="0" spc="0" strike="noStrike" sz="1800" u="none" kumimoji="0" normalizeH="0">
+          <a:defRPr kumimoji="0" sz="1800" b="0" i="0" u="none" strike="noStrike" cap="none" spc="0" normalizeH="0" baseline="0">
             <a:ln>
               <a:noFill/>
             </a:ln>
@@ -5611,9 +6378,15 @@
         </a:lvl9pPr>
       </a:lstStyle>
       <a:style>
-        <a:lnRef idx="0"/>
-        <a:fillRef idx="0"/>
-        <a:effectRef idx="0"/>
+        <a:lnRef idx="0">
+          <a:scrgbClr r="0" g="0" b="0"/>
+        </a:lnRef>
+        <a:fillRef idx="0">
+          <a:scrgbClr r="0" g="0" b="0"/>
+        </a:fillRef>
+        <a:effectRef idx="0">
+          <a:scrgbClr r="0" g="0" b="0"/>
+        </a:effectRef>
         <a:fontRef idx="none"/>
       </a:style>
     </a:lnDef>
@@ -5627,7 +6400,7 @@
         <a:effectLst/>
         <a:sp3d/>
       </a:spPr>
-      <a:bodyPr rot="0" spcFirstLastPara="1" vertOverflow="overflow" horzOverflow="overflow" vert="horz" wrap="square" lIns="45719" tIns="45719" rIns="45719" bIns="45719" numCol="1" spcCol="38100" rtlCol="0" anchor="t" upright="0">
+      <a:bodyPr rot="0" spcFirstLastPara="1" vertOverflow="overflow" horzOverflow="overflow" vert="horz" wrap="square" lIns="45719" tIns="45719" rIns="45719" bIns="45719" numCol="1" spcCol="38100" rtlCol="0" anchor="t">
         <a:spAutoFit/>
       </a:bodyPr>
       <a:lstStyle>
@@ -5646,7 +6419,7 @@
           <a:buFontTx/>
           <a:buNone/>
           <a:tabLst/>
-          <a:defRPr b="0" baseline="0" cap="none" i="0" spc="0" strike="noStrike" sz="1800" u="none" kumimoji="0" normalizeH="0">
+          <a:defRPr kumimoji="0" sz="1800" b="0" i="0" u="none" strike="noStrike" cap="none" spc="0" normalizeH="0" baseline="0">
             <a:ln>
               <a:noFill/>
             </a:ln>
@@ -5676,7 +6449,7 @@
           <a:buFontTx/>
           <a:buNone/>
           <a:tabLst/>
-          <a:defRPr b="0" baseline="0" cap="none" i="0" spc="0" strike="noStrike" sz="1800" u="none" kumimoji="0" normalizeH="0">
+          <a:defRPr kumimoji="0" sz="1800" b="0" i="0" u="none" strike="noStrike" cap="none" spc="0" normalizeH="0" baseline="0">
             <a:ln>
               <a:noFill/>
             </a:ln>
@@ -5702,7 +6475,7 @@
           <a:buFontTx/>
           <a:buNone/>
           <a:tabLst/>
-          <a:defRPr b="0" baseline="0" cap="none" i="0" spc="0" strike="noStrike" sz="1800" u="none" kumimoji="0" normalizeH="0">
+          <a:defRPr kumimoji="0" sz="1800" b="0" i="0" u="none" strike="noStrike" cap="none" spc="0" normalizeH="0" baseline="0">
             <a:ln>
               <a:noFill/>
             </a:ln>
@@ -5728,7 +6501,7 @@
           <a:buFontTx/>
           <a:buNone/>
           <a:tabLst/>
-          <a:defRPr b="0" baseline="0" cap="none" i="0" spc="0" strike="noStrike" sz="1800" u="none" kumimoji="0" normalizeH="0">
+          <a:defRPr kumimoji="0" sz="1800" b="0" i="0" u="none" strike="noStrike" cap="none" spc="0" normalizeH="0" baseline="0">
             <a:ln>
               <a:noFill/>
             </a:ln>
@@ -5754,7 +6527,7 @@
           <a:buFontTx/>
           <a:buNone/>
           <a:tabLst/>
-          <a:defRPr b="0" baseline="0" cap="none" i="0" spc="0" strike="noStrike" sz="1800" u="none" kumimoji="0" normalizeH="0">
+          <a:defRPr kumimoji="0" sz="1800" b="0" i="0" u="none" strike="noStrike" cap="none" spc="0" normalizeH="0" baseline="0">
             <a:ln>
               <a:noFill/>
             </a:ln>
@@ -5780,7 +6553,7 @@
           <a:buFontTx/>
           <a:buNone/>
           <a:tabLst/>
-          <a:defRPr b="0" baseline="0" cap="none" i="0" spc="0" strike="noStrike" sz="1800" u="none" kumimoji="0" normalizeH="0">
+          <a:defRPr kumimoji="0" sz="1800" b="0" i="0" u="none" strike="noStrike" cap="none" spc="0" normalizeH="0" baseline="0">
             <a:ln>
               <a:noFill/>
             </a:ln>
@@ -5806,7 +6579,7 @@
           <a:buFontTx/>
           <a:buNone/>
           <a:tabLst/>
-          <a:defRPr b="0" baseline="0" cap="none" i="0" spc="0" strike="noStrike" sz="1800" u="none" kumimoji="0" normalizeH="0">
+          <a:defRPr kumimoji="0" sz="1800" b="0" i="0" u="none" strike="noStrike" cap="none" spc="0" normalizeH="0" baseline="0">
             <a:ln>
               <a:noFill/>
             </a:ln>
@@ -5832,7 +6605,7 @@
           <a:buFontTx/>
           <a:buNone/>
           <a:tabLst/>
-          <a:defRPr b="0" baseline="0" cap="none" i="0" spc="0" strike="noStrike" sz="1800" u="none" kumimoji="0" normalizeH="0">
+          <a:defRPr kumimoji="0" sz="1800" b="0" i="0" u="none" strike="noStrike" cap="none" spc="0" normalizeH="0" baseline="0">
             <a:ln>
               <a:noFill/>
             </a:ln>
@@ -5858,7 +6631,7 @@
           <a:buFontTx/>
           <a:buNone/>
           <a:tabLst/>
-          <a:defRPr b="0" baseline="0" cap="none" i="0" spc="0" strike="noStrike" sz="1800" u="none" kumimoji="0" normalizeH="0">
+          <a:defRPr kumimoji="0" sz="1800" b="0" i="0" u="none" strike="noStrike" cap="none" spc="0" normalizeH="0" baseline="0">
             <a:ln>
               <a:noFill/>
             </a:ln>
@@ -5884,7 +6657,7 @@
           <a:buFontTx/>
           <a:buNone/>
           <a:tabLst/>
-          <a:defRPr b="0" baseline="0" cap="none" i="0" spc="0" strike="noStrike" sz="1800" u="none" kumimoji="0" normalizeH="0">
+          <a:defRPr kumimoji="0" sz="1800" b="0" i="0" u="none" strike="noStrike" cap="none" spc="0" normalizeH="0" baseline="0">
             <a:ln>
               <a:noFill/>
             </a:ln>
@@ -5897,12 +6670,19 @@
         </a:lvl9pPr>
       </a:lstStyle>
       <a:style>
-        <a:lnRef idx="0"/>
-        <a:fillRef idx="0"/>
-        <a:effectRef idx="0"/>
+        <a:lnRef idx="0">
+          <a:scrgbClr r="0" g="0" b="0"/>
+        </a:lnRef>
+        <a:fillRef idx="0">
+          <a:scrgbClr r="0" g="0" b="0"/>
+        </a:fillRef>
+        <a:effectRef idx="0">
+          <a:scrgbClr r="0" g="0" b="0"/>
+        </a:effectRef>
         <a:fontRef idx="none"/>
       </a:style>
     </a:txDef>
   </a:objectDefaults>
+  <a:extraClrSchemeLst/>
 </a:theme>
 </file>
--- a/PPT/答辩.pptx
+++ b/PPT/答辩.pptx
@@ -1,15 +1,16 @@
 
 <file path=ppt/presentation.xml><?xml version="1.0" encoding="utf-8"?>
-<p:presentation xmlns:a="http://schemas.openxmlformats.org/drawingml/2006/main" xmlns:r="http://schemas.openxmlformats.org/officeDocument/2006/relationships" xmlns:p="http://schemas.openxmlformats.org/presentationml/2006/main">
+<p:presentation xmlns:a="http://schemas.openxmlformats.org/drawingml/2006/main" xmlns:r="http://schemas.openxmlformats.org/officeDocument/2006/relationships" xmlns:p="http://schemas.openxmlformats.org/presentationml/2006/main" xmlns:m="http://schemas.openxmlformats.org/officeDocument/2006/math" xmlns:a14="http://schemas.microsoft.com/office/drawing/2010/main">
   <p:sldMasterIdLst>
-    <p:sldMasterId id="2147483648" r:id="rId1"/>
+    <p:sldMasterId id="2147483648" r:id="rId5"/>
   </p:sldMasterIdLst>
   <p:notesMasterIdLst>
-    <p:notesMasterId r:id="rId4"/>
+    <p:notesMasterId r:id="rId7"/>
   </p:notesMasterIdLst>
   <p:sldIdLst>
-    <p:sldId id="256" r:id="rId2"/>
-    <p:sldId id="272" r:id="rId3"/>
+    <p:sldId id="256" r:id="rId8"/>
+    <p:sldId id="257" r:id="rId9"/>
+    <p:sldId id="258" r:id="rId10"/>
   </p:sldIdLst>
   <p:sldSz cx="12192000" cy="6858000"/>
   <p:notesSz cx="6858000" cy="9144000"/>
@@ -29,7 +30,7 @@
       <a:buFontTx/>
       <a:buNone/>
       <a:tabLst/>
-      <a:defRPr kumimoji="0" sz="1800" b="0" i="0" u="none" strike="noStrike" cap="none" spc="0" normalizeH="0" baseline="0">
+      <a:defRPr b="0" baseline="0" cap="none" i="0" spc="0" strike="noStrike" sz="1800" u="none" kumimoji="0" normalizeH="0">
         <a:ln>
           <a:noFill/>
         </a:ln>
@@ -55,7 +56,7 @@
       <a:buFontTx/>
       <a:buNone/>
       <a:tabLst/>
-      <a:defRPr kumimoji="0" sz="1800" b="0" i="0" u="none" strike="noStrike" cap="none" spc="0" normalizeH="0" baseline="0">
+      <a:defRPr b="0" baseline="0" cap="none" i="0" spc="0" strike="noStrike" sz="1800" u="none" kumimoji="0" normalizeH="0">
         <a:ln>
           <a:noFill/>
         </a:ln>
@@ -64,13 +65,13 @@
         </a:solidFill>
         <a:effectLst/>
         <a:uFillTx/>
-        <a:latin typeface="Calibri"/>
-        <a:ea typeface="Calibri"/>
-        <a:cs typeface="Calibri"/>
-        <a:sym typeface="Calibri"/>
+        <a:latin typeface="+mn-lt"/>
+        <a:ea typeface="+mn-ea"/>
+        <a:cs typeface="+mn-cs"/>
+        <a:sym typeface="等线"/>
       </a:defRPr>
     </a:lvl1pPr>
-    <a:lvl2pPr marL="0" marR="0" indent="457200" algn="l" defTabSz="914400" rtl="0" fontAlgn="auto" latinLnBrk="0" hangingPunct="0">
+    <a:lvl2pPr marL="0" marR="0" indent="0" algn="l" defTabSz="914400" rtl="0" fontAlgn="auto" latinLnBrk="0" hangingPunct="0">
       <a:lnSpc>
         <a:spcPct val="100000"/>
       </a:lnSpc>
@@ -85,7 +86,7 @@
       <a:buFontTx/>
       <a:buNone/>
       <a:tabLst/>
-      <a:defRPr kumimoji="0" sz="1800" b="0" i="0" u="none" strike="noStrike" cap="none" spc="0" normalizeH="0" baseline="0">
+      <a:defRPr b="0" baseline="0" cap="none" i="0" spc="0" strike="noStrike" sz="1800" u="none" kumimoji="0" normalizeH="0">
         <a:ln>
           <a:noFill/>
         </a:ln>
@@ -94,13 +95,13 @@
         </a:solidFill>
         <a:effectLst/>
         <a:uFillTx/>
-        <a:latin typeface="Calibri"/>
-        <a:ea typeface="Calibri"/>
-        <a:cs typeface="Calibri"/>
-        <a:sym typeface="Calibri"/>
+        <a:latin typeface="+mn-lt"/>
+        <a:ea typeface="+mn-ea"/>
+        <a:cs typeface="+mn-cs"/>
+        <a:sym typeface="等线"/>
       </a:defRPr>
     </a:lvl2pPr>
-    <a:lvl3pPr marL="0" marR="0" indent="914400" algn="l" defTabSz="914400" rtl="0" fontAlgn="auto" latinLnBrk="0" hangingPunct="0">
+    <a:lvl3pPr marL="0" marR="0" indent="0" algn="l" defTabSz="914400" rtl="0" fontAlgn="auto" latinLnBrk="0" hangingPunct="0">
       <a:lnSpc>
         <a:spcPct val="100000"/>
       </a:lnSpc>
@@ -115,7 +116,7 @@
       <a:buFontTx/>
       <a:buNone/>
       <a:tabLst/>
-      <a:defRPr kumimoji="0" sz="1800" b="0" i="0" u="none" strike="noStrike" cap="none" spc="0" normalizeH="0" baseline="0">
+      <a:defRPr b="0" baseline="0" cap="none" i="0" spc="0" strike="noStrike" sz="1800" u="none" kumimoji="0" normalizeH="0">
         <a:ln>
           <a:noFill/>
         </a:ln>
@@ -124,13 +125,13 @@
         </a:solidFill>
         <a:effectLst/>
         <a:uFillTx/>
-        <a:latin typeface="Calibri"/>
-        <a:ea typeface="Calibri"/>
-        <a:cs typeface="Calibri"/>
-        <a:sym typeface="Calibri"/>
+        <a:latin typeface="+mn-lt"/>
+        <a:ea typeface="+mn-ea"/>
+        <a:cs typeface="+mn-cs"/>
+        <a:sym typeface="等线"/>
       </a:defRPr>
     </a:lvl3pPr>
-    <a:lvl4pPr marL="0" marR="0" indent="1371600" algn="l" defTabSz="914400" rtl="0" fontAlgn="auto" latinLnBrk="0" hangingPunct="0">
+    <a:lvl4pPr marL="0" marR="0" indent="0" algn="l" defTabSz="914400" rtl="0" fontAlgn="auto" latinLnBrk="0" hangingPunct="0">
       <a:lnSpc>
         <a:spcPct val="100000"/>
       </a:lnSpc>
@@ -145,7 +146,7 @@
       <a:buFontTx/>
       <a:buNone/>
       <a:tabLst/>
-      <a:defRPr kumimoji="0" sz="1800" b="0" i="0" u="none" strike="noStrike" cap="none" spc="0" normalizeH="0" baseline="0">
+      <a:defRPr b="0" baseline="0" cap="none" i="0" spc="0" strike="noStrike" sz="1800" u="none" kumimoji="0" normalizeH="0">
         <a:ln>
           <a:noFill/>
         </a:ln>
@@ -154,13 +155,13 @@
         </a:solidFill>
         <a:effectLst/>
         <a:uFillTx/>
-        <a:latin typeface="Calibri"/>
-        <a:ea typeface="Calibri"/>
-        <a:cs typeface="Calibri"/>
-        <a:sym typeface="Calibri"/>
+        <a:latin typeface="+mn-lt"/>
+        <a:ea typeface="+mn-ea"/>
+        <a:cs typeface="+mn-cs"/>
+        <a:sym typeface="等线"/>
       </a:defRPr>
     </a:lvl4pPr>
-    <a:lvl5pPr marL="0" marR="0" indent="1828800" algn="l" defTabSz="914400" rtl="0" fontAlgn="auto" latinLnBrk="0" hangingPunct="0">
+    <a:lvl5pPr marL="0" marR="0" indent="0" algn="l" defTabSz="914400" rtl="0" fontAlgn="auto" latinLnBrk="0" hangingPunct="0">
       <a:lnSpc>
         <a:spcPct val="100000"/>
       </a:lnSpc>
@@ -175,7 +176,7 @@
       <a:buFontTx/>
       <a:buNone/>
       <a:tabLst/>
-      <a:defRPr kumimoji="0" sz="1800" b="0" i="0" u="none" strike="noStrike" cap="none" spc="0" normalizeH="0" baseline="0">
+      <a:defRPr b="0" baseline="0" cap="none" i="0" spc="0" strike="noStrike" sz="1800" u="none" kumimoji="0" normalizeH="0">
         <a:ln>
           <a:noFill/>
         </a:ln>
@@ -184,13 +185,13 @@
         </a:solidFill>
         <a:effectLst/>
         <a:uFillTx/>
-        <a:latin typeface="Calibri"/>
-        <a:ea typeface="Calibri"/>
-        <a:cs typeface="Calibri"/>
-        <a:sym typeface="Calibri"/>
+        <a:latin typeface="+mn-lt"/>
+        <a:ea typeface="+mn-ea"/>
+        <a:cs typeface="+mn-cs"/>
+        <a:sym typeface="等线"/>
       </a:defRPr>
     </a:lvl5pPr>
-    <a:lvl6pPr marL="0" marR="0" indent="2286000" algn="l" defTabSz="914400" rtl="0" fontAlgn="auto" latinLnBrk="0" hangingPunct="0">
+    <a:lvl6pPr marL="0" marR="0" indent="0" algn="l" defTabSz="914400" rtl="0" fontAlgn="auto" latinLnBrk="0" hangingPunct="0">
       <a:lnSpc>
         <a:spcPct val="100000"/>
       </a:lnSpc>
@@ -205,7 +206,7 @@
       <a:buFontTx/>
       <a:buNone/>
       <a:tabLst/>
-      <a:defRPr kumimoji="0" sz="1800" b="0" i="0" u="none" strike="noStrike" cap="none" spc="0" normalizeH="0" baseline="0">
+      <a:defRPr b="0" baseline="0" cap="none" i="0" spc="0" strike="noStrike" sz="1800" u="none" kumimoji="0" normalizeH="0">
         <a:ln>
           <a:noFill/>
         </a:ln>
@@ -214,13 +215,13 @@
         </a:solidFill>
         <a:effectLst/>
         <a:uFillTx/>
-        <a:latin typeface="Calibri"/>
-        <a:ea typeface="Calibri"/>
-        <a:cs typeface="Calibri"/>
-        <a:sym typeface="Calibri"/>
+        <a:latin typeface="+mn-lt"/>
+        <a:ea typeface="+mn-ea"/>
+        <a:cs typeface="+mn-cs"/>
+        <a:sym typeface="等线"/>
       </a:defRPr>
     </a:lvl6pPr>
-    <a:lvl7pPr marL="0" marR="0" indent="2743200" algn="l" defTabSz="914400" rtl="0" fontAlgn="auto" latinLnBrk="0" hangingPunct="0">
+    <a:lvl7pPr marL="0" marR="0" indent="0" algn="l" defTabSz="914400" rtl="0" fontAlgn="auto" latinLnBrk="0" hangingPunct="0">
       <a:lnSpc>
         <a:spcPct val="100000"/>
       </a:lnSpc>
@@ -235,7 +236,7 @@
       <a:buFontTx/>
       <a:buNone/>
       <a:tabLst/>
-      <a:defRPr kumimoji="0" sz="1800" b="0" i="0" u="none" strike="noStrike" cap="none" spc="0" normalizeH="0" baseline="0">
+      <a:defRPr b="0" baseline="0" cap="none" i="0" spc="0" strike="noStrike" sz="1800" u="none" kumimoji="0" normalizeH="0">
         <a:ln>
           <a:noFill/>
         </a:ln>
@@ -244,13 +245,13 @@
         </a:solidFill>
         <a:effectLst/>
         <a:uFillTx/>
-        <a:latin typeface="Calibri"/>
-        <a:ea typeface="Calibri"/>
-        <a:cs typeface="Calibri"/>
-        <a:sym typeface="Calibri"/>
+        <a:latin typeface="+mn-lt"/>
+        <a:ea typeface="+mn-ea"/>
+        <a:cs typeface="+mn-cs"/>
+        <a:sym typeface="等线"/>
       </a:defRPr>
     </a:lvl7pPr>
-    <a:lvl8pPr marL="0" marR="0" indent="3200400" algn="l" defTabSz="914400" rtl="0" fontAlgn="auto" latinLnBrk="0" hangingPunct="0">
+    <a:lvl8pPr marL="0" marR="0" indent="0" algn="l" defTabSz="914400" rtl="0" fontAlgn="auto" latinLnBrk="0" hangingPunct="0">
       <a:lnSpc>
         <a:spcPct val="100000"/>
       </a:lnSpc>
@@ -265,7 +266,7 @@
       <a:buFontTx/>
       <a:buNone/>
       <a:tabLst/>
-      <a:defRPr kumimoji="0" sz="1800" b="0" i="0" u="none" strike="noStrike" cap="none" spc="0" normalizeH="0" baseline="0">
+      <a:defRPr b="0" baseline="0" cap="none" i="0" spc="0" strike="noStrike" sz="1800" u="none" kumimoji="0" normalizeH="0">
         <a:ln>
           <a:noFill/>
         </a:ln>
@@ -274,13 +275,13 @@
         </a:solidFill>
         <a:effectLst/>
         <a:uFillTx/>
-        <a:latin typeface="Calibri"/>
-        <a:ea typeface="Calibri"/>
-        <a:cs typeface="Calibri"/>
-        <a:sym typeface="Calibri"/>
+        <a:latin typeface="+mn-lt"/>
+        <a:ea typeface="+mn-ea"/>
+        <a:cs typeface="+mn-cs"/>
+        <a:sym typeface="等线"/>
       </a:defRPr>
     </a:lvl8pPr>
-    <a:lvl9pPr marL="0" marR="0" indent="3657600" algn="l" defTabSz="914400" rtl="0" fontAlgn="auto" latinLnBrk="0" hangingPunct="0">
+    <a:lvl9pPr marL="0" marR="0" indent="0" algn="l" defTabSz="914400" rtl="0" fontAlgn="auto" latinLnBrk="0" hangingPunct="0">
       <a:lnSpc>
         <a:spcPct val="100000"/>
       </a:lnSpc>
@@ -295,7 +296,7 @@
       <a:buFontTx/>
       <a:buNone/>
       <a:tabLst/>
-      <a:defRPr kumimoji="0" sz="1800" b="0" i="0" u="none" strike="noStrike" cap="none" spc="0" normalizeH="0" baseline="0">
+      <a:defRPr b="0" baseline="0" cap="none" i="0" spc="0" strike="noStrike" sz="1800" u="none" kumimoji="0" normalizeH="0">
         <a:ln>
           <a:noFill/>
         </a:ln>
@@ -304,24 +305,23 @@
         </a:solidFill>
         <a:effectLst/>
         <a:uFillTx/>
-        <a:latin typeface="Calibri"/>
-        <a:ea typeface="Calibri"/>
-        <a:cs typeface="Calibri"/>
-        <a:sym typeface="Calibri"/>
+        <a:latin typeface="+mn-lt"/>
+        <a:ea typeface="+mn-ea"/>
+        <a:cs typeface="+mn-cs"/>
+        <a:sym typeface="等线"/>
       </a:defRPr>
     </a:lvl9pPr>
   </p:defaultTextStyle>
 </p:presentation>
 </file>
 
+<file path=ppt/commentAuthors.xml><?xml version="1.0" encoding="utf-8"?>
+<p:cmAuthorLst xmlns:a="http://schemas.openxmlformats.org/drawingml/2006/main" xmlns:r="http://schemas.openxmlformats.org/officeDocument/2006/relationships" xmlns:p="http://schemas.openxmlformats.org/presentationml/2006/main" xmlns:m="http://schemas.openxmlformats.org/officeDocument/2006/math" xmlns:a14="http://schemas.microsoft.com/office/drawing/2010/main"/>
+</file>
+
 <file path=ppt/notesMasters/notesMaster1.xml><?xml version="1.0" encoding="utf-8"?>
-<p:notesMaster xmlns:a="http://schemas.openxmlformats.org/drawingml/2006/main" xmlns:r="http://schemas.openxmlformats.org/officeDocument/2006/relationships" xmlns:p="http://schemas.openxmlformats.org/presentationml/2006/main">
+<p:notesMaster xmlns:a="http://schemas.openxmlformats.org/drawingml/2006/main" xmlns:r="http://schemas.openxmlformats.org/officeDocument/2006/relationships" xmlns:p="http://schemas.openxmlformats.org/presentationml/2006/main" xmlns:m="http://schemas.openxmlformats.org/officeDocument/2006/math" xmlns:a14="http://schemas.microsoft.com/office/drawing/2010/main">
   <p:cSld>
-    <p:bg>
-      <p:bgRef idx="1001">
-        <a:schemeClr val="bg1"/>
-      </p:bgRef>
-    </p:bg>
     <p:spTree>
       <p:nvGrpSpPr>
         <p:cNvPr id="1" name=""/>
@@ -338,10 +338,8 @@
       </p:grpSpPr>
       <p:sp>
         <p:nvSpPr>
-          <p:cNvPr id="118" name="Shape 118"/>
-          <p:cNvSpPr>
-            <a:spLocks noGrp="1" noRot="1" noChangeAspect="1"/>
-          </p:cNvSpPr>
+          <p:cNvPr id="100" name="Shape 100"/>
+          <p:cNvSpPr/>
           <p:nvPr>
             <p:ph type="sldImg"/>
           </p:nvPr>
@@ -359,16 +357,14 @@
           <a:bodyPr/>
           <a:lstStyle/>
           <a:p>
-            <a:endParaRPr/>
+            <a:pPr/>
           </a:p>
         </p:txBody>
       </p:sp>
       <p:sp>
         <p:nvSpPr>
-          <p:cNvPr id="119" name="Shape 119"/>
-          <p:cNvSpPr>
-            <a:spLocks noGrp="1"/>
-          </p:cNvSpPr>
+          <p:cNvPr id="101" name="Shape 101"/>
+          <p:cNvSpPr/>
           <p:nvPr>
             <p:ph type="body" sz="quarter" idx="1"/>
           </p:nvPr>
@@ -386,7 +382,7 @@
           <a:bodyPr/>
           <a:lstStyle/>
           <a:p>
-            <a:endParaRPr/>
+            <a:pPr/>
           </a:p>
         </p:txBody>
       </p:sp>
@@ -471,7 +467,7 @@
 </file>
 
 <file path=ppt/slideLayouts/slideLayout1.xml><?xml version="1.0" encoding="utf-8"?>
-<p:sldLayout xmlns:a="http://schemas.openxmlformats.org/drawingml/2006/main" xmlns:r="http://schemas.openxmlformats.org/officeDocument/2006/relationships" xmlns:p="http://schemas.openxmlformats.org/presentationml/2006/main" type="title">
+<p:sldLayout xmlns:a="http://schemas.openxmlformats.org/drawingml/2006/main" xmlns:r="http://schemas.openxmlformats.org/officeDocument/2006/relationships" xmlns:p="http://schemas.openxmlformats.org/presentationml/2006/main" xmlns:m="http://schemas.openxmlformats.org/officeDocument/2006/math" xmlns:a14="http://schemas.microsoft.com/office/drawing/2010/main" type="title" showMasterSp="1" showMasterPhAnim="1">
   <p:cSld name="标题幻灯片">
     <p:spTree>
       <p:nvGrpSpPr>
@@ -490,9 +486,7 @@
       <p:sp>
         <p:nvSpPr>
           <p:cNvPr id="11" name="标题文本"/>
-          <p:cNvSpPr txBox="1">
-            <a:spLocks noGrp="1"/>
-          </p:cNvSpPr>
+          <p:cNvSpPr txBox="1"/>
           <p:nvPr>
             <p:ph type="title"/>
           </p:nvPr>
@@ -514,6 +508,7 @@
             </a:lvl1pPr>
           </a:lstStyle>
           <a:p>
+            <a:pPr/>
             <a:r>
               <a:t>标题文本</a:t>
             </a:r>
@@ -523,9 +518,7 @@
       <p:sp>
         <p:nvSpPr>
           <p:cNvPr id="12" name="正文级别 1…"/>
-          <p:cNvSpPr txBox="1">
-            <a:spLocks noGrp="1"/>
-          </p:cNvSpPr>
+          <p:cNvSpPr txBox="1"/>
           <p:nvPr>
             <p:ph type="body" sz="quarter" idx="1"/>
           </p:nvPr>
@@ -533,7 +526,7 @@
         <p:spPr>
           <a:xfrm>
             <a:off x="1524000" y="3602037"/>
-            <a:ext cx="9144000" cy="1655763"/>
+            <a:ext cx="9144000" cy="1655764"/>
           </a:xfrm>
           <a:prstGeom prst="rect">
             <a:avLst/>
@@ -548,25 +541,25 @@
               <a:buNone/>
               <a:defRPr sz="2400"/>
             </a:lvl1pPr>
-            <a:lvl2pPr marL="0" indent="457200" algn="ctr">
+            <a:lvl2pPr marL="0" indent="0" algn="ctr">
               <a:buSzTx/>
               <a:buFontTx/>
               <a:buNone/>
               <a:defRPr sz="2400"/>
             </a:lvl2pPr>
-            <a:lvl3pPr marL="0" indent="914400" algn="ctr">
+            <a:lvl3pPr marL="0" indent="0" algn="ctr">
               <a:buSzTx/>
               <a:buFontTx/>
               <a:buNone/>
               <a:defRPr sz="2400"/>
             </a:lvl3pPr>
-            <a:lvl4pPr marL="0" indent="1371600" algn="ctr">
+            <a:lvl4pPr marL="0" indent="0" algn="ctr">
               <a:buSzTx/>
               <a:buFontTx/>
               <a:buNone/>
               <a:defRPr sz="2400"/>
             </a:lvl4pPr>
-            <a:lvl5pPr marL="0" indent="1828800" algn="ctr">
+            <a:lvl5pPr marL="0" indent="0" algn="ctr">
               <a:buSzTx/>
               <a:buFontTx/>
               <a:buNone/>
@@ -574,6 +567,7 @@
             </a:lvl5pPr>
           </a:lstStyle>
           <a:p>
+            <a:pPr/>
             <a:r>
               <a:t>正文级别 1</a:t>
             </a:r>
@@ -607,9 +601,7 @@
       <p:sp>
         <p:nvSpPr>
           <p:cNvPr id="13" name="幻灯片编号"/>
-          <p:cNvSpPr txBox="1">
-            <a:spLocks noGrp="1"/>
-          </p:cNvSpPr>
+          <p:cNvSpPr txBox="1"/>
           <p:nvPr>
             <p:ph type="sldNum" sz="quarter" idx="2"/>
           </p:nvPr>
@@ -623,10 +615,8 @@
           <a:bodyPr/>
           <a:lstStyle/>
           <a:p>
-            <a:fld id="{86CB4B4D-7CA3-9044-876B-883B54F8677D}" type="slidenum">
-              <a:t>‹#›</a:t>
-            </a:fld>
-            <a:endParaRPr/>
+            <a:pPr/>
+            <a:fld id="{86CB4B4D-7CA3-9044-876B-883B54F8677D}" type="slidenum"/>
           </a:p>
         </p:txBody>
       </p:sp>
@@ -635,12 +625,12 @@
   <p:clrMapOvr>
     <a:masterClrMapping/>
   </p:clrMapOvr>
-  <p:transition spd="med"/>
+  <p:transition xmlns:p14="http://schemas.microsoft.com/office/powerpoint/2010/main" spd="med" advClick="1"/>
 </p:sldLayout>
 </file>
 
 <file path=ppt/slideLayouts/slideLayout10.xml><?xml version="1.0" encoding="utf-8"?>
-<p:sldLayout xmlns:a="http://schemas.openxmlformats.org/drawingml/2006/main" xmlns:r="http://schemas.openxmlformats.org/officeDocument/2006/relationships" xmlns:p="http://schemas.openxmlformats.org/presentationml/2006/main" type="tx">
+<p:sldLayout xmlns:a="http://schemas.openxmlformats.org/drawingml/2006/main" xmlns:r="http://schemas.openxmlformats.org/officeDocument/2006/relationships" xmlns:p="http://schemas.openxmlformats.org/presentationml/2006/main" xmlns:m="http://schemas.openxmlformats.org/officeDocument/2006/math" xmlns:a14="http://schemas.microsoft.com/office/drawing/2010/main" type="tx" showMasterSp="1" showMasterPhAnim="1">
   <p:cSld name="图片与标题">
     <p:spTree>
       <p:nvGrpSpPr>
@@ -659,9 +649,7 @@
       <p:sp>
         <p:nvSpPr>
           <p:cNvPr id="91" name="标题文本"/>
-          <p:cNvSpPr txBox="1">
-            <a:spLocks noGrp="1"/>
-          </p:cNvSpPr>
+          <p:cNvSpPr txBox="1"/>
           <p:nvPr>
             <p:ph type="title"/>
           </p:nvPr>
@@ -669,7 +657,7 @@
         <p:spPr>
           <a:xfrm>
             <a:off x="839787" y="457200"/>
-            <a:ext cx="3932239" cy="1600200"/>
+            <a:ext cx="3932240" cy="1600200"/>
           </a:xfrm>
           <a:prstGeom prst="rect">
             <a:avLst/>
@@ -683,6 +671,7 @@
             </a:lvl1pPr>
           </a:lstStyle>
           <a:p>
+            <a:pPr/>
             <a:r>
               <a:t>标题文本</a:t>
             </a:r>
@@ -692,9 +681,7 @@
       <p:sp>
         <p:nvSpPr>
           <p:cNvPr id="92" name="图片占位符 2"/>
-          <p:cNvSpPr>
-            <a:spLocks noGrp="1"/>
-          </p:cNvSpPr>
+          <p:cNvSpPr/>
           <p:nvPr>
             <p:ph type="pic" sz="half" idx="21"/>
           </p:nvPr>
@@ -702,28 +689,26 @@
         <p:spPr>
           <a:xfrm>
             <a:off x="5183187" y="987425"/>
-            <a:ext cx="6172201" cy="4873625"/>
+            <a:ext cx="6172202" cy="4873625"/>
           </a:xfrm>
           <a:prstGeom prst="rect">
             <a:avLst/>
           </a:prstGeom>
         </p:spPr>
         <p:txBody>
-          <a:bodyPr lIns="91439" rIns="91439">
+          <a:bodyPr lIns="91439" tIns="45719" rIns="91439" bIns="45719">
             <a:noAutofit/>
           </a:bodyPr>
           <a:lstStyle/>
           <a:p>
-            <a:endParaRPr/>
+            <a:pPr/>
           </a:p>
         </p:txBody>
       </p:sp>
       <p:sp>
         <p:nvSpPr>
           <p:cNvPr id="93" name="正文级别 1…"/>
-          <p:cNvSpPr txBox="1">
-            <a:spLocks noGrp="1"/>
-          </p:cNvSpPr>
+          <p:cNvSpPr txBox="1"/>
           <p:nvPr>
             <p:ph type="body" sz="quarter" idx="1"/>
           </p:nvPr>
@@ -731,7 +716,7 @@
         <p:spPr>
           <a:xfrm>
             <a:off x="839787" y="2057400"/>
-            <a:ext cx="3932239" cy="3811588"/>
+            <a:ext cx="3932240" cy="3811588"/>
           </a:xfrm>
           <a:prstGeom prst="rect">
             <a:avLst/>
@@ -746,25 +731,25 @@
               <a:buNone/>
               <a:defRPr sz="1600"/>
             </a:lvl1pPr>
-            <a:lvl2pPr marL="0" indent="457200">
+            <a:lvl2pPr marL="0" indent="0">
               <a:buSzTx/>
               <a:buFontTx/>
               <a:buNone/>
               <a:defRPr sz="1600"/>
             </a:lvl2pPr>
-            <a:lvl3pPr marL="0" indent="914400">
+            <a:lvl3pPr marL="0" indent="0">
               <a:buSzTx/>
               <a:buFontTx/>
               <a:buNone/>
               <a:defRPr sz="1600"/>
             </a:lvl3pPr>
-            <a:lvl4pPr marL="0" indent="1371600">
+            <a:lvl4pPr marL="0" indent="0">
               <a:buSzTx/>
               <a:buFontTx/>
               <a:buNone/>
               <a:defRPr sz="1600"/>
             </a:lvl4pPr>
-            <a:lvl5pPr marL="0" indent="1828800">
+            <a:lvl5pPr marL="0" indent="0">
               <a:buSzTx/>
               <a:buFontTx/>
               <a:buNone/>
@@ -772,6 +757,7 @@
             </a:lvl5pPr>
           </a:lstStyle>
           <a:p>
+            <a:pPr/>
             <a:r>
               <a:t>正文级别 1</a:t>
             </a:r>
@@ -805,9 +791,7 @@
       <p:sp>
         <p:nvSpPr>
           <p:cNvPr id="94" name="幻灯片编号"/>
-          <p:cNvSpPr txBox="1">
-            <a:spLocks noGrp="1"/>
-          </p:cNvSpPr>
+          <p:cNvSpPr txBox="1"/>
           <p:nvPr>
             <p:ph type="sldNum" sz="quarter" idx="2"/>
           </p:nvPr>
@@ -821,10 +805,8 @@
           <a:bodyPr/>
           <a:lstStyle/>
           <a:p>
-            <a:fld id="{86CB4B4D-7CA3-9044-876B-883B54F8677D}" type="slidenum">
-              <a:t>‹#›</a:t>
-            </a:fld>
-            <a:endParaRPr/>
+            <a:pPr/>
+            <a:fld id="{86CB4B4D-7CA3-9044-876B-883B54F8677D}" type="slidenum"/>
           </a:p>
         </p:txBody>
       </p:sp>
@@ -833,272 +815,12 @@
   <p:clrMapOvr>
     <a:masterClrMapping/>
   </p:clrMapOvr>
-  <p:transition spd="med"/>
-</p:sldLayout>
-</file>
-
-<file path=ppt/slideLayouts/slideLayout11.xml><?xml version="1.0" encoding="utf-8"?>
-<p:sldLayout xmlns:a="http://schemas.openxmlformats.org/drawingml/2006/main" xmlns:r="http://schemas.openxmlformats.org/officeDocument/2006/relationships" xmlns:p="http://schemas.openxmlformats.org/presentationml/2006/main" type="tx">
-  <p:cSld name="标题和竖排文字">
-    <p:spTree>
-      <p:nvGrpSpPr>
-        <p:cNvPr id="1" name=""/>
-        <p:cNvGrpSpPr/>
-        <p:nvPr/>
-      </p:nvGrpSpPr>
-      <p:grpSpPr>
-        <a:xfrm>
-          <a:off x="0" y="0"/>
-          <a:ext cx="0" cy="0"/>
-          <a:chOff x="0" y="0"/>
-          <a:chExt cx="0" cy="0"/>
-        </a:xfrm>
-      </p:grpSpPr>
-      <p:sp>
-        <p:nvSpPr>
-          <p:cNvPr id="101" name="标题文本"/>
-          <p:cNvSpPr txBox="1">
-            <a:spLocks noGrp="1"/>
-          </p:cNvSpPr>
-          <p:nvPr>
-            <p:ph type="title"/>
-          </p:nvPr>
-        </p:nvSpPr>
-        <p:spPr>
-          <a:prstGeom prst="rect">
-            <a:avLst/>
-          </a:prstGeom>
-        </p:spPr>
-        <p:txBody>
-          <a:bodyPr/>
-          <a:lstStyle/>
-          <a:p>
-            <a:r>
-              <a:t>标题文本</a:t>
-            </a:r>
-          </a:p>
-        </p:txBody>
-      </p:sp>
-      <p:sp>
-        <p:nvSpPr>
-          <p:cNvPr id="102" name="正文级别 1…"/>
-          <p:cNvSpPr txBox="1">
-            <a:spLocks noGrp="1"/>
-          </p:cNvSpPr>
-          <p:nvPr>
-            <p:ph type="body" idx="1"/>
-          </p:nvPr>
-        </p:nvSpPr>
-        <p:spPr>
-          <a:prstGeom prst="rect">
-            <a:avLst/>
-          </a:prstGeom>
-        </p:spPr>
-        <p:txBody>
-          <a:bodyPr vert="eaVert"/>
-          <a:lstStyle/>
-          <a:p>
-            <a:r>
-              <a:t>正文级别 1</a:t>
-            </a:r>
-          </a:p>
-          <a:p>
-            <a:pPr lvl="1"/>
-            <a:r>
-              <a:t>正文级别 2</a:t>
-            </a:r>
-          </a:p>
-          <a:p>
-            <a:pPr lvl="2"/>
-            <a:r>
-              <a:t>正文级别 3</a:t>
-            </a:r>
-          </a:p>
-          <a:p>
-            <a:pPr lvl="3"/>
-            <a:r>
-              <a:t>正文级别 4</a:t>
-            </a:r>
-          </a:p>
-          <a:p>
-            <a:pPr lvl="4"/>
-            <a:r>
-              <a:t>正文级别 5</a:t>
-            </a:r>
-          </a:p>
-        </p:txBody>
-      </p:sp>
-      <p:sp>
-        <p:nvSpPr>
-          <p:cNvPr id="103" name="幻灯片编号"/>
-          <p:cNvSpPr txBox="1">
-            <a:spLocks noGrp="1"/>
-          </p:cNvSpPr>
-          <p:nvPr>
-            <p:ph type="sldNum" sz="quarter" idx="2"/>
-          </p:nvPr>
-        </p:nvSpPr>
-        <p:spPr>
-          <a:prstGeom prst="rect">
-            <a:avLst/>
-          </a:prstGeom>
-        </p:spPr>
-        <p:txBody>
-          <a:bodyPr/>
-          <a:lstStyle/>
-          <a:p>
-            <a:fld id="{86CB4B4D-7CA3-9044-876B-883B54F8677D}" type="slidenum">
-              <a:t>‹#›</a:t>
-            </a:fld>
-            <a:endParaRPr/>
-          </a:p>
-        </p:txBody>
-      </p:sp>
-    </p:spTree>
-  </p:cSld>
-  <p:clrMapOvr>
-    <a:masterClrMapping/>
-  </p:clrMapOvr>
-  <p:transition spd="med"/>
-</p:sldLayout>
-</file>
-
-<file path=ppt/slideLayouts/slideLayout12.xml><?xml version="1.0" encoding="utf-8"?>
-<p:sldLayout xmlns:a="http://schemas.openxmlformats.org/drawingml/2006/main" xmlns:r="http://schemas.openxmlformats.org/officeDocument/2006/relationships" xmlns:p="http://schemas.openxmlformats.org/presentationml/2006/main" type="tx">
-  <p:cSld name="竖排标题与文本">
-    <p:spTree>
-      <p:nvGrpSpPr>
-        <p:cNvPr id="1" name=""/>
-        <p:cNvGrpSpPr/>
-        <p:nvPr/>
-      </p:nvGrpSpPr>
-      <p:grpSpPr>
-        <a:xfrm>
-          <a:off x="0" y="0"/>
-          <a:ext cx="0" cy="0"/>
-          <a:chOff x="0" y="0"/>
-          <a:chExt cx="0" cy="0"/>
-        </a:xfrm>
-      </p:grpSpPr>
-      <p:sp>
-        <p:nvSpPr>
-          <p:cNvPr id="110" name="标题文本"/>
-          <p:cNvSpPr txBox="1">
-            <a:spLocks noGrp="1"/>
-          </p:cNvSpPr>
-          <p:nvPr>
-            <p:ph type="title"/>
-          </p:nvPr>
-        </p:nvSpPr>
-        <p:spPr>
-          <a:xfrm>
-            <a:off x="8724900" y="365125"/>
-            <a:ext cx="2628900" cy="5811838"/>
-          </a:xfrm>
-          <a:prstGeom prst="rect">
-            <a:avLst/>
-          </a:prstGeom>
-        </p:spPr>
-        <p:txBody>
-          <a:bodyPr vert="eaVert"/>
-          <a:lstStyle/>
-          <a:p>
-            <a:r>
-              <a:t>标题文本</a:t>
-            </a:r>
-          </a:p>
-        </p:txBody>
-      </p:sp>
-      <p:sp>
-        <p:nvSpPr>
-          <p:cNvPr id="111" name="正文级别 1…"/>
-          <p:cNvSpPr txBox="1">
-            <a:spLocks noGrp="1"/>
-          </p:cNvSpPr>
-          <p:nvPr>
-            <p:ph type="body" idx="1"/>
-          </p:nvPr>
-        </p:nvSpPr>
-        <p:spPr>
-          <a:xfrm>
-            <a:off x="838200" y="365125"/>
-            <a:ext cx="7734300" cy="5811838"/>
-          </a:xfrm>
-          <a:prstGeom prst="rect">
-            <a:avLst/>
-          </a:prstGeom>
-        </p:spPr>
-        <p:txBody>
-          <a:bodyPr vert="eaVert"/>
-          <a:lstStyle/>
-          <a:p>
-            <a:r>
-              <a:t>正文级别 1</a:t>
-            </a:r>
-          </a:p>
-          <a:p>
-            <a:pPr lvl="1"/>
-            <a:r>
-              <a:t>正文级别 2</a:t>
-            </a:r>
-          </a:p>
-          <a:p>
-            <a:pPr lvl="2"/>
-            <a:r>
-              <a:t>正文级别 3</a:t>
-            </a:r>
-          </a:p>
-          <a:p>
-            <a:pPr lvl="3"/>
-            <a:r>
-              <a:t>正文级别 4</a:t>
-            </a:r>
-          </a:p>
-          <a:p>
-            <a:pPr lvl="4"/>
-            <a:r>
-              <a:t>正文级别 5</a:t>
-            </a:r>
-          </a:p>
-        </p:txBody>
-      </p:sp>
-      <p:sp>
-        <p:nvSpPr>
-          <p:cNvPr id="112" name="幻灯片编号"/>
-          <p:cNvSpPr txBox="1">
-            <a:spLocks noGrp="1"/>
-          </p:cNvSpPr>
-          <p:nvPr>
-            <p:ph type="sldNum" sz="quarter" idx="2"/>
-          </p:nvPr>
-        </p:nvSpPr>
-        <p:spPr>
-          <a:prstGeom prst="rect">
-            <a:avLst/>
-          </a:prstGeom>
-        </p:spPr>
-        <p:txBody>
-          <a:bodyPr/>
-          <a:lstStyle/>
-          <a:p>
-            <a:fld id="{86CB4B4D-7CA3-9044-876B-883B54F8677D}" type="slidenum">
-              <a:t>‹#›</a:t>
-            </a:fld>
-            <a:endParaRPr/>
-          </a:p>
-        </p:txBody>
-      </p:sp>
-    </p:spTree>
-  </p:cSld>
-  <p:clrMapOvr>
-    <a:masterClrMapping/>
-  </p:clrMapOvr>
-  <p:transition spd="med"/>
+  <p:transition xmlns:p14="http://schemas.microsoft.com/office/powerpoint/2010/main" spd="med" advClick="1"/>
 </p:sldLayout>
 </file>
 
 <file path=ppt/slideLayouts/slideLayout2.xml><?xml version="1.0" encoding="utf-8"?>
-<p:sldLayout xmlns:a="http://schemas.openxmlformats.org/drawingml/2006/main" xmlns:r="http://schemas.openxmlformats.org/officeDocument/2006/relationships" xmlns:p="http://schemas.openxmlformats.org/presentationml/2006/main" type="tx">
+<p:sldLayout xmlns:a="http://schemas.openxmlformats.org/drawingml/2006/main" xmlns:r="http://schemas.openxmlformats.org/officeDocument/2006/relationships" xmlns:p="http://schemas.openxmlformats.org/presentationml/2006/main" xmlns:m="http://schemas.openxmlformats.org/officeDocument/2006/math" xmlns:a14="http://schemas.microsoft.com/office/drawing/2010/main" type="tx" showMasterSp="1" showMasterPhAnim="1">
   <p:cSld name="标题和内容">
     <p:spTree>
       <p:nvGrpSpPr>
@@ -1117,9 +839,7 @@
       <p:sp>
         <p:nvSpPr>
           <p:cNvPr id="20" name="标题文本"/>
-          <p:cNvSpPr txBox="1">
-            <a:spLocks noGrp="1"/>
-          </p:cNvSpPr>
+          <p:cNvSpPr txBox="1"/>
           <p:nvPr>
             <p:ph type="title"/>
           </p:nvPr>
@@ -1133,6 +853,7 @@
           <a:bodyPr/>
           <a:lstStyle/>
           <a:p>
+            <a:pPr/>
             <a:r>
               <a:t>标题文本</a:t>
             </a:r>
@@ -1142,9 +863,7 @@
       <p:sp>
         <p:nvSpPr>
           <p:cNvPr id="21" name="正文级别 1…"/>
-          <p:cNvSpPr txBox="1">
-            <a:spLocks noGrp="1"/>
-          </p:cNvSpPr>
+          <p:cNvSpPr txBox="1"/>
           <p:nvPr>
             <p:ph type="body" idx="1"/>
           </p:nvPr>
@@ -1158,6 +877,7 @@
           <a:bodyPr/>
           <a:lstStyle/>
           <a:p>
+            <a:pPr/>
             <a:r>
               <a:t>正文级别 1</a:t>
             </a:r>
@@ -1191,9 +911,7 @@
       <p:sp>
         <p:nvSpPr>
           <p:cNvPr id="22" name="幻灯片编号"/>
-          <p:cNvSpPr txBox="1">
-            <a:spLocks noGrp="1"/>
-          </p:cNvSpPr>
+          <p:cNvSpPr txBox="1"/>
           <p:nvPr>
             <p:ph type="sldNum" sz="quarter" idx="2"/>
           </p:nvPr>
@@ -1207,10 +925,8 @@
           <a:bodyPr/>
           <a:lstStyle/>
           <a:p>
-            <a:fld id="{86CB4B4D-7CA3-9044-876B-883B54F8677D}" type="slidenum">
-              <a:t>‹#›</a:t>
-            </a:fld>
-            <a:endParaRPr/>
+            <a:pPr/>
+            <a:fld id="{86CB4B4D-7CA3-9044-876B-883B54F8677D}" type="slidenum"/>
           </a:p>
         </p:txBody>
       </p:sp>
@@ -1219,12 +935,12 @@
   <p:clrMapOvr>
     <a:masterClrMapping/>
   </p:clrMapOvr>
-  <p:transition spd="med"/>
+  <p:transition xmlns:p14="http://schemas.microsoft.com/office/powerpoint/2010/main" spd="med" advClick="1"/>
 </p:sldLayout>
 </file>
 
 <file path=ppt/slideLayouts/slideLayout3.xml><?xml version="1.0" encoding="utf-8"?>
-<p:sldLayout xmlns:a="http://schemas.openxmlformats.org/drawingml/2006/main" xmlns:r="http://schemas.openxmlformats.org/officeDocument/2006/relationships" xmlns:p="http://schemas.openxmlformats.org/presentationml/2006/main" type="tx">
+<p:sldLayout xmlns:a="http://schemas.openxmlformats.org/drawingml/2006/main" xmlns:r="http://schemas.openxmlformats.org/officeDocument/2006/relationships" xmlns:p="http://schemas.openxmlformats.org/presentationml/2006/main" xmlns:m="http://schemas.openxmlformats.org/officeDocument/2006/math" xmlns:a14="http://schemas.microsoft.com/office/drawing/2010/main" type="tx" showMasterSp="1" showMasterPhAnim="1">
   <p:cSld name="标题和内容 0">
     <p:spTree>
       <p:nvGrpSpPr>
@@ -1243,9 +959,7 @@
       <p:sp>
         <p:nvSpPr>
           <p:cNvPr id="29" name="标题文本"/>
-          <p:cNvSpPr txBox="1">
-            <a:spLocks noGrp="1"/>
-          </p:cNvSpPr>
+          <p:cNvSpPr txBox="1"/>
           <p:nvPr>
             <p:ph type="title"/>
           </p:nvPr>
@@ -1259,6 +973,7 @@
           <a:bodyPr/>
           <a:lstStyle/>
           <a:p>
+            <a:pPr/>
             <a:r>
               <a:t>标题文本</a:t>
             </a:r>
@@ -1268,9 +983,7 @@
       <p:sp>
         <p:nvSpPr>
           <p:cNvPr id="30" name="正文级别 1…"/>
-          <p:cNvSpPr txBox="1">
-            <a:spLocks noGrp="1"/>
-          </p:cNvSpPr>
+          <p:cNvSpPr txBox="1"/>
           <p:nvPr>
             <p:ph type="body" idx="1"/>
           </p:nvPr>
@@ -1284,6 +997,7 @@
           <a:bodyPr/>
           <a:lstStyle/>
           <a:p>
+            <a:pPr/>
             <a:r>
               <a:t>正文级别 1</a:t>
             </a:r>
@@ -1317,9 +1031,7 @@
       <p:sp>
         <p:nvSpPr>
           <p:cNvPr id="31" name="幻灯片编号"/>
-          <p:cNvSpPr txBox="1">
-            <a:spLocks noGrp="1"/>
-          </p:cNvSpPr>
+          <p:cNvSpPr txBox="1"/>
           <p:nvPr>
             <p:ph type="sldNum" sz="quarter" idx="2"/>
           </p:nvPr>
@@ -1333,10 +1045,8 @@
           <a:bodyPr/>
           <a:lstStyle/>
           <a:p>
-            <a:fld id="{86CB4B4D-7CA3-9044-876B-883B54F8677D}" type="slidenum">
-              <a:t>‹#›</a:t>
-            </a:fld>
-            <a:endParaRPr/>
+            <a:pPr/>
+            <a:fld id="{86CB4B4D-7CA3-9044-876B-883B54F8677D}" type="slidenum"/>
           </a:p>
         </p:txBody>
       </p:sp>
@@ -1345,12 +1055,12 @@
   <p:clrMapOvr>
     <a:masterClrMapping/>
   </p:clrMapOvr>
-  <p:transition spd="med"/>
+  <p:transition xmlns:p14="http://schemas.microsoft.com/office/powerpoint/2010/main" spd="med" advClick="1"/>
 </p:sldLayout>
 </file>
 
 <file path=ppt/slideLayouts/slideLayout4.xml><?xml version="1.0" encoding="utf-8"?>
-<p:sldLayout xmlns:a="http://schemas.openxmlformats.org/drawingml/2006/main" xmlns:r="http://schemas.openxmlformats.org/officeDocument/2006/relationships" xmlns:p="http://schemas.openxmlformats.org/presentationml/2006/main" type="tx">
+<p:sldLayout xmlns:a="http://schemas.openxmlformats.org/drawingml/2006/main" xmlns:r="http://schemas.openxmlformats.org/officeDocument/2006/relationships" xmlns:p="http://schemas.openxmlformats.org/presentationml/2006/main" xmlns:m="http://schemas.openxmlformats.org/officeDocument/2006/math" xmlns:a14="http://schemas.microsoft.com/office/drawing/2010/main" type="tx" showMasterSp="1" showMasterPhAnim="1">
   <p:cSld name="节标题">
     <p:spTree>
       <p:nvGrpSpPr>
@@ -1369,9 +1079,7 @@
       <p:sp>
         <p:nvSpPr>
           <p:cNvPr id="38" name="标题文本"/>
-          <p:cNvSpPr txBox="1">
-            <a:spLocks noGrp="1"/>
-          </p:cNvSpPr>
+          <p:cNvSpPr txBox="1"/>
           <p:nvPr>
             <p:ph type="title"/>
           </p:nvPr>
@@ -1393,6 +1101,7 @@
             </a:lvl1pPr>
           </a:lstStyle>
           <a:p>
+            <a:pPr/>
             <a:r>
               <a:t>标题文本</a:t>
             </a:r>
@@ -1402,9 +1111,7 @@
       <p:sp>
         <p:nvSpPr>
           <p:cNvPr id="39" name="正文级别 1…"/>
-          <p:cNvSpPr txBox="1">
-            <a:spLocks noGrp="1"/>
-          </p:cNvSpPr>
+          <p:cNvSpPr txBox="1"/>
           <p:nvPr>
             <p:ph type="body" sz="quarter" idx="1"/>
           </p:nvPr>
@@ -1412,7 +1119,7 @@
         <p:spPr>
           <a:xfrm>
             <a:off x="831850" y="4589462"/>
-            <a:ext cx="10515600" cy="1500188"/>
+            <a:ext cx="10515600" cy="1500189"/>
           </a:xfrm>
           <a:prstGeom prst="rect">
             <a:avLst/>
@@ -1431,7 +1138,7 @@
                 </a:solidFill>
               </a:defRPr>
             </a:lvl1pPr>
-            <a:lvl2pPr marL="0" indent="457200">
+            <a:lvl2pPr marL="0" indent="0">
               <a:buSzTx/>
               <a:buFontTx/>
               <a:buNone/>
@@ -1441,7 +1148,7 @@
                 </a:solidFill>
               </a:defRPr>
             </a:lvl2pPr>
-            <a:lvl3pPr marL="0" indent="914400">
+            <a:lvl3pPr marL="0" indent="0">
               <a:buSzTx/>
               <a:buFontTx/>
               <a:buNone/>
@@ -1451,7 +1158,7 @@
                 </a:solidFill>
               </a:defRPr>
             </a:lvl3pPr>
-            <a:lvl4pPr marL="0" indent="1371600">
+            <a:lvl4pPr marL="0" indent="0">
               <a:buSzTx/>
               <a:buFontTx/>
               <a:buNone/>
@@ -1461,7 +1168,7 @@
                 </a:solidFill>
               </a:defRPr>
             </a:lvl4pPr>
-            <a:lvl5pPr marL="0" indent="1828800">
+            <a:lvl5pPr marL="0" indent="0">
               <a:buSzTx/>
               <a:buFontTx/>
               <a:buNone/>
@@ -1473,6 +1180,7 @@
             </a:lvl5pPr>
           </a:lstStyle>
           <a:p>
+            <a:pPr/>
             <a:r>
               <a:t>正文级别 1</a:t>
             </a:r>
@@ -1506,9 +1214,7 @@
       <p:sp>
         <p:nvSpPr>
           <p:cNvPr id="40" name="幻灯片编号"/>
-          <p:cNvSpPr txBox="1">
-            <a:spLocks noGrp="1"/>
-          </p:cNvSpPr>
+          <p:cNvSpPr txBox="1"/>
           <p:nvPr>
             <p:ph type="sldNum" sz="quarter" idx="2"/>
           </p:nvPr>
@@ -1522,10 +1228,8 @@
           <a:bodyPr/>
           <a:lstStyle/>
           <a:p>
-            <a:fld id="{86CB4B4D-7CA3-9044-876B-883B54F8677D}" type="slidenum">
-              <a:t>‹#›</a:t>
-            </a:fld>
-            <a:endParaRPr/>
+            <a:pPr/>
+            <a:fld id="{86CB4B4D-7CA3-9044-876B-883B54F8677D}" type="slidenum"/>
           </a:p>
         </p:txBody>
       </p:sp>
@@ -1534,12 +1238,12 @@
   <p:clrMapOvr>
     <a:masterClrMapping/>
   </p:clrMapOvr>
-  <p:transition spd="med"/>
+  <p:transition xmlns:p14="http://schemas.microsoft.com/office/powerpoint/2010/main" spd="med" advClick="1"/>
 </p:sldLayout>
 </file>
 
 <file path=ppt/slideLayouts/slideLayout5.xml><?xml version="1.0" encoding="utf-8"?>
-<p:sldLayout xmlns:a="http://schemas.openxmlformats.org/drawingml/2006/main" xmlns:r="http://schemas.openxmlformats.org/officeDocument/2006/relationships" xmlns:p="http://schemas.openxmlformats.org/presentationml/2006/main" type="tx">
+<p:sldLayout xmlns:a="http://schemas.openxmlformats.org/drawingml/2006/main" xmlns:r="http://schemas.openxmlformats.org/officeDocument/2006/relationships" xmlns:p="http://schemas.openxmlformats.org/presentationml/2006/main" xmlns:m="http://schemas.openxmlformats.org/officeDocument/2006/math" xmlns:a14="http://schemas.microsoft.com/office/drawing/2010/main" type="tx" showMasterSp="1" showMasterPhAnim="1">
   <p:cSld name="两栏内容">
     <p:spTree>
       <p:nvGrpSpPr>
@@ -1558,9 +1262,7 @@
       <p:sp>
         <p:nvSpPr>
           <p:cNvPr id="47" name="标题文本"/>
-          <p:cNvSpPr txBox="1">
-            <a:spLocks noGrp="1"/>
-          </p:cNvSpPr>
+          <p:cNvSpPr txBox="1"/>
           <p:nvPr>
             <p:ph type="title"/>
           </p:nvPr>
@@ -1574,6 +1276,7 @@
           <a:bodyPr/>
           <a:lstStyle/>
           <a:p>
+            <a:pPr/>
             <a:r>
               <a:t>标题文本</a:t>
             </a:r>
@@ -1583,9 +1286,7 @@
       <p:sp>
         <p:nvSpPr>
           <p:cNvPr id="48" name="正文级别 1…"/>
-          <p:cNvSpPr txBox="1">
-            <a:spLocks noGrp="1"/>
-          </p:cNvSpPr>
+          <p:cNvSpPr txBox="1"/>
           <p:nvPr>
             <p:ph type="body" sz="half" idx="1"/>
           </p:nvPr>
@@ -1603,6 +1304,7 @@
           <a:bodyPr/>
           <a:lstStyle/>
           <a:p>
+            <a:pPr/>
             <a:r>
               <a:t>正文级别 1</a:t>
             </a:r>
@@ -1636,9 +1338,7 @@
       <p:sp>
         <p:nvSpPr>
           <p:cNvPr id="49" name="幻灯片编号"/>
-          <p:cNvSpPr txBox="1">
-            <a:spLocks noGrp="1"/>
-          </p:cNvSpPr>
+          <p:cNvSpPr txBox="1"/>
           <p:nvPr>
             <p:ph type="sldNum" sz="quarter" idx="2"/>
           </p:nvPr>
@@ -1652,10 +1352,8 @@
           <a:bodyPr/>
           <a:lstStyle/>
           <a:p>
-            <a:fld id="{86CB4B4D-7CA3-9044-876B-883B54F8677D}" type="slidenum">
-              <a:t>‹#›</a:t>
-            </a:fld>
-            <a:endParaRPr/>
+            <a:pPr/>
+            <a:fld id="{86CB4B4D-7CA3-9044-876B-883B54F8677D}" type="slidenum"/>
           </a:p>
         </p:txBody>
       </p:sp>
@@ -1664,12 +1362,12 @@
   <p:clrMapOvr>
     <a:masterClrMapping/>
   </p:clrMapOvr>
-  <p:transition spd="med"/>
+  <p:transition xmlns:p14="http://schemas.microsoft.com/office/powerpoint/2010/main" spd="med" advClick="1"/>
 </p:sldLayout>
 </file>
 
 <file path=ppt/slideLayouts/slideLayout6.xml><?xml version="1.0" encoding="utf-8"?>
-<p:sldLayout xmlns:a="http://schemas.openxmlformats.org/drawingml/2006/main" xmlns:r="http://schemas.openxmlformats.org/officeDocument/2006/relationships" xmlns:p="http://schemas.openxmlformats.org/presentationml/2006/main" type="tx">
+<p:sldLayout xmlns:a="http://schemas.openxmlformats.org/drawingml/2006/main" xmlns:r="http://schemas.openxmlformats.org/officeDocument/2006/relationships" xmlns:p="http://schemas.openxmlformats.org/presentationml/2006/main" xmlns:m="http://schemas.openxmlformats.org/officeDocument/2006/math" xmlns:a14="http://schemas.microsoft.com/office/drawing/2010/main" type="tx" showMasterSp="1" showMasterPhAnim="1">
   <p:cSld name="比较">
     <p:spTree>
       <p:nvGrpSpPr>
@@ -1688,9 +1386,7 @@
       <p:sp>
         <p:nvSpPr>
           <p:cNvPr id="56" name="标题文本"/>
-          <p:cNvSpPr txBox="1">
-            <a:spLocks noGrp="1"/>
-          </p:cNvSpPr>
+          <p:cNvSpPr txBox="1"/>
           <p:nvPr>
             <p:ph type="title"/>
           </p:nvPr>
@@ -1708,6 +1404,7 @@
           <a:bodyPr/>
           <a:lstStyle/>
           <a:p>
+            <a:pPr/>
             <a:r>
               <a:t>标题文本</a:t>
             </a:r>
@@ -1717,9 +1414,7 @@
       <p:sp>
         <p:nvSpPr>
           <p:cNvPr id="57" name="正文级别 1…"/>
-          <p:cNvSpPr txBox="1">
-            <a:spLocks noGrp="1"/>
-          </p:cNvSpPr>
+          <p:cNvSpPr txBox="1"/>
           <p:nvPr>
             <p:ph type="body" sz="quarter" idx="1"/>
           </p:nvPr>
@@ -1727,7 +1422,7 @@
         <p:spPr>
           <a:xfrm>
             <a:off x="839787" y="1681163"/>
-            <a:ext cx="5157789" cy="823913"/>
+            <a:ext cx="5157790" cy="823914"/>
           </a:xfrm>
           <a:prstGeom prst="rect">
             <a:avLst/>
@@ -1740,34 +1435,35 @@
               <a:buSzTx/>
               <a:buFontTx/>
               <a:buNone/>
-              <a:defRPr sz="2400" b="1"/>
+              <a:defRPr b="1" sz="2400"/>
             </a:lvl1pPr>
-            <a:lvl2pPr marL="0" indent="457200">
+            <a:lvl2pPr marL="0" indent="0">
               <a:buSzTx/>
               <a:buFontTx/>
               <a:buNone/>
-              <a:defRPr sz="2400" b="1"/>
+              <a:defRPr b="1" sz="2400"/>
             </a:lvl2pPr>
-            <a:lvl3pPr marL="0" indent="914400">
+            <a:lvl3pPr marL="0" indent="0">
               <a:buSzTx/>
               <a:buFontTx/>
               <a:buNone/>
-              <a:defRPr sz="2400" b="1"/>
+              <a:defRPr b="1" sz="2400"/>
             </a:lvl3pPr>
-            <a:lvl4pPr marL="0" indent="1371600">
+            <a:lvl4pPr marL="0" indent="0">
               <a:buSzTx/>
               <a:buFontTx/>
               <a:buNone/>
-              <a:defRPr sz="2400" b="1"/>
+              <a:defRPr b="1" sz="2400"/>
             </a:lvl4pPr>
-            <a:lvl5pPr marL="0" indent="1828800">
+            <a:lvl5pPr marL="0" indent="0">
               <a:buSzTx/>
               <a:buFontTx/>
               <a:buNone/>
-              <a:defRPr sz="2400" b="1"/>
+              <a:defRPr b="1" sz="2400"/>
             </a:lvl5pPr>
           </a:lstStyle>
           <a:p>
+            <a:pPr/>
             <a:r>
               <a:t>正文级别 1</a:t>
             </a:r>
@@ -1801,9 +1497,7 @@
       <p:sp>
         <p:nvSpPr>
           <p:cNvPr id="58" name="文本占位符 4"/>
-          <p:cNvSpPr>
-            <a:spLocks noGrp="1"/>
-          </p:cNvSpPr>
+          <p:cNvSpPr/>
           <p:nvPr>
             <p:ph type="body" sz="quarter" idx="21"/>
           </p:nvPr>
@@ -1811,7 +1505,7 @@
         <p:spPr>
           <a:xfrm>
             <a:off x="6172200" y="1681163"/>
-            <a:ext cx="5183188" cy="823913"/>
+            <a:ext cx="5183188" cy="823914"/>
           </a:xfrm>
           <a:prstGeom prst="rect">
             <a:avLst/>
@@ -1821,26 +1515,14 @@
           <a:bodyPr anchor="b"/>
           <a:lstStyle/>
           <a:p>
-            <a:pPr marL="0" indent="0" algn="ctr">
-              <a:buSzTx/>
-              <a:buFontTx/>
-              <a:buNone/>
-              <a:defRPr sz="2400" b="1">
-                <a:solidFill>
-                  <a:srgbClr val="FFFFFF"/>
-                </a:solidFill>
-              </a:defRPr>
-            </a:pPr>
-            <a:endParaRPr/>
+            <a:pPr/>
           </a:p>
         </p:txBody>
       </p:sp>
       <p:sp>
         <p:nvSpPr>
           <p:cNvPr id="59" name="幻灯片编号"/>
-          <p:cNvSpPr txBox="1">
-            <a:spLocks noGrp="1"/>
-          </p:cNvSpPr>
+          <p:cNvSpPr txBox="1"/>
           <p:nvPr>
             <p:ph type="sldNum" sz="quarter" idx="2"/>
           </p:nvPr>
@@ -1854,10 +1536,8 @@
           <a:bodyPr/>
           <a:lstStyle/>
           <a:p>
-            <a:fld id="{86CB4B4D-7CA3-9044-876B-883B54F8677D}" type="slidenum">
-              <a:t>‹#›</a:t>
-            </a:fld>
-            <a:endParaRPr/>
+            <a:pPr/>
+            <a:fld id="{86CB4B4D-7CA3-9044-876B-883B54F8677D}" type="slidenum"/>
           </a:p>
         </p:txBody>
       </p:sp>
@@ -1866,12 +1546,12 @@
   <p:clrMapOvr>
     <a:masterClrMapping/>
   </p:clrMapOvr>
-  <p:transition spd="med"/>
+  <p:transition xmlns:p14="http://schemas.microsoft.com/office/powerpoint/2010/main" spd="med" advClick="1"/>
 </p:sldLayout>
 </file>
 
 <file path=ppt/slideLayouts/slideLayout7.xml><?xml version="1.0" encoding="utf-8"?>
-<p:sldLayout xmlns:a="http://schemas.openxmlformats.org/drawingml/2006/main" xmlns:r="http://schemas.openxmlformats.org/officeDocument/2006/relationships" xmlns:p="http://schemas.openxmlformats.org/presentationml/2006/main" type="tx">
+<p:sldLayout xmlns:a="http://schemas.openxmlformats.org/drawingml/2006/main" xmlns:r="http://schemas.openxmlformats.org/officeDocument/2006/relationships" xmlns:p="http://schemas.openxmlformats.org/presentationml/2006/main" xmlns:m="http://schemas.openxmlformats.org/officeDocument/2006/math" xmlns:a14="http://schemas.microsoft.com/office/drawing/2010/main" type="tx" showMasterSp="1" showMasterPhAnim="1">
   <p:cSld name="仅标题">
     <p:spTree>
       <p:nvGrpSpPr>
@@ -1890,9 +1570,7 @@
       <p:sp>
         <p:nvSpPr>
           <p:cNvPr id="66" name="标题文本"/>
-          <p:cNvSpPr txBox="1">
-            <a:spLocks noGrp="1"/>
-          </p:cNvSpPr>
+          <p:cNvSpPr txBox="1"/>
           <p:nvPr>
             <p:ph type="title"/>
           </p:nvPr>
@@ -1906,6 +1584,7 @@
           <a:bodyPr/>
           <a:lstStyle/>
           <a:p>
+            <a:pPr/>
             <a:r>
               <a:t>标题文本</a:t>
             </a:r>
@@ -1915,9 +1594,7 @@
       <p:sp>
         <p:nvSpPr>
           <p:cNvPr id="67" name="幻灯片编号"/>
-          <p:cNvSpPr txBox="1">
-            <a:spLocks noGrp="1"/>
-          </p:cNvSpPr>
+          <p:cNvSpPr txBox="1"/>
           <p:nvPr>
             <p:ph type="sldNum" sz="quarter" idx="2"/>
           </p:nvPr>
@@ -1931,10 +1608,8 @@
           <a:bodyPr/>
           <a:lstStyle/>
           <a:p>
-            <a:fld id="{86CB4B4D-7CA3-9044-876B-883B54F8677D}" type="slidenum">
-              <a:t>‹#›</a:t>
-            </a:fld>
-            <a:endParaRPr/>
+            <a:pPr/>
+            <a:fld id="{86CB4B4D-7CA3-9044-876B-883B54F8677D}" type="slidenum"/>
           </a:p>
         </p:txBody>
       </p:sp>
@@ -1943,12 +1618,12 @@
   <p:clrMapOvr>
     <a:masterClrMapping/>
   </p:clrMapOvr>
-  <p:transition spd="med"/>
+  <p:transition xmlns:p14="http://schemas.microsoft.com/office/powerpoint/2010/main" spd="med" advClick="1"/>
 </p:sldLayout>
 </file>
 
 <file path=ppt/slideLayouts/slideLayout8.xml><?xml version="1.0" encoding="utf-8"?>
-<p:sldLayout xmlns:a="http://schemas.openxmlformats.org/drawingml/2006/main" xmlns:r="http://schemas.openxmlformats.org/officeDocument/2006/relationships" xmlns:p="http://schemas.openxmlformats.org/presentationml/2006/main" type="tx">
+<p:sldLayout xmlns:a="http://schemas.openxmlformats.org/drawingml/2006/main" xmlns:r="http://schemas.openxmlformats.org/officeDocument/2006/relationships" xmlns:p="http://schemas.openxmlformats.org/presentationml/2006/main" xmlns:m="http://schemas.openxmlformats.org/officeDocument/2006/math" xmlns:a14="http://schemas.microsoft.com/office/drawing/2010/main" type="tx" showMasterSp="1" showMasterPhAnim="1">
   <p:cSld name="空白">
     <p:spTree>
       <p:nvGrpSpPr>
@@ -1967,9 +1642,7 @@
       <p:sp>
         <p:nvSpPr>
           <p:cNvPr id="74" name="幻灯片编号"/>
-          <p:cNvSpPr txBox="1">
-            <a:spLocks noGrp="1"/>
-          </p:cNvSpPr>
+          <p:cNvSpPr txBox="1"/>
           <p:nvPr>
             <p:ph type="sldNum" sz="quarter" idx="2"/>
           </p:nvPr>
@@ -1983,10 +1656,8 @@
           <a:bodyPr/>
           <a:lstStyle/>
           <a:p>
-            <a:fld id="{86CB4B4D-7CA3-9044-876B-883B54F8677D}" type="slidenum">
-              <a:t>‹#›</a:t>
-            </a:fld>
-            <a:endParaRPr/>
+            <a:pPr/>
+            <a:fld id="{86CB4B4D-7CA3-9044-876B-883B54F8677D}" type="slidenum"/>
           </a:p>
         </p:txBody>
       </p:sp>
@@ -1995,12 +1666,12 @@
   <p:clrMapOvr>
     <a:masterClrMapping/>
   </p:clrMapOvr>
-  <p:transition spd="med"/>
+  <p:transition xmlns:p14="http://schemas.microsoft.com/office/powerpoint/2010/main" spd="med" advClick="1"/>
 </p:sldLayout>
 </file>
 
 <file path=ppt/slideLayouts/slideLayout9.xml><?xml version="1.0" encoding="utf-8"?>
-<p:sldLayout xmlns:a="http://schemas.openxmlformats.org/drawingml/2006/main" xmlns:r="http://schemas.openxmlformats.org/officeDocument/2006/relationships" xmlns:p="http://schemas.openxmlformats.org/presentationml/2006/main" type="tx">
+<p:sldLayout xmlns:a="http://schemas.openxmlformats.org/drawingml/2006/main" xmlns:r="http://schemas.openxmlformats.org/officeDocument/2006/relationships" xmlns:p="http://schemas.openxmlformats.org/presentationml/2006/main" xmlns:m="http://schemas.openxmlformats.org/officeDocument/2006/math" xmlns:a14="http://schemas.microsoft.com/office/drawing/2010/main" type="tx" showMasterSp="1" showMasterPhAnim="1">
   <p:cSld name="内容与标题">
     <p:spTree>
       <p:nvGrpSpPr>
@@ -2019,9 +1690,7 @@
       <p:sp>
         <p:nvSpPr>
           <p:cNvPr id="81" name="标题文本"/>
-          <p:cNvSpPr txBox="1">
-            <a:spLocks noGrp="1"/>
-          </p:cNvSpPr>
+          <p:cNvSpPr txBox="1"/>
           <p:nvPr>
             <p:ph type="title"/>
           </p:nvPr>
@@ -2029,7 +1698,7 @@
         <p:spPr>
           <a:xfrm>
             <a:off x="839787" y="457200"/>
-            <a:ext cx="3932239" cy="1600200"/>
+            <a:ext cx="3932240" cy="1600200"/>
           </a:xfrm>
           <a:prstGeom prst="rect">
             <a:avLst/>
@@ -2043,6 +1712,7 @@
             </a:lvl1pPr>
           </a:lstStyle>
           <a:p>
+            <a:pPr/>
             <a:r>
               <a:t>标题文本</a:t>
             </a:r>
@@ -2052,9 +1722,7 @@
       <p:sp>
         <p:nvSpPr>
           <p:cNvPr id="82" name="正文级别 1…"/>
-          <p:cNvSpPr txBox="1">
-            <a:spLocks noGrp="1"/>
-          </p:cNvSpPr>
+          <p:cNvSpPr txBox="1"/>
           <p:nvPr>
             <p:ph type="body" sz="half" idx="1"/>
           </p:nvPr>
@@ -2062,7 +1730,7 @@
         <p:spPr>
           <a:xfrm>
             <a:off x="5183187" y="987425"/>
-            <a:ext cx="6172201" cy="4873625"/>
+            <a:ext cx="6172202" cy="4873625"/>
           </a:xfrm>
           <a:prstGeom prst="rect">
             <a:avLst/>
@@ -2088,6 +1756,7 @@
             </a:lvl5pPr>
           </a:lstStyle>
           <a:p>
+            <a:pPr/>
             <a:r>
               <a:t>正文级别 1</a:t>
             </a:r>
@@ -2121,17 +1790,15 @@
       <p:sp>
         <p:nvSpPr>
           <p:cNvPr id="83" name="文本占位符 3"/>
-          <p:cNvSpPr>
-            <a:spLocks noGrp="1"/>
-          </p:cNvSpPr>
+          <p:cNvSpPr/>
           <p:nvPr>
             <p:ph type="body" sz="quarter" idx="21"/>
           </p:nvPr>
         </p:nvSpPr>
         <p:spPr>
           <a:xfrm>
-            <a:off x="839787" y="2057400"/>
-            <a:ext cx="3932239" cy="3811588"/>
+            <a:off x="839786" y="2057400"/>
+            <a:ext cx="3932241" cy="3811588"/>
           </a:xfrm>
           <a:prstGeom prst="rect">
             <a:avLst/>
@@ -2141,30 +1808,14 @@
           <a:bodyPr/>
           <a:lstStyle/>
           <a:p>
-            <a:pPr marL="0" indent="0" algn="ctr">
-              <a:buSzTx/>
-              <a:buFontTx/>
-              <a:buNone/>
-              <a:defRPr sz="1600">
-                <a:solidFill>
-                  <a:srgbClr val="FFFFFF"/>
-                </a:solidFill>
-                <a:latin typeface="SimSun"/>
-                <a:ea typeface="SimSun"/>
-                <a:cs typeface="SimSun"/>
-                <a:sym typeface="SimSun"/>
-              </a:defRPr>
-            </a:pPr>
-            <a:endParaRPr/>
+            <a:pPr/>
           </a:p>
         </p:txBody>
       </p:sp>
       <p:sp>
         <p:nvSpPr>
           <p:cNvPr id="84" name="幻灯片编号"/>
-          <p:cNvSpPr txBox="1">
-            <a:spLocks noGrp="1"/>
-          </p:cNvSpPr>
+          <p:cNvSpPr txBox="1"/>
           <p:nvPr>
             <p:ph type="sldNum" sz="quarter" idx="2"/>
           </p:nvPr>
@@ -2178,10 +1829,8 @@
           <a:bodyPr/>
           <a:lstStyle/>
           <a:p>
-            <a:fld id="{86CB4B4D-7CA3-9044-876B-883B54F8677D}" type="slidenum">
-              <a:t>‹#›</a:t>
-            </a:fld>
-            <a:endParaRPr/>
+            <a:pPr/>
+            <a:fld id="{86CB4B4D-7CA3-9044-876B-883B54F8677D}" type="slidenum"/>
           </a:p>
         </p:txBody>
       </p:sp>
@@ -2190,19 +1839,18 @@
   <p:clrMapOvr>
     <a:masterClrMapping/>
   </p:clrMapOvr>
-  <p:transition spd="med"/>
+  <p:transition xmlns:p14="http://schemas.microsoft.com/office/powerpoint/2010/main" spd="med" advClick="1"/>
 </p:sldLayout>
 </file>
 
 <file path=ppt/slideMasters/slideMaster1.xml><?xml version="1.0" encoding="utf-8"?>
-<p:sldMaster xmlns:a="http://schemas.openxmlformats.org/drawingml/2006/main" xmlns:r="http://schemas.openxmlformats.org/officeDocument/2006/relationships" xmlns:p="http://schemas.openxmlformats.org/presentationml/2006/main">
+<p:sldMaster xmlns:a="http://schemas.openxmlformats.org/drawingml/2006/main" xmlns:r="http://schemas.openxmlformats.org/officeDocument/2006/relationships" xmlns:p="http://schemas.openxmlformats.org/presentationml/2006/main" xmlns:m="http://schemas.openxmlformats.org/officeDocument/2006/math" xmlns:a14="http://schemas.microsoft.com/office/drawing/2010/main">
   <p:cSld>
     <p:bg>
       <p:bgPr>
         <a:solidFill>
           <a:srgbClr val="FFFFFF"/>
         </a:solidFill>
-        <a:effectLst/>
       </p:bgPr>
     </p:bg>
     <p:spTree>
@@ -2222,9 +1870,7 @@
       <p:sp>
         <p:nvSpPr>
           <p:cNvPr id="2" name="标题文本"/>
-          <p:cNvSpPr txBox="1">
-            <a:spLocks noGrp="1"/>
-          </p:cNvSpPr>
+          <p:cNvSpPr txBox="1"/>
           <p:nvPr>
             <p:ph type="title"/>
           </p:nvPr>
@@ -2242,16 +1888,17 @@
           </a:ln>
           <a:extLst>
             <a:ext uri="{C572A759-6A51-4108-AA02-DFA0A04FC94B}">
-              <ma14:wrappingTextBoxFlag xmlns:ma14="http://schemas.microsoft.com/office/mac/drawingml/2011/main" xmlns:a14="http://schemas.microsoft.com/office/drawing/2010/main" xmlns:m="http://schemas.openxmlformats.org/officeDocument/2006/math" xmlns="" val="1"/>
+              <ma14:wrappingTextBoxFlag xmlns:ma14="http://schemas.microsoft.com/office/mac/drawingml/2011/main" val="1"/>
             </a:ext>
           </a:extLst>
         </p:spPr>
         <p:txBody>
-          <a:bodyPr lIns="45719" rIns="45719" anchor="ctr">
-            <a:normAutofit/>
+          <a:bodyPr lIns="45718" tIns="45718" rIns="45718" bIns="45718" anchor="ctr">
+            <a:normAutofit fontScale="100000" lnSpcReduction="0"/>
           </a:bodyPr>
           <a:lstStyle/>
           <a:p>
+            <a:pPr/>
             <a:r>
               <a:t>标题文本</a:t>
             </a:r>
@@ -2261,9 +1908,7 @@
       <p:sp>
         <p:nvSpPr>
           <p:cNvPr id="3" name="正文级别 1…"/>
-          <p:cNvSpPr txBox="1">
-            <a:spLocks noGrp="1"/>
-          </p:cNvSpPr>
+          <p:cNvSpPr txBox="1"/>
           <p:nvPr>
             <p:ph type="body" idx="1"/>
           </p:nvPr>
@@ -2281,16 +1926,17 @@
           </a:ln>
           <a:extLst>
             <a:ext uri="{C572A759-6A51-4108-AA02-DFA0A04FC94B}">
-              <ma14:wrappingTextBoxFlag xmlns:ma14="http://schemas.microsoft.com/office/mac/drawingml/2011/main" xmlns:a14="http://schemas.microsoft.com/office/drawing/2010/main" xmlns:m="http://schemas.openxmlformats.org/officeDocument/2006/math" xmlns="" val="1"/>
+              <ma14:wrappingTextBoxFlag xmlns:ma14="http://schemas.microsoft.com/office/mac/drawingml/2011/main" val="1"/>
             </a:ext>
           </a:extLst>
         </p:spPr>
         <p:txBody>
-          <a:bodyPr lIns="45719" rIns="45719">
-            <a:normAutofit/>
+          <a:bodyPr lIns="45718" tIns="45718" rIns="45718" bIns="45718">
+            <a:normAutofit fontScale="100000" lnSpcReduction="0"/>
           </a:bodyPr>
           <a:lstStyle/>
           <a:p>
+            <a:pPr/>
             <a:r>
               <a:t>正文级别 1</a:t>
             </a:r>
@@ -2324,17 +1970,15 @@
       <p:sp>
         <p:nvSpPr>
           <p:cNvPr id="4" name="幻灯片编号"/>
-          <p:cNvSpPr txBox="1">
-            <a:spLocks noGrp="1"/>
-          </p:cNvSpPr>
+          <p:cNvSpPr txBox="1"/>
           <p:nvPr>
             <p:ph type="sldNum" sz="quarter" idx="2"/>
           </p:nvPr>
         </p:nvSpPr>
         <p:spPr>
           <a:xfrm>
-            <a:off x="11095176" y="6414760"/>
-            <a:ext cx="258624" cy="248305"/>
+            <a:off x="11095178" y="6414761"/>
+            <a:ext cx="258623" cy="248303"/>
           </a:xfrm>
           <a:prstGeom prst="rect">
             <a:avLst/>
@@ -2344,7 +1988,7 @@
           </a:ln>
         </p:spPr>
         <p:txBody>
-          <a:bodyPr wrap="none" lIns="45719" rIns="45719" anchor="ctr">
+          <a:bodyPr wrap="none" lIns="45718" tIns="45718" rIns="45718" bIns="45718" anchor="ctr">
             <a:spAutoFit/>
           </a:bodyPr>
           <a:lstStyle>
@@ -2353,14 +1997,16 @@
                 <a:solidFill>
                   <a:srgbClr val="888888"/>
                 </a:solidFill>
+                <a:latin typeface="Calibri"/>
+                <a:ea typeface="Calibri"/>
+                <a:cs typeface="Calibri"/>
+                <a:sym typeface="Calibri"/>
               </a:defRPr>
             </a:lvl1pPr>
           </a:lstStyle>
           <a:p>
-            <a:fld id="{86CB4B4D-7CA3-9044-876B-883B54F8677D}" type="slidenum">
-              <a:t>‹#›</a:t>
-            </a:fld>
-            <a:endParaRPr/>
+            <a:pPr/>
+            <a:fld id="{86CB4B4D-7CA3-9044-876B-883B54F8677D}" type="slidenum"/>
           </a:p>
         </p:txBody>
       </p:sp>
@@ -2368,20 +2014,18 @@
   </p:cSld>
   <p:clrMap bg1="lt1" tx1="dk1" bg2="lt2" tx2="dk2" accent1="accent1" accent2="accent2" accent3="accent3" accent4="accent4" accent5="accent5" accent6="accent6" hlink="hlink" folHlink="folHlink"/>
   <p:sldLayoutIdLst>
-    <p:sldLayoutId id="2147483649" r:id="rId1"/>
-    <p:sldLayoutId id="2147483650" r:id="rId2"/>
-    <p:sldLayoutId id="2147483651" r:id="rId3"/>
-    <p:sldLayoutId id="2147483652" r:id="rId4"/>
-    <p:sldLayoutId id="2147483653" r:id="rId5"/>
-    <p:sldLayoutId id="2147483654" r:id="rId6"/>
-    <p:sldLayoutId id="2147483655" r:id="rId7"/>
-    <p:sldLayoutId id="2147483656" r:id="rId8"/>
-    <p:sldLayoutId id="2147483657" r:id="rId9"/>
-    <p:sldLayoutId id="2147483658" r:id="rId10"/>
-    <p:sldLayoutId id="2147483659" r:id="rId11"/>
-    <p:sldLayoutId id="2147483660" r:id="rId12"/>
+    <p:sldLayoutId id="2147483649" r:id="rId2"/>
+    <p:sldLayoutId id="2147483650" r:id="rId3"/>
+    <p:sldLayoutId id="2147483651" r:id="rId4"/>
+    <p:sldLayoutId id="2147483652" r:id="rId5"/>
+    <p:sldLayoutId id="2147483653" r:id="rId6"/>
+    <p:sldLayoutId id="2147483654" r:id="rId7"/>
+    <p:sldLayoutId id="2147483655" r:id="rId8"/>
+    <p:sldLayoutId id="2147483656" r:id="rId9"/>
+    <p:sldLayoutId id="2147483657" r:id="rId10"/>
+    <p:sldLayoutId id="2147483658" r:id="rId11"/>
   </p:sldLayoutIdLst>
-  <p:transition spd="med"/>
+  <p:transition xmlns:p14="http://schemas.microsoft.com/office/powerpoint/2010/main" spd="med" advClick="1"/>
   <p:txStyles>
     <p:titleStyle>
       <a:lvl1pPr marL="0" marR="0" indent="0" algn="l" defTabSz="914400" rtl="0" latinLnBrk="0">
@@ -2399,7 +2043,7 @@
         <a:buFontTx/>
         <a:buNone/>
         <a:tabLst/>
-        <a:defRPr sz="4400" b="0" i="0" u="none" strike="noStrike" cap="none" spc="0" baseline="0">
+        <a:defRPr b="0" baseline="0" cap="none" i="0" spc="0" strike="noStrike" sz="4400" u="none">
           <a:solidFill>
             <a:srgbClr val="000000"/>
           </a:solidFill>
@@ -2425,7 +2069,7 @@
         <a:buFontTx/>
         <a:buNone/>
         <a:tabLst/>
-        <a:defRPr sz="4400" b="0" i="0" u="none" strike="noStrike" cap="none" spc="0" baseline="0">
+        <a:defRPr b="0" baseline="0" cap="none" i="0" spc="0" strike="noStrike" sz="4400" u="none">
           <a:solidFill>
             <a:srgbClr val="000000"/>
           </a:solidFill>
@@ -2451,7 +2095,7 @@
         <a:buFontTx/>
         <a:buNone/>
         <a:tabLst/>
-        <a:defRPr sz="4400" b="0" i="0" u="none" strike="noStrike" cap="none" spc="0" baseline="0">
+        <a:defRPr b="0" baseline="0" cap="none" i="0" spc="0" strike="noStrike" sz="4400" u="none">
           <a:solidFill>
             <a:srgbClr val="000000"/>
           </a:solidFill>
@@ -2477,7 +2121,7 @@
         <a:buFontTx/>
         <a:buNone/>
         <a:tabLst/>
-        <a:defRPr sz="4400" b="0" i="0" u="none" strike="noStrike" cap="none" spc="0" baseline="0">
+        <a:defRPr b="0" baseline="0" cap="none" i="0" spc="0" strike="noStrike" sz="4400" u="none">
           <a:solidFill>
             <a:srgbClr val="000000"/>
           </a:solidFill>
@@ -2503,7 +2147,7 @@
         <a:buFontTx/>
         <a:buNone/>
         <a:tabLst/>
-        <a:defRPr sz="4400" b="0" i="0" u="none" strike="noStrike" cap="none" spc="0" baseline="0">
+        <a:defRPr b="0" baseline="0" cap="none" i="0" spc="0" strike="noStrike" sz="4400" u="none">
           <a:solidFill>
             <a:srgbClr val="000000"/>
           </a:solidFill>
@@ -2529,7 +2173,7 @@
         <a:buFontTx/>
         <a:buNone/>
         <a:tabLst/>
-        <a:defRPr sz="4400" b="0" i="0" u="none" strike="noStrike" cap="none" spc="0" baseline="0">
+        <a:defRPr b="0" baseline="0" cap="none" i="0" spc="0" strike="noStrike" sz="4400" u="none">
           <a:solidFill>
             <a:srgbClr val="000000"/>
           </a:solidFill>
@@ -2555,7 +2199,7 @@
         <a:buFontTx/>
         <a:buNone/>
         <a:tabLst/>
-        <a:defRPr sz="4400" b="0" i="0" u="none" strike="noStrike" cap="none" spc="0" baseline="0">
+        <a:defRPr b="0" baseline="0" cap="none" i="0" spc="0" strike="noStrike" sz="4400" u="none">
           <a:solidFill>
             <a:srgbClr val="000000"/>
           </a:solidFill>
@@ -2581,7 +2225,7 @@
         <a:buFontTx/>
         <a:buNone/>
         <a:tabLst/>
-        <a:defRPr sz="4400" b="0" i="0" u="none" strike="noStrike" cap="none" spc="0" baseline="0">
+        <a:defRPr b="0" baseline="0" cap="none" i="0" spc="0" strike="noStrike" sz="4400" u="none">
           <a:solidFill>
             <a:srgbClr val="000000"/>
           </a:solidFill>
@@ -2607,7 +2251,7 @@
         <a:buFontTx/>
         <a:buNone/>
         <a:tabLst/>
-        <a:defRPr sz="4400" b="0" i="0" u="none" strike="noStrike" cap="none" spc="0" baseline="0">
+        <a:defRPr b="0" baseline="0" cap="none" i="0" spc="0" strike="noStrike" sz="4400" u="none">
           <a:solidFill>
             <a:srgbClr val="000000"/>
           </a:solidFill>
@@ -2635,7 +2279,7 @@
         <a:buFont typeface="Arial"/>
         <a:buChar char="•"/>
         <a:tabLst/>
-        <a:defRPr sz="2800" b="0" i="0" u="none" strike="noStrike" cap="none" spc="0" baseline="0">
+        <a:defRPr b="0" baseline="0" cap="none" i="0" spc="0" strike="noStrike" sz="2800" u="none">
           <a:solidFill>
             <a:srgbClr val="000000"/>
           </a:solidFill>
@@ -2661,7 +2305,7 @@
         <a:buFont typeface="Arial"/>
         <a:buChar char="•"/>
         <a:tabLst/>
-        <a:defRPr sz="2800" b="0" i="0" u="none" strike="noStrike" cap="none" spc="0" baseline="0">
+        <a:defRPr b="0" baseline="0" cap="none" i="0" spc="0" strike="noStrike" sz="2800" u="none">
           <a:solidFill>
             <a:srgbClr val="000000"/>
           </a:solidFill>
@@ -2672,7 +2316,7 @@
           <a:sym typeface="Calibri"/>
         </a:defRPr>
       </a:lvl2pPr>
-      <a:lvl3pPr marL="1234439" marR="0" indent="-320039" algn="l" defTabSz="914400" rtl="0" latinLnBrk="0">
+      <a:lvl3pPr marL="1234438" marR="0" indent="-320038" algn="l" defTabSz="914400" rtl="0" latinLnBrk="0">
         <a:lnSpc>
           <a:spcPct val="90000"/>
         </a:lnSpc>
@@ -2687,7 +2331,7 @@
         <a:buFont typeface="Arial"/>
         <a:buChar char="•"/>
         <a:tabLst/>
-        <a:defRPr sz="2800" b="0" i="0" u="none" strike="noStrike" cap="none" spc="0" baseline="0">
+        <a:defRPr b="0" baseline="0" cap="none" i="0" spc="0" strike="noStrike" sz="2800" u="none">
           <a:solidFill>
             <a:srgbClr val="000000"/>
           </a:solidFill>
@@ -2713,7 +2357,7 @@
         <a:buFont typeface="Arial"/>
         <a:buChar char="•"/>
         <a:tabLst/>
-        <a:defRPr sz="2800" b="0" i="0" u="none" strike="noStrike" cap="none" spc="0" baseline="0">
+        <a:defRPr b="0" baseline="0" cap="none" i="0" spc="0" strike="noStrike" sz="2800" u="none">
           <a:solidFill>
             <a:srgbClr val="000000"/>
           </a:solidFill>
@@ -2739,7 +2383,7 @@
         <a:buFont typeface="Arial"/>
         <a:buChar char="•"/>
         <a:tabLst/>
-        <a:defRPr sz="2800" b="0" i="0" u="none" strike="noStrike" cap="none" spc="0" baseline="0">
+        <a:defRPr b="0" baseline="0" cap="none" i="0" spc="0" strike="noStrike" sz="2800" u="none">
           <a:solidFill>
             <a:srgbClr val="000000"/>
           </a:solidFill>
@@ -2765,7 +2409,7 @@
         <a:buFont typeface="Arial"/>
         <a:buChar char="•"/>
         <a:tabLst/>
-        <a:defRPr sz="2800" b="0" i="0" u="none" strike="noStrike" cap="none" spc="0" baseline="0">
+        <a:defRPr b="0" baseline="0" cap="none" i="0" spc="0" strike="noStrike" sz="2800" u="none">
           <a:solidFill>
             <a:srgbClr val="000000"/>
           </a:solidFill>
@@ -2791,7 +2435,7 @@
         <a:buFont typeface="Arial"/>
         <a:buChar char="•"/>
         <a:tabLst/>
-        <a:defRPr sz="2800" b="0" i="0" u="none" strike="noStrike" cap="none" spc="0" baseline="0">
+        <a:defRPr b="0" baseline="0" cap="none" i="0" spc="0" strike="noStrike" sz="2800" u="none">
           <a:solidFill>
             <a:srgbClr val="000000"/>
           </a:solidFill>
@@ -2817,7 +2461,7 @@
         <a:buFont typeface="Arial"/>
         <a:buChar char="•"/>
         <a:tabLst/>
-        <a:defRPr sz="2800" b="0" i="0" u="none" strike="noStrike" cap="none" spc="0" baseline="0">
+        <a:defRPr b="0" baseline="0" cap="none" i="0" spc="0" strike="noStrike" sz="2800" u="none">
           <a:solidFill>
             <a:srgbClr val="000000"/>
           </a:solidFill>
@@ -2843,7 +2487,7 @@
         <a:buFont typeface="Arial"/>
         <a:buChar char="•"/>
         <a:tabLst/>
-        <a:defRPr sz="2800" b="0" i="0" u="none" strike="noStrike" cap="none" spc="0" baseline="0">
+        <a:defRPr b="0" baseline="0" cap="none" i="0" spc="0" strike="noStrike" sz="2800" u="none">
           <a:solidFill>
             <a:srgbClr val="000000"/>
           </a:solidFill>
@@ -2871,7 +2515,7 @@
         <a:buFontTx/>
         <a:buNone/>
         <a:tabLst/>
-        <a:defRPr sz="1200" b="0" i="0" u="none" strike="noStrike" cap="none" spc="0" baseline="0">
+        <a:defRPr b="0" baseline="0" cap="none" i="0" spc="0" strike="noStrike" sz="1200" u="none">
           <a:solidFill>
             <a:schemeClr val="tx1"/>
           </a:solidFill>
@@ -2882,7 +2526,7 @@
           <a:sym typeface="Calibri"/>
         </a:defRPr>
       </a:lvl1pPr>
-      <a:lvl2pPr marL="0" marR="0" indent="457200" algn="r" defTabSz="914400" rtl="0" latinLnBrk="0">
+      <a:lvl2pPr marL="0" marR="0" indent="0" algn="r" defTabSz="914400" rtl="0" latinLnBrk="0">
         <a:lnSpc>
           <a:spcPct val="100000"/>
         </a:lnSpc>
@@ -2897,7 +2541,7 @@
         <a:buFontTx/>
         <a:buNone/>
         <a:tabLst/>
-        <a:defRPr sz="1200" b="0" i="0" u="none" strike="noStrike" cap="none" spc="0" baseline="0">
+        <a:defRPr b="0" baseline="0" cap="none" i="0" spc="0" strike="noStrike" sz="1200" u="none">
           <a:solidFill>
             <a:schemeClr val="tx1"/>
           </a:solidFill>
@@ -2908,7 +2552,7 @@
           <a:sym typeface="Calibri"/>
         </a:defRPr>
       </a:lvl2pPr>
-      <a:lvl3pPr marL="0" marR="0" indent="914400" algn="r" defTabSz="914400" rtl="0" latinLnBrk="0">
+      <a:lvl3pPr marL="0" marR="0" indent="0" algn="r" defTabSz="914400" rtl="0" latinLnBrk="0">
         <a:lnSpc>
           <a:spcPct val="100000"/>
         </a:lnSpc>
@@ -2923,7 +2567,7 @@
         <a:buFontTx/>
         <a:buNone/>
         <a:tabLst/>
-        <a:defRPr sz="1200" b="0" i="0" u="none" strike="noStrike" cap="none" spc="0" baseline="0">
+        <a:defRPr b="0" baseline="0" cap="none" i="0" spc="0" strike="noStrike" sz="1200" u="none">
           <a:solidFill>
             <a:schemeClr val="tx1"/>
           </a:solidFill>
@@ -2934,7 +2578,7 @@
           <a:sym typeface="Calibri"/>
         </a:defRPr>
       </a:lvl3pPr>
-      <a:lvl4pPr marL="0" marR="0" indent="1371600" algn="r" defTabSz="914400" rtl="0" latinLnBrk="0">
+      <a:lvl4pPr marL="0" marR="0" indent="0" algn="r" defTabSz="914400" rtl="0" latinLnBrk="0">
         <a:lnSpc>
           <a:spcPct val="100000"/>
         </a:lnSpc>
@@ -2949,7 +2593,7 @@
         <a:buFontTx/>
         <a:buNone/>
         <a:tabLst/>
-        <a:defRPr sz="1200" b="0" i="0" u="none" strike="noStrike" cap="none" spc="0" baseline="0">
+        <a:defRPr b="0" baseline="0" cap="none" i="0" spc="0" strike="noStrike" sz="1200" u="none">
           <a:solidFill>
             <a:schemeClr val="tx1"/>
           </a:solidFill>
@@ -2960,7 +2604,7 @@
           <a:sym typeface="Calibri"/>
         </a:defRPr>
       </a:lvl4pPr>
-      <a:lvl5pPr marL="0" marR="0" indent="1828800" algn="r" defTabSz="914400" rtl="0" latinLnBrk="0">
+      <a:lvl5pPr marL="0" marR="0" indent="0" algn="r" defTabSz="914400" rtl="0" latinLnBrk="0">
         <a:lnSpc>
           <a:spcPct val="100000"/>
         </a:lnSpc>
@@ -2975,7 +2619,7 @@
         <a:buFontTx/>
         <a:buNone/>
         <a:tabLst/>
-        <a:defRPr sz="1200" b="0" i="0" u="none" strike="noStrike" cap="none" spc="0" baseline="0">
+        <a:defRPr b="0" baseline="0" cap="none" i="0" spc="0" strike="noStrike" sz="1200" u="none">
           <a:solidFill>
             <a:schemeClr val="tx1"/>
           </a:solidFill>
@@ -2986,7 +2630,7 @@
           <a:sym typeface="Calibri"/>
         </a:defRPr>
       </a:lvl5pPr>
-      <a:lvl6pPr marL="0" marR="0" indent="2286000" algn="r" defTabSz="914400" rtl="0" latinLnBrk="0">
+      <a:lvl6pPr marL="0" marR="0" indent="0" algn="r" defTabSz="914400" rtl="0" latinLnBrk="0">
         <a:lnSpc>
           <a:spcPct val="100000"/>
         </a:lnSpc>
@@ -3001,7 +2645,7 @@
         <a:buFontTx/>
         <a:buNone/>
         <a:tabLst/>
-        <a:defRPr sz="1200" b="0" i="0" u="none" strike="noStrike" cap="none" spc="0" baseline="0">
+        <a:defRPr b="0" baseline="0" cap="none" i="0" spc="0" strike="noStrike" sz="1200" u="none">
           <a:solidFill>
             <a:schemeClr val="tx1"/>
           </a:solidFill>
@@ -3012,7 +2656,7 @@
           <a:sym typeface="Calibri"/>
         </a:defRPr>
       </a:lvl6pPr>
-      <a:lvl7pPr marL="0" marR="0" indent="2743200" algn="r" defTabSz="914400" rtl="0" latinLnBrk="0">
+      <a:lvl7pPr marL="0" marR="0" indent="0" algn="r" defTabSz="914400" rtl="0" latinLnBrk="0">
         <a:lnSpc>
           <a:spcPct val="100000"/>
         </a:lnSpc>
@@ -3027,7 +2671,7 @@
         <a:buFontTx/>
         <a:buNone/>
         <a:tabLst/>
-        <a:defRPr sz="1200" b="0" i="0" u="none" strike="noStrike" cap="none" spc="0" baseline="0">
+        <a:defRPr b="0" baseline="0" cap="none" i="0" spc="0" strike="noStrike" sz="1200" u="none">
           <a:solidFill>
             <a:schemeClr val="tx1"/>
           </a:solidFill>
@@ -3038,7 +2682,7 @@
           <a:sym typeface="Calibri"/>
         </a:defRPr>
       </a:lvl7pPr>
-      <a:lvl8pPr marL="0" marR="0" indent="3200400" algn="r" defTabSz="914400" rtl="0" latinLnBrk="0">
+      <a:lvl8pPr marL="0" marR="0" indent="0" algn="r" defTabSz="914400" rtl="0" latinLnBrk="0">
         <a:lnSpc>
           <a:spcPct val="100000"/>
         </a:lnSpc>
@@ -3053,7 +2697,7 @@
         <a:buFontTx/>
         <a:buNone/>
         <a:tabLst/>
-        <a:defRPr sz="1200" b="0" i="0" u="none" strike="noStrike" cap="none" spc="0" baseline="0">
+        <a:defRPr b="0" baseline="0" cap="none" i="0" spc="0" strike="noStrike" sz="1200" u="none">
           <a:solidFill>
             <a:schemeClr val="tx1"/>
           </a:solidFill>
@@ -3064,7 +2708,7 @@
           <a:sym typeface="Calibri"/>
         </a:defRPr>
       </a:lvl8pPr>
-      <a:lvl9pPr marL="0" marR="0" indent="3657600" algn="r" defTabSz="914400" rtl="0" latinLnBrk="0">
+      <a:lvl9pPr marL="0" marR="0" indent="0" algn="r" defTabSz="914400" rtl="0" latinLnBrk="0">
         <a:lnSpc>
           <a:spcPct val="100000"/>
         </a:lnSpc>
@@ -3079,7 +2723,7 @@
         <a:buFontTx/>
         <a:buNone/>
         <a:tabLst/>
-        <a:defRPr sz="1200" b="0" i="0" u="none" strike="noStrike" cap="none" spc="0" baseline="0">
+        <a:defRPr b="0" baseline="0" cap="none" i="0" spc="0" strike="noStrike" sz="1200" u="none">
           <a:solidFill>
             <a:schemeClr val="tx1"/>
           </a:solidFill>
@@ -3096,7 +2740,7 @@
 </file>
 
 <file path=ppt/slides/slide1.xml><?xml version="1.0" encoding="utf-8"?>
-<p:sld xmlns:a="http://schemas.openxmlformats.org/drawingml/2006/main" xmlns:r="http://schemas.openxmlformats.org/officeDocument/2006/relationships" xmlns:p="http://schemas.openxmlformats.org/presentationml/2006/main">
+<p:sld xmlns:a="http://schemas.openxmlformats.org/drawingml/2006/main" xmlns:r="http://schemas.openxmlformats.org/officeDocument/2006/relationships" xmlns:p="http://schemas.openxmlformats.org/presentationml/2006/main" xmlns:m="http://schemas.openxmlformats.org/officeDocument/2006/math" xmlns:a14="http://schemas.microsoft.com/office/drawing/2010/main" showMasterSp="1" showMasterPhAnim="1">
   <p:cSld>
     <p:spTree>
       <p:nvGrpSpPr>
@@ -3114,42 +2758,42 @@
       </p:grpSpPr>
       <p:grpSp>
         <p:nvGrpSpPr>
-          <p:cNvPr id="127" name="组合 3"/>
+          <p:cNvPr id="109" name="组合 3"/>
           <p:cNvGrpSpPr/>
           <p:nvPr/>
         </p:nvGrpSpPr>
         <p:grpSpPr>
           <a:xfrm>
-            <a:off x="-12700" y="3"/>
-            <a:ext cx="12204700" cy="533399"/>
-            <a:chOff x="-12700" y="2"/>
-            <a:chExt cx="12204700" cy="533398"/>
+            <a:off x="-12701" y="-275"/>
+            <a:ext cx="12217401" cy="533956"/>
+            <a:chOff x="0" y="0"/>
+            <a:chExt cx="12217400" cy="533955"/>
           </a:xfrm>
         </p:grpSpPr>
         <p:grpSp>
           <p:nvGrpSpPr>
-            <p:cNvPr id="123" name="矩形 4"/>
+            <p:cNvPr id="105" name="矩形 4"/>
             <p:cNvGrpSpPr/>
             <p:nvPr/>
           </p:nvGrpSpPr>
           <p:grpSpPr>
             <a:xfrm>
-              <a:off x="-12700" y="2"/>
-              <a:ext cx="12192000" cy="496187"/>
-              <a:chOff x="0" y="1"/>
-              <a:chExt cx="12192000" cy="496185"/>
+              <a:off x="-1" y="-1"/>
+              <a:ext cx="12204688" cy="496707"/>
+              <a:chOff x="0" y="0"/>
+              <a:chExt cx="12204686" cy="496705"/>
             </a:xfrm>
           </p:grpSpPr>
           <p:sp>
             <p:nvSpPr>
-              <p:cNvPr id="121" name="矩形"/>
+              <p:cNvPr id="103" name="矩形"/>
               <p:cNvSpPr/>
               <p:nvPr/>
             </p:nvSpPr>
             <p:spPr>
               <a:xfrm>
-                <a:off x="0" y="1"/>
-                <a:ext cx="12192000" cy="496187"/>
+                <a:off x="0" y="-1"/>
+                <a:ext cx="12204687" cy="496707"/>
               </a:xfrm>
               <a:prstGeom prst="rect">
                 <a:avLst/>
@@ -3164,7 +2808,7 @@
               <a:effectLst/>
             </p:spPr>
             <p:txBody>
-              <a:bodyPr wrap="square" lIns="45719" tIns="45719" rIns="45719" bIns="45719" numCol="1" anchor="ctr">
+              <a:bodyPr wrap="square" lIns="45718" tIns="45718" rIns="45718" bIns="45718" numCol="1" anchor="ctr">
                 <a:noAutofit/>
               </a:bodyPr>
               <a:lstStyle/>
@@ -3180,20 +2824,19 @@
                     <a:sym typeface="SimSun"/>
                   </a:defRPr>
                 </a:pPr>
-                <a:endParaRPr/>
               </a:p>
             </p:txBody>
           </p:sp>
           <p:sp>
             <p:nvSpPr>
-              <p:cNvPr id="122" name="3 .2 数据分析框架-时间时距模式分析"/>
+              <p:cNvPr id="104" name="3 .2 数据分析框架-时间时距模式分析"/>
               <p:cNvSpPr txBox="1"/>
               <p:nvPr/>
             </p:nvSpPr>
             <p:spPr>
               <a:xfrm>
-                <a:off x="45719" y="73879"/>
-                <a:ext cx="12100561" cy="348430"/>
+                <a:off x="45766" y="73955"/>
+                <a:ext cx="12113154" cy="348790"/>
               </a:xfrm>
               <a:prstGeom prst="rect">
                 <a:avLst/>
@@ -3206,13 +2849,13 @@
               <a:effectLst/>
               <a:extLst>
                 <a:ext uri="{C572A759-6A51-4108-AA02-DFA0A04FC94B}">
-                  <ma14:wrappingTextBoxFlag xmlns:ma14="http://schemas.microsoft.com/office/mac/drawingml/2011/main" xmlns:a14="http://schemas.microsoft.com/office/drawing/2010/main" xmlns:m="http://schemas.openxmlformats.org/officeDocument/2006/math" xmlns="" val="1"/>
+                  <ma14:wrappingTextBoxFlag xmlns:ma14="http://schemas.microsoft.com/office/mac/drawingml/2011/main" val="1"/>
                 </a:ext>
               </a:extLst>
             </p:spPr>
             <p:txBody>
-              <a:bodyPr wrap="square" lIns="45719" tIns="45719" rIns="45719" bIns="45719" numCol="1" anchor="ctr">
-                <a:spAutoFit/>
+              <a:bodyPr wrap="square" lIns="45718" tIns="45718" rIns="45718" bIns="45718" numCol="1" anchor="ctr">
+                <a:noAutofit/>
               </a:bodyPr>
               <a:lstStyle/>
               <a:p>
@@ -3245,22 +2888,24 @@
         </p:grpSp>
         <p:pic>
           <p:nvPicPr>
-            <p:cNvPr id="124" name="Picture 2" descr="Picture 2"/>
+            <p:cNvPr id="106" name="Picture 2" descr="Picture 2"/>
             <p:cNvPicPr>
               <a:picLocks noChangeAspect="1"/>
             </p:cNvPicPr>
             <p:nvPr/>
           </p:nvPicPr>
           <p:blipFill>
-            <a:blip r:embed="rId2"/>
+            <a:blip r:embed="rId2">
+              <a:extLst/>
+            </a:blip>
             <a:stretch>
               <a:fillRect/>
             </a:stretch>
           </p:blipFill>
           <p:spPr>
             <a:xfrm>
-              <a:off x="179293" y="68226"/>
-              <a:ext cx="2294965" cy="359737"/>
+              <a:off x="192192" y="68295"/>
+              <a:ext cx="2297354" cy="360113"/>
             </a:xfrm>
             <a:prstGeom prst="rect">
               <a:avLst/>
@@ -3274,22 +2919,24 @@
         </p:pic>
         <p:pic>
           <p:nvPicPr>
-            <p:cNvPr id="125" name="Picture 4" descr="Picture 4"/>
+            <p:cNvPr id="107" name="Picture 4" descr="Picture 4"/>
             <p:cNvPicPr>
               <a:picLocks noChangeAspect="1"/>
             </p:cNvPicPr>
             <p:nvPr/>
           </p:nvPicPr>
           <p:blipFill>
-            <a:blip r:embed="rId3"/>
+            <a:blip r:embed="rId3">
+              <a:extLst/>
+            </a:blip>
             <a:stretch>
               <a:fillRect/>
             </a:stretch>
           </p:blipFill>
           <p:spPr>
             <a:xfrm>
-              <a:off x="9464488" y="68226"/>
-              <a:ext cx="2548219" cy="271915"/>
+              <a:off x="9487049" y="68295"/>
+              <a:ext cx="2550872" cy="272199"/>
             </a:xfrm>
             <a:prstGeom prst="rect">
               <a:avLst/>
@@ -3303,14 +2950,14 @@
         </p:pic>
         <p:sp>
           <p:nvSpPr>
-            <p:cNvPr id="126" name="矩形 7"/>
+            <p:cNvPr id="108" name="矩形 7"/>
             <p:cNvSpPr/>
             <p:nvPr/>
           </p:nvSpPr>
           <p:spPr>
             <a:xfrm>
-              <a:off x="0" y="496187"/>
-              <a:ext cx="12192000" cy="37214"/>
+              <a:off x="12713" y="496702"/>
+              <a:ext cx="12204687" cy="37253"/>
             </a:xfrm>
             <a:prstGeom prst="rect">
               <a:avLst/>
@@ -3325,7 +2972,7 @@
             <a:effectLst/>
           </p:spPr>
           <p:txBody>
-            <a:bodyPr wrap="square" lIns="45719" tIns="45719" rIns="45719" bIns="45719" numCol="1" anchor="ctr">
+            <a:bodyPr wrap="square" lIns="45718" tIns="45718" rIns="45718" bIns="45718" numCol="1" anchor="ctr">
               <a:noAutofit/>
             </a:bodyPr>
             <a:lstStyle/>
@@ -3341,21 +2988,20 @@
                   <a:sym typeface="SimSun"/>
                 </a:defRPr>
               </a:pPr>
-              <a:endParaRPr/>
             </a:p>
           </p:txBody>
         </p:sp>
       </p:grpSp>
       <p:sp>
         <p:nvSpPr>
-          <p:cNvPr id="128" name="矩形"/>
+          <p:cNvPr id="110" name="矩形"/>
           <p:cNvSpPr/>
           <p:nvPr/>
         </p:nvSpPr>
         <p:spPr>
           <a:xfrm>
-            <a:off x="67938" y="4635380"/>
-            <a:ext cx="12056125" cy="2137746"/>
+            <a:off x="6676767" y="685342"/>
+            <a:ext cx="5393832" cy="5888894"/>
           </a:xfrm>
           <a:prstGeom prst="rect">
             <a:avLst/>
@@ -3368,7 +3014,7 @@
           </a:ln>
         </p:spPr>
         <p:txBody>
-          <a:bodyPr lIns="45719" rIns="45719" anchor="ctr"/>
+          <a:bodyPr lIns="45718" tIns="45718" rIns="45718" bIns="45718" anchor="ctr"/>
           <a:lstStyle/>
           <a:p>
             <a:pPr>
@@ -3376,59 +3022,98 @@
                 <a:solidFill>
                   <a:srgbClr val="FFFFFF"/>
                 </a:solidFill>
+                <a:latin typeface="Calibri"/>
+                <a:ea typeface="Calibri"/>
+                <a:cs typeface="Calibri"/>
+                <a:sym typeface="Calibri"/>
               </a:defRPr>
             </a:pPr>
-            <a:endParaRPr/>
           </a:p>
         </p:txBody>
       </p:sp>
       <p:grpSp>
         <p:nvGrpSpPr>
-          <p:cNvPr id="136" name="成组"/>
+          <p:cNvPr id="115" name="成组"/>
           <p:cNvGrpSpPr/>
           <p:nvPr/>
         </p:nvGrpSpPr>
         <p:grpSpPr>
           <a:xfrm>
-            <a:off x="6626499" y="572570"/>
-            <a:ext cx="5491411" cy="3871978"/>
+            <a:off x="96471" y="4139601"/>
+            <a:ext cx="6402775" cy="1597458"/>
             <a:chOff x="0" y="0"/>
-            <a:chExt cx="5491410" cy="3871976"/>
+            <a:chExt cx="6402773" cy="1597456"/>
           </a:xfrm>
         </p:grpSpPr>
         <p:grpSp>
           <p:nvGrpSpPr>
-            <p:cNvPr id="131" name="成组"/>
+            <p:cNvPr id="113" name="成组"/>
             <p:cNvGrpSpPr/>
             <p:nvPr/>
           </p:nvGrpSpPr>
           <p:grpSpPr>
             <a:xfrm>
-              <a:off x="6524" y="2271045"/>
-              <a:ext cx="5478362" cy="1600932"/>
+              <a:off x="0" y="0"/>
+              <a:ext cx="6402774" cy="1597457"/>
               <a:chOff x="0" y="0"/>
-              <a:chExt cx="5478360" cy="1600931"/>
+              <a:chExt cx="6402773" cy="1597456"/>
             </a:xfrm>
           </p:grpSpPr>
           <p:sp>
             <p:nvSpPr>
-              <p:cNvPr id="129" name="3. 使用半正矢公式计算得每段子轨迹的长度再累加得总轨迹长度"/>
+              <p:cNvPr id="111" name="矩形"/>
               <p:cNvSpPr/>
               <p:nvPr/>
             </p:nvSpPr>
             <p:spPr>
               <a:xfrm>
                 <a:off x="0" y="0"/>
-                <a:ext cx="5478361" cy="1600932"/>
+                <a:ext cx="6402774" cy="1597457"/>
               </a:xfrm>
               <a:prstGeom prst="rect">
                 <a:avLst/>
               </a:prstGeom>
               <a:solidFill>
-                <a:srgbClr val="2E75B6">
-                  <a:alpha val="60000"/>
-                </a:srgbClr>
+                <a:srgbClr val="C0C0C0"/>
               </a:solidFill>
+              <a:ln w="12700" cap="flat">
+                <a:noFill/>
+                <a:miter lim="400000"/>
+              </a:ln>
+              <a:effectLst/>
+            </p:spPr>
+            <p:txBody>
+              <a:bodyPr wrap="square" lIns="45718" tIns="45718" rIns="45718" bIns="45718" numCol="1" anchor="t">
+                <a:noAutofit/>
+              </a:bodyPr>
+              <a:lstStyle/>
+              <a:p>
+                <a:pPr>
+                  <a:defRPr sz="2400">
+                    <a:latin typeface="SimSun"/>
+                    <a:ea typeface="SimSun"/>
+                    <a:cs typeface="SimSun"/>
+                    <a:sym typeface="SimSun"/>
+                  </a:defRPr>
+                </a:pPr>
+              </a:p>
+            </p:txBody>
+          </p:sp>
+          <p:sp>
+            <p:nvSpPr>
+              <p:cNvPr id="112" name="1.3. 使用半正矢公式计算得每段子轨迹的长度再累加得总轨迹长度"/>
+              <p:cNvSpPr txBox="1"/>
+              <p:nvPr/>
+            </p:nvSpPr>
+            <p:spPr>
+              <a:xfrm>
+                <a:off x="0" y="0"/>
+                <a:ext cx="6402774" cy="699516"/>
+              </a:xfrm>
+              <a:prstGeom prst="rect">
+                <a:avLst/>
+              </a:prstGeom>
+              <a:noFill/>
               <a:ln w="12700" cap="flat">
                 <a:noFill/>
                 <a:miter lim="400000"/>
@@ -3436,12 +3121,12 @@
               <a:effectLst/>
               <a:extLst>
                 <a:ext uri="{C572A759-6A51-4108-AA02-DFA0A04FC94B}">
-                  <ma14:wrappingTextBoxFlag xmlns:ma14="http://schemas.microsoft.com/office/mac/drawingml/2011/main" xmlns:a14="http://schemas.microsoft.com/office/drawing/2010/main" xmlns:m="http://schemas.openxmlformats.org/officeDocument/2006/math" xmlns="" val="1"/>
+                  <ma14:wrappingTextBoxFlag xmlns:ma14="http://schemas.microsoft.com/office/mac/drawingml/2011/main" val="1"/>
                 </a:ext>
               </a:extLst>
             </p:spPr>
             <p:txBody>
-              <a:bodyPr wrap="square" lIns="45719" tIns="45719" rIns="45719" bIns="45719" numCol="1" anchor="t">
+              <a:bodyPr wrap="square" lIns="45718" tIns="45718" rIns="45718" bIns="45718" numCol="1" anchor="t">
                 <a:noAutofit/>
               </a:bodyPr>
               <a:lstStyle>
@@ -3455,72 +3140,128 @@
                 </a:lvl1pPr>
               </a:lstStyle>
               <a:p>
+                <a:pPr/>
                 <a:r>
-                  <a:t>3. 使用半正矢公式计算得每段子轨迹的长度再累加得总轨迹长度</a:t>
+                  <a:t>1.3. 使用半正矢公式计算得每段子轨迹的长度再累加得总轨迹长度</a:t>
                 </a:r>
               </a:p>
             </p:txBody>
           </p:sp>
-          <p:pic>
-            <p:nvPicPr>
-              <p:cNvPr id="130" name="截屏2024-05-27 20.59.15.png" descr="截屏2024-05-27 20.59.15.png"/>
-              <p:cNvPicPr>
-                <a:picLocks noChangeAspect="1"/>
-              </p:cNvPicPr>
-              <p:nvPr/>
-            </p:nvPicPr>
-            <p:blipFill>
-              <a:blip r:embed="rId4"/>
-              <a:stretch>
-                <a:fillRect/>
-              </a:stretch>
-            </p:blipFill>
-            <p:spPr>
-              <a:xfrm>
-                <a:off x="35180" y="841644"/>
-                <a:ext cx="5408001" cy="676001"/>
-              </a:xfrm>
-              <a:prstGeom prst="rect">
-                <a:avLst/>
-              </a:prstGeom>
-              <a:ln w="12700" cap="flat">
-                <a:noFill/>
-                <a:miter lim="400000"/>
-              </a:ln>
-              <a:effectLst/>
-            </p:spPr>
-          </p:pic>
         </p:grpSp>
+        <p:pic>
+          <p:nvPicPr>
+            <p:cNvPr id="114" name="截屏2024-05-27 20.59.15.png" descr="截屏2024-05-27 20.59.15.png"/>
+            <p:cNvPicPr>
+              <a:picLocks noChangeAspect="1"/>
+            </p:cNvPicPr>
+            <p:nvPr/>
+          </p:nvPicPr>
+          <p:blipFill>
+            <a:blip r:embed="rId4">
+              <a:extLst/>
+            </a:blip>
+            <a:stretch>
+              <a:fillRect/>
+            </a:stretch>
+          </p:blipFill>
+          <p:spPr>
+            <a:xfrm>
+              <a:off x="38905" y="745614"/>
+              <a:ext cx="6324964" cy="790623"/>
+            </a:xfrm>
+            <a:prstGeom prst="rect">
+              <a:avLst/>
+            </a:prstGeom>
+            <a:ln w="12700" cap="flat">
+              <a:noFill/>
+              <a:miter lim="400000"/>
+            </a:ln>
+            <a:effectLst/>
+          </p:spPr>
+        </p:pic>
+      </p:grpSp>
+      <p:grpSp>
+        <p:nvGrpSpPr>
+          <p:cNvPr id="118" name="成组"/>
+          <p:cNvGrpSpPr/>
+          <p:nvPr/>
+        </p:nvGrpSpPr>
+        <p:grpSpPr>
+          <a:xfrm>
+            <a:off x="96471" y="1610243"/>
+            <a:ext cx="6402775" cy="1063344"/>
+            <a:chOff x="0" y="0"/>
+            <a:chExt cx="6402774" cy="1063342"/>
+          </a:xfrm>
+        </p:grpSpPr>
         <p:sp>
           <p:nvSpPr>
-            <p:cNvPr id="132" name="1.认为地球是一个半径为 r 的球体使用经度（lon） 纬度（lat）表示点位…"/>
+            <p:cNvPr id="116" name="矩形"/>
             <p:cNvSpPr/>
             <p:nvPr/>
           </p:nvSpPr>
           <p:spPr>
             <a:xfrm>
               <a:off x="0" y="0"/>
-              <a:ext cx="5491411" cy="1005981"/>
+              <a:ext cx="6402775" cy="1063343"/>
             </a:xfrm>
             <a:prstGeom prst="rect">
               <a:avLst/>
             </a:prstGeom>
             <a:solidFill>
-              <a:srgbClr val="BDD7EE"/>
+              <a:srgbClr val="EBEBEB"/>
             </a:solidFill>
             <a:ln w="12700" cap="flat">
               <a:noFill/>
               <a:miter lim="400000"/>
             </a:ln>
             <a:effectLst/>
+          </p:spPr>
+          <p:txBody>
+            <a:bodyPr wrap="square" lIns="45718" tIns="45718" rIns="45718" bIns="45718" numCol="1" anchor="ctr">
+              <a:noAutofit/>
+            </a:bodyPr>
+            <a:lstStyle/>
+            <a:p>
+              <a:pPr>
+                <a:defRPr>
+                  <a:latin typeface="SimSun"/>
+                  <a:ea typeface="SimSun"/>
+                  <a:cs typeface="SimSun"/>
+                  <a:sym typeface="SimSun"/>
+                </a:defRPr>
+              </a:pPr>
+            </a:p>
+          </p:txBody>
+        </p:sp>
+        <p:sp>
+          <p:nvSpPr>
+            <p:cNvPr id="117" name="1.1.认为地球是一个半径为 r 的球体，使用经度（lon） 纬度（lat）表示点位…"/>
+            <p:cNvSpPr txBox="1"/>
+            <p:nvPr/>
+          </p:nvSpPr>
+          <p:spPr>
+            <a:xfrm>
+              <a:off x="0" y="40348"/>
+              <a:ext cx="6402775" cy="982647"/>
+            </a:xfrm>
+            <a:prstGeom prst="rect">
+              <a:avLst/>
+            </a:prstGeom>
+            <a:noFill/>
+            <a:ln w="12700" cap="flat">
+              <a:noFill/>
+              <a:miter lim="400000"/>
+            </a:ln>
+            <a:effectLst/>
             <a:extLst>
               <a:ext uri="{C572A759-6A51-4108-AA02-DFA0A04FC94B}">
-                <ma14:wrappingTextBoxFlag xmlns:ma14="http://schemas.microsoft.com/office/mac/drawingml/2011/main" xmlns:a14="http://schemas.microsoft.com/office/drawing/2010/main" xmlns:m="http://schemas.openxmlformats.org/officeDocument/2006/math" xmlns="" val="1"/>
+                <ma14:wrappingTextBoxFlag xmlns:ma14="http://schemas.microsoft.com/office/mac/drawingml/2011/main" val="1"/>
               </a:ext>
             </a:extLst>
           </p:spPr>
           <p:txBody>
-            <a:bodyPr wrap="square" lIns="45719" tIns="45719" rIns="45719" bIns="45719" numCol="1" anchor="ctr">
+            <a:bodyPr wrap="square" lIns="45718" tIns="45718" rIns="45718" bIns="45718" numCol="1" anchor="ctr">
               <a:noAutofit/>
             </a:bodyPr>
             <a:lstStyle/>
@@ -3534,7 +3275,7 @@
                 </a:defRPr>
               </a:pPr>
               <a:r>
-                <a:t>1.认为地球是一个半径为 r 的球体使用经度（lon） 纬度（lat）表示点位</a:t>
+                <a:t>1.1.认为地球是一个半径为 r 的球体，使用经度（lon） 纬度（lat）表示点位</a:t>
               </a:r>
             </a:p>
             <a:p>
@@ -3552,255 +3293,379 @@
             </a:p>
           </p:txBody>
         </p:sp>
-        <p:grpSp>
-          <p:nvGrpSpPr>
-            <p:cNvPr id="135" name="成组"/>
-            <p:cNvGrpSpPr/>
+      </p:grpSp>
+      <p:grpSp>
+        <p:nvGrpSpPr>
+          <p:cNvPr id="122" name="成组"/>
+          <p:cNvGrpSpPr/>
+          <p:nvPr/>
+        </p:nvGrpSpPr>
+        <p:grpSpPr>
+          <a:xfrm>
+            <a:off x="96471" y="2771500"/>
+            <a:ext cx="6402775" cy="1270189"/>
+            <a:chOff x="0" y="0"/>
+            <a:chExt cx="6402773" cy="1270188"/>
+          </a:xfrm>
+        </p:grpSpPr>
+        <p:sp>
+          <p:nvSpPr>
+            <p:cNvPr id="119" name="矩形"/>
+            <p:cNvSpPr/>
             <p:nvPr/>
-          </p:nvGrpSpPr>
-          <p:grpSpPr>
+          </p:nvSpPr>
+          <p:spPr>
             <a:xfrm>
-              <a:off x="0" y="1045150"/>
-              <a:ext cx="5491411" cy="1186727"/>
-              <a:chOff x="0" y="0"/>
-              <a:chExt cx="5491410" cy="1186726"/>
+              <a:off x="0" y="0"/>
+              <a:ext cx="6402774" cy="1270189"/>
             </a:xfrm>
-          </p:grpSpPr>
-          <p:sp>
-            <p:nvSpPr>
-              <p:cNvPr id="133" name="2.有序骑行轨迹（List）： n 个点组成的列表（经过预处理）"/>
-              <p:cNvSpPr/>
-              <p:nvPr/>
-            </p:nvSpPr>
-            <p:spPr>
-              <a:xfrm>
-                <a:off x="0" y="0"/>
-                <a:ext cx="5491411" cy="1186727"/>
-              </a:xfrm>
-              <a:prstGeom prst="rect">
-                <a:avLst/>
-              </a:prstGeom>
-              <a:solidFill>
-                <a:srgbClr val="9DC3E6"/>
-              </a:solidFill>
-              <a:ln w="12700" cap="flat">
-                <a:noFill/>
-                <a:miter lim="400000"/>
-              </a:ln>
-              <a:effectLst/>
-              <a:extLst>
-                <a:ext uri="{C572A759-6A51-4108-AA02-DFA0A04FC94B}">
-                  <ma14:wrappingTextBoxFlag xmlns:ma14="http://schemas.microsoft.com/office/mac/drawingml/2011/main" xmlns:a14="http://schemas.microsoft.com/office/drawing/2010/main" xmlns:m="http://schemas.openxmlformats.org/officeDocument/2006/math" xmlns="" val="1"/>
-                </a:ext>
-              </a:extLst>
-            </p:spPr>
-            <p:txBody>
-              <a:bodyPr wrap="square" lIns="45719" tIns="45719" rIns="45719" bIns="45719" numCol="1" anchor="t">
-                <a:noAutofit/>
-              </a:bodyPr>
-              <a:lstStyle>
-                <a:lvl1pPr>
-                  <a:defRPr sz="2400">
-                    <a:latin typeface="SimSun"/>
-                    <a:ea typeface="SimSun"/>
-                    <a:cs typeface="SimSun"/>
-                    <a:sym typeface="SimSun"/>
-                  </a:defRPr>
-                </a:lvl1pPr>
-              </a:lstStyle>
-              <a:p>
-                <a:r>
-                  <a:t>2.有序骑行轨迹（List）： n 个点组成的列表（经过预处理）</a:t>
-                </a:r>
-              </a:p>
-            </p:txBody>
-          </p:sp>
-          <p:pic>
-            <p:nvPicPr>
-              <p:cNvPr id="134" name="已粘贴的影片.png" descr="已粘贴的影片.png"/>
-              <p:cNvPicPr>
-                <a:picLocks noChangeAspect="1"/>
-              </p:cNvPicPr>
-              <p:nvPr/>
-            </p:nvPicPr>
-            <p:blipFill>
-              <a:blip r:embed="rId5"/>
-              <a:stretch>
-                <a:fillRect/>
-              </a:stretch>
-            </p:blipFill>
-            <p:spPr>
-              <a:xfrm>
-                <a:off x="41705" y="701218"/>
-                <a:ext cx="5408000" cy="430345"/>
-              </a:xfrm>
-              <a:prstGeom prst="rect">
-                <a:avLst/>
-              </a:prstGeom>
-              <a:ln w="12700" cap="flat">
-                <a:noFill/>
-                <a:miter lim="400000"/>
-              </a:ln>
-              <a:effectLst/>
-            </p:spPr>
-          </p:pic>
-        </p:grpSp>
+            <a:prstGeom prst="rect">
+              <a:avLst/>
+            </a:prstGeom>
+            <a:solidFill>
+              <a:srgbClr val="D6D6D6"/>
+            </a:solidFill>
+            <a:ln w="12700" cap="flat">
+              <a:noFill/>
+              <a:miter lim="400000"/>
+            </a:ln>
+            <a:effectLst/>
+          </p:spPr>
+          <p:txBody>
+            <a:bodyPr wrap="square" lIns="45718" tIns="45718" rIns="45718" bIns="45718" numCol="1" anchor="t">
+              <a:noAutofit/>
+            </a:bodyPr>
+            <a:lstStyle/>
+            <a:p>
+              <a:pPr>
+                <a:defRPr sz="2400">
+                  <a:latin typeface="SimSun"/>
+                  <a:ea typeface="SimSun"/>
+                  <a:cs typeface="SimSun"/>
+                  <a:sym typeface="SimSun"/>
+                </a:defRPr>
+              </a:pPr>
+            </a:p>
+          </p:txBody>
+        </p:sp>
+        <p:sp>
+          <p:nvSpPr>
+            <p:cNvPr id="120" name="1.2.有序骑行轨迹（List）： n 个点组成的列表（经过预处理）"/>
+            <p:cNvSpPr txBox="1"/>
+            <p:nvPr/>
+          </p:nvSpPr>
+          <p:spPr>
+            <a:xfrm>
+              <a:off x="0" y="0"/>
+              <a:ext cx="6402774" cy="750341"/>
+            </a:xfrm>
+            <a:prstGeom prst="rect">
+              <a:avLst/>
+            </a:prstGeom>
+            <a:noFill/>
+            <a:ln w="12700" cap="flat">
+              <a:noFill/>
+              <a:miter lim="400000"/>
+            </a:ln>
+            <a:effectLst/>
+            <a:extLst>
+              <a:ext uri="{C572A759-6A51-4108-AA02-DFA0A04FC94B}">
+                <ma14:wrappingTextBoxFlag xmlns:ma14="http://schemas.microsoft.com/office/mac/drawingml/2011/main" val="1"/>
+              </a:ext>
+            </a:extLst>
+          </p:spPr>
+          <p:txBody>
+            <a:bodyPr wrap="square" lIns="45718" tIns="45718" rIns="45718" bIns="45718" numCol="1" anchor="t">
+              <a:noAutofit/>
+            </a:bodyPr>
+            <a:lstStyle>
+              <a:lvl1pPr>
+                <a:defRPr sz="2400">
+                  <a:latin typeface="SimSun"/>
+                  <a:ea typeface="SimSun"/>
+                  <a:cs typeface="SimSun"/>
+                  <a:sym typeface="SimSun"/>
+                </a:defRPr>
+              </a:lvl1pPr>
+            </a:lstStyle>
+            <a:p>
+              <a:pPr/>
+              <a:r>
+                <a:t>1.2.有序骑行轨迹（List）： n 个点组成的列表（经过预处理）</a:t>
+              </a:r>
+            </a:p>
+          </p:txBody>
+        </p:sp>
+        <p:pic>
+          <p:nvPicPr>
+            <p:cNvPr id="121" name="已粘贴的影片.png" descr="已粘贴的影片.png"/>
+            <p:cNvPicPr>
+              <a:picLocks noChangeAspect="1"/>
+            </p:cNvPicPr>
+            <p:nvPr/>
+          </p:nvPicPr>
+          <p:blipFill>
+            <a:blip r:embed="rId5">
+              <a:extLst/>
+            </a:blip>
+            <a:stretch>
+              <a:fillRect/>
+            </a:stretch>
+          </p:blipFill>
+          <p:spPr>
+            <a:xfrm>
+              <a:off x="74433" y="711456"/>
+              <a:ext cx="6253908" cy="497660"/>
+            </a:xfrm>
+            <a:prstGeom prst="rect">
+              <a:avLst/>
+            </a:prstGeom>
+            <a:ln w="12700" cap="flat">
+              <a:noFill/>
+              <a:miter lim="400000"/>
+            </a:ln>
+            <a:effectLst/>
+          </p:spPr>
+        </p:pic>
       </p:grpSp>
-      <p:sp>
-        <p:nvSpPr>
-          <p:cNvPr id="137" name="3.最后将每个小时的订单数量除以当前工作日的总订单数量，得到每个小时的订单占比"/>
-          <p:cNvSpPr/>
+      <p:grpSp>
+        <p:nvGrpSpPr>
+          <p:cNvPr id="125" name="成组"/>
+          <p:cNvGrpSpPr/>
           <p:nvPr/>
-        </p:nvSpPr>
-        <p:spPr>
+        </p:nvGrpSpPr>
+        <p:grpSpPr>
           <a:xfrm>
-            <a:off x="96471" y="2521440"/>
-            <a:ext cx="4565366" cy="1042529"/>
+            <a:off x="96470" y="5840681"/>
+            <a:ext cx="6402776" cy="875028"/>
+            <a:chOff x="0" y="0"/>
+            <a:chExt cx="6402774" cy="875027"/>
           </a:xfrm>
-          <a:prstGeom prst="rect">
-            <a:avLst/>
-          </a:prstGeom>
-          <a:solidFill>
-            <a:srgbClr val="2E75B6">
-              <a:alpha val="60000"/>
-            </a:srgbClr>
-          </a:solidFill>
-          <a:ln w="12700">
-            <a:miter lim="400000"/>
-          </a:ln>
-          <a:extLst>
-            <a:ext uri="{C572A759-6A51-4108-AA02-DFA0A04FC94B}">
-              <ma14:wrappingTextBoxFlag xmlns:ma14="http://schemas.microsoft.com/office/mac/drawingml/2011/main" xmlns:a14="http://schemas.microsoft.com/office/drawing/2010/main" xmlns:m="http://schemas.openxmlformats.org/officeDocument/2006/math" xmlns="" val="1"/>
-            </a:ext>
-          </a:extLst>
-        </p:spPr>
-        <p:txBody>
-          <a:bodyPr lIns="45719" rIns="45719"/>
-          <a:lstStyle>
-            <a:lvl1pPr>
-              <a:defRPr sz="2400">
-                <a:latin typeface="SimSun"/>
-                <a:ea typeface="SimSun"/>
-                <a:cs typeface="SimSun"/>
-                <a:sym typeface="SimSun"/>
-              </a:defRPr>
-            </a:lvl1pPr>
-          </a:lstStyle>
-          <a:p>
-            <a:r>
-              <a:t>3.最后将每个小时的订单数量除以当前工作日的总订单数量，得到每个小时的订单占比</a:t>
-            </a:r>
-          </a:p>
-        </p:txBody>
-      </p:sp>
-      <p:sp>
-        <p:nvSpPr>
-          <p:cNvPr id="138" name="2.再对每一个工作日按二十四小时统计每一个小时内的订单数量"/>
-          <p:cNvSpPr/>
+        </p:grpSpPr>
+        <p:sp>
+          <p:nvSpPr>
+            <p:cNvPr id="123" name="矩形"/>
+            <p:cNvSpPr/>
+            <p:nvPr/>
+          </p:nvSpPr>
+          <p:spPr>
+            <a:xfrm>
+              <a:off x="0" y="0"/>
+              <a:ext cx="6402775" cy="875028"/>
+            </a:xfrm>
+            <a:prstGeom prst="rect">
+              <a:avLst/>
+            </a:prstGeom>
+            <a:solidFill>
+              <a:srgbClr val="8DABD0"/>
+            </a:solidFill>
+            <a:ln w="12700" cap="flat">
+              <a:noFill/>
+              <a:miter lim="400000"/>
+            </a:ln>
+            <a:effectLst/>
+          </p:spPr>
+          <p:txBody>
+            <a:bodyPr wrap="square" lIns="45718" tIns="45718" rIns="45718" bIns="45718" numCol="1" anchor="t">
+              <a:noAutofit/>
+            </a:bodyPr>
+            <a:lstStyle/>
+            <a:p>
+              <a:pPr>
+                <a:defRPr sz="2400">
+                  <a:latin typeface="SimSun"/>
+                  <a:ea typeface="SimSun"/>
+                  <a:cs typeface="SimSun"/>
+                  <a:sym typeface="SimSun"/>
+                </a:defRPr>
+              </a:pPr>
+            </a:p>
+          </p:txBody>
+        </p:sp>
+        <p:sp>
+          <p:nvSpPr>
+            <p:cNvPr id="124" name="2.再计算起止时间戳之间的差值，汇总统计为骑行时长直方图"/>
+            <p:cNvSpPr txBox="1"/>
+            <p:nvPr/>
+          </p:nvSpPr>
+          <p:spPr>
+            <a:xfrm>
+              <a:off x="0" y="1"/>
+              <a:ext cx="6402775" cy="805188"/>
+            </a:xfrm>
+            <a:prstGeom prst="rect">
+              <a:avLst/>
+            </a:prstGeom>
+            <a:noFill/>
+            <a:ln w="12700" cap="flat">
+              <a:noFill/>
+              <a:miter lim="400000"/>
+            </a:ln>
+            <a:effectLst/>
+            <a:extLst>
+              <a:ext uri="{C572A759-6A51-4108-AA02-DFA0A04FC94B}">
+                <ma14:wrappingTextBoxFlag xmlns:ma14="http://schemas.microsoft.com/office/mac/drawingml/2011/main" val="1"/>
+              </a:ext>
+            </a:extLst>
+          </p:spPr>
+          <p:txBody>
+            <a:bodyPr wrap="square" lIns="45718" tIns="45718" rIns="45718" bIns="45718" numCol="1" anchor="t">
+              <a:noAutofit/>
+            </a:bodyPr>
+            <a:lstStyle/>
+            <a:p>
+              <a:pPr>
+                <a:defRPr sz="2400">
+                  <a:latin typeface="SimSun"/>
+                  <a:ea typeface="SimSun"/>
+                  <a:cs typeface="SimSun"/>
+                  <a:sym typeface="SimSun"/>
+                </a:defRPr>
+              </a:pPr>
+              <a:r>
+                <a:t>2.再计算起止时间戳之间的差值，汇总统计为骑行</a:t>
+              </a:r>
+              <a:r>
+                <a:rPr>
+                  <a:solidFill>
+                    <a:srgbClr val="FF2600"/>
+                  </a:solidFill>
+                </a:rPr>
+                <a:t>时长直方图</a:t>
+              </a:r>
+            </a:p>
+          </p:txBody>
+        </p:sp>
+      </p:grpSp>
+      <p:grpSp>
+        <p:nvGrpSpPr>
+          <p:cNvPr id="128" name="成组"/>
+          <p:cNvGrpSpPr/>
           <p:nvPr/>
-        </p:nvSpPr>
-        <p:spPr>
+        </p:nvGrpSpPr>
+        <p:grpSpPr>
           <a:xfrm>
-            <a:off x="96471" y="1601692"/>
-            <a:ext cx="4565366" cy="761845"/>
+            <a:off x="96470" y="631593"/>
+            <a:ext cx="6402776" cy="875029"/>
+            <a:chOff x="0" y="0"/>
+            <a:chExt cx="6402774" cy="875027"/>
           </a:xfrm>
-          <a:prstGeom prst="rect">
-            <a:avLst/>
-          </a:prstGeom>
-          <a:solidFill>
-            <a:srgbClr val="9DC3E6"/>
-          </a:solidFill>
-          <a:ln w="12700">
-            <a:miter lim="400000"/>
-          </a:ln>
-          <a:extLst>
-            <a:ext uri="{C572A759-6A51-4108-AA02-DFA0A04FC94B}">
-              <ma14:wrappingTextBoxFlag xmlns:ma14="http://schemas.microsoft.com/office/mac/drawingml/2011/main" xmlns:a14="http://schemas.microsoft.com/office/drawing/2010/main" xmlns:m="http://schemas.openxmlformats.org/officeDocument/2006/math" xmlns="" val="1"/>
-            </a:ext>
-          </a:extLst>
-        </p:spPr>
-        <p:txBody>
-          <a:bodyPr lIns="45719" rIns="45719"/>
-          <a:lstStyle>
-            <a:lvl1pPr>
-              <a:defRPr sz="2400">
-                <a:latin typeface="SimSun"/>
-                <a:ea typeface="SimSun"/>
-                <a:cs typeface="SimSun"/>
-                <a:sym typeface="SimSun"/>
-              </a:defRPr>
-            </a:lvl1pPr>
-          </a:lstStyle>
-          <a:p>
-            <a:r>
-              <a:t>2.再对每一个工作日按二十四小时统计每一个小时内的订单数量</a:t>
-            </a:r>
-          </a:p>
-        </p:txBody>
-      </p:sp>
-      <p:sp>
-        <p:nvSpPr>
-          <p:cNvPr id="139" name="1.首先将骑行数据的开始时间按照工作日分组汇总"/>
-          <p:cNvSpPr/>
-          <p:nvPr/>
-        </p:nvSpPr>
-        <p:spPr>
-          <a:xfrm>
-            <a:off x="96471" y="688185"/>
-            <a:ext cx="4565366" cy="761845"/>
-          </a:xfrm>
-          <a:prstGeom prst="rect">
-            <a:avLst/>
-          </a:prstGeom>
-          <a:solidFill>
-            <a:srgbClr val="C2D6EC"/>
-          </a:solidFill>
-          <a:ln w="12700">
-            <a:miter lim="400000"/>
-          </a:ln>
-          <a:extLst>
-            <a:ext uri="{C572A759-6A51-4108-AA02-DFA0A04FC94B}">
-              <ma14:wrappingTextBoxFlag xmlns:ma14="http://schemas.microsoft.com/office/mac/drawingml/2011/main" xmlns:a14="http://schemas.microsoft.com/office/drawing/2010/main" xmlns:m="http://schemas.openxmlformats.org/officeDocument/2006/math" xmlns="" val="1"/>
-            </a:ext>
-          </a:extLst>
-        </p:spPr>
-        <p:txBody>
-          <a:bodyPr lIns="45719" rIns="45719"/>
-          <a:lstStyle>
-            <a:lvl1pPr>
-              <a:defRPr sz="2400">
-                <a:latin typeface="SimSun"/>
-                <a:ea typeface="SimSun"/>
-                <a:cs typeface="SimSun"/>
-                <a:sym typeface="SimSun"/>
-              </a:defRPr>
-            </a:lvl1pPr>
-          </a:lstStyle>
-          <a:p>
-            <a:r>
-              <a:t>1.首先将骑行数据的开始时间按照工作日分组汇总</a:t>
-            </a:r>
-          </a:p>
-        </p:txBody>
-      </p:sp>
+        </p:grpSpPr>
+        <p:sp>
+          <p:nvSpPr>
+            <p:cNvPr id="126" name="矩形"/>
+            <p:cNvSpPr/>
+            <p:nvPr/>
+          </p:nvSpPr>
+          <p:spPr>
+            <a:xfrm>
+              <a:off x="0" y="0"/>
+              <a:ext cx="6402775" cy="875028"/>
+            </a:xfrm>
+            <a:prstGeom prst="rect">
+              <a:avLst/>
+            </a:prstGeom>
+            <a:solidFill>
+              <a:srgbClr val="C2D6EC"/>
+            </a:solidFill>
+            <a:ln w="12700" cap="flat">
+              <a:noFill/>
+              <a:miter lim="400000"/>
+            </a:ln>
+            <a:effectLst/>
+          </p:spPr>
+          <p:txBody>
+            <a:bodyPr wrap="square" lIns="45718" tIns="45718" rIns="45718" bIns="45718" numCol="1" anchor="t">
+              <a:noAutofit/>
+            </a:bodyPr>
+            <a:lstStyle/>
+            <a:p>
+              <a:pPr>
+                <a:defRPr sz="2400">
+                  <a:latin typeface="SimSun"/>
+                  <a:ea typeface="SimSun"/>
+                  <a:cs typeface="SimSun"/>
+                  <a:sym typeface="SimSun"/>
+                </a:defRPr>
+              </a:pPr>
+            </a:p>
+          </p:txBody>
+        </p:sp>
+        <p:sp>
+          <p:nvSpPr>
+            <p:cNvPr id="127" name="1.首先使用半正矢公式计算轨迹长度，并汇总统计为距离直方图"/>
+            <p:cNvSpPr txBox="1"/>
+            <p:nvPr/>
+          </p:nvSpPr>
+          <p:spPr>
+            <a:xfrm>
+              <a:off x="0" y="1"/>
+              <a:ext cx="6402775" cy="805188"/>
+            </a:xfrm>
+            <a:prstGeom prst="rect">
+              <a:avLst/>
+            </a:prstGeom>
+            <a:noFill/>
+            <a:ln w="12700" cap="flat">
+              <a:noFill/>
+              <a:miter lim="400000"/>
+            </a:ln>
+            <a:effectLst/>
+            <a:extLst>
+              <a:ext uri="{C572A759-6A51-4108-AA02-DFA0A04FC94B}">
+                <ma14:wrappingTextBoxFlag xmlns:ma14="http://schemas.microsoft.com/office/mac/drawingml/2011/main" val="1"/>
+              </a:ext>
+            </a:extLst>
+          </p:spPr>
+          <p:txBody>
+            <a:bodyPr wrap="square" lIns="45718" tIns="45718" rIns="45718" bIns="45718" numCol="1" anchor="t">
+              <a:noAutofit/>
+            </a:bodyPr>
+            <a:lstStyle/>
+            <a:p>
+              <a:pPr>
+                <a:defRPr sz="2400">
+                  <a:latin typeface="SimSun"/>
+                  <a:ea typeface="SimSun"/>
+                  <a:cs typeface="SimSun"/>
+                  <a:sym typeface="SimSun"/>
+                </a:defRPr>
+              </a:pPr>
+              <a:r>
+                <a:t>1.首先使用半正矢公式计算轨迹长度，并汇总统计为</a:t>
+              </a:r>
+              <a:r>
+                <a:rPr>
+                  <a:solidFill>
+                    <a:srgbClr val="FF2600"/>
+                  </a:solidFill>
+                </a:rPr>
+                <a:t>距离直方图</a:t>
+              </a:r>
+            </a:p>
+          </p:txBody>
+        </p:sp>
+      </p:grpSp>
       <p:pic>
         <p:nvPicPr>
-          <p:cNvPr id="140" name="已粘贴的影片.png" descr="已粘贴的影片.png"/>
+          <p:cNvPr id="129" name="已粘贴的影片.png" descr="已粘贴的影片.png"/>
           <p:cNvPicPr>
             <a:picLocks noChangeAspect="1"/>
           </p:cNvPicPr>
           <p:nvPr/>
         </p:nvPicPr>
         <p:blipFill>
-          <a:blip r:embed="rId6"/>
+          <a:blip r:embed="rId6">
+            <a:extLst/>
+          </a:blip>
           <a:stretch>
             <a:fillRect/>
           </a:stretch>
         </p:blipFill>
         <p:spPr>
           <a:xfrm>
-            <a:off x="153162" y="4934594"/>
-            <a:ext cx="3127818" cy="1645280"/>
+            <a:off x="6816000" y="877223"/>
+            <a:ext cx="5115366" cy="2690761"/>
           </a:xfrm>
           <a:prstGeom prst="rect">
             <a:avLst/>
@@ -3812,49 +3677,24 @@
       </p:pic>
       <p:pic>
         <p:nvPicPr>
-          <p:cNvPr id="141" name="已粘贴的影片.png" descr="已粘贴的影片.png"/>
+          <p:cNvPr id="130" name="已粘贴的影片.png" descr="已粘贴的影片.png"/>
           <p:cNvPicPr>
             <a:picLocks noChangeAspect="1"/>
           </p:cNvPicPr>
           <p:nvPr/>
         </p:nvPicPr>
         <p:blipFill>
-          <a:blip r:embed="rId7"/>
+          <a:blip r:embed="rId7">
+            <a:extLst/>
+          </a:blip>
           <a:stretch>
             <a:fillRect/>
           </a:stretch>
         </p:blipFill>
         <p:spPr>
           <a:xfrm>
-            <a:off x="3414965" y="4926438"/>
-            <a:ext cx="3127818" cy="1661592"/>
-          </a:xfrm>
-          <a:prstGeom prst="rect">
-            <a:avLst/>
-          </a:prstGeom>
-          <a:ln w="12700">
-            <a:miter lim="400000"/>
-          </a:ln>
-        </p:spPr>
-      </p:pic>
-      <p:pic>
-        <p:nvPicPr>
-          <p:cNvPr id="142" name="已粘贴的影片.png" descr="已粘贴的影片.png"/>
-          <p:cNvPicPr>
-            <a:picLocks noChangeAspect="1"/>
-          </p:cNvPicPr>
-          <p:nvPr/>
-        </p:nvPicPr>
-        <p:blipFill>
-          <a:blip r:embed="rId8"/>
-          <a:stretch>
-            <a:fillRect/>
-          </a:stretch>
-        </p:blipFill>
-        <p:spPr>
-          <a:xfrm>
-            <a:off x="6676768" y="4880145"/>
-            <a:ext cx="3370257" cy="1754177"/>
+            <a:off x="6835894" y="3703883"/>
+            <a:ext cx="5075578" cy="2696302"/>
           </a:xfrm>
           <a:prstGeom prst="rect">
             <a:avLst/>
@@ -3869,12 +3709,12 @@
   <p:clrMapOvr>
     <a:masterClrMapping/>
   </p:clrMapOvr>
-  <p:transition spd="med"/>
+  <p:transition xmlns:p14="http://schemas.microsoft.com/office/powerpoint/2010/main" spd="med" advClick="1"/>
 </p:sld>
 </file>
 
 <file path=ppt/slides/slide2.xml><?xml version="1.0" encoding="utf-8"?>
-<p:sld xmlns:a="http://schemas.openxmlformats.org/drawingml/2006/main" xmlns:r="http://schemas.openxmlformats.org/officeDocument/2006/relationships" xmlns:p="http://schemas.openxmlformats.org/presentationml/2006/main">
+<p:sld xmlns:a="http://schemas.openxmlformats.org/drawingml/2006/main" xmlns:r="http://schemas.openxmlformats.org/officeDocument/2006/relationships" xmlns:p="http://schemas.openxmlformats.org/presentationml/2006/main" xmlns:m="http://schemas.openxmlformats.org/officeDocument/2006/math" xmlns:a14="http://schemas.microsoft.com/office/drawing/2010/main" showMasterSp="1" showMasterPhAnim="1">
   <p:cSld>
     <p:spTree>
       <p:nvGrpSpPr>
@@ -3892,42 +3732,42 @@
       </p:grpSpPr>
       <p:grpSp>
         <p:nvGrpSpPr>
-          <p:cNvPr id="127" name="组合 3"/>
+          <p:cNvPr id="138" name="组合 3"/>
           <p:cNvGrpSpPr/>
           <p:nvPr/>
         </p:nvGrpSpPr>
         <p:grpSpPr>
           <a:xfrm>
-            <a:off x="-12700" y="3"/>
-            <a:ext cx="12204700" cy="533400"/>
-            <a:chOff x="-12700" y="2"/>
-            <a:chExt cx="12204700" cy="533399"/>
+            <a:off x="-12701" y="-275"/>
+            <a:ext cx="12217401" cy="533956"/>
+            <a:chOff x="0" y="0"/>
+            <a:chExt cx="12217400" cy="533954"/>
           </a:xfrm>
         </p:grpSpPr>
         <p:grpSp>
           <p:nvGrpSpPr>
-            <p:cNvPr id="123" name="矩形 4"/>
+            <p:cNvPr id="134" name="矩形 4"/>
             <p:cNvGrpSpPr/>
             <p:nvPr/>
           </p:nvGrpSpPr>
           <p:grpSpPr>
             <a:xfrm>
-              <a:off x="-12700" y="2"/>
-              <a:ext cx="12192000" cy="496189"/>
-              <a:chOff x="0" y="1"/>
-              <a:chExt cx="12192000" cy="496187"/>
+              <a:off x="-1" y="0"/>
+              <a:ext cx="12204688" cy="496706"/>
+              <a:chOff x="0" y="0"/>
+              <a:chExt cx="12204686" cy="496705"/>
             </a:xfrm>
           </p:grpSpPr>
           <p:sp>
             <p:nvSpPr>
-              <p:cNvPr id="121" name="矩形"/>
+              <p:cNvPr id="132" name="矩形"/>
               <p:cNvSpPr/>
               <p:nvPr/>
             </p:nvSpPr>
             <p:spPr>
               <a:xfrm>
-                <a:off x="0" y="1"/>
-                <a:ext cx="12192000" cy="496187"/>
+                <a:off x="0" y="0"/>
+                <a:ext cx="12204687" cy="496706"/>
               </a:xfrm>
               <a:prstGeom prst="rect">
                 <a:avLst/>
@@ -3942,7 +3782,7 @@
               <a:effectLst/>
             </p:spPr>
             <p:txBody>
-              <a:bodyPr wrap="square" lIns="45719" tIns="45719" rIns="45719" bIns="45719" numCol="1" anchor="ctr">
+              <a:bodyPr wrap="square" lIns="45718" tIns="45718" rIns="45718" bIns="45718" numCol="1" anchor="ctr">
                 <a:noAutofit/>
               </a:bodyPr>
               <a:lstStyle/>
@@ -3958,20 +3798,19 @@
                     <a:sym typeface="SimSun"/>
                   </a:defRPr>
                 </a:pPr>
-                <a:endParaRPr/>
               </a:p>
             </p:txBody>
           </p:sp>
           <p:sp>
             <p:nvSpPr>
-              <p:cNvPr id="122" name="3 .2 数据分析框架-时间时距模式分析"/>
+              <p:cNvPr id="133" name="3 .2 数据分析框架-时间时距模式分析"/>
               <p:cNvSpPr txBox="1"/>
               <p:nvPr/>
             </p:nvSpPr>
             <p:spPr>
               <a:xfrm>
-                <a:off x="45719" y="63430"/>
-                <a:ext cx="12100561" cy="369328"/>
+                <a:off x="45766" y="73957"/>
+                <a:ext cx="12113154" cy="348791"/>
               </a:xfrm>
               <a:prstGeom prst="rect">
                 <a:avLst/>
@@ -3984,13 +3823,13 @@
               <a:effectLst/>
               <a:extLst>
                 <a:ext uri="{C572A759-6A51-4108-AA02-DFA0A04FC94B}">
-                  <ma14:wrappingTextBoxFlag xmlns:ma14="http://schemas.microsoft.com/office/mac/drawingml/2011/main" xmlns:a14="http://schemas.microsoft.com/office/drawing/2010/main" xmlns:m="http://schemas.openxmlformats.org/officeDocument/2006/math" xmlns="" val="1"/>
+                  <ma14:wrappingTextBoxFlag xmlns:ma14="http://schemas.microsoft.com/office/mac/drawingml/2011/main" val="1"/>
                 </a:ext>
               </a:extLst>
             </p:spPr>
             <p:txBody>
-              <a:bodyPr wrap="square" lIns="45719" tIns="45719" rIns="45719" bIns="45719" numCol="1" anchor="ctr">
-                <a:spAutoFit/>
+              <a:bodyPr wrap="square" lIns="45718" tIns="45718" rIns="45718" bIns="45718" numCol="1" anchor="ctr">
+                <a:noAutofit/>
               </a:bodyPr>
               <a:lstStyle/>
               <a:p>
@@ -4006,29 +3845,19 @@
                   </a:defRPr>
                 </a:pPr>
                 <a:r>
-                  <a:rPr dirty="0"/>
                   <a:t>3 .2</a:t>
                 </a:r>
                 <a:r>
-                  <a:rPr dirty="0">
+                  <a:rPr>
                     <a:latin typeface="SimSun"/>
                     <a:ea typeface="SimSun"/>
                     <a:cs typeface="SimSun"/>
                     <a:sym typeface="SimSun"/>
                   </a:rPr>
-                  <a:t> </a:t>
+                  <a:t> 数据分析框架-时间</a:t>
                 </a:r>
                 <a:r>
-                  <a:rPr dirty="0" err="1">
-                    <a:latin typeface="SimSun"/>
-                    <a:ea typeface="SimSun"/>
-                    <a:cs typeface="SimSun"/>
-                    <a:sym typeface="SimSun"/>
-                  </a:rPr>
-                  <a:t>数据分析框架-时间</a:t>
-                </a:r>
-                <a:r>
-                  <a:rPr lang="zh-CN" altLang="en-US" dirty="0">
+                  <a:rPr>
                     <a:latin typeface="SimSun"/>
                     <a:ea typeface="SimSun"/>
                     <a:cs typeface="SimSun"/>
@@ -4036,34 +3865,30 @@
                   </a:rPr>
                   <a:t>通勤模式分析框架</a:t>
                 </a:r>
-                <a:endParaRPr dirty="0">
-                  <a:latin typeface="SimSun"/>
-                  <a:ea typeface="SimSun"/>
-                  <a:cs typeface="SimSun"/>
-                  <a:sym typeface="SimSun"/>
-                </a:endParaRPr>
               </a:p>
             </p:txBody>
           </p:sp>
         </p:grpSp>
         <p:pic>
           <p:nvPicPr>
-            <p:cNvPr id="124" name="Picture 2" descr="Picture 2"/>
+            <p:cNvPr id="135" name="Picture 2" descr="Picture 2"/>
             <p:cNvPicPr>
               <a:picLocks noChangeAspect="1"/>
             </p:cNvPicPr>
             <p:nvPr/>
           </p:nvPicPr>
           <p:blipFill>
-            <a:blip r:embed="rId2"/>
+            <a:blip r:embed="rId2">
+              <a:extLst/>
+            </a:blip>
             <a:stretch>
               <a:fillRect/>
             </a:stretch>
           </p:blipFill>
           <p:spPr>
             <a:xfrm>
-              <a:off x="179293" y="68226"/>
-              <a:ext cx="2294965" cy="359737"/>
+              <a:off x="192192" y="68295"/>
+              <a:ext cx="2297354" cy="360113"/>
             </a:xfrm>
             <a:prstGeom prst="rect">
               <a:avLst/>
@@ -4077,22 +3902,24 @@
         </p:pic>
         <p:pic>
           <p:nvPicPr>
-            <p:cNvPr id="125" name="Picture 4" descr="Picture 4"/>
+            <p:cNvPr id="136" name="Picture 4" descr="Picture 4"/>
             <p:cNvPicPr>
               <a:picLocks noChangeAspect="1"/>
             </p:cNvPicPr>
             <p:nvPr/>
           </p:nvPicPr>
           <p:blipFill>
-            <a:blip r:embed="rId3"/>
+            <a:blip r:embed="rId3">
+              <a:extLst/>
+            </a:blip>
             <a:stretch>
               <a:fillRect/>
             </a:stretch>
           </p:blipFill>
           <p:spPr>
             <a:xfrm>
-              <a:off x="9464488" y="68226"/>
-              <a:ext cx="2548219" cy="271915"/>
+              <a:off x="9487049" y="68295"/>
+              <a:ext cx="2550872" cy="272199"/>
             </a:xfrm>
             <a:prstGeom prst="rect">
               <a:avLst/>
@@ -4106,14 +3933,14 @@
         </p:pic>
         <p:sp>
           <p:nvSpPr>
-            <p:cNvPr id="126" name="矩形 7"/>
+            <p:cNvPr id="137" name="矩形 7"/>
             <p:cNvSpPr/>
             <p:nvPr/>
           </p:nvSpPr>
           <p:spPr>
             <a:xfrm>
-              <a:off x="0" y="496187"/>
-              <a:ext cx="12192000" cy="37214"/>
+              <a:off x="12713" y="496702"/>
+              <a:ext cx="12204687" cy="37253"/>
             </a:xfrm>
             <a:prstGeom prst="rect">
               <a:avLst/>
@@ -4128,7 +3955,7 @@
             <a:effectLst/>
           </p:spPr>
           <p:txBody>
-            <a:bodyPr wrap="square" lIns="45719" tIns="45719" rIns="45719" bIns="45719" numCol="1" anchor="ctr">
+            <a:bodyPr wrap="square" lIns="45718" tIns="45718" rIns="45718" bIns="45718" numCol="1" anchor="ctr">
               <a:noAutofit/>
             </a:bodyPr>
             <a:lstStyle/>
@@ -4144,247 +3971,20 @@
                   <a:sym typeface="SimSun"/>
                 </a:defRPr>
               </a:pPr>
-              <a:endParaRPr/>
             </a:p>
           </p:txBody>
         </p:sp>
       </p:grpSp>
       <p:sp>
         <p:nvSpPr>
-          <p:cNvPr id="7" name="矩形 6">
-            <a:extLst>
-              <a:ext uri="{FF2B5EF4-FFF2-40B4-BE49-F238E27FC236}">
-                <a16:creationId xmlns:a16="http://schemas.microsoft.com/office/drawing/2014/main" id="{B87EF63D-18EB-BAF4-F3A0-6BBAA22C1EEE}"/>
-              </a:ext>
-            </a:extLst>
-          </p:cNvPr>
+          <p:cNvPr id="139" name="矩形 6"/>
           <p:cNvSpPr/>
           <p:nvPr/>
         </p:nvSpPr>
         <p:spPr>
           <a:xfrm>
-            <a:off x="7835291" y="634043"/>
-            <a:ext cx="4298289" cy="6081301"/>
-          </a:xfrm>
-          <a:prstGeom prst="rect">
-            <a:avLst/>
-          </a:prstGeom>
-          <a:solidFill>
-            <a:srgbClr val="2E75B6">
-              <a:alpha val="60000"/>
-            </a:srgbClr>
-          </a:solidFill>
-          <a:ln>
-            <a:noFill/>
-          </a:ln>
-        </p:spPr>
-        <p:style>
-          <a:lnRef idx="2">
-            <a:schemeClr val="accent1">
-              <a:shade val="15000"/>
-            </a:schemeClr>
-          </a:lnRef>
-          <a:fillRef idx="1">
-            <a:schemeClr val="accent1"/>
-          </a:fillRef>
-          <a:effectRef idx="0">
-            <a:schemeClr val="accent1"/>
-          </a:effectRef>
-          <a:fontRef idx="minor">
-            <a:schemeClr val="lt1"/>
-          </a:fontRef>
-        </p:style>
-        <p:txBody>
-          <a:bodyPr rtlCol="0" anchor="ctr"/>
-          <a:lstStyle/>
-          <a:p>
-            <a:endParaRPr lang="zh-CN" altLang="en-US" sz="2400" dirty="0">
-              <a:solidFill>
-                <a:schemeClr val="tx1"/>
-              </a:solidFill>
-            </a:endParaRPr>
-          </a:p>
-        </p:txBody>
-      </p:sp>
-      <p:sp>
-        <p:nvSpPr>
-          <p:cNvPr id="8" name="矩形 7">
-            <a:extLst>
-              <a:ext uri="{FF2B5EF4-FFF2-40B4-BE49-F238E27FC236}">
-                <a16:creationId xmlns:a16="http://schemas.microsoft.com/office/drawing/2014/main" id="{C554CC91-C76A-22A0-3E47-BAB169251352}"/>
-              </a:ext>
-            </a:extLst>
-          </p:cNvPr>
-          <p:cNvSpPr/>
-          <p:nvPr/>
-        </p:nvSpPr>
-        <p:spPr>
-          <a:xfrm>
-            <a:off x="3802071" y="3014294"/>
-            <a:ext cx="3919530" cy="3701051"/>
-          </a:xfrm>
-          <a:prstGeom prst="rect">
-            <a:avLst/>
-          </a:prstGeom>
-          <a:solidFill>
-            <a:schemeClr val="accent5">
-              <a:lumMod val="60000"/>
-              <a:lumOff val="40000"/>
-            </a:schemeClr>
-          </a:solidFill>
-          <a:ln>
-            <a:noFill/>
-          </a:ln>
-        </p:spPr>
-        <p:style>
-          <a:lnRef idx="2">
-            <a:schemeClr val="accent1">
-              <a:shade val="15000"/>
-            </a:schemeClr>
-          </a:lnRef>
-          <a:fillRef idx="1">
-            <a:schemeClr val="accent1"/>
-          </a:fillRef>
-          <a:effectRef idx="0">
-            <a:schemeClr val="accent1"/>
-          </a:effectRef>
-          <a:fontRef idx="minor">
-            <a:schemeClr val="lt1"/>
-          </a:fontRef>
-        </p:style>
-        <p:txBody>
-          <a:bodyPr rtlCol="0" anchor="ctr"/>
-          <a:lstStyle/>
-          <a:p>
-            <a:endParaRPr lang="zh-CN" altLang="en-US" sz="2400" dirty="0">
-              <a:solidFill>
-                <a:schemeClr val="tx1"/>
-              </a:solidFill>
-            </a:endParaRPr>
-          </a:p>
-        </p:txBody>
-      </p:sp>
-      <p:sp>
-        <p:nvSpPr>
-          <p:cNvPr id="9" name="矩形 8">
-            <a:extLst>
-              <a:ext uri="{FF2B5EF4-FFF2-40B4-BE49-F238E27FC236}">
-                <a16:creationId xmlns:a16="http://schemas.microsoft.com/office/drawing/2014/main" id="{E5C1C2D6-E66A-0196-BC42-459B87057A35}"/>
-              </a:ext>
-            </a:extLst>
-          </p:cNvPr>
-          <p:cNvSpPr/>
-          <p:nvPr/>
-        </p:nvSpPr>
-        <p:spPr>
-          <a:xfrm>
-            <a:off x="73043" y="634044"/>
-            <a:ext cx="3565507" cy="6081301"/>
-          </a:xfrm>
-          <a:prstGeom prst="rect">
-            <a:avLst/>
-          </a:prstGeom>
-          <a:solidFill>
-            <a:schemeClr val="accent5">
-              <a:lumMod val="40000"/>
-              <a:lumOff val="60000"/>
-            </a:schemeClr>
-          </a:solidFill>
-          <a:ln>
-            <a:noFill/>
-          </a:ln>
-        </p:spPr>
-        <p:style>
-          <a:lnRef idx="2">
-            <a:schemeClr val="accent1">
-              <a:shade val="15000"/>
-            </a:schemeClr>
-          </a:lnRef>
-          <a:fillRef idx="1">
-            <a:schemeClr val="accent1"/>
-          </a:fillRef>
-          <a:effectRef idx="0">
-            <a:schemeClr val="accent1"/>
-          </a:effectRef>
-          <a:fontRef idx="minor">
-            <a:schemeClr val="lt1"/>
-          </a:fontRef>
-        </p:style>
-        <p:txBody>
-          <a:bodyPr rtlCol="0" anchor="ctr"/>
-          <a:lstStyle/>
-          <a:p>
-            <a:endParaRPr lang="zh-CN" altLang="en-US" sz="2400" dirty="0">
-              <a:solidFill>
-                <a:schemeClr val="tx1"/>
-              </a:solidFill>
-            </a:endParaRPr>
-          </a:p>
-        </p:txBody>
-      </p:sp>
-      <p:pic>
-        <p:nvPicPr>
-          <p:cNvPr id="2054" name="Picture 6">
-            <a:extLst>
-              <a:ext uri="{FF2B5EF4-FFF2-40B4-BE49-F238E27FC236}">
-                <a16:creationId xmlns:a16="http://schemas.microsoft.com/office/drawing/2014/main" id="{E7EB9252-B85E-29AF-044C-325A8D4AE181}"/>
-              </a:ext>
-            </a:extLst>
-          </p:cNvPr>
-          <p:cNvPicPr>
-            <a:picLocks noChangeAspect="1" noChangeArrowheads="1"/>
-          </p:cNvPicPr>
-          <p:nvPr/>
-        </p:nvPicPr>
-        <p:blipFill>
-          <a:blip r:embed="rId4" cstate="print">
-            <a:extLst>
-              <a:ext uri="{28A0092B-C50C-407E-A947-70E740481C1C}">
-                <a14:useLocalDpi xmlns:a14="http://schemas.microsoft.com/office/drawing/2010/main" val="0"/>
-              </a:ext>
-            </a:extLst>
-          </a:blip>
-          <a:srcRect/>
-          <a:stretch>
-            <a:fillRect/>
-          </a:stretch>
-        </p:blipFill>
-        <p:spPr bwMode="auto">
-          <a:xfrm>
-            <a:off x="3737617" y="514796"/>
-            <a:ext cx="3919530" cy="2563903"/>
-          </a:xfrm>
-          <a:prstGeom prst="rect">
-            <a:avLst/>
-          </a:prstGeom>
-          <a:noFill/>
-          <a:extLst>
-            <a:ext uri="{909E8E84-426E-40DD-AFC4-6F175D3DCCD1}">
-              <a14:hiddenFill xmlns:a14="http://schemas.microsoft.com/office/drawing/2010/main">
-                <a:solidFill>
-                  <a:srgbClr val="FFFFFF"/>
-                </a:solidFill>
-              </a14:hiddenFill>
-            </a:ext>
-          </a:extLst>
-        </p:spPr>
-      </p:pic>
-      <p:sp>
-        <p:nvSpPr>
-          <p:cNvPr id="11" name="3.最后将每个小时的订单数量除以当前工作日的总订单数量，得到每个小时的订单占比">
-            <a:extLst>
-              <a:ext uri="{FF2B5EF4-FFF2-40B4-BE49-F238E27FC236}">
-                <a16:creationId xmlns:a16="http://schemas.microsoft.com/office/drawing/2014/main" id="{319D1B2C-9506-7D3B-724A-30CBF64A3C54}"/>
-              </a:ext>
-            </a:extLst>
-          </p:cNvPr>
-          <p:cNvSpPr/>
-          <p:nvPr/>
-        </p:nvSpPr>
-        <p:spPr>
-          <a:xfrm>
-            <a:off x="7935994" y="2941433"/>
-            <a:ext cx="4067636" cy="1197313"/>
+            <a:off x="7835290" y="634043"/>
+            <a:ext cx="4298290" cy="6081301"/>
           </a:xfrm>
           <a:prstGeom prst="rect">
             <a:avLst/>
@@ -4397,48 +3997,27 @@
           <a:ln w="12700">
             <a:miter lim="400000"/>
           </a:ln>
-          <a:extLst>
-            <a:ext uri="{C572A759-6A51-4108-AA02-DFA0A04FC94B}">
-              <ma14:wrappingTextBoxFlag xmlns:ma14="http://schemas.microsoft.com/office/mac/drawingml/2011/main" xmlns:a14="http://schemas.microsoft.com/office/drawing/2010/main" xmlns:m="http://schemas.openxmlformats.org/officeDocument/2006/math" xmlns="" val="1"/>
-            </a:ext>
-          </a:extLst>
         </p:spPr>
         <p:txBody>
-          <a:bodyPr lIns="45719" rIns="45719"/>
-          <a:lstStyle>
-            <a:lvl1pPr>
-              <a:defRPr sz="2400">
-                <a:latin typeface="SimSun"/>
-                <a:ea typeface="SimSun"/>
-                <a:cs typeface="SimSun"/>
-                <a:sym typeface="SimSun"/>
-              </a:defRPr>
-            </a:lvl1pPr>
-          </a:lstStyle>
+          <a:bodyPr lIns="45718" tIns="45718" rIns="45718" bIns="45718" anchor="ctr"/>
+          <a:lstStyle/>
           <a:p>
-            <a:r>
-              <a:rPr dirty="0"/>
-              <a:t>3.最后将每个小时的订单数量除以当前工作日的总订单数量，得到每个小时的订单占比</a:t>
-            </a:r>
+            <a:pPr>
+              <a:defRPr sz="2400"/>
+            </a:pPr>
           </a:p>
         </p:txBody>
       </p:sp>
       <p:sp>
         <p:nvSpPr>
-          <p:cNvPr id="12" name="2.再对每一个工作日按二十四小时统计每一个小时内的订单数量">
-            <a:extLst>
-              <a:ext uri="{FF2B5EF4-FFF2-40B4-BE49-F238E27FC236}">
-                <a16:creationId xmlns:a16="http://schemas.microsoft.com/office/drawing/2014/main" id="{D04C8B22-C736-A7EE-0F96-5E3622A9543B}"/>
-              </a:ext>
-            </a:extLst>
-          </p:cNvPr>
+          <p:cNvPr id="140" name="矩形 7"/>
           <p:cNvSpPr/>
           <p:nvPr/>
         </p:nvSpPr>
         <p:spPr>
           <a:xfrm>
-            <a:off x="7945071" y="1644025"/>
-            <a:ext cx="4067636" cy="1186318"/>
+            <a:off x="3802070" y="3014293"/>
+            <a:ext cx="3919532" cy="3701051"/>
           </a:xfrm>
           <a:prstGeom prst="rect">
             <a:avLst/>
@@ -4449,100 +4028,1662 @@
           <a:ln w="12700">
             <a:miter lim="400000"/>
           </a:ln>
+        </p:spPr>
+        <p:txBody>
+          <a:bodyPr lIns="45718" tIns="45718" rIns="45718" bIns="45718" anchor="ctr"/>
+          <a:lstStyle/>
+          <a:p>
+            <a:pPr>
+              <a:defRPr sz="2400"/>
+            </a:pPr>
+          </a:p>
+        </p:txBody>
+      </p:sp>
+      <p:sp>
+        <p:nvSpPr>
+          <p:cNvPr id="141" name="矩形 8"/>
+          <p:cNvSpPr/>
+          <p:nvPr/>
+        </p:nvSpPr>
+        <p:spPr>
+          <a:xfrm>
+            <a:off x="73042" y="634044"/>
+            <a:ext cx="3615340" cy="6081301"/>
+          </a:xfrm>
+          <a:prstGeom prst="rect">
+            <a:avLst/>
+          </a:prstGeom>
+          <a:solidFill>
+            <a:srgbClr val="BDD7EE"/>
+          </a:solidFill>
+          <a:ln w="12700">
+            <a:miter lim="400000"/>
+          </a:ln>
+        </p:spPr>
+        <p:txBody>
+          <a:bodyPr lIns="45718" tIns="45718" rIns="45718" bIns="45718" anchor="ctr"/>
+          <a:lstStyle/>
+          <a:p>
+            <a:pPr>
+              <a:defRPr sz="2400"/>
+            </a:pPr>
+          </a:p>
+        </p:txBody>
+      </p:sp>
+      <p:pic>
+        <p:nvPicPr>
+          <p:cNvPr id="142" name="Picture 6" descr="Picture 6"/>
+          <p:cNvPicPr>
+            <a:picLocks noChangeAspect="1"/>
+          </p:cNvPicPr>
+          <p:nvPr/>
+        </p:nvPicPr>
+        <p:blipFill>
+          <a:blip r:embed="rId4">
+            <a:extLst/>
+          </a:blip>
+          <a:stretch>
+            <a:fillRect/>
+          </a:stretch>
+        </p:blipFill>
+        <p:spPr>
+          <a:xfrm>
+            <a:off x="3737616" y="514795"/>
+            <a:ext cx="3919531" cy="2563904"/>
+          </a:xfrm>
+          <a:prstGeom prst="rect">
+            <a:avLst/>
+          </a:prstGeom>
+          <a:ln w="12700">
+            <a:miter lim="400000"/>
+          </a:ln>
+        </p:spPr>
+      </p:pic>
+      <p:grpSp>
+        <p:nvGrpSpPr>
+          <p:cNvPr id="145" name="3.最后将每个小时的订单数量除以当前工作日的总订单数量，得到每个小时的订单占比"/>
+          <p:cNvGrpSpPr/>
+          <p:nvPr/>
+        </p:nvGrpSpPr>
+        <p:grpSpPr>
+          <a:xfrm>
+            <a:off x="7950617" y="3265675"/>
+            <a:ext cx="4067636" cy="1197314"/>
+            <a:chOff x="0" y="0"/>
+            <a:chExt cx="4067635" cy="1197313"/>
+          </a:xfrm>
+        </p:grpSpPr>
+        <p:sp>
+          <p:nvSpPr>
+            <p:cNvPr id="143" name="矩形"/>
+            <p:cNvSpPr/>
+            <p:nvPr/>
+          </p:nvSpPr>
+          <p:spPr>
+            <a:xfrm>
+              <a:off x="-1" y="-1"/>
+              <a:ext cx="4067637" cy="1197315"/>
+            </a:xfrm>
+            <a:prstGeom prst="rect">
+              <a:avLst/>
+            </a:prstGeom>
+            <a:solidFill>
+              <a:srgbClr val="2E75B6">
+                <a:alpha val="60000"/>
+              </a:srgbClr>
+            </a:solidFill>
+            <a:ln w="12700" cap="flat">
+              <a:noFill/>
+              <a:miter lim="400000"/>
+            </a:ln>
+            <a:effectLst/>
+          </p:spPr>
+          <p:txBody>
+            <a:bodyPr wrap="square" lIns="45718" tIns="45718" rIns="45718" bIns="45718" numCol="1" anchor="t">
+              <a:noAutofit/>
+            </a:bodyPr>
+            <a:lstStyle/>
+            <a:p>
+              <a:pPr>
+                <a:defRPr sz="2400">
+                  <a:latin typeface="SimSun"/>
+                  <a:ea typeface="SimSun"/>
+                  <a:cs typeface="SimSun"/>
+                  <a:sym typeface="SimSun"/>
+                </a:defRPr>
+              </a:pPr>
+            </a:p>
+          </p:txBody>
+        </p:sp>
+        <p:sp>
+          <p:nvSpPr>
+            <p:cNvPr id="144" name="3.最后将每个小时的订单数量除以当前工作日的总订单数量，得到每个小时的订单占比"/>
+            <p:cNvSpPr txBox="1"/>
+            <p:nvPr/>
+          </p:nvSpPr>
+          <p:spPr>
+            <a:xfrm>
+              <a:off x="-1" y="0"/>
+              <a:ext cx="4067637" cy="1005839"/>
+            </a:xfrm>
+            <a:prstGeom prst="rect">
+              <a:avLst/>
+            </a:prstGeom>
+            <a:noFill/>
+            <a:ln w="12700" cap="flat">
+              <a:noFill/>
+              <a:miter lim="400000"/>
+            </a:ln>
+            <a:effectLst/>
+            <a:extLst>
+              <a:ext uri="{C572A759-6A51-4108-AA02-DFA0A04FC94B}">
+                <ma14:wrappingTextBoxFlag xmlns:ma14="http://schemas.microsoft.com/office/mac/drawingml/2011/main" val="1"/>
+              </a:ext>
+            </a:extLst>
+          </p:spPr>
+          <p:txBody>
+            <a:bodyPr wrap="square" lIns="45718" tIns="45718" rIns="45718" bIns="45718" numCol="1" anchor="t">
+              <a:spAutoFit/>
+            </a:bodyPr>
+            <a:lstStyle>
+              <a:lvl1pPr>
+                <a:defRPr sz="2400">
+                  <a:latin typeface="SimSun"/>
+                  <a:ea typeface="SimSun"/>
+                  <a:cs typeface="SimSun"/>
+                  <a:sym typeface="SimSun"/>
+                </a:defRPr>
+              </a:lvl1pPr>
+            </a:lstStyle>
+            <a:p>
+              <a:pPr/>
+              <a:r>
+                <a:t>3.最后将每个小时的订单数量除以当前工作日的总订单数量，得到每个小时的订单占比</a:t>
+              </a:r>
+            </a:p>
+          </p:txBody>
+        </p:sp>
+      </p:grpSp>
+      <p:grpSp>
+        <p:nvGrpSpPr>
+          <p:cNvPr id="148" name="2.再对每一个工作日按二十四小时统计每一个小时内的订单数量"/>
+          <p:cNvGrpSpPr/>
+          <p:nvPr/>
+        </p:nvGrpSpPr>
+        <p:grpSpPr>
+          <a:xfrm>
+            <a:off x="7950617" y="2049011"/>
+            <a:ext cx="4067636" cy="1186319"/>
+            <a:chOff x="0" y="0"/>
+            <a:chExt cx="4067635" cy="1186317"/>
+          </a:xfrm>
+        </p:grpSpPr>
+        <p:sp>
+          <p:nvSpPr>
+            <p:cNvPr id="146" name="矩形"/>
+            <p:cNvSpPr/>
+            <p:nvPr/>
+          </p:nvSpPr>
+          <p:spPr>
+            <a:xfrm>
+              <a:off x="-1" y="0"/>
+              <a:ext cx="4067637" cy="1186318"/>
+            </a:xfrm>
+            <a:prstGeom prst="rect">
+              <a:avLst/>
+            </a:prstGeom>
+            <a:solidFill>
+              <a:srgbClr val="9DC3E6"/>
+            </a:solidFill>
+            <a:ln w="12700" cap="flat">
+              <a:noFill/>
+              <a:miter lim="400000"/>
+            </a:ln>
+            <a:effectLst/>
+          </p:spPr>
+          <p:txBody>
+            <a:bodyPr wrap="square" lIns="45718" tIns="45718" rIns="45718" bIns="45718" numCol="1" anchor="t">
+              <a:noAutofit/>
+            </a:bodyPr>
+            <a:lstStyle/>
+            <a:p>
+              <a:pPr>
+                <a:defRPr sz="2400">
+                  <a:latin typeface="SimSun"/>
+                  <a:ea typeface="SimSun"/>
+                  <a:cs typeface="SimSun"/>
+                  <a:sym typeface="SimSun"/>
+                </a:defRPr>
+              </a:pPr>
+            </a:p>
+          </p:txBody>
+        </p:sp>
+        <p:sp>
+          <p:nvSpPr>
+            <p:cNvPr id="147" name="2.再对每一个工作日按二十四小时统计每一个小时内的订单数量"/>
+            <p:cNvSpPr txBox="1"/>
+            <p:nvPr/>
+          </p:nvSpPr>
+          <p:spPr>
+            <a:xfrm>
+              <a:off x="-1" y="1"/>
+              <a:ext cx="4067637" cy="1005839"/>
+            </a:xfrm>
+            <a:prstGeom prst="rect">
+              <a:avLst/>
+            </a:prstGeom>
+            <a:noFill/>
+            <a:ln w="12700" cap="flat">
+              <a:noFill/>
+              <a:miter lim="400000"/>
+            </a:ln>
+            <a:effectLst/>
+            <a:extLst>
+              <a:ext uri="{C572A759-6A51-4108-AA02-DFA0A04FC94B}">
+                <ma14:wrappingTextBoxFlag xmlns:ma14="http://schemas.microsoft.com/office/mac/drawingml/2011/main" val="1"/>
+              </a:ext>
+            </a:extLst>
+          </p:spPr>
+          <p:txBody>
+            <a:bodyPr wrap="square" lIns="45718" tIns="45718" rIns="45718" bIns="45718" numCol="1" anchor="t">
+              <a:spAutoFit/>
+            </a:bodyPr>
+            <a:lstStyle/>
+            <a:p>
+              <a:pPr>
+                <a:defRPr sz="2400">
+                  <a:latin typeface="SimSun"/>
+                  <a:ea typeface="SimSun"/>
+                  <a:cs typeface="SimSun"/>
+                  <a:sym typeface="SimSun"/>
+                </a:defRPr>
+              </a:pPr>
+              <a:r>
+                <a:t>2.再对每一个工作日按</a:t>
+              </a:r>
+              <a:r>
+                <a:rPr>
+                  <a:solidFill>
+                    <a:srgbClr val="E93324"/>
+                  </a:solidFill>
+                </a:rPr>
+                <a:t>二十四小</a:t>
+              </a:r>
+              <a:r>
+                <a:t>时统计每一个小时内的订单数量</a:t>
+              </a:r>
+            </a:p>
+          </p:txBody>
+        </p:sp>
+      </p:grpSp>
+      <p:grpSp>
+        <p:nvGrpSpPr>
+          <p:cNvPr id="151" name="1.首先将骑行数据的开始时间按照工作日分组汇总"/>
+          <p:cNvGrpSpPr/>
+          <p:nvPr/>
+        </p:nvGrpSpPr>
+        <p:grpSpPr>
+          <a:xfrm>
+            <a:off x="7950617" y="1216248"/>
+            <a:ext cx="4067636" cy="802418"/>
+            <a:chOff x="0" y="0"/>
+            <a:chExt cx="4067635" cy="802417"/>
+          </a:xfrm>
+        </p:grpSpPr>
+        <p:sp>
+          <p:nvSpPr>
+            <p:cNvPr id="149" name="矩形"/>
+            <p:cNvSpPr/>
+            <p:nvPr/>
+          </p:nvSpPr>
+          <p:spPr>
+            <a:xfrm>
+              <a:off x="-1" y="-1"/>
+              <a:ext cx="4067637" cy="802419"/>
+            </a:xfrm>
+            <a:prstGeom prst="rect">
+              <a:avLst/>
+            </a:prstGeom>
+            <a:solidFill>
+              <a:srgbClr val="C2D6EC"/>
+            </a:solidFill>
+            <a:ln w="12700" cap="flat">
+              <a:noFill/>
+              <a:miter lim="400000"/>
+            </a:ln>
+            <a:effectLst/>
+          </p:spPr>
+          <p:txBody>
+            <a:bodyPr wrap="square" lIns="45718" tIns="45718" rIns="45718" bIns="45718" numCol="1" anchor="t">
+              <a:noAutofit/>
+            </a:bodyPr>
+            <a:lstStyle/>
+            <a:p>
+              <a:pPr>
+                <a:defRPr sz="2400">
+                  <a:latin typeface="SimSun"/>
+                  <a:ea typeface="SimSun"/>
+                  <a:cs typeface="SimSun"/>
+                  <a:sym typeface="SimSun"/>
+                </a:defRPr>
+              </a:pPr>
+            </a:p>
+          </p:txBody>
+        </p:sp>
+        <p:sp>
+          <p:nvSpPr>
+            <p:cNvPr id="150" name="1.首先将骑行数据的开始时间按照工作日分组汇总"/>
+            <p:cNvSpPr txBox="1"/>
+            <p:nvPr/>
+          </p:nvSpPr>
+          <p:spPr>
+            <a:xfrm>
+              <a:off x="-1" y="0"/>
+              <a:ext cx="4067637" cy="701039"/>
+            </a:xfrm>
+            <a:prstGeom prst="rect">
+              <a:avLst/>
+            </a:prstGeom>
+            <a:noFill/>
+            <a:ln w="12700" cap="flat">
+              <a:noFill/>
+              <a:miter lim="400000"/>
+            </a:ln>
+            <a:effectLst/>
+            <a:extLst>
+              <a:ext uri="{C572A759-6A51-4108-AA02-DFA0A04FC94B}">
+                <ma14:wrappingTextBoxFlag xmlns:ma14="http://schemas.microsoft.com/office/mac/drawingml/2011/main" val="1"/>
+              </a:ext>
+            </a:extLst>
+          </p:spPr>
+          <p:txBody>
+            <a:bodyPr wrap="square" lIns="45718" tIns="45718" rIns="45718" bIns="45718" numCol="1" anchor="t">
+              <a:spAutoFit/>
+            </a:bodyPr>
+            <a:lstStyle/>
+            <a:p>
+              <a:pPr>
+                <a:defRPr sz="2400">
+                  <a:latin typeface="SimSun"/>
+                  <a:ea typeface="SimSun"/>
+                  <a:cs typeface="SimSun"/>
+                  <a:sym typeface="SimSun"/>
+                </a:defRPr>
+              </a:pPr>
+              <a:r>
+                <a:t>1.首先将骑行数据的开始时间按照</a:t>
+              </a:r>
+              <a:r>
+                <a:rPr>
+                  <a:solidFill>
+                    <a:srgbClr val="E93324"/>
+                  </a:solidFill>
+                </a:rPr>
+                <a:t>工作日</a:t>
+              </a:r>
+              <a:r>
+                <a:t>分组汇总</a:t>
+              </a:r>
+            </a:p>
+          </p:txBody>
+        </p:sp>
+      </p:grpSp>
+      <p:pic>
+        <p:nvPicPr>
+          <p:cNvPr id="152" name="已粘贴的影片.png" descr="已粘贴的影片.png"/>
+          <p:cNvPicPr>
+            <a:picLocks noChangeAspect="1"/>
+          </p:cNvPicPr>
+          <p:nvPr/>
+        </p:nvPicPr>
+        <p:blipFill>
+          <a:blip r:embed="rId5">
+            <a:extLst/>
+          </a:blip>
+          <a:stretch>
+            <a:fillRect/>
+          </a:stretch>
+        </p:blipFill>
+        <p:spPr>
+          <a:xfrm>
+            <a:off x="7849914" y="4441434"/>
+            <a:ext cx="4269042" cy="2221984"/>
+          </a:xfrm>
+          <a:prstGeom prst="rect">
+            <a:avLst/>
+          </a:prstGeom>
+          <a:ln w="12700">
+            <a:miter lim="400000"/>
+          </a:ln>
+        </p:spPr>
+      </p:pic>
+      <p:sp>
+        <p:nvSpPr>
+          <p:cNvPr id="153" name="c.按时间戳汇总统计"/>
+          <p:cNvSpPr txBox="1"/>
+          <p:nvPr/>
+        </p:nvSpPr>
+        <p:spPr>
+          <a:xfrm>
+            <a:off x="7950617" y="676845"/>
+            <a:ext cx="2779623" cy="510539"/>
+          </a:xfrm>
+          <a:prstGeom prst="rect">
+            <a:avLst/>
+          </a:prstGeom>
+          <a:ln w="12700">
+            <a:miter lim="400000"/>
+          </a:ln>
           <a:extLst>
             <a:ext uri="{C572A759-6A51-4108-AA02-DFA0A04FC94B}">
-              <ma14:wrappingTextBoxFlag xmlns:ma14="http://schemas.microsoft.com/office/mac/drawingml/2011/main" xmlns:a14="http://schemas.microsoft.com/office/drawing/2010/main" xmlns:m="http://schemas.openxmlformats.org/officeDocument/2006/math" xmlns="" val="1"/>
+              <ma14:wrappingTextBoxFlag xmlns:ma14="http://schemas.microsoft.com/office/mac/drawingml/2011/main" val="1"/>
             </a:ext>
           </a:extLst>
         </p:spPr>
         <p:txBody>
-          <a:bodyPr lIns="45719" rIns="45719"/>
-          <a:lstStyle>
-            <a:lvl1pPr>
-              <a:defRPr sz="2400">
-                <a:latin typeface="SimSun"/>
-                <a:ea typeface="SimSun"/>
-                <a:cs typeface="SimSun"/>
-                <a:sym typeface="SimSun"/>
-              </a:defRPr>
-            </a:lvl1pPr>
-          </a:lstStyle>
+          <a:bodyPr wrap="none" lIns="45718" tIns="45718" rIns="45718" bIns="45718">
+            <a:spAutoFit/>
+          </a:bodyPr>
+          <a:lstStyle/>
           <a:p>
+            <a:pPr>
+              <a:defRPr sz="2400"/>
+            </a:pPr>
             <a:r>
-              <a:rPr dirty="0"/>
-              <a:t>2.再对每一个工作日按二十四小时统计每一个小时内的订单数量</a:t>
+              <a:t>c.按</a:t>
+            </a:r>
+            <a:r>
+              <a:rPr>
+                <a:solidFill>
+                  <a:schemeClr val="accent6">
+                    <a:lumOff val="-9568"/>
+                  </a:schemeClr>
+                </a:solidFill>
+              </a:rPr>
+              <a:t>时间戳</a:t>
+            </a:r>
+            <a:r>
+              <a:t>汇总统计</a:t>
+            </a:r>
+          </a:p>
+        </p:txBody>
+      </p:sp>
+      <p:grpSp>
+        <p:nvGrpSpPr>
+          <p:cNvPr id="156" name="成组"/>
+          <p:cNvGrpSpPr/>
+          <p:nvPr/>
+        </p:nvGrpSpPr>
+        <p:grpSpPr>
+          <a:xfrm>
+            <a:off x="130965" y="3023473"/>
+            <a:ext cx="3499494" cy="1019469"/>
+            <a:chOff x="0" y="0"/>
+            <a:chExt cx="3499492" cy="1019467"/>
+          </a:xfrm>
+        </p:grpSpPr>
+        <p:sp>
+          <p:nvSpPr>
+            <p:cNvPr id="154" name="矩形"/>
+            <p:cNvSpPr/>
+            <p:nvPr/>
+          </p:nvSpPr>
+          <p:spPr>
+            <a:xfrm>
+              <a:off x="1210" y="-1"/>
+              <a:ext cx="3497079" cy="1019469"/>
+            </a:xfrm>
+            <a:prstGeom prst="rect">
+              <a:avLst/>
+            </a:prstGeom>
+            <a:solidFill>
+              <a:srgbClr val="2E75B6">
+                <a:alpha val="60000"/>
+              </a:srgbClr>
+            </a:solidFill>
+            <a:ln w="12700" cap="flat">
+              <a:noFill/>
+              <a:miter lim="400000"/>
+            </a:ln>
+            <a:effectLst/>
+          </p:spPr>
+          <p:txBody>
+            <a:bodyPr wrap="square" lIns="45718" tIns="45718" rIns="45718" bIns="45718" numCol="1" anchor="t">
+              <a:noAutofit/>
+            </a:bodyPr>
+            <a:lstStyle/>
+            <a:p>
+              <a:pPr>
+                <a:defRPr sz="2400">
+                  <a:latin typeface="SimSun"/>
+                  <a:ea typeface="SimSun"/>
+                  <a:cs typeface="SimSun"/>
+                  <a:sym typeface="SimSun"/>
+                </a:defRPr>
+              </a:pPr>
+            </a:p>
+          </p:txBody>
+        </p:sp>
+        <p:sp>
+          <p:nvSpPr>
+            <p:cNvPr id="155" name="2.依据上述公式按天汇总、按工作日汇总计算单车周转率。"/>
+            <p:cNvSpPr txBox="1"/>
+            <p:nvPr/>
+          </p:nvSpPr>
+          <p:spPr>
+            <a:xfrm>
+              <a:off x="0" y="0"/>
+              <a:ext cx="3499493" cy="1019467"/>
+            </a:xfrm>
+            <a:prstGeom prst="rect">
+              <a:avLst/>
+            </a:prstGeom>
+            <a:noFill/>
+            <a:ln w="12700" cap="flat">
+              <a:noFill/>
+              <a:miter lim="400000"/>
+            </a:ln>
+            <a:effectLst/>
+            <a:extLst>
+              <a:ext uri="{C572A759-6A51-4108-AA02-DFA0A04FC94B}">
+                <ma14:wrappingTextBoxFlag xmlns:ma14="http://schemas.microsoft.com/office/mac/drawingml/2011/main" val="1"/>
+              </a:ext>
+            </a:extLst>
+          </p:spPr>
+          <p:txBody>
+            <a:bodyPr wrap="square" lIns="45718" tIns="45718" rIns="45718" bIns="45718" numCol="1" anchor="t">
+              <a:noAutofit/>
+            </a:bodyPr>
+            <a:lstStyle/>
+            <a:p>
+              <a:pPr>
+                <a:defRPr sz="2400">
+                  <a:latin typeface="SimSun"/>
+                  <a:ea typeface="SimSun"/>
+                  <a:cs typeface="SimSun"/>
+                  <a:sym typeface="SimSun"/>
+                </a:defRPr>
+              </a:pPr>
+              <a:r>
+                <a:t>2.依据上述公式</a:t>
+              </a:r>
+              <a:r>
+                <a:rPr>
+                  <a:solidFill>
+                    <a:srgbClr val="FF2600"/>
+                  </a:solidFill>
+                </a:rPr>
+                <a:t>按天汇总</a:t>
+              </a:r>
+              <a:r>
+                <a:t>、</a:t>
+              </a:r>
+              <a:r>
+                <a:rPr>
+                  <a:solidFill>
+                    <a:srgbClr val="FF2600"/>
+                  </a:solidFill>
+                </a:rPr>
+                <a:t>按工作日</a:t>
+              </a:r>
+              <a:r>
+                <a:t>汇总计算单车周转率。</a:t>
+              </a:r>
+            </a:p>
+          </p:txBody>
+        </p:sp>
+      </p:grpSp>
+      <p:grpSp>
+        <p:nvGrpSpPr>
+          <p:cNvPr id="159" name="成组"/>
+          <p:cNvGrpSpPr/>
+          <p:nvPr/>
+        </p:nvGrpSpPr>
+        <p:grpSpPr>
+          <a:xfrm>
+            <a:off x="130965" y="1225744"/>
+            <a:ext cx="3499494" cy="1758607"/>
+            <a:chOff x="0" y="0"/>
+            <a:chExt cx="3499492" cy="1758605"/>
+          </a:xfrm>
+        </p:grpSpPr>
+        <p:sp>
+          <p:nvSpPr>
+            <p:cNvPr id="157" name="矩形"/>
+            <p:cNvSpPr/>
+            <p:nvPr/>
+          </p:nvSpPr>
+          <p:spPr>
+            <a:xfrm>
+              <a:off x="0" y="0"/>
+              <a:ext cx="3499493" cy="1758606"/>
+            </a:xfrm>
+            <a:prstGeom prst="rect">
+              <a:avLst/>
+            </a:prstGeom>
+            <a:solidFill>
+              <a:srgbClr val="9DC3E6"/>
+            </a:solidFill>
+            <a:ln w="12700" cap="flat">
+              <a:noFill/>
+              <a:miter lim="400000"/>
+            </a:ln>
+            <a:effectLst/>
+          </p:spPr>
+          <p:txBody>
+            <a:bodyPr wrap="square" lIns="45718" tIns="45718" rIns="45718" bIns="45718" numCol="1" anchor="t">
+              <a:noAutofit/>
+            </a:bodyPr>
+            <a:lstStyle/>
+            <a:p>
+              <a:pPr>
+                <a:defRPr sz="2400">
+                  <a:latin typeface="SimSun"/>
+                  <a:ea typeface="SimSun"/>
+                  <a:cs typeface="SimSun"/>
+                  <a:sym typeface="SimSun"/>
+                </a:defRPr>
+              </a:pPr>
+            </a:p>
+          </p:txBody>
+        </p:sp>
+        <p:sp>
+          <p:nvSpPr>
+            <p:cNvPr id="158" name="1.单车周转率(特定时间窗口)：…"/>
+            <p:cNvSpPr txBox="1"/>
+            <p:nvPr/>
+          </p:nvSpPr>
+          <p:spPr>
+            <a:xfrm>
+              <a:off x="0" y="87322"/>
+              <a:ext cx="3465147" cy="1616827"/>
+            </a:xfrm>
+            <a:prstGeom prst="rect">
+              <a:avLst/>
+            </a:prstGeom>
+            <a:noFill/>
+            <a:ln w="12700" cap="flat">
+              <a:noFill/>
+              <a:miter lim="400000"/>
+            </a:ln>
+            <a:effectLst/>
+            <a:extLst>
+              <a:ext uri="{C572A759-6A51-4108-AA02-DFA0A04FC94B}">
+                <ma14:wrappingTextBoxFlag xmlns:ma14="http://schemas.microsoft.com/office/mac/drawingml/2011/main" val="1"/>
+              </a:ext>
+            </a:extLst>
+          </p:spPr>
+          <p:txBody>
+            <a:bodyPr wrap="square" lIns="45718" tIns="45718" rIns="45718" bIns="45718" numCol="1" anchor="t">
+              <a:noAutofit/>
+            </a:bodyPr>
+            <a:lstStyle/>
+            <a:p>
+              <a:pPr>
+                <a:defRPr sz="2400">
+                  <a:latin typeface="SimSun"/>
+                  <a:ea typeface="SimSun"/>
+                  <a:cs typeface="SimSun"/>
+                  <a:sym typeface="SimSun"/>
+                </a:defRPr>
+              </a:pPr>
+              <a:r>
+                <a:t>1.单车周转率(特定时间窗口)：</a:t>
+              </a:r>
+            </a:p>
+            <a:p>
+              <a:pPr>
+                <a:defRPr sz="2400">
+                  <a:latin typeface="SimSun"/>
+                  <a:ea typeface="SimSun"/>
+                  <a:cs typeface="SimSun"/>
+                  <a:sym typeface="SimSun"/>
+                </a:defRPr>
+              </a:pPr>
+              <a14:m>
+                <m:oMath>
+                  <m:r>
+                    <a:rPr xmlns:a="http://schemas.openxmlformats.org/drawingml/2006/main" sz="2150" i="1">
+                      <a:solidFill>
+                        <a:srgbClr val="000000"/>
+                      </a:solidFill>
+                      <a:latin typeface="Cambria Math" panose="02040503050406030204" pitchFamily="18" charset="0"/>
+                    </a:rPr>
+                    <m:t>T</m:t>
+                  </m:r>
+                  <m:r>
+                    <a:rPr xmlns:a="http://schemas.openxmlformats.org/drawingml/2006/main" sz="2150" i="1">
+                      <a:solidFill>
+                        <a:srgbClr val="000000"/>
+                      </a:solidFill>
+                      <a:latin typeface="Cambria Math" panose="02040503050406030204" pitchFamily="18" charset="0"/>
+                    </a:rPr>
+                    <m:t>u</m:t>
+                  </m:r>
+                  <m:r>
+                    <a:rPr xmlns:a="http://schemas.openxmlformats.org/drawingml/2006/main" sz="2150" i="1">
+                      <a:solidFill>
+                        <a:srgbClr val="000000"/>
+                      </a:solidFill>
+                      <a:latin typeface="Cambria Math" panose="02040503050406030204" pitchFamily="18" charset="0"/>
+                    </a:rPr>
+                    <m:t>r</m:t>
+                  </m:r>
+                  <m:r>
+                    <a:rPr xmlns:a="http://schemas.openxmlformats.org/drawingml/2006/main" sz="2150" i="1">
+                      <a:solidFill>
+                        <a:srgbClr val="000000"/>
+                      </a:solidFill>
+                      <a:latin typeface="Cambria Math" panose="02040503050406030204" pitchFamily="18" charset="0"/>
+                    </a:rPr>
+                    <m:t>n</m:t>
+                  </m:r>
+                  <m:r>
+                    <a:rPr xmlns:a="http://schemas.openxmlformats.org/drawingml/2006/main" sz="2150" i="1">
+                      <a:solidFill>
+                        <a:srgbClr val="000000"/>
+                      </a:solidFill>
+                      <a:latin typeface="Cambria Math" panose="02040503050406030204" pitchFamily="18" charset="0"/>
+                    </a:rPr>
+                    <m:t>o</m:t>
+                  </m:r>
+                  <m:r>
+                    <a:rPr xmlns:a="http://schemas.openxmlformats.org/drawingml/2006/main" sz="2150" i="1">
+                      <a:solidFill>
+                        <a:srgbClr val="000000"/>
+                      </a:solidFill>
+                      <a:latin typeface="Cambria Math" panose="02040503050406030204" pitchFamily="18" charset="0"/>
+                    </a:rPr>
+                    <m:t>v</m:t>
+                  </m:r>
+                  <m:r>
+                    <a:rPr xmlns:a="http://schemas.openxmlformats.org/drawingml/2006/main" sz="2150" i="1">
+                      <a:solidFill>
+                        <a:srgbClr val="000000"/>
+                      </a:solidFill>
+                      <a:latin typeface="Cambria Math" panose="02040503050406030204" pitchFamily="18" charset="0"/>
+                    </a:rPr>
+                    <m:t>e</m:t>
+                  </m:r>
+                  <m:r>
+                    <a:rPr xmlns:a="http://schemas.openxmlformats.org/drawingml/2006/main" sz="2150" i="1">
+                      <a:solidFill>
+                        <a:srgbClr val="000000"/>
+                      </a:solidFill>
+                      <a:latin typeface="Cambria Math" panose="02040503050406030204" pitchFamily="18" charset="0"/>
+                    </a:rPr>
+                    <m:t>r</m:t>
+                  </m:r>
+                  <m:r>
+                    <a:rPr xmlns:a="http://schemas.openxmlformats.org/drawingml/2006/main" sz="2150" i="1">
+                      <a:solidFill>
+                        <a:srgbClr val="000000"/>
+                      </a:solidFill>
+                      <a:latin typeface="Cambria Math" panose="02040503050406030204" pitchFamily="18" charset="0"/>
+                    </a:rPr>
+                    <m:t>R</m:t>
+                  </m:r>
+                  <m:r>
+                    <a:rPr xmlns:a="http://schemas.openxmlformats.org/drawingml/2006/main" sz="2150" i="1">
+                      <a:solidFill>
+                        <a:srgbClr val="000000"/>
+                      </a:solidFill>
+                      <a:latin typeface="Cambria Math" panose="02040503050406030204" pitchFamily="18" charset="0"/>
+                    </a:rPr>
+                    <m:t>a</m:t>
+                  </m:r>
+                  <m:r>
+                    <a:rPr xmlns:a="http://schemas.openxmlformats.org/drawingml/2006/main" sz="2150" i="1">
+                      <a:solidFill>
+                        <a:srgbClr val="000000"/>
+                      </a:solidFill>
+                      <a:latin typeface="Cambria Math" panose="02040503050406030204" pitchFamily="18" charset="0"/>
+                    </a:rPr>
+                    <m:t>t</m:t>
+                  </m:r>
+                  <m:r>
+                    <a:rPr xmlns:a="http://schemas.openxmlformats.org/drawingml/2006/main" sz="2150" i="1">
+                      <a:solidFill>
+                        <a:srgbClr val="000000"/>
+                      </a:solidFill>
+                      <a:latin typeface="Cambria Math" panose="02040503050406030204" pitchFamily="18" charset="0"/>
+                    </a:rPr>
+                    <m:t>e</m:t>
+                  </m:r>
+                  <m:r>
+                    <a:rPr xmlns:a="http://schemas.openxmlformats.org/drawingml/2006/main" sz="2150" i="1">
+                      <a:solidFill>
+                        <a:srgbClr val="000000"/>
+                      </a:solidFill>
+                      <a:latin typeface="Cambria Math" panose="02040503050406030204" pitchFamily="18" charset="0"/>
+                    </a:rPr>
+                    <m:t>=</m:t>
+                  </m:r>
+                  <m:f>
+                    <m:fPr>
+                      <m:ctrlPr>
+                        <a:rPr xmlns:a="http://schemas.openxmlformats.org/drawingml/2006/main" sz="2150" i="1">
+                          <a:solidFill>
+                            <a:srgbClr val="000000"/>
+                          </a:solidFill>
+                          <a:latin typeface="Cambria Math" panose="02040503050406030204" pitchFamily="18" charset="0"/>
+                        </a:rPr>
+                      </m:ctrlPr>
+                      <m:type m:val="bar"/>
+                    </m:fPr>
+                    <m:num>
+                      <m:r>
+                        <a:rPr xmlns:a="http://schemas.openxmlformats.org/drawingml/2006/main" sz="2150" i="1">
+                          <a:solidFill>
+                            <a:srgbClr val="000000"/>
+                          </a:solidFill>
+                          <a:latin typeface="Cambria Math" panose="02040503050406030204" pitchFamily="18" charset="0"/>
+                        </a:rPr>
+                        <m:t>T</m:t>
+                      </m:r>
+                      <m:r>
+                        <a:rPr xmlns:a="http://schemas.openxmlformats.org/drawingml/2006/main" sz="2150" i="1">
+                          <a:solidFill>
+                            <a:srgbClr val="000000"/>
+                          </a:solidFill>
+                          <a:latin typeface="Cambria Math" panose="02040503050406030204" pitchFamily="18" charset="0"/>
+                        </a:rPr>
+                        <m:t>o</m:t>
+                      </m:r>
+                      <m:r>
+                        <a:rPr xmlns:a="http://schemas.openxmlformats.org/drawingml/2006/main" sz="2150" i="1">
+                          <a:solidFill>
+                            <a:srgbClr val="000000"/>
+                          </a:solidFill>
+                          <a:latin typeface="Cambria Math" panose="02040503050406030204" pitchFamily="18" charset="0"/>
+                        </a:rPr>
+                        <m:t>t</m:t>
+                      </m:r>
+                      <m:r>
+                        <a:rPr xmlns:a="http://schemas.openxmlformats.org/drawingml/2006/main" sz="2150" i="1">
+                          <a:solidFill>
+                            <a:srgbClr val="000000"/>
+                          </a:solidFill>
+                          <a:latin typeface="Cambria Math" panose="02040503050406030204" pitchFamily="18" charset="0"/>
+                        </a:rPr>
+                        <m:t>a</m:t>
+                      </m:r>
+                      <m:r>
+                        <a:rPr xmlns:a="http://schemas.openxmlformats.org/drawingml/2006/main" sz="2150" i="1">
+                          <a:solidFill>
+                            <a:srgbClr val="000000"/>
+                          </a:solidFill>
+                          <a:latin typeface="Cambria Math" panose="02040503050406030204" pitchFamily="18" charset="0"/>
+                        </a:rPr>
+                        <m:t>l</m:t>
+                      </m:r>
+                      <m:r>
+                        <a:rPr xmlns:a="http://schemas.openxmlformats.org/drawingml/2006/main" sz="2150" i="1">
+                          <a:solidFill>
+                            <a:srgbClr val="000000"/>
+                          </a:solidFill>
+                          <a:latin typeface="Cambria Math" panose="02040503050406030204" pitchFamily="18" charset="0"/>
+                        </a:rPr>
+                        <m:t>O</m:t>
+                      </m:r>
+                      <m:r>
+                        <a:rPr xmlns:a="http://schemas.openxmlformats.org/drawingml/2006/main" sz="2150" i="1">
+                          <a:solidFill>
+                            <a:srgbClr val="000000"/>
+                          </a:solidFill>
+                          <a:latin typeface="Cambria Math" panose="02040503050406030204" pitchFamily="18" charset="0"/>
+                        </a:rPr>
+                        <m:t>r</m:t>
+                      </m:r>
+                      <m:r>
+                        <a:rPr xmlns:a="http://schemas.openxmlformats.org/drawingml/2006/main" sz="2150" i="1">
+                          <a:solidFill>
+                            <a:srgbClr val="000000"/>
+                          </a:solidFill>
+                          <a:latin typeface="Cambria Math" panose="02040503050406030204" pitchFamily="18" charset="0"/>
+                        </a:rPr>
+                        <m:t>d</m:t>
+                      </m:r>
+                      <m:r>
+                        <a:rPr xmlns:a="http://schemas.openxmlformats.org/drawingml/2006/main" sz="2150" i="1">
+                          <a:solidFill>
+                            <a:srgbClr val="000000"/>
+                          </a:solidFill>
+                          <a:latin typeface="Cambria Math" panose="02040503050406030204" pitchFamily="18" charset="0"/>
+                        </a:rPr>
+                        <m:t>e</m:t>
+                      </m:r>
+                      <m:r>
+                        <a:rPr xmlns:a="http://schemas.openxmlformats.org/drawingml/2006/main" sz="2150" i="1">
+                          <a:solidFill>
+                            <a:srgbClr val="000000"/>
+                          </a:solidFill>
+                          <a:latin typeface="Cambria Math" panose="02040503050406030204" pitchFamily="18" charset="0"/>
+                        </a:rPr>
+                        <m:t>r</m:t>
+                      </m:r>
+                      <m:r>
+                        <a:rPr xmlns:a="http://schemas.openxmlformats.org/drawingml/2006/main" sz="2150" i="1">
+                          <a:solidFill>
+                            <a:srgbClr val="000000"/>
+                          </a:solidFill>
+                          <a:latin typeface="Cambria Math" panose="02040503050406030204" pitchFamily="18" charset="0"/>
+                        </a:rPr>
+                        <m:t>s</m:t>
+                      </m:r>
+                    </m:num>
+                    <m:den>
+                      <m:r>
+                        <a:rPr xmlns:a="http://schemas.openxmlformats.org/drawingml/2006/main" sz="2150" i="1">
+                          <a:solidFill>
+                            <a:srgbClr val="000000"/>
+                          </a:solidFill>
+                          <a:latin typeface="Cambria Math" panose="02040503050406030204" pitchFamily="18" charset="0"/>
+                        </a:rPr>
+                        <m:t>T</m:t>
+                      </m:r>
+                      <m:r>
+                        <a:rPr xmlns:a="http://schemas.openxmlformats.org/drawingml/2006/main" sz="2150" i="1">
+                          <a:solidFill>
+                            <a:srgbClr val="000000"/>
+                          </a:solidFill>
+                          <a:latin typeface="Cambria Math" panose="02040503050406030204" pitchFamily="18" charset="0"/>
+                        </a:rPr>
+                        <m:t>o</m:t>
+                      </m:r>
+                      <m:r>
+                        <a:rPr xmlns:a="http://schemas.openxmlformats.org/drawingml/2006/main" sz="2150" i="1">
+                          <a:solidFill>
+                            <a:srgbClr val="000000"/>
+                          </a:solidFill>
+                          <a:latin typeface="Cambria Math" panose="02040503050406030204" pitchFamily="18" charset="0"/>
+                        </a:rPr>
+                        <m:t>t</m:t>
+                      </m:r>
+                      <m:r>
+                        <a:rPr xmlns:a="http://schemas.openxmlformats.org/drawingml/2006/main" sz="2150" i="1">
+                          <a:solidFill>
+                            <a:srgbClr val="000000"/>
+                          </a:solidFill>
+                          <a:latin typeface="Cambria Math" panose="02040503050406030204" pitchFamily="18" charset="0"/>
+                        </a:rPr>
+                        <m:t>a</m:t>
+                      </m:r>
+                      <m:r>
+                        <a:rPr xmlns:a="http://schemas.openxmlformats.org/drawingml/2006/main" sz="2150" i="1">
+                          <a:solidFill>
+                            <a:srgbClr val="000000"/>
+                          </a:solidFill>
+                          <a:latin typeface="Cambria Math" panose="02040503050406030204" pitchFamily="18" charset="0"/>
+                        </a:rPr>
+                        <m:t>l</m:t>
+                      </m:r>
+                      <m:r>
+                        <a:rPr xmlns:a="http://schemas.openxmlformats.org/drawingml/2006/main" sz="2150" i="1">
+                          <a:solidFill>
+                            <a:srgbClr val="000000"/>
+                          </a:solidFill>
+                          <a:latin typeface="Cambria Math" panose="02040503050406030204" pitchFamily="18" charset="0"/>
+                        </a:rPr>
+                        <m:t>B</m:t>
+                      </m:r>
+                      <m:r>
+                        <a:rPr xmlns:a="http://schemas.openxmlformats.org/drawingml/2006/main" sz="2150" i="1">
+                          <a:solidFill>
+                            <a:srgbClr val="000000"/>
+                          </a:solidFill>
+                          <a:latin typeface="Cambria Math" panose="02040503050406030204" pitchFamily="18" charset="0"/>
+                        </a:rPr>
+                        <m:t>i</m:t>
+                      </m:r>
+                      <m:r>
+                        <a:rPr xmlns:a="http://schemas.openxmlformats.org/drawingml/2006/main" sz="2150" i="1">
+                          <a:solidFill>
+                            <a:srgbClr val="000000"/>
+                          </a:solidFill>
+                          <a:latin typeface="Cambria Math" panose="02040503050406030204" pitchFamily="18" charset="0"/>
+                        </a:rPr>
+                        <m:t>k</m:t>
+                      </m:r>
+                      <m:r>
+                        <a:rPr xmlns:a="http://schemas.openxmlformats.org/drawingml/2006/main" sz="2150" i="1">
+                          <a:solidFill>
+                            <a:srgbClr val="000000"/>
+                          </a:solidFill>
+                          <a:latin typeface="Cambria Math" panose="02040503050406030204" pitchFamily="18" charset="0"/>
+                        </a:rPr>
+                        <m:t>e</m:t>
+                      </m:r>
+                      <m:r>
+                        <a:rPr xmlns:a="http://schemas.openxmlformats.org/drawingml/2006/main" sz="2150" i="1">
+                          <a:solidFill>
+                            <a:srgbClr val="000000"/>
+                          </a:solidFill>
+                          <a:latin typeface="Cambria Math" panose="02040503050406030204" pitchFamily="18" charset="0"/>
+                        </a:rPr>
+                        <m:t>s</m:t>
+                      </m:r>
+                    </m:den>
+                  </m:f>
+                </m:oMath>
+              </a14:m>
+              <a:r>
+                <a:rPr sz="1800"/>
+                <a:t>*分母为</a:t>
+              </a:r>
+              <a:r>
+                <a:rPr sz="1800">
+                  <a:solidFill>
+                    <a:srgbClr val="FF2600"/>
+                  </a:solidFill>
+                </a:rPr>
+                <a:t>不重复</a:t>
+              </a:r>
+              <a:r>
+                <a:rPr sz="1800"/>
+                <a:t>单车总数</a:t>
+              </a:r>
+            </a:p>
+          </p:txBody>
+        </p:sp>
+      </p:grpSp>
+      <p:sp>
+        <p:nvSpPr>
+          <p:cNvPr id="160" name="a.按单车ID汇总统计"/>
+          <p:cNvSpPr txBox="1"/>
+          <p:nvPr/>
+        </p:nvSpPr>
+        <p:spPr>
+          <a:xfrm>
+            <a:off x="102167" y="688064"/>
+            <a:ext cx="2796737" cy="510539"/>
+          </a:xfrm>
+          <a:prstGeom prst="rect">
+            <a:avLst/>
+          </a:prstGeom>
+          <a:ln w="12700">
+            <a:miter lim="400000"/>
+          </a:ln>
+          <a:extLst>
+            <a:ext uri="{C572A759-6A51-4108-AA02-DFA0A04FC94B}">
+              <ma14:wrappingTextBoxFlag xmlns:ma14="http://schemas.microsoft.com/office/mac/drawingml/2011/main" val="1"/>
+            </a:ext>
+          </a:extLst>
+        </p:spPr>
+        <p:txBody>
+          <a:bodyPr wrap="none" lIns="45718" tIns="45718" rIns="45718" bIns="45718">
+            <a:spAutoFit/>
+          </a:bodyPr>
+          <a:lstStyle/>
+          <a:p>
+            <a:pPr>
+              <a:defRPr sz="2400"/>
+            </a:pPr>
+            <a:r>
+              <a:t>a.按</a:t>
+            </a:r>
+            <a:r>
+              <a:rPr>
+                <a:solidFill>
+                  <a:schemeClr val="accent6">
+                    <a:lumOff val="-9568"/>
+                  </a:schemeClr>
+                </a:solidFill>
+              </a:rPr>
+              <a:t>单车ID</a:t>
+            </a:r>
+            <a:r>
+              <a:t>汇总统计</a:t>
             </a:r>
           </a:p>
         </p:txBody>
       </p:sp>
       <p:sp>
         <p:nvSpPr>
-          <p:cNvPr id="13" name="1.首先将骑行数据的开始时间按照工作日分组汇总">
-            <a:extLst>
-              <a:ext uri="{FF2B5EF4-FFF2-40B4-BE49-F238E27FC236}">
-                <a16:creationId xmlns:a16="http://schemas.microsoft.com/office/drawing/2014/main" id="{C327D883-92CF-DD1E-12B7-CBDE01ADD193}"/>
-              </a:ext>
-            </a:extLst>
-          </p:cNvPr>
-          <p:cNvSpPr/>
+          <p:cNvPr id="161" name="b.按用户ID汇总统计"/>
+          <p:cNvSpPr txBox="1"/>
           <p:nvPr/>
         </p:nvSpPr>
         <p:spPr>
           <a:xfrm>
-            <a:off x="7945071" y="730518"/>
-            <a:ext cx="4067636" cy="802417"/>
+            <a:off x="3827590" y="3056110"/>
+            <a:ext cx="2572355" cy="472439"/>
           </a:xfrm>
           <a:prstGeom prst="rect">
             <a:avLst/>
           </a:prstGeom>
-          <a:solidFill>
-            <a:srgbClr val="C2D6EC"/>
-          </a:solidFill>
           <a:ln w="12700">
             <a:miter lim="400000"/>
           </a:ln>
           <a:extLst>
             <a:ext uri="{C572A759-6A51-4108-AA02-DFA0A04FC94B}">
-              <ma14:wrappingTextBoxFlag xmlns:ma14="http://schemas.microsoft.com/office/mac/drawingml/2011/main" xmlns:a14="http://schemas.microsoft.com/office/drawing/2010/main" xmlns:m="http://schemas.openxmlformats.org/officeDocument/2006/math" xmlns="" val="1"/>
+              <ma14:wrappingTextBoxFlag xmlns:ma14="http://schemas.microsoft.com/office/mac/drawingml/2011/main" val="1"/>
             </a:ext>
           </a:extLst>
         </p:spPr>
         <p:txBody>
-          <a:bodyPr lIns="45719" rIns="45719"/>
-          <a:lstStyle>
-            <a:lvl1pPr>
-              <a:defRPr sz="2400">
-                <a:latin typeface="SimSun"/>
-                <a:ea typeface="SimSun"/>
-                <a:cs typeface="SimSun"/>
-                <a:sym typeface="SimSun"/>
-              </a:defRPr>
-            </a:lvl1pPr>
-          </a:lstStyle>
+          <a:bodyPr wrap="none" lIns="45718" tIns="45718" rIns="45718" bIns="45718">
+            <a:spAutoFit/>
+          </a:bodyPr>
+          <a:lstStyle/>
           <a:p>
+            <a:pPr>
+              <a:defRPr sz="2200"/>
+            </a:pPr>
             <a:r>
-              <a:rPr dirty="0"/>
-              <a:t>1.首先将骑行数据的开始时间按照工作日分组汇总</a:t>
+              <a:t>b.按</a:t>
+            </a:r>
+            <a:r>
+              <a:rPr>
+                <a:solidFill>
+                  <a:schemeClr val="accent6">
+                    <a:lumOff val="-9568"/>
+                  </a:schemeClr>
+                </a:solidFill>
+              </a:rPr>
+              <a:t>用户ID</a:t>
+            </a:r>
+            <a:r>
+              <a:t>汇总统计</a:t>
             </a:r>
           </a:p>
         </p:txBody>
       </p:sp>
+      <p:pic>
+        <p:nvPicPr>
+          <p:cNvPr id="162" name="已粘贴的影片.png" descr="已粘贴的影片.png"/>
+          <p:cNvPicPr>
+            <a:picLocks noChangeAspect="1"/>
+          </p:cNvPicPr>
+          <p:nvPr/>
+        </p:nvPicPr>
+        <p:blipFill>
+          <a:blip r:embed="rId6">
+            <a:extLst/>
+          </a:blip>
+          <a:srcRect l="5739" t="7125" r="8793" b="0"/>
+          <a:stretch>
+            <a:fillRect/>
+          </a:stretch>
+        </p:blipFill>
+        <p:spPr>
+          <a:xfrm>
+            <a:off x="161913" y="4082064"/>
+            <a:ext cx="3411048" cy="1878432"/>
+          </a:xfrm>
+          <a:prstGeom prst="rect">
+            <a:avLst/>
+          </a:prstGeom>
+          <a:ln w="12700">
+            <a:miter lim="400000"/>
+          </a:ln>
+        </p:spPr>
+      </p:pic>
+      <p:pic>
+        <p:nvPicPr>
+          <p:cNvPr id="163" name="已粘贴的影片.png" descr="已粘贴的影片.png"/>
+          <p:cNvPicPr>
+            <a:picLocks noChangeAspect="1"/>
+          </p:cNvPicPr>
+          <p:nvPr/>
+        </p:nvPicPr>
+        <p:blipFill>
+          <a:blip r:embed="rId6">
+            <a:extLst/>
+          </a:blip>
+          <a:srcRect l="6657" t="6941" r="8837" b="231"/>
+          <a:stretch>
+            <a:fillRect/>
+          </a:stretch>
+        </p:blipFill>
+        <p:spPr>
+          <a:xfrm>
+            <a:off x="256227" y="4755298"/>
+            <a:ext cx="3374071" cy="1878255"/>
+          </a:xfrm>
+          <a:prstGeom prst="rect">
+            <a:avLst/>
+          </a:prstGeom>
+          <a:ln w="12700">
+            <a:miter lim="400000"/>
+          </a:ln>
+        </p:spPr>
+      </p:pic>
+      <p:grpSp>
+        <p:nvGrpSpPr>
+          <p:cNvPr id="166" name="成组"/>
+          <p:cNvGrpSpPr/>
+          <p:nvPr/>
+        </p:nvGrpSpPr>
+        <p:grpSpPr>
+          <a:xfrm>
+            <a:off x="3827590" y="3509315"/>
+            <a:ext cx="3868492" cy="1017388"/>
+            <a:chOff x="0" y="0"/>
+            <a:chExt cx="3868490" cy="1017386"/>
+          </a:xfrm>
+        </p:grpSpPr>
+        <p:sp>
+          <p:nvSpPr>
+            <p:cNvPr id="164" name="矩形"/>
+            <p:cNvSpPr/>
+            <p:nvPr/>
+          </p:nvSpPr>
+          <p:spPr>
+            <a:xfrm>
+              <a:off x="0" y="0"/>
+              <a:ext cx="3868491" cy="1010101"/>
+            </a:xfrm>
+            <a:prstGeom prst="rect">
+              <a:avLst/>
+            </a:prstGeom>
+            <a:solidFill>
+              <a:srgbClr val="C2D6EC"/>
+            </a:solidFill>
+            <a:ln w="12700" cap="flat">
+              <a:noFill/>
+              <a:miter lim="400000"/>
+            </a:ln>
+            <a:effectLst/>
+          </p:spPr>
+          <p:txBody>
+            <a:bodyPr wrap="square" lIns="45718" tIns="45718" rIns="45718" bIns="45718" numCol="1" anchor="t">
+              <a:noAutofit/>
+            </a:bodyPr>
+            <a:lstStyle/>
+            <a:p>
+              <a:pPr>
+                <a:defRPr sz="2400">
+                  <a:latin typeface="SimSun"/>
+                  <a:ea typeface="SimSun"/>
+                  <a:cs typeface="SimSun"/>
+                  <a:sym typeface="SimSun"/>
+                </a:defRPr>
+              </a:pPr>
+            </a:p>
+          </p:txBody>
+        </p:sp>
+        <p:sp>
+          <p:nvSpPr>
+            <p:cNvPr id="165" name="计算用户骑行间隔。并汇总至超级用户以计算整体用户累计分布（CDF）曲线。"/>
+            <p:cNvSpPr txBox="1"/>
+            <p:nvPr/>
+          </p:nvSpPr>
+          <p:spPr>
+            <a:xfrm>
+              <a:off x="28459" y="7286"/>
+              <a:ext cx="3811572" cy="1010101"/>
+            </a:xfrm>
+            <a:prstGeom prst="rect">
+              <a:avLst/>
+            </a:prstGeom>
+            <a:noFill/>
+            <a:ln w="12700" cap="flat">
+              <a:noFill/>
+              <a:miter lim="400000"/>
+            </a:ln>
+            <a:effectLst/>
+            <a:extLst>
+              <a:ext uri="{C572A759-6A51-4108-AA02-DFA0A04FC94B}">
+                <ma14:wrappingTextBoxFlag xmlns:ma14="http://schemas.microsoft.com/office/mac/drawingml/2011/main" val="1"/>
+              </a:ext>
+            </a:extLst>
+          </p:spPr>
+          <p:txBody>
+            <a:bodyPr wrap="square" lIns="45718" tIns="45718" rIns="45718" bIns="45718" numCol="1" anchor="t">
+              <a:noAutofit/>
+            </a:bodyPr>
+            <a:lstStyle/>
+            <a:p>
+              <a:pPr>
+                <a:defRPr sz="2400">
+                  <a:latin typeface="SimSun"/>
+                  <a:ea typeface="SimSun"/>
+                  <a:cs typeface="SimSun"/>
+                  <a:sym typeface="SimSun"/>
+                </a:defRPr>
+              </a:pPr>
+              <a:r>
+                <a:t>计算用户</a:t>
+              </a:r>
+              <a:r>
+                <a:rPr>
+                  <a:solidFill>
+                    <a:srgbClr val="FF2600"/>
+                  </a:solidFill>
+                </a:rPr>
+                <a:t>骑行间隔</a:t>
+              </a:r>
+              <a:r>
+                <a:t>。并汇总至超级用户以计算整体用户</a:t>
+              </a:r>
+              <a:r>
+                <a:rPr>
+                  <a:solidFill>
+                    <a:srgbClr val="FF2600"/>
+                  </a:solidFill>
+                </a:rPr>
+                <a:t>累计分布（CDF）曲线</a:t>
+              </a:r>
+              <a:r>
+                <a:t>。</a:t>
+              </a:r>
+            </a:p>
+          </p:txBody>
+        </p:sp>
+      </p:grpSp>
+      <p:pic>
+        <p:nvPicPr>
+          <p:cNvPr id="167" name="已粘贴的影片.png" descr="已粘贴的影片.png"/>
+          <p:cNvPicPr>
+            <a:picLocks noChangeAspect="1"/>
+          </p:cNvPicPr>
+          <p:nvPr/>
+        </p:nvPicPr>
+        <p:blipFill>
+          <a:blip r:embed="rId7">
+            <a:extLst/>
+          </a:blip>
+          <a:srcRect l="3693" t="6038" r="3693" b="0"/>
+          <a:stretch>
+            <a:fillRect/>
+          </a:stretch>
+        </p:blipFill>
+        <p:spPr>
+          <a:xfrm>
+            <a:off x="3877278" y="4543966"/>
+            <a:ext cx="2650621" cy="2016917"/>
+          </a:xfrm>
+          <a:prstGeom prst="rect">
+            <a:avLst/>
+          </a:prstGeom>
+          <a:ln w="12700">
+            <a:miter lim="400000"/>
+          </a:ln>
+        </p:spPr>
+      </p:pic>
     </p:spTree>
-    <p:extLst>
-      <p:ext uri="{BB962C8B-B14F-4D97-AF65-F5344CB8AC3E}">
-        <p14:creationId xmlns:p14="http://schemas.microsoft.com/office/powerpoint/2010/main" val="1425685900"/>
-      </p:ext>
-    </p:extLst>
   </p:cSld>
   <p:clrMapOvr>
     <a:masterClrMapping/>
   </p:clrMapOvr>
-  <p:transition spd="med"/>
+  <p:transition xmlns:p14="http://schemas.microsoft.com/office/powerpoint/2010/main" spd="med" advClick="1"/>
+</p:sld>
+</file>
+
+<file path=ppt/slides/slide3.xml><?xml version="1.0" encoding="utf-8"?>
+<p:sld xmlns:a="http://schemas.openxmlformats.org/drawingml/2006/main" xmlns:r="http://schemas.openxmlformats.org/officeDocument/2006/relationships" xmlns:p="http://schemas.openxmlformats.org/presentationml/2006/main" xmlns:m="http://schemas.openxmlformats.org/officeDocument/2006/math" xmlns:a14="http://schemas.microsoft.com/office/drawing/2010/main" showMasterSp="1" showMasterPhAnim="1">
+  <p:cSld>
+    <p:spTree>
+      <p:nvGrpSpPr>
+        <p:cNvPr id="1" name=""/>
+        <p:cNvGrpSpPr/>
+        <p:nvPr/>
+      </p:nvGrpSpPr>
+      <p:grpSpPr>
+        <a:xfrm>
+          <a:off x="0" y="0"/>
+          <a:ext cx="0" cy="0"/>
+          <a:chOff x="0" y="0"/>
+          <a:chExt cx="0" cy="0"/>
+        </a:xfrm>
+      </p:grpSpPr>
+      <p:grpSp>
+        <p:nvGrpSpPr>
+          <p:cNvPr id="175" name="组合 3"/>
+          <p:cNvGrpSpPr/>
+          <p:nvPr/>
+        </p:nvGrpSpPr>
+        <p:grpSpPr>
+          <a:xfrm>
+            <a:off x="-12700" y="-275"/>
+            <a:ext cx="12217401" cy="533956"/>
+            <a:chOff x="0" y="0"/>
+            <a:chExt cx="12217400" cy="533954"/>
+          </a:xfrm>
+        </p:grpSpPr>
+        <p:grpSp>
+          <p:nvGrpSpPr>
+            <p:cNvPr id="171" name="矩形 4"/>
+            <p:cNvGrpSpPr/>
+            <p:nvPr/>
+          </p:nvGrpSpPr>
+          <p:grpSpPr>
+            <a:xfrm>
+              <a:off x="-1" y="0"/>
+              <a:ext cx="12204688" cy="496706"/>
+              <a:chOff x="0" y="0"/>
+              <a:chExt cx="12204686" cy="496705"/>
+            </a:xfrm>
+          </p:grpSpPr>
+          <p:sp>
+            <p:nvSpPr>
+              <p:cNvPr id="169" name="矩形"/>
+              <p:cNvSpPr/>
+              <p:nvPr/>
+            </p:nvSpPr>
+            <p:spPr>
+              <a:xfrm>
+                <a:off x="0" y="0"/>
+                <a:ext cx="12204687" cy="496706"/>
+              </a:xfrm>
+              <a:prstGeom prst="rect">
+                <a:avLst/>
+              </a:prstGeom>
+              <a:solidFill>
+                <a:srgbClr val="087DCE"/>
+              </a:solidFill>
+              <a:ln w="12700" cap="flat">
+                <a:noFill/>
+                <a:miter lim="400000"/>
+              </a:ln>
+              <a:effectLst/>
+            </p:spPr>
+            <p:txBody>
+              <a:bodyPr wrap="square" lIns="45718" tIns="45718" rIns="45718" bIns="45718" numCol="1" anchor="ctr">
+                <a:noAutofit/>
+              </a:bodyPr>
+              <a:lstStyle/>
+              <a:p>
+                <a:pPr algn="ctr">
+                  <a:defRPr>
+                    <a:solidFill>
+                      <a:srgbClr val="FFFFFF"/>
+                    </a:solidFill>
+                    <a:latin typeface="SimSun"/>
+                    <a:ea typeface="SimSun"/>
+                    <a:cs typeface="SimSun"/>
+                    <a:sym typeface="SimSun"/>
+                  </a:defRPr>
+                </a:pPr>
+              </a:p>
+            </p:txBody>
+          </p:sp>
+          <p:sp>
+            <p:nvSpPr>
+              <p:cNvPr id="170" name="3 .2 数据分析框架-时间时距模式分析"/>
+              <p:cNvSpPr txBox="1"/>
+              <p:nvPr/>
+            </p:nvSpPr>
+            <p:spPr>
+              <a:xfrm>
+                <a:off x="45766" y="73957"/>
+                <a:ext cx="12113154" cy="348791"/>
+              </a:xfrm>
+              <a:prstGeom prst="rect">
+                <a:avLst/>
+              </a:prstGeom>
+              <a:noFill/>
+              <a:ln w="12700" cap="flat">
+                <a:noFill/>
+                <a:miter lim="400000"/>
+              </a:ln>
+              <a:effectLst/>
+              <a:extLst>
+                <a:ext uri="{C572A759-6A51-4108-AA02-DFA0A04FC94B}">
+                  <ma14:wrappingTextBoxFlag xmlns:ma14="http://schemas.microsoft.com/office/mac/drawingml/2011/main" val="1"/>
+                </a:ext>
+              </a:extLst>
+            </p:spPr>
+            <p:txBody>
+              <a:bodyPr wrap="square" lIns="45718" tIns="45718" rIns="45718" bIns="45718" numCol="1" anchor="ctr">
+                <a:noAutofit/>
+              </a:bodyPr>
+              <a:lstStyle/>
+              <a:p>
+                <a:pPr algn="ctr">
+                  <a:defRPr>
+                    <a:solidFill>
+                      <a:srgbClr val="FFFFFF"/>
+                    </a:solidFill>
+                    <a:latin typeface="Times New Roman"/>
+                    <a:ea typeface="Times New Roman"/>
+                    <a:cs typeface="Times New Roman"/>
+                    <a:sym typeface="Times New Roman"/>
+                  </a:defRPr>
+                </a:pPr>
+                <a:r>
+                  <a:t>3 .2</a:t>
+                </a:r>
+                <a:r>
+                  <a:rPr>
+                    <a:latin typeface="SimSun"/>
+                    <a:ea typeface="SimSun"/>
+                    <a:cs typeface="SimSun"/>
+                    <a:sym typeface="SimSun"/>
+                  </a:rPr>
+                  <a:t> 数据分析框架-空间</a:t>
+                </a:r>
+                <a:r>
+                  <a:rPr>
+                    <a:latin typeface="SimSun"/>
+                    <a:ea typeface="SimSun"/>
+                    <a:cs typeface="SimSun"/>
+                    <a:sym typeface="SimSun"/>
+                  </a:rPr>
+                  <a:t>通勤模式分析框架</a:t>
+                </a:r>
+              </a:p>
+            </p:txBody>
+          </p:sp>
+        </p:grpSp>
+        <p:pic>
+          <p:nvPicPr>
+            <p:cNvPr id="172" name="Picture 2" descr="Picture 2"/>
+            <p:cNvPicPr>
+              <a:picLocks noChangeAspect="1"/>
+            </p:cNvPicPr>
+            <p:nvPr/>
+          </p:nvPicPr>
+          <p:blipFill>
+            <a:blip r:embed="rId2">
+              <a:extLst/>
+            </a:blip>
+            <a:stretch>
+              <a:fillRect/>
+            </a:stretch>
+          </p:blipFill>
+          <p:spPr>
+            <a:xfrm>
+              <a:off x="192192" y="68295"/>
+              <a:ext cx="2297354" cy="360113"/>
+            </a:xfrm>
+            <a:prstGeom prst="rect">
+              <a:avLst/>
+            </a:prstGeom>
+            <a:ln w="12700" cap="flat">
+              <a:noFill/>
+              <a:miter lim="400000"/>
+            </a:ln>
+            <a:effectLst/>
+          </p:spPr>
+        </p:pic>
+        <p:pic>
+          <p:nvPicPr>
+            <p:cNvPr id="173" name="Picture 4" descr="Picture 4"/>
+            <p:cNvPicPr>
+              <a:picLocks noChangeAspect="1"/>
+            </p:cNvPicPr>
+            <p:nvPr/>
+          </p:nvPicPr>
+          <p:blipFill>
+            <a:blip r:embed="rId3">
+              <a:extLst/>
+            </a:blip>
+            <a:stretch>
+              <a:fillRect/>
+            </a:stretch>
+          </p:blipFill>
+          <p:spPr>
+            <a:xfrm>
+              <a:off x="9487049" y="68295"/>
+              <a:ext cx="2550872" cy="272199"/>
+            </a:xfrm>
+            <a:prstGeom prst="rect">
+              <a:avLst/>
+            </a:prstGeom>
+            <a:ln w="12700" cap="flat">
+              <a:noFill/>
+              <a:miter lim="400000"/>
+            </a:ln>
+            <a:effectLst/>
+          </p:spPr>
+        </p:pic>
+        <p:sp>
+          <p:nvSpPr>
+            <p:cNvPr id="174" name="矩形 7"/>
+            <p:cNvSpPr/>
+            <p:nvPr/>
+          </p:nvSpPr>
+          <p:spPr>
+            <a:xfrm>
+              <a:off x="12713" y="496702"/>
+              <a:ext cx="12204688" cy="37253"/>
+            </a:xfrm>
+            <a:prstGeom prst="rect">
+              <a:avLst/>
+            </a:prstGeom>
+            <a:solidFill>
+              <a:srgbClr val="084A9E"/>
+            </a:solidFill>
+            <a:ln w="12700" cap="flat">
+              <a:noFill/>
+              <a:miter lim="400000"/>
+            </a:ln>
+            <a:effectLst/>
+          </p:spPr>
+          <p:txBody>
+            <a:bodyPr wrap="square" lIns="45718" tIns="45718" rIns="45718" bIns="45718" numCol="1" anchor="ctr">
+              <a:noAutofit/>
+            </a:bodyPr>
+            <a:lstStyle/>
+            <a:p>
+              <a:pPr algn="ctr">
+                <a:defRPr>
+                  <a:solidFill>
+                    <a:srgbClr val="FFFFFF"/>
+                  </a:solidFill>
+                  <a:latin typeface="SimSun"/>
+                  <a:ea typeface="SimSun"/>
+                  <a:cs typeface="SimSun"/>
+                  <a:sym typeface="SimSun"/>
+                </a:defRPr>
+              </a:pPr>
+            </a:p>
+          </p:txBody>
+        </p:sp>
+      </p:grpSp>
+    </p:spTree>
+  </p:cSld>
+  <p:clrMapOvr>
+    <a:masterClrMapping/>
+  </p:clrMapOvr>
+  <p:transition xmlns:p14="http://schemas.microsoft.com/office/powerpoint/2010/main" spd="med" advClick="1"/>
 </p:sld>
 </file>
 
 <file path=ppt/theme/theme1.xml><?xml version="1.0" encoding="utf-8"?>
-<a:theme xmlns:a="http://schemas.openxmlformats.org/drawingml/2006/main" name="Office 主题​​">
+<a:theme xmlns:a="http://schemas.openxmlformats.org/drawingml/2006/main" xmlns:r="http://schemas.openxmlformats.org/officeDocument/2006/relationships" name="Office 主题​​">
   <a:themeElements>
     <a:clrScheme name="Office 主题​​">
       <a:dk1>
@@ -4584,9 +5725,9 @@
     </a:clrScheme>
     <a:fontScheme name="Office 主题​​">
       <a:majorFont>
-        <a:latin typeface="Helvetica"/>
-        <a:ea typeface="Helvetica"/>
-        <a:cs typeface="Helvetica"/>
+        <a:latin typeface="SimSong Regular"/>
+        <a:ea typeface="SimSong Regular"/>
+        <a:cs typeface="SimSong Regular"/>
       </a:majorFont>
       <a:minorFont>
         <a:latin typeface="等线"/>
@@ -4734,21 +5875,21 @@
         <a:solidFill>
           <a:srgbClr val="FFFFFF"/>
         </a:solidFill>
-        <a:ln w="12700" cap="flat">
+        <a:ln w="25400" cap="flat">
           <a:solidFill>
             <a:schemeClr val="accent1"/>
           </a:solidFill>
           <a:prstDash val="solid"/>
-          <a:miter lim="800000"/>
+          <a:round/>
         </a:ln>
         <a:effectLst/>
         <a:sp3d/>
       </a:spPr>
-      <a:bodyPr rot="0" spcFirstLastPara="1" vertOverflow="overflow" horzOverflow="overflow" vert="horz" wrap="square" lIns="45719" tIns="45719" rIns="45719" bIns="45719" numCol="1" spcCol="38100" rtlCol="0" anchor="ctr">
+      <a:bodyPr rot="0" spcFirstLastPara="1" vertOverflow="overflow" horzOverflow="overflow" vert="horz" wrap="square" lIns="45718" tIns="45718" rIns="45718" bIns="45718" numCol="1" spcCol="38100" rtlCol="0" anchor="ctr" upright="0">
         <a:spAutoFit/>
       </a:bodyPr>
       <a:lstStyle>
-        <a:defPPr marL="0" marR="0" indent="0" algn="ctr" defTabSz="914400" rtl="0" fontAlgn="auto" latinLnBrk="0" hangingPunct="0">
+        <a:defPPr marL="0" marR="0" indent="0" algn="l" defTabSz="914400" rtl="0" fontAlgn="auto" latinLnBrk="0" hangingPunct="0">
           <a:lnSpc>
             <a:spcPct val="100000"/>
           </a:lnSpc>
@@ -4763,19 +5904,19 @@
           <a:buFontTx/>
           <a:buNone/>
           <a:tabLst/>
-          <a:defRPr kumimoji="0" sz="1800" b="0" i="0" u="none" strike="noStrike" cap="none" spc="0" normalizeH="0" baseline="0">
+          <a:defRPr b="0" baseline="0" cap="none" i="0" spc="0" strike="noStrike" sz="1800" u="none" kumimoji="0" normalizeH="0">
             <a:ln>
               <a:noFill/>
             </a:ln>
             <a:solidFill>
-              <a:srgbClr val="FFFFFF"/>
+              <a:srgbClr val="000000"/>
             </a:solidFill>
             <a:effectLst/>
             <a:uFillTx/>
-            <a:latin typeface="SimSun"/>
-            <a:ea typeface="SimSun"/>
-            <a:cs typeface="SimSun"/>
-            <a:sym typeface="SimSun"/>
+            <a:latin typeface="+mn-lt"/>
+            <a:ea typeface="+mn-ea"/>
+            <a:cs typeface="+mn-cs"/>
+            <a:sym typeface="等线"/>
           </a:defRPr>
         </a:defPPr>
         <a:lvl1pPr marL="0" marR="0" indent="0" algn="l" defTabSz="914400" rtl="0" fontAlgn="auto" latinLnBrk="1" hangingPunct="0">
@@ -4793,7 +5934,7 @@
           <a:buFontTx/>
           <a:buNone/>
           <a:tabLst/>
-          <a:defRPr kumimoji="0" sz="1800" b="0" i="0" u="none" strike="noStrike" cap="none" spc="0" normalizeH="0" baseline="0">
+          <a:defRPr b="0" baseline="0" cap="none" i="0" spc="0" strike="noStrike" sz="1800" u="none" kumimoji="0" normalizeH="0">
             <a:ln>
               <a:noFill/>
             </a:ln>
@@ -4819,7 +5960,7 @@
           <a:buFontTx/>
           <a:buNone/>
           <a:tabLst/>
-          <a:defRPr kumimoji="0" sz="1800" b="0" i="0" u="none" strike="noStrike" cap="none" spc="0" normalizeH="0" baseline="0">
+          <a:defRPr b="0" baseline="0" cap="none" i="0" spc="0" strike="noStrike" sz="1800" u="none" kumimoji="0" normalizeH="0">
             <a:ln>
               <a:noFill/>
             </a:ln>
@@ -4845,7 +5986,7 @@
           <a:buFontTx/>
           <a:buNone/>
           <a:tabLst/>
-          <a:defRPr kumimoji="0" sz="1800" b="0" i="0" u="none" strike="noStrike" cap="none" spc="0" normalizeH="0" baseline="0">
+          <a:defRPr b="0" baseline="0" cap="none" i="0" spc="0" strike="noStrike" sz="1800" u="none" kumimoji="0" normalizeH="0">
             <a:ln>
               <a:noFill/>
             </a:ln>
@@ -4871,7 +6012,7 @@
           <a:buFontTx/>
           <a:buNone/>
           <a:tabLst/>
-          <a:defRPr kumimoji="0" sz="1800" b="0" i="0" u="none" strike="noStrike" cap="none" spc="0" normalizeH="0" baseline="0">
+          <a:defRPr b="0" baseline="0" cap="none" i="0" spc="0" strike="noStrike" sz="1800" u="none" kumimoji="0" normalizeH="0">
             <a:ln>
               <a:noFill/>
             </a:ln>
@@ -4897,7 +6038,7 @@
           <a:buFontTx/>
           <a:buNone/>
           <a:tabLst/>
-          <a:defRPr kumimoji="0" sz="1800" b="0" i="0" u="none" strike="noStrike" cap="none" spc="0" normalizeH="0" baseline="0">
+          <a:defRPr b="0" baseline="0" cap="none" i="0" spc="0" strike="noStrike" sz="1800" u="none" kumimoji="0" normalizeH="0">
             <a:ln>
               <a:noFill/>
             </a:ln>
@@ -4923,7 +6064,7 @@
           <a:buFontTx/>
           <a:buNone/>
           <a:tabLst/>
-          <a:defRPr kumimoji="0" sz="1800" b="0" i="0" u="none" strike="noStrike" cap="none" spc="0" normalizeH="0" baseline="0">
+          <a:defRPr b="0" baseline="0" cap="none" i="0" spc="0" strike="noStrike" sz="1800" u="none" kumimoji="0" normalizeH="0">
             <a:ln>
               <a:noFill/>
             </a:ln>
@@ -4949,7 +6090,7 @@
           <a:buFontTx/>
           <a:buNone/>
           <a:tabLst/>
-          <a:defRPr kumimoji="0" sz="1800" b="0" i="0" u="none" strike="noStrike" cap="none" spc="0" normalizeH="0" baseline="0">
+          <a:defRPr b="0" baseline="0" cap="none" i="0" spc="0" strike="noStrike" sz="1800" u="none" kumimoji="0" normalizeH="0">
             <a:ln>
               <a:noFill/>
             </a:ln>
@@ -4975,7 +6116,7 @@
           <a:buFontTx/>
           <a:buNone/>
           <a:tabLst/>
-          <a:defRPr kumimoji="0" sz="1800" b="0" i="0" u="none" strike="noStrike" cap="none" spc="0" normalizeH="0" baseline="0">
+          <a:defRPr b="0" baseline="0" cap="none" i="0" spc="0" strike="noStrike" sz="1800" u="none" kumimoji="0" normalizeH="0">
             <a:ln>
               <a:noFill/>
             </a:ln>
@@ -5001,7 +6142,7 @@
           <a:buFontTx/>
           <a:buNone/>
           <a:tabLst/>
-          <a:defRPr kumimoji="0" sz="1800" b="0" i="0" u="none" strike="noStrike" cap="none" spc="0" normalizeH="0" baseline="0">
+          <a:defRPr b="0" baseline="0" cap="none" i="0" spc="0" strike="noStrike" sz="1800" u="none" kumimoji="0" normalizeH="0">
             <a:ln>
               <a:noFill/>
             </a:ln>
@@ -5014,32 +6155,26 @@
         </a:lvl9pPr>
       </a:lstStyle>
       <a:style>
-        <a:lnRef idx="0">
-          <a:scrgbClr r="0" g="0" b="0"/>
-        </a:lnRef>
-        <a:fillRef idx="0">
-          <a:scrgbClr r="0" g="0" b="0"/>
-        </a:fillRef>
-        <a:effectRef idx="0">
-          <a:scrgbClr r="0" g="0" b="0"/>
-        </a:effectRef>
+        <a:lnRef idx="0"/>
+        <a:fillRef idx="0"/>
+        <a:effectRef idx="0"/>
         <a:fontRef idx="none"/>
       </a:style>
     </a:spDef>
     <a:lnDef>
       <a:spPr>
         <a:noFill/>
-        <a:ln w="12700" cap="flat">
+        <a:ln w="25400" cap="flat">
           <a:solidFill>
             <a:schemeClr val="accent1"/>
           </a:solidFill>
           <a:prstDash val="solid"/>
-          <a:miter lim="800000"/>
+          <a:round/>
         </a:ln>
         <a:effectLst/>
         <a:sp3d/>
       </a:spPr>
-      <a:bodyPr rot="0" spcFirstLastPara="1" vertOverflow="overflow" horzOverflow="overflow" vert="horz" wrap="square" lIns="91439" tIns="45719" rIns="91439" bIns="45719" numCol="1" spcCol="38100" rtlCol="0" anchor="t">
+      <a:bodyPr rot="0" spcFirstLastPara="1" vertOverflow="overflow" horzOverflow="overflow" vert="horz" wrap="square" lIns="91439" tIns="45719" rIns="91439" bIns="45719" numCol="1" spcCol="38100" rtlCol="0" anchor="t" upright="0">
         <a:noAutofit/>
       </a:bodyPr>
       <a:lstStyle>
@@ -5058,7 +6193,7 @@
           <a:buFontTx/>
           <a:buNone/>
           <a:tabLst/>
-          <a:defRPr kumimoji="0" sz="1800" b="0" i="0" u="none" strike="noStrike" cap="none" spc="0" normalizeH="0" baseline="0">
+          <a:defRPr b="0" baseline="0" cap="none" i="0" spc="0" strike="noStrike" sz="1800" u="none" kumimoji="0" normalizeH="0">
             <a:ln>
               <a:noFill/>
             </a:ln>
@@ -5084,7 +6219,7 @@
           <a:buFontTx/>
           <a:buNone/>
           <a:tabLst/>
-          <a:defRPr kumimoji="0" sz="1800" b="0" i="0" u="none" strike="noStrike" cap="none" spc="0" normalizeH="0" baseline="0">
+          <a:defRPr b="0" baseline="0" cap="none" i="0" spc="0" strike="noStrike" sz="1800" u="none" kumimoji="0" normalizeH="0">
             <a:ln>
               <a:noFill/>
             </a:ln>
@@ -5110,7 +6245,7 @@
           <a:buFontTx/>
           <a:buNone/>
           <a:tabLst/>
-          <a:defRPr kumimoji="0" sz="1800" b="0" i="0" u="none" strike="noStrike" cap="none" spc="0" normalizeH="0" baseline="0">
+          <a:defRPr b="0" baseline="0" cap="none" i="0" spc="0" strike="noStrike" sz="1800" u="none" kumimoji="0" normalizeH="0">
             <a:ln>
               <a:noFill/>
             </a:ln>
@@ -5136,7 +6271,7 @@
           <a:buFontTx/>
           <a:buNone/>
           <a:tabLst/>
-          <a:defRPr kumimoji="0" sz="1800" b="0" i="0" u="none" strike="noStrike" cap="none" spc="0" normalizeH="0" baseline="0">
+          <a:defRPr b="0" baseline="0" cap="none" i="0" spc="0" strike="noStrike" sz="1800" u="none" kumimoji="0" normalizeH="0">
             <a:ln>
               <a:noFill/>
             </a:ln>
@@ -5162,7 +6297,7 @@
           <a:buFontTx/>
           <a:buNone/>
           <a:tabLst/>
-          <a:defRPr kumimoji="0" sz="1800" b="0" i="0" u="none" strike="noStrike" cap="none" spc="0" normalizeH="0" baseline="0">
+          <a:defRPr b="0" baseline="0" cap="none" i="0" spc="0" strike="noStrike" sz="1800" u="none" kumimoji="0" normalizeH="0">
             <a:ln>
               <a:noFill/>
             </a:ln>
@@ -5188,7 +6323,7 @@
           <a:buFontTx/>
           <a:buNone/>
           <a:tabLst/>
-          <a:defRPr kumimoji="0" sz="1800" b="0" i="0" u="none" strike="noStrike" cap="none" spc="0" normalizeH="0" baseline="0">
+          <a:defRPr b="0" baseline="0" cap="none" i="0" spc="0" strike="noStrike" sz="1800" u="none" kumimoji="0" normalizeH="0">
             <a:ln>
               <a:noFill/>
             </a:ln>
@@ -5214,7 +6349,7 @@
           <a:buFontTx/>
           <a:buNone/>
           <a:tabLst/>
-          <a:defRPr kumimoji="0" sz="1800" b="0" i="0" u="none" strike="noStrike" cap="none" spc="0" normalizeH="0" baseline="0">
+          <a:defRPr b="0" baseline="0" cap="none" i="0" spc="0" strike="noStrike" sz="1800" u="none" kumimoji="0" normalizeH="0">
             <a:ln>
               <a:noFill/>
             </a:ln>
@@ -5240,7 +6375,7 @@
           <a:buFontTx/>
           <a:buNone/>
           <a:tabLst/>
-          <a:defRPr kumimoji="0" sz="1800" b="0" i="0" u="none" strike="noStrike" cap="none" spc="0" normalizeH="0" baseline="0">
+          <a:defRPr b="0" baseline="0" cap="none" i="0" spc="0" strike="noStrike" sz="1800" u="none" kumimoji="0" normalizeH="0">
             <a:ln>
               <a:noFill/>
             </a:ln>
@@ -5266,7 +6401,7 @@
           <a:buFontTx/>
           <a:buNone/>
           <a:tabLst/>
-          <a:defRPr kumimoji="0" sz="1800" b="0" i="0" u="none" strike="noStrike" cap="none" spc="0" normalizeH="0" baseline="0">
+          <a:defRPr b="0" baseline="0" cap="none" i="0" spc="0" strike="noStrike" sz="1800" u="none" kumimoji="0" normalizeH="0">
             <a:ln>
               <a:noFill/>
             </a:ln>
@@ -5292,7 +6427,7 @@
           <a:buFontTx/>
           <a:buNone/>
           <a:tabLst/>
-          <a:defRPr kumimoji="0" sz="1800" b="0" i="0" u="none" strike="noStrike" cap="none" spc="0" normalizeH="0" baseline="0">
+          <a:defRPr b="0" baseline="0" cap="none" i="0" spc="0" strike="noStrike" sz="1800" u="none" kumimoji="0" normalizeH="0">
             <a:ln>
               <a:noFill/>
             </a:ln>
@@ -5305,15 +6440,9 @@
         </a:lvl9pPr>
       </a:lstStyle>
       <a:style>
-        <a:lnRef idx="0">
-          <a:scrgbClr r="0" g="0" b="0"/>
-        </a:lnRef>
-        <a:fillRef idx="0">
-          <a:scrgbClr r="0" g="0" b="0"/>
-        </a:fillRef>
-        <a:effectRef idx="0">
-          <a:scrgbClr r="0" g="0" b="0"/>
-        </a:effectRef>
+        <a:lnRef idx="0"/>
+        <a:fillRef idx="0"/>
+        <a:effectRef idx="0"/>
         <a:fontRef idx="none"/>
       </a:style>
     </a:lnDef>
@@ -5327,7 +6456,7 @@
         <a:effectLst/>
         <a:sp3d/>
       </a:spPr>
-      <a:bodyPr rot="0" spcFirstLastPara="1" vertOverflow="overflow" horzOverflow="overflow" vert="horz" wrap="square" lIns="45719" tIns="45719" rIns="45719" bIns="45719" numCol="1" spcCol="38100" rtlCol="0" anchor="t">
+      <a:bodyPr rot="0" spcFirstLastPara="1" vertOverflow="overflow" horzOverflow="overflow" vert="horz" wrap="square" lIns="45718" tIns="45718" rIns="45718" bIns="45718" numCol="1" spcCol="38100" rtlCol="0" anchor="t" upright="0">
         <a:spAutoFit/>
       </a:bodyPr>
       <a:lstStyle>
@@ -5346,7 +6475,7 @@
           <a:buFontTx/>
           <a:buNone/>
           <a:tabLst/>
-          <a:defRPr kumimoji="0" sz="1800" b="0" i="0" u="none" strike="noStrike" cap="none" spc="0" normalizeH="0" baseline="0">
+          <a:defRPr b="0" baseline="0" cap="none" i="0" spc="0" strike="noStrike" sz="1800" u="none" kumimoji="0" normalizeH="0">
             <a:ln>
               <a:noFill/>
             </a:ln>
@@ -5355,10 +6484,10 @@
             </a:solidFill>
             <a:effectLst/>
             <a:uFillTx/>
-            <a:latin typeface="Calibri"/>
-            <a:ea typeface="Calibri"/>
-            <a:cs typeface="Calibri"/>
-            <a:sym typeface="Calibri"/>
+            <a:latin typeface="+mn-lt"/>
+            <a:ea typeface="+mn-ea"/>
+            <a:cs typeface="+mn-cs"/>
+            <a:sym typeface="等线"/>
           </a:defRPr>
         </a:defPPr>
         <a:lvl1pPr marL="0" marR="0" indent="0" algn="l" defTabSz="914400" rtl="0" fontAlgn="auto" latinLnBrk="1" hangingPunct="0">
@@ -5376,7 +6505,7 @@
           <a:buFontTx/>
           <a:buNone/>
           <a:tabLst/>
-          <a:defRPr kumimoji="0" sz="1800" b="0" i="0" u="none" strike="noStrike" cap="none" spc="0" normalizeH="0" baseline="0">
+          <a:defRPr b="0" baseline="0" cap="none" i="0" spc="0" strike="noStrike" sz="1800" u="none" kumimoji="0" normalizeH="0">
             <a:ln>
               <a:noFill/>
             </a:ln>
@@ -5402,7 +6531,7 @@
           <a:buFontTx/>
           <a:buNone/>
           <a:tabLst/>
-          <a:defRPr kumimoji="0" sz="1800" b="0" i="0" u="none" strike="noStrike" cap="none" spc="0" normalizeH="0" baseline="0">
+          <a:defRPr b="0" baseline="0" cap="none" i="0" spc="0" strike="noStrike" sz="1800" u="none" kumimoji="0" normalizeH="0">
             <a:ln>
               <a:noFill/>
             </a:ln>
@@ -5428,7 +6557,7 @@
           <a:buFontTx/>
           <a:buNone/>
           <a:tabLst/>
-          <a:defRPr kumimoji="0" sz="1800" b="0" i="0" u="none" strike="noStrike" cap="none" spc="0" normalizeH="0" baseline="0">
+          <a:defRPr b="0" baseline="0" cap="none" i="0" spc="0" strike="noStrike" sz="1800" u="none" kumimoji="0" normalizeH="0">
             <a:ln>
               <a:noFill/>
             </a:ln>
@@ -5454,7 +6583,7 @@
           <a:buFontTx/>
           <a:buNone/>
           <a:tabLst/>
-          <a:defRPr kumimoji="0" sz="1800" b="0" i="0" u="none" strike="noStrike" cap="none" spc="0" normalizeH="0" baseline="0">
+          <a:defRPr b="0" baseline="0" cap="none" i="0" spc="0" strike="noStrike" sz="1800" u="none" kumimoji="0" normalizeH="0">
             <a:ln>
               <a:noFill/>
             </a:ln>
@@ -5480,7 +6609,7 @@
           <a:buFontTx/>
           <a:buNone/>
           <a:tabLst/>
-          <a:defRPr kumimoji="0" sz="1800" b="0" i="0" u="none" strike="noStrike" cap="none" spc="0" normalizeH="0" baseline="0">
+          <a:defRPr b="0" baseline="0" cap="none" i="0" spc="0" strike="noStrike" sz="1800" u="none" kumimoji="0" normalizeH="0">
             <a:ln>
               <a:noFill/>
             </a:ln>
@@ -5506,7 +6635,7 @@
           <a:buFontTx/>
           <a:buNone/>
           <a:tabLst/>
-          <a:defRPr kumimoji="0" sz="1800" b="0" i="0" u="none" strike="noStrike" cap="none" spc="0" normalizeH="0" baseline="0">
+          <a:defRPr b="0" baseline="0" cap="none" i="0" spc="0" strike="noStrike" sz="1800" u="none" kumimoji="0" normalizeH="0">
             <a:ln>
               <a:noFill/>
             </a:ln>
@@ -5532,7 +6661,7 @@
           <a:buFontTx/>
           <a:buNone/>
           <a:tabLst/>
-          <a:defRPr kumimoji="0" sz="1800" b="0" i="0" u="none" strike="noStrike" cap="none" spc="0" normalizeH="0" baseline="0">
+          <a:defRPr b="0" baseline="0" cap="none" i="0" spc="0" strike="noStrike" sz="1800" u="none" kumimoji="0" normalizeH="0">
             <a:ln>
               <a:noFill/>
             </a:ln>
@@ -5558,7 +6687,7 @@
           <a:buFontTx/>
           <a:buNone/>
           <a:tabLst/>
-          <a:defRPr kumimoji="0" sz="1800" b="0" i="0" u="none" strike="noStrike" cap="none" spc="0" normalizeH="0" baseline="0">
+          <a:defRPr b="0" baseline="0" cap="none" i="0" spc="0" strike="noStrike" sz="1800" u="none" kumimoji="0" normalizeH="0">
             <a:ln>
               <a:noFill/>
             </a:ln>
@@ -5584,7 +6713,7 @@
           <a:buFontTx/>
           <a:buNone/>
           <a:tabLst/>
-          <a:defRPr kumimoji="0" sz="1800" b="0" i="0" u="none" strike="noStrike" cap="none" spc="0" normalizeH="0" baseline="0">
+          <a:defRPr b="0" baseline="0" cap="none" i="0" spc="0" strike="noStrike" sz="1800" u="none" kumimoji="0" normalizeH="0">
             <a:ln>
               <a:noFill/>
             </a:ln>
@@ -5597,25 +6726,18 @@
         </a:lvl9pPr>
       </a:lstStyle>
       <a:style>
-        <a:lnRef idx="0">
-          <a:scrgbClr r="0" g="0" b="0"/>
-        </a:lnRef>
-        <a:fillRef idx="0">
-          <a:scrgbClr r="0" g="0" b="0"/>
-        </a:fillRef>
-        <a:effectRef idx="0">
-          <a:scrgbClr r="0" g="0" b="0"/>
-        </a:effectRef>
+        <a:lnRef idx="0"/>
+        <a:fillRef idx="0"/>
+        <a:effectRef idx="0"/>
         <a:fontRef idx="none"/>
       </a:style>
     </a:txDef>
   </a:objectDefaults>
-  <a:extraClrSchemeLst/>
 </a:theme>
 </file>
 
 <file path=ppt/theme/theme2.xml><?xml version="1.0" encoding="utf-8"?>
-<a:theme xmlns:a="http://schemas.openxmlformats.org/drawingml/2006/main" name="Office 主题​​">
+<a:theme xmlns:a="http://schemas.openxmlformats.org/drawingml/2006/main" xmlns:r="http://schemas.openxmlformats.org/officeDocument/2006/relationships" name="Office 主题​​">
   <a:themeElements>
     <a:clrScheme name="Office 主题​​">
       <a:dk1>
@@ -5657,9 +6779,9 @@
     </a:clrScheme>
     <a:fontScheme name="Office 主题​​">
       <a:majorFont>
-        <a:latin typeface="Helvetica"/>
-        <a:ea typeface="Helvetica"/>
-        <a:cs typeface="Helvetica"/>
+        <a:latin typeface="SimSong Regular"/>
+        <a:ea typeface="SimSong Regular"/>
+        <a:cs typeface="SimSong Regular"/>
       </a:majorFont>
       <a:minorFont>
         <a:latin typeface="等线"/>
@@ -5807,21 +6929,21 @@
         <a:solidFill>
           <a:srgbClr val="FFFFFF"/>
         </a:solidFill>
-        <a:ln w="12700" cap="flat">
+        <a:ln w="25400" cap="flat">
           <a:solidFill>
             <a:schemeClr val="accent1"/>
           </a:solidFill>
           <a:prstDash val="solid"/>
-          <a:miter lim="800000"/>
+          <a:round/>
         </a:ln>
         <a:effectLst/>
         <a:sp3d/>
       </a:spPr>
-      <a:bodyPr rot="0" spcFirstLastPara="1" vertOverflow="overflow" horzOverflow="overflow" vert="horz" wrap="square" lIns="45719" tIns="45719" rIns="45719" bIns="45719" numCol="1" spcCol="38100" rtlCol="0" anchor="ctr">
+      <a:bodyPr rot="0" spcFirstLastPara="1" vertOverflow="overflow" horzOverflow="overflow" vert="horz" wrap="square" lIns="45718" tIns="45718" rIns="45718" bIns="45718" numCol="1" spcCol="38100" rtlCol="0" anchor="ctr" upright="0">
         <a:spAutoFit/>
       </a:bodyPr>
       <a:lstStyle>
-        <a:defPPr marL="0" marR="0" indent="0" algn="ctr" defTabSz="914400" rtl="0" fontAlgn="auto" latinLnBrk="0" hangingPunct="0">
+        <a:defPPr marL="0" marR="0" indent="0" algn="l" defTabSz="914400" rtl="0" fontAlgn="auto" latinLnBrk="0" hangingPunct="0">
           <a:lnSpc>
             <a:spcPct val="100000"/>
           </a:lnSpc>
@@ -5836,19 +6958,19 @@
           <a:buFontTx/>
           <a:buNone/>
           <a:tabLst/>
-          <a:defRPr kumimoji="0" sz="1800" b="0" i="0" u="none" strike="noStrike" cap="none" spc="0" normalizeH="0" baseline="0">
+          <a:defRPr b="0" baseline="0" cap="none" i="0" spc="0" strike="noStrike" sz="1800" u="none" kumimoji="0" normalizeH="0">
             <a:ln>
               <a:noFill/>
             </a:ln>
             <a:solidFill>
-              <a:srgbClr val="FFFFFF"/>
+              <a:srgbClr val="000000"/>
             </a:solidFill>
             <a:effectLst/>
             <a:uFillTx/>
-            <a:latin typeface="SimSun"/>
-            <a:ea typeface="SimSun"/>
-            <a:cs typeface="SimSun"/>
-            <a:sym typeface="SimSun"/>
+            <a:latin typeface="+mn-lt"/>
+            <a:ea typeface="+mn-ea"/>
+            <a:cs typeface="+mn-cs"/>
+            <a:sym typeface="等线"/>
           </a:defRPr>
         </a:defPPr>
         <a:lvl1pPr marL="0" marR="0" indent="0" algn="l" defTabSz="914400" rtl="0" fontAlgn="auto" latinLnBrk="1" hangingPunct="0">
@@ -5866,7 +6988,7 @@
           <a:buFontTx/>
           <a:buNone/>
           <a:tabLst/>
-          <a:defRPr kumimoji="0" sz="1800" b="0" i="0" u="none" strike="noStrike" cap="none" spc="0" normalizeH="0" baseline="0">
+          <a:defRPr b="0" baseline="0" cap="none" i="0" spc="0" strike="noStrike" sz="1800" u="none" kumimoji="0" normalizeH="0">
             <a:ln>
               <a:noFill/>
             </a:ln>
@@ -5892,7 +7014,7 @@
           <a:buFontTx/>
           <a:buNone/>
           <a:tabLst/>
-          <a:defRPr kumimoji="0" sz="1800" b="0" i="0" u="none" strike="noStrike" cap="none" spc="0" normalizeH="0" baseline="0">
+          <a:defRPr b="0" baseline="0" cap="none" i="0" spc="0" strike="noStrike" sz="1800" u="none" kumimoji="0" normalizeH="0">
             <a:ln>
               <a:noFill/>
             </a:ln>
@@ -5918,7 +7040,7 @@
           <a:buFontTx/>
           <a:buNone/>
           <a:tabLst/>
-          <a:defRPr kumimoji="0" sz="1800" b="0" i="0" u="none" strike="noStrike" cap="none" spc="0" normalizeH="0" baseline="0">
+          <a:defRPr b="0" baseline="0" cap="none" i="0" spc="0" strike="noStrike" sz="1800" u="none" kumimoji="0" normalizeH="0">
             <a:ln>
               <a:noFill/>
             </a:ln>
@@ -5944,7 +7066,7 @@
           <a:buFontTx/>
           <a:buNone/>
           <a:tabLst/>
-          <a:defRPr kumimoji="0" sz="1800" b="0" i="0" u="none" strike="noStrike" cap="none" spc="0" normalizeH="0" baseline="0">
+          <a:defRPr b="0" baseline="0" cap="none" i="0" spc="0" strike="noStrike" sz="1800" u="none" kumimoji="0" normalizeH="0">
             <a:ln>
               <a:noFill/>
             </a:ln>
@@ -5970,7 +7092,7 @@
           <a:buFontTx/>
           <a:buNone/>
           <a:tabLst/>
-          <a:defRPr kumimoji="0" sz="1800" b="0" i="0" u="none" strike="noStrike" cap="none" spc="0" normalizeH="0" baseline="0">
+          <a:defRPr b="0" baseline="0" cap="none" i="0" spc="0" strike="noStrike" sz="1800" u="none" kumimoji="0" normalizeH="0">
             <a:ln>
               <a:noFill/>
             </a:ln>
@@ -5996,7 +7118,7 @@
           <a:buFontTx/>
           <a:buNone/>
           <a:tabLst/>
-          <a:defRPr kumimoji="0" sz="1800" b="0" i="0" u="none" strike="noStrike" cap="none" spc="0" normalizeH="0" baseline="0">
+          <a:defRPr b="0" baseline="0" cap="none" i="0" spc="0" strike="noStrike" sz="1800" u="none" kumimoji="0" normalizeH="0">
             <a:ln>
               <a:noFill/>
             </a:ln>
@@ -6022,7 +7144,7 @@
           <a:buFontTx/>
           <a:buNone/>
           <a:tabLst/>
-          <a:defRPr kumimoji="0" sz="1800" b="0" i="0" u="none" strike="noStrike" cap="none" spc="0" normalizeH="0" baseline="0">
+          <a:defRPr b="0" baseline="0" cap="none" i="0" spc="0" strike="noStrike" sz="1800" u="none" kumimoji="0" normalizeH="0">
             <a:ln>
               <a:noFill/>
             </a:ln>
@@ -6048,7 +7170,7 @@
           <a:buFontTx/>
           <a:buNone/>
           <a:tabLst/>
-          <a:defRPr kumimoji="0" sz="1800" b="0" i="0" u="none" strike="noStrike" cap="none" spc="0" normalizeH="0" baseline="0">
+          <a:defRPr b="0" baseline="0" cap="none" i="0" spc="0" strike="noStrike" sz="1800" u="none" kumimoji="0" normalizeH="0">
             <a:ln>
               <a:noFill/>
             </a:ln>
@@ -6074,7 +7196,7 @@
           <a:buFontTx/>
           <a:buNone/>
           <a:tabLst/>
-          <a:defRPr kumimoji="0" sz="1800" b="0" i="0" u="none" strike="noStrike" cap="none" spc="0" normalizeH="0" baseline="0">
+          <a:defRPr b="0" baseline="0" cap="none" i="0" spc="0" strike="noStrike" sz="1800" u="none" kumimoji="0" normalizeH="0">
             <a:ln>
               <a:noFill/>
             </a:ln>
@@ -6087,32 +7209,26 @@
         </a:lvl9pPr>
       </a:lstStyle>
       <a:style>
-        <a:lnRef idx="0">
-          <a:scrgbClr r="0" g="0" b="0"/>
-        </a:lnRef>
-        <a:fillRef idx="0">
-          <a:scrgbClr r="0" g="0" b="0"/>
-        </a:fillRef>
-        <a:effectRef idx="0">
-          <a:scrgbClr r="0" g="0" b="0"/>
-        </a:effectRef>
+        <a:lnRef idx="0"/>
+        <a:fillRef idx="0"/>
+        <a:effectRef idx="0"/>
         <a:fontRef idx="none"/>
       </a:style>
     </a:spDef>
     <a:lnDef>
       <a:spPr>
         <a:noFill/>
-        <a:ln w="12700" cap="flat">
+        <a:ln w="25400" cap="flat">
           <a:solidFill>
             <a:schemeClr val="accent1"/>
           </a:solidFill>
           <a:prstDash val="solid"/>
-          <a:miter lim="800000"/>
+          <a:round/>
         </a:ln>
         <a:effectLst/>
         <a:sp3d/>
       </a:spPr>
-      <a:bodyPr rot="0" spcFirstLastPara="1" vertOverflow="overflow" horzOverflow="overflow" vert="horz" wrap="square" lIns="91439" tIns="45719" rIns="91439" bIns="45719" numCol="1" spcCol="38100" rtlCol="0" anchor="t">
+      <a:bodyPr rot="0" spcFirstLastPara="1" vertOverflow="overflow" horzOverflow="overflow" vert="horz" wrap="square" lIns="91439" tIns="45719" rIns="91439" bIns="45719" numCol="1" spcCol="38100" rtlCol="0" anchor="t" upright="0">
         <a:noAutofit/>
       </a:bodyPr>
       <a:lstStyle>
@@ -6131,7 +7247,7 @@
           <a:buFontTx/>
           <a:buNone/>
           <a:tabLst/>
-          <a:defRPr kumimoji="0" sz="1800" b="0" i="0" u="none" strike="noStrike" cap="none" spc="0" normalizeH="0" baseline="0">
+          <a:defRPr b="0" baseline="0" cap="none" i="0" spc="0" strike="noStrike" sz="1800" u="none" kumimoji="0" normalizeH="0">
             <a:ln>
               <a:noFill/>
             </a:ln>
@@ -6157,7 +7273,7 @@
           <a:buFontTx/>
           <a:buNone/>
           <a:tabLst/>
-          <a:defRPr kumimoji="0" sz="1800" b="0" i="0" u="none" strike="noStrike" cap="none" spc="0" normalizeH="0" baseline="0">
+          <a:defRPr b="0" baseline="0" cap="none" i="0" spc="0" strike="noStrike" sz="1800" u="none" kumimoji="0" normalizeH="0">
             <a:ln>
               <a:noFill/>
             </a:ln>
@@ -6183,7 +7299,7 @@
           <a:buFontTx/>
           <a:buNone/>
           <a:tabLst/>
-          <a:defRPr kumimoji="0" sz="1800" b="0" i="0" u="none" strike="noStrike" cap="none" spc="0" normalizeH="0" baseline="0">
+          <a:defRPr b="0" baseline="0" cap="none" i="0" spc="0" strike="noStrike" sz="1800" u="none" kumimoji="0" normalizeH="0">
             <a:ln>
               <a:noFill/>
             </a:ln>
@@ -6209,7 +7325,7 @@
           <a:buFontTx/>
           <a:buNone/>
           <a:tabLst/>
-          <a:defRPr kumimoji="0" sz="1800" b="0" i="0" u="none" strike="noStrike" cap="none" spc="0" normalizeH="0" baseline="0">
+          <a:defRPr b="0" baseline="0" cap="none" i="0" spc="0" strike="noStrike" sz="1800" u="none" kumimoji="0" normalizeH="0">
             <a:ln>
               <a:noFill/>
             </a:ln>
@@ -6235,7 +7351,7 @@
           <a:buFontTx/>
           <a:buNone/>
           <a:tabLst/>
-          <a:defRPr kumimoji="0" sz="1800" b="0" i="0" u="none" strike="noStrike" cap="none" spc="0" normalizeH="0" baseline="0">
+          <a:defRPr b="0" baseline="0" cap="none" i="0" spc="0" strike="noStrike" sz="1800" u="none" kumimoji="0" normalizeH="0">
             <a:ln>
               <a:noFill/>
             </a:ln>
@@ -6261,7 +7377,7 @@
           <a:buFontTx/>
           <a:buNone/>
           <a:tabLst/>
-          <a:defRPr kumimoji="0" sz="1800" b="0" i="0" u="none" strike="noStrike" cap="none" spc="0" normalizeH="0" baseline="0">
+          <a:defRPr b="0" baseline="0" cap="none" i="0" spc="0" strike="noStrike" sz="1800" u="none" kumimoji="0" normalizeH="0">
             <a:ln>
               <a:noFill/>
             </a:ln>
@@ -6287,7 +7403,7 @@
           <a:buFontTx/>
           <a:buNone/>
           <a:tabLst/>
-          <a:defRPr kumimoji="0" sz="1800" b="0" i="0" u="none" strike="noStrike" cap="none" spc="0" normalizeH="0" baseline="0">
+          <a:defRPr b="0" baseline="0" cap="none" i="0" spc="0" strike="noStrike" sz="1800" u="none" kumimoji="0" normalizeH="0">
             <a:ln>
               <a:noFill/>
             </a:ln>
@@ -6313,7 +7429,7 @@
           <a:buFontTx/>
           <a:buNone/>
           <a:tabLst/>
-          <a:defRPr kumimoji="0" sz="1800" b="0" i="0" u="none" strike="noStrike" cap="none" spc="0" normalizeH="0" baseline="0">
+          <a:defRPr b="0" baseline="0" cap="none" i="0" spc="0" strike="noStrike" sz="1800" u="none" kumimoji="0" normalizeH="0">
             <a:ln>
               <a:noFill/>
             </a:ln>
@@ -6339,7 +7455,7 @@
           <a:buFontTx/>
           <a:buNone/>
           <a:tabLst/>
-          <a:defRPr kumimoji="0" sz="1800" b="0" i="0" u="none" strike="noStrike" cap="none" spc="0" normalizeH="0" baseline="0">
+          <a:defRPr b="0" baseline="0" cap="none" i="0" spc="0" strike="noStrike" sz="1800" u="none" kumimoji="0" normalizeH="0">
             <a:ln>
               <a:noFill/>
             </a:ln>
@@ -6365,7 +7481,7 @@
           <a:buFontTx/>
           <a:buNone/>
           <a:tabLst/>
-          <a:defRPr kumimoji="0" sz="1800" b="0" i="0" u="none" strike="noStrike" cap="none" spc="0" normalizeH="0" baseline="0">
+          <a:defRPr b="0" baseline="0" cap="none" i="0" spc="0" strike="noStrike" sz="1800" u="none" kumimoji="0" normalizeH="0">
             <a:ln>
               <a:noFill/>
             </a:ln>
@@ -6378,15 +7494,9 @@
         </a:lvl9pPr>
       </a:lstStyle>
       <a:style>
-        <a:lnRef idx="0">
-          <a:scrgbClr r="0" g="0" b="0"/>
-        </a:lnRef>
-        <a:fillRef idx="0">
-          <a:scrgbClr r="0" g="0" b="0"/>
-        </a:fillRef>
-        <a:effectRef idx="0">
-          <a:scrgbClr r="0" g="0" b="0"/>
-        </a:effectRef>
+        <a:lnRef idx="0"/>
+        <a:fillRef idx="0"/>
+        <a:effectRef idx="0"/>
         <a:fontRef idx="none"/>
       </a:style>
     </a:lnDef>
@@ -6400,7 +7510,7 @@
         <a:effectLst/>
         <a:sp3d/>
       </a:spPr>
-      <a:bodyPr rot="0" spcFirstLastPara="1" vertOverflow="overflow" horzOverflow="overflow" vert="horz" wrap="square" lIns="45719" tIns="45719" rIns="45719" bIns="45719" numCol="1" spcCol="38100" rtlCol="0" anchor="t">
+      <a:bodyPr rot="0" spcFirstLastPara="1" vertOverflow="overflow" horzOverflow="overflow" vert="horz" wrap="square" lIns="45718" tIns="45718" rIns="45718" bIns="45718" numCol="1" spcCol="38100" rtlCol="0" anchor="t" upright="0">
         <a:spAutoFit/>
       </a:bodyPr>
       <a:lstStyle>
@@ -6419,7 +7529,7 @@
           <a:buFontTx/>
           <a:buNone/>
           <a:tabLst/>
-          <a:defRPr kumimoji="0" sz="1800" b="0" i="0" u="none" strike="noStrike" cap="none" spc="0" normalizeH="0" baseline="0">
+          <a:defRPr b="0" baseline="0" cap="none" i="0" spc="0" strike="noStrike" sz="1800" u="none" kumimoji="0" normalizeH="0">
             <a:ln>
               <a:noFill/>
             </a:ln>
@@ -6428,10 +7538,10 @@
             </a:solidFill>
             <a:effectLst/>
             <a:uFillTx/>
-            <a:latin typeface="Calibri"/>
-            <a:ea typeface="Calibri"/>
-            <a:cs typeface="Calibri"/>
-            <a:sym typeface="Calibri"/>
+            <a:latin typeface="+mn-lt"/>
+            <a:ea typeface="+mn-ea"/>
+            <a:cs typeface="+mn-cs"/>
+            <a:sym typeface="等线"/>
           </a:defRPr>
         </a:defPPr>
         <a:lvl1pPr marL="0" marR="0" indent="0" algn="l" defTabSz="914400" rtl="0" fontAlgn="auto" latinLnBrk="1" hangingPunct="0">
@@ -6449,7 +7559,7 @@
           <a:buFontTx/>
           <a:buNone/>
           <a:tabLst/>
-          <a:defRPr kumimoji="0" sz="1800" b="0" i="0" u="none" strike="noStrike" cap="none" spc="0" normalizeH="0" baseline="0">
+          <a:defRPr b="0" baseline="0" cap="none" i="0" spc="0" strike="noStrike" sz="1800" u="none" kumimoji="0" normalizeH="0">
             <a:ln>
               <a:noFill/>
             </a:ln>
@@ -6475,7 +7585,7 @@
           <a:buFontTx/>
           <a:buNone/>
           <a:tabLst/>
-          <a:defRPr kumimoji="0" sz="1800" b="0" i="0" u="none" strike="noStrike" cap="none" spc="0" normalizeH="0" baseline="0">
+          <a:defRPr b="0" baseline="0" cap="none" i="0" spc="0" strike="noStrike" sz="1800" u="none" kumimoji="0" normalizeH="0">
             <a:ln>
               <a:noFill/>
             </a:ln>
@@ -6501,7 +7611,7 @@
           <a:buFontTx/>
           <a:buNone/>
           <a:tabLst/>
-          <a:defRPr kumimoji="0" sz="1800" b="0" i="0" u="none" strike="noStrike" cap="none" spc="0" normalizeH="0" baseline="0">
+          <a:defRPr b="0" baseline="0" cap="none" i="0" spc="0" strike="noStrike" sz="1800" u="none" kumimoji="0" normalizeH="0">
             <a:ln>
               <a:noFill/>
             </a:ln>
@@ -6527,7 +7637,7 @@
           <a:buFontTx/>
           <a:buNone/>
           <a:tabLst/>
-          <a:defRPr kumimoji="0" sz="1800" b="0" i="0" u="none" strike="noStrike" cap="none" spc="0" normalizeH="0" baseline="0">
+          <a:defRPr b="0" baseline="0" cap="none" i="0" spc="0" strike="noStrike" sz="1800" u="none" kumimoji="0" normalizeH="0">
             <a:ln>
               <a:noFill/>
             </a:ln>
@@ -6553,7 +7663,7 @@
           <a:buFontTx/>
           <a:buNone/>
           <a:tabLst/>
-          <a:defRPr kumimoji="0" sz="1800" b="0" i="0" u="none" strike="noStrike" cap="none" spc="0" normalizeH="0" baseline="0">
+          <a:defRPr b="0" baseline="0" cap="none" i="0" spc="0" strike="noStrike" sz="1800" u="none" kumimoji="0" normalizeH="0">
             <a:ln>
               <a:noFill/>
             </a:ln>
@@ -6579,7 +7689,7 @@
           <a:buFontTx/>
           <a:buNone/>
           <a:tabLst/>
-          <a:defRPr kumimoji="0" sz="1800" b="0" i="0" u="none" strike="noStrike" cap="none" spc="0" normalizeH="0" baseline="0">
+          <a:defRPr b="0" baseline="0" cap="none" i="0" spc="0" strike="noStrike" sz="1800" u="none" kumimoji="0" normalizeH="0">
             <a:ln>
               <a:noFill/>
             </a:ln>
@@ -6605,7 +7715,7 @@
           <a:buFontTx/>
           <a:buNone/>
           <a:tabLst/>
-          <a:defRPr kumimoji="0" sz="1800" b="0" i="0" u="none" strike="noStrike" cap="none" spc="0" normalizeH="0" baseline="0">
+          <a:defRPr b="0" baseline="0" cap="none" i="0" spc="0" strike="noStrike" sz="1800" u="none" kumimoji="0" normalizeH="0">
             <a:ln>
               <a:noFill/>
             </a:ln>
@@ -6631,7 +7741,7 @@
           <a:buFontTx/>
           <a:buNone/>
           <a:tabLst/>
-          <a:defRPr kumimoji="0" sz="1800" b="0" i="0" u="none" strike="noStrike" cap="none" spc="0" normalizeH="0" baseline="0">
+          <a:defRPr b="0" baseline="0" cap="none" i="0" spc="0" strike="noStrike" sz="1800" u="none" kumimoji="0" normalizeH="0">
             <a:ln>
               <a:noFill/>
             </a:ln>
@@ -6657,7 +7767,7 @@
           <a:buFontTx/>
           <a:buNone/>
           <a:tabLst/>
-          <a:defRPr kumimoji="0" sz="1800" b="0" i="0" u="none" strike="noStrike" cap="none" spc="0" normalizeH="0" baseline="0">
+          <a:defRPr b="0" baseline="0" cap="none" i="0" spc="0" strike="noStrike" sz="1800" u="none" kumimoji="0" normalizeH="0">
             <a:ln>
               <a:noFill/>
             </a:ln>
@@ -6670,19 +7780,12 @@
         </a:lvl9pPr>
       </a:lstStyle>
       <a:style>
-        <a:lnRef idx="0">
-          <a:scrgbClr r="0" g="0" b="0"/>
-        </a:lnRef>
-        <a:fillRef idx="0">
-          <a:scrgbClr r="0" g="0" b="0"/>
-        </a:fillRef>
-        <a:effectRef idx="0">
-          <a:scrgbClr r="0" g="0" b="0"/>
-        </a:effectRef>
+        <a:lnRef idx="0"/>
+        <a:fillRef idx="0"/>
+        <a:effectRef idx="0"/>
         <a:fontRef idx="none"/>
       </a:style>
     </a:txDef>
   </a:objectDefaults>
-  <a:extraClrSchemeLst/>
 </a:theme>
 </file>